--- a/WeaselWords-DotnetDevCon.pptx
+++ b/WeaselWords-DotnetDevCon.pptx
@@ -5,7 +5,7 @@
     <p:sldMasterId id="2147483648" r:id="rId1"/>
   </p:sldMasterIdLst>
   <p:notesMasterIdLst>
-    <p:notesMasterId r:id="rId114"/>
+    <p:notesMasterId r:id="rId125"/>
   </p:notesMasterIdLst>
   <p:sldIdLst>
     <p:sldId id="327" r:id="rId2"/>
@@ -97,29 +97,40 @@
     <p:sldId id="499" r:id="rId88"/>
     <p:sldId id="500" r:id="rId89"/>
     <p:sldId id="509" r:id="rId90"/>
-    <p:sldId id="507" r:id="rId91"/>
-    <p:sldId id="503" r:id="rId92"/>
-    <p:sldId id="504" r:id="rId93"/>
-    <p:sldId id="510" r:id="rId94"/>
-    <p:sldId id="511" r:id="rId95"/>
-    <p:sldId id="505" r:id="rId96"/>
-    <p:sldId id="501" r:id="rId97"/>
-    <p:sldId id="313" r:id="rId98"/>
-    <p:sldId id="314" r:id="rId99"/>
-    <p:sldId id="315" r:id="rId100"/>
-    <p:sldId id="316" r:id="rId101"/>
-    <p:sldId id="317" r:id="rId102"/>
-    <p:sldId id="376" r:id="rId103"/>
-    <p:sldId id="318" r:id="rId104"/>
-    <p:sldId id="319" r:id="rId105"/>
-    <p:sldId id="347" r:id="rId106"/>
-    <p:sldId id="369" r:id="rId107"/>
-    <p:sldId id="370" r:id="rId108"/>
-    <p:sldId id="371" r:id="rId109"/>
-    <p:sldId id="372" r:id="rId110"/>
-    <p:sldId id="474" r:id="rId111"/>
-    <p:sldId id="306" r:id="rId112"/>
-    <p:sldId id="296" r:id="rId113"/>
+    <p:sldId id="504" r:id="rId91"/>
+    <p:sldId id="511" r:id="rId92"/>
+    <p:sldId id="518" r:id="rId93"/>
+    <p:sldId id="519" r:id="rId94"/>
+    <p:sldId id="520" r:id="rId95"/>
+    <p:sldId id="515" r:id="rId96"/>
+    <p:sldId id="514" r:id="rId97"/>
+    <p:sldId id="516" r:id="rId98"/>
+    <p:sldId id="505" r:id="rId99"/>
+    <p:sldId id="517" r:id="rId100"/>
+    <p:sldId id="501" r:id="rId101"/>
+    <p:sldId id="313" r:id="rId102"/>
+    <p:sldId id="314" r:id="rId103"/>
+    <p:sldId id="315" r:id="rId104"/>
+    <p:sldId id="316" r:id="rId105"/>
+    <p:sldId id="317" r:id="rId106"/>
+    <p:sldId id="521" r:id="rId107"/>
+    <p:sldId id="522" r:id="rId108"/>
+    <p:sldId id="523" r:id="rId109"/>
+    <p:sldId id="347" r:id="rId110"/>
+    <p:sldId id="369" r:id="rId111"/>
+    <p:sldId id="370" r:id="rId112"/>
+    <p:sldId id="371" r:id="rId113"/>
+    <p:sldId id="372" r:id="rId114"/>
+    <p:sldId id="525" r:id="rId115"/>
+    <p:sldId id="526" r:id="rId116"/>
+    <p:sldId id="527" r:id="rId117"/>
+    <p:sldId id="528" r:id="rId118"/>
+    <p:sldId id="529" r:id="rId119"/>
+    <p:sldId id="530" r:id="rId120"/>
+    <p:sldId id="524" r:id="rId121"/>
+    <p:sldId id="474" r:id="rId122"/>
+    <p:sldId id="306" r:id="rId123"/>
+    <p:sldId id="296" r:id="rId124"/>
   </p:sldIdLst>
   <p:sldSz cx="9144000" cy="6858000" type="screen4x3"/>
   <p:notesSz cx="7099300" cy="10234613"/>
@@ -573,6 +584,115 @@
     </a:lvl9pPr>
   </p:notesStyle>
 </p:notesMaster>
+</file>
+
+<file path=ppt/notesSlides/notesSlide1.xml><?xml version="1.0" encoding="utf-8"?>
+<p:notes xmlns:a="http://schemas.openxmlformats.org/drawingml/2006/main" xmlns:r="http://schemas.openxmlformats.org/officeDocument/2006/relationships" xmlns:p="http://schemas.openxmlformats.org/presentationml/2006/main">
+  <p:cSld>
+    <p:spTree>
+      <p:nvGrpSpPr>
+        <p:cNvPr id="1" name=""/>
+        <p:cNvGrpSpPr/>
+        <p:nvPr/>
+      </p:nvGrpSpPr>
+      <p:grpSpPr>
+        <a:xfrm>
+          <a:off x="0" y="0"/>
+          <a:ext cx="0" cy="0"/>
+          <a:chOff x="0" y="0"/>
+          <a:chExt cx="0" cy="0"/>
+        </a:xfrm>
+      </p:grpSpPr>
+      <p:sp>
+        <p:nvSpPr>
+          <p:cNvPr id="2" name="Folienbildplatzhalter 1"/>
+          <p:cNvSpPr>
+            <a:spLocks noGrp="1" noRot="1" noChangeAspect="1"/>
+          </p:cNvSpPr>
+          <p:nvPr>
+            <p:ph type="sldImg"/>
+          </p:nvPr>
+        </p:nvSpPr>
+        <p:spPr/>
+      </p:sp>
+      <p:sp>
+        <p:nvSpPr>
+          <p:cNvPr id="3" name="Notizenplatzhalter 2"/>
+          <p:cNvSpPr>
+            <a:spLocks noGrp="1"/>
+          </p:cNvSpPr>
+          <p:nvPr>
+            <p:ph type="body" idx="1"/>
+          </p:nvPr>
+        </p:nvSpPr>
+        <p:spPr/>
+        <p:txBody>
+          <a:bodyPr/>
+          <a:lstStyle/>
+          <a:p>
+            <a:r>
+              <a:rPr lang="en-US" dirty="0" smtClean="0"/>
+              <a:t>Und </a:t>
+            </a:r>
+            <a:r>
+              <a:rPr lang="en-US" dirty="0" err="1" smtClean="0"/>
+              <a:t>damit</a:t>
+            </a:r>
+            <a:r>
+              <a:rPr lang="en-US" dirty="0" smtClean="0"/>
+              <a:t> w</a:t>
+            </a:r>
+            <a:r>
+              <a:rPr lang="de-DE" dirty="0" err="1" smtClean="0"/>
+              <a:t>ären</a:t>
+            </a:r>
+            <a:r>
+              <a:rPr lang="de-DE" baseline="0" dirty="0" smtClean="0"/>
+              <a:t> wir schon beim nächsten </a:t>
+            </a:r>
+            <a:r>
+              <a:rPr lang="de-DE" baseline="0" dirty="0" err="1" smtClean="0"/>
+              <a:t>Weaselword</a:t>
+            </a:r>
+            <a:endParaRPr lang="de-DE" dirty="0"/>
+          </a:p>
+        </p:txBody>
+      </p:sp>
+      <p:sp>
+        <p:nvSpPr>
+          <p:cNvPr id="4" name="Foliennummernplatzhalter 3"/>
+          <p:cNvSpPr>
+            <a:spLocks noGrp="1"/>
+          </p:cNvSpPr>
+          <p:nvPr>
+            <p:ph type="sldNum" sz="quarter" idx="10"/>
+          </p:nvPr>
+        </p:nvSpPr>
+        <p:spPr/>
+        <p:txBody>
+          <a:bodyPr/>
+          <a:lstStyle/>
+          <a:p>
+            <a:fld id="{1BF86264-EC1B-4B19-8F55-7D3ABAE85A36}" type="slidenum">
+              <a:rPr lang="en-US" smtClean="0"/>
+              <a:pPr/>
+              <a:t>97</a:t>
+            </a:fld>
+            <a:endParaRPr lang="en-US"/>
+          </a:p>
+        </p:txBody>
+      </p:sp>
+    </p:spTree>
+    <p:extLst>
+      <p:ext uri="{BB962C8B-B14F-4D97-AF65-F5344CB8AC3E}">
+        <p14:creationId xmlns:p14="http://schemas.microsoft.com/office/powerpoint/2010/main" val="1932979210"/>
+      </p:ext>
+    </p:extLst>
+  </p:cSld>
+  <p:clrMapOvr>
+    <a:masterClrMapping/>
+  </p:clrMapOvr>
+</p:notes>
 </file>
 
 <file path=ppt/slideLayouts/slideLayout1.xml><?xml version="1.0" encoding="utf-8"?>
@@ -3862,6 +3982,13 @@
   <p:clrMapOvr>
     <a:masterClrMapping/>
   </p:clrMapOvr>
+  <p:timing>
+    <p:tnLst>
+      <p:par>
+        <p:cTn id="1" dur="indefinite" restart="never" nodeType="tmRoot"/>
+      </p:par>
+    </p:tnLst>
+  </p:timing>
 </p:sld>
 </file>
 
@@ -3905,6 +4032,73 @@
           <a:lstStyle/>
           <a:p>
             <a:r>
+              <a:rPr lang="en-US" dirty="0" smtClean="0"/>
+              <a:t>Rather than “a general reusable solution to a commonly occurring problem”, I currently think of design patterns as a shared vocabulary for discussing the observable commonalities between two or more solutions, after they’ve emerged.</a:t>
+            </a:r>
+            <a:endParaRPr lang="en-US" dirty="0"/>
+          </a:p>
+        </p:txBody>
+      </p:sp>
+    </p:spTree>
+    <p:extLst>
+      <p:ext uri="{BB962C8B-B14F-4D97-AF65-F5344CB8AC3E}">
+        <p14:creationId xmlns:p14="http://schemas.microsoft.com/office/powerpoint/2010/main" val="3650041397"/>
+      </p:ext>
+    </p:extLst>
+  </p:cSld>
+  <p:clrMapOvr>
+    <a:masterClrMapping/>
+  </p:clrMapOvr>
+  <p:timing>
+    <p:tnLst>
+      <p:par>
+        <p:cTn id="1" dur="indefinite" restart="never" nodeType="tmRoot"/>
+      </p:par>
+    </p:tnLst>
+  </p:timing>
+</p:sld>
+</file>
+
+<file path=ppt/slides/slide101.xml><?xml version="1.0" encoding="utf-8"?>
+<p:sld xmlns:a="http://schemas.openxmlformats.org/drawingml/2006/main" xmlns:r="http://schemas.openxmlformats.org/officeDocument/2006/relationships" xmlns:p="http://schemas.openxmlformats.org/presentationml/2006/main">
+  <p:cSld>
+    <p:spTree>
+      <p:nvGrpSpPr>
+        <p:cNvPr id="1" name=""/>
+        <p:cNvGrpSpPr/>
+        <p:nvPr/>
+      </p:nvGrpSpPr>
+      <p:grpSpPr>
+        <a:xfrm>
+          <a:off x="0" y="0"/>
+          <a:ext cx="0" cy="0"/>
+          <a:chOff x="0" y="0"/>
+          <a:chExt cx="0" cy="0"/>
+        </a:xfrm>
+      </p:grpSpPr>
+      <p:sp>
+        <p:nvSpPr>
+          <p:cNvPr id="2" name="Titel 1"/>
+          <p:cNvSpPr>
+            <a:spLocks noGrp="1"/>
+          </p:cNvSpPr>
+          <p:nvPr>
+            <p:ph type="title"/>
+          </p:nvPr>
+        </p:nvSpPr>
+        <p:spPr>
+          <a:xfrm>
+            <a:off x="0" y="0"/>
+            <a:ext cx="9144000" cy="6858000"/>
+          </a:xfrm>
+        </p:spPr>
+        <p:txBody>
+          <a:bodyPr>
+            <a:normAutofit/>
+          </a:bodyPr>
+          <a:lstStyle/>
+          <a:p>
+            <a:r>
               <a:rPr lang="en-US" dirty="0" smtClean="0">
                 <a:solidFill>
                   <a:schemeClr val="bg1">
@@ -3912,11 +4106,11 @@
                   </a:schemeClr>
                 </a:solidFill>
               </a:rPr>
-              <a:t>Rather than “a general reusable solution to a commonly occurring problem”, I currently think of design patterns as a shared vocabulary for discussing the observable commonalities between two or more solutions, </a:t>
+              <a:t>Rather than </a:t>
             </a:r>
             <a:r>
               <a:rPr lang="en-US" dirty="0" smtClean="0"/>
-              <a:t>after they’ve emerged</a:t>
+              <a:t>“a general reusable solution to a commonly occurring problem”</a:t>
             </a:r>
             <a:r>
               <a:rPr lang="en-US" dirty="0" smtClean="0">
@@ -3926,7 +4120,7 @@
                   </a:schemeClr>
                 </a:solidFill>
               </a:rPr>
-              <a:t>.</a:t>
+              <a:t>, I currently think of design patterns as a shared vocabulary for discussing the observable commonalities between two or more solutions, after they’ve emerged.</a:t>
             </a:r>
             <a:endParaRPr lang="en-US" dirty="0">
               <a:solidFill>
@@ -3953,7 +4147,295 @@
 </p:sld>
 </file>
 
-<file path=ppt/slides/slide101.xml><?xml version="1.0" encoding="utf-8"?>
+<file path=ppt/slides/slide102.xml><?xml version="1.0" encoding="utf-8"?>
+<p:sld xmlns:a="http://schemas.openxmlformats.org/drawingml/2006/main" xmlns:r="http://schemas.openxmlformats.org/officeDocument/2006/relationships" xmlns:p="http://schemas.openxmlformats.org/presentationml/2006/main">
+  <p:cSld>
+    <p:spTree>
+      <p:nvGrpSpPr>
+        <p:cNvPr id="1" name=""/>
+        <p:cNvGrpSpPr/>
+        <p:nvPr/>
+      </p:nvGrpSpPr>
+      <p:grpSpPr>
+        <a:xfrm>
+          <a:off x="0" y="0"/>
+          <a:ext cx="0" cy="0"/>
+          <a:chOff x="0" y="0"/>
+          <a:chExt cx="0" cy="0"/>
+        </a:xfrm>
+      </p:grpSpPr>
+      <p:sp>
+        <p:nvSpPr>
+          <p:cNvPr id="2" name="Titel 1"/>
+          <p:cNvSpPr>
+            <a:spLocks noGrp="1"/>
+          </p:cNvSpPr>
+          <p:nvPr>
+            <p:ph type="title"/>
+          </p:nvPr>
+        </p:nvSpPr>
+        <p:spPr>
+          <a:xfrm>
+            <a:off x="0" y="0"/>
+            <a:ext cx="9144000" cy="6858000"/>
+          </a:xfrm>
+        </p:spPr>
+        <p:txBody>
+          <a:bodyPr>
+            <a:normAutofit/>
+          </a:bodyPr>
+          <a:lstStyle/>
+          <a:p>
+            <a:r>
+              <a:rPr lang="en-US" dirty="0" smtClean="0">
+                <a:solidFill>
+                  <a:schemeClr val="bg1">
+                    <a:lumMod val="75000"/>
+                  </a:schemeClr>
+                </a:solidFill>
+              </a:rPr>
+              <a:t>Rather than “a general reusable solution to a commonly occurring problem”,</a:t>
+            </a:r>
+            <a:r>
+              <a:rPr lang="en-US" dirty="0" smtClean="0">
+                <a:solidFill>
+                  <a:srgbClr val="FF7400"/>
+                </a:solidFill>
+              </a:rPr>
+              <a:t> I currently think </a:t>
+            </a:r>
+            <a:r>
+              <a:rPr lang="en-US" dirty="0" smtClean="0">
+                <a:solidFill>
+                  <a:schemeClr val="bg1">
+                    <a:lumMod val="75000"/>
+                  </a:schemeClr>
+                </a:solidFill>
+              </a:rPr>
+              <a:t>of design patterns as a shared vocabulary for discussing the observable commonalities between two or more solutions, after they’ve emerged.</a:t>
+            </a:r>
+            <a:endParaRPr lang="en-US" dirty="0">
+              <a:solidFill>
+                <a:schemeClr val="bg1">
+                  <a:lumMod val="75000"/>
+                </a:schemeClr>
+              </a:solidFill>
+            </a:endParaRPr>
+          </a:p>
+        </p:txBody>
+      </p:sp>
+    </p:spTree>
+  </p:cSld>
+  <p:clrMapOvr>
+    <a:masterClrMapping/>
+  </p:clrMapOvr>
+  <p:timing>
+    <p:tnLst>
+      <p:par>
+        <p:cTn id="1" dur="indefinite" restart="never" nodeType="tmRoot"/>
+      </p:par>
+    </p:tnLst>
+  </p:timing>
+</p:sld>
+</file>
+
+<file path=ppt/slides/slide103.xml><?xml version="1.0" encoding="utf-8"?>
+<p:sld xmlns:a="http://schemas.openxmlformats.org/drawingml/2006/main" xmlns:r="http://schemas.openxmlformats.org/officeDocument/2006/relationships" xmlns:p="http://schemas.openxmlformats.org/presentationml/2006/main">
+  <p:cSld>
+    <p:spTree>
+      <p:nvGrpSpPr>
+        <p:cNvPr id="1" name=""/>
+        <p:cNvGrpSpPr/>
+        <p:nvPr/>
+      </p:nvGrpSpPr>
+      <p:grpSpPr>
+        <a:xfrm>
+          <a:off x="0" y="0"/>
+          <a:ext cx="0" cy="0"/>
+          <a:chOff x="0" y="0"/>
+          <a:chExt cx="0" cy="0"/>
+        </a:xfrm>
+      </p:grpSpPr>
+      <p:sp>
+        <p:nvSpPr>
+          <p:cNvPr id="2" name="Titel 1"/>
+          <p:cNvSpPr>
+            <a:spLocks noGrp="1"/>
+          </p:cNvSpPr>
+          <p:nvPr>
+            <p:ph type="title"/>
+          </p:nvPr>
+        </p:nvSpPr>
+        <p:spPr>
+          <a:xfrm>
+            <a:off x="0" y="0"/>
+            <a:ext cx="9144000" cy="6858000"/>
+          </a:xfrm>
+        </p:spPr>
+        <p:txBody>
+          <a:bodyPr>
+            <a:normAutofit/>
+          </a:bodyPr>
+          <a:lstStyle/>
+          <a:p>
+            <a:r>
+              <a:rPr lang="en-US" dirty="0" smtClean="0">
+                <a:solidFill>
+                  <a:schemeClr val="bg1">
+                    <a:lumMod val="75000"/>
+                  </a:schemeClr>
+                </a:solidFill>
+              </a:rPr>
+              <a:t>Rather than “a general reusable solution to a commonly occurring problem”, I currently think of design patterns as </a:t>
+            </a:r>
+            <a:r>
+              <a:rPr lang="en-US" dirty="0" smtClean="0">
+                <a:solidFill>
+                  <a:srgbClr val="00DB00"/>
+                </a:solidFill>
+              </a:rPr>
+              <a:t>a shared vocabulary for </a:t>
+            </a:r>
+            <a:r>
+              <a:rPr lang="en-US" dirty="0" smtClean="0">
+                <a:solidFill>
+                  <a:srgbClr val="FF00FF"/>
+                </a:solidFill>
+              </a:rPr>
+              <a:t>discussing</a:t>
+            </a:r>
+            <a:r>
+              <a:rPr lang="en-US" dirty="0" smtClean="0">
+                <a:solidFill>
+                  <a:srgbClr val="00DB00"/>
+                </a:solidFill>
+              </a:rPr>
+              <a:t> the observable commonalities </a:t>
+            </a:r>
+            <a:r>
+              <a:rPr lang="en-US" dirty="0" smtClean="0">
+                <a:solidFill>
+                  <a:schemeClr val="bg1">
+                    <a:lumMod val="75000"/>
+                  </a:schemeClr>
+                </a:solidFill>
+              </a:rPr>
+              <a:t>between two or more solutions, after they’ve emerged.</a:t>
+            </a:r>
+            <a:endParaRPr lang="en-US" dirty="0">
+              <a:solidFill>
+                <a:schemeClr val="bg1">
+                  <a:lumMod val="75000"/>
+                </a:schemeClr>
+              </a:solidFill>
+            </a:endParaRPr>
+          </a:p>
+        </p:txBody>
+      </p:sp>
+    </p:spTree>
+  </p:cSld>
+  <p:clrMapOvr>
+    <a:masterClrMapping/>
+  </p:clrMapOvr>
+  <p:timing>
+    <p:tnLst>
+      <p:par>
+        <p:cTn id="1" dur="indefinite" restart="never" nodeType="tmRoot"/>
+      </p:par>
+    </p:tnLst>
+  </p:timing>
+</p:sld>
+</file>
+
+<file path=ppt/slides/slide104.xml><?xml version="1.0" encoding="utf-8"?>
+<p:sld xmlns:a="http://schemas.openxmlformats.org/drawingml/2006/main" xmlns:r="http://schemas.openxmlformats.org/officeDocument/2006/relationships" xmlns:p="http://schemas.openxmlformats.org/presentationml/2006/main">
+  <p:cSld>
+    <p:spTree>
+      <p:nvGrpSpPr>
+        <p:cNvPr id="1" name=""/>
+        <p:cNvGrpSpPr/>
+        <p:nvPr/>
+      </p:nvGrpSpPr>
+      <p:grpSpPr>
+        <a:xfrm>
+          <a:off x="0" y="0"/>
+          <a:ext cx="0" cy="0"/>
+          <a:chOff x="0" y="0"/>
+          <a:chExt cx="0" cy="0"/>
+        </a:xfrm>
+      </p:grpSpPr>
+      <p:sp>
+        <p:nvSpPr>
+          <p:cNvPr id="2" name="Titel 1"/>
+          <p:cNvSpPr>
+            <a:spLocks noGrp="1"/>
+          </p:cNvSpPr>
+          <p:nvPr>
+            <p:ph type="title"/>
+          </p:nvPr>
+        </p:nvSpPr>
+        <p:spPr>
+          <a:xfrm>
+            <a:off x="0" y="0"/>
+            <a:ext cx="9144000" cy="6858000"/>
+          </a:xfrm>
+        </p:spPr>
+        <p:txBody>
+          <a:bodyPr>
+            <a:normAutofit/>
+          </a:bodyPr>
+          <a:lstStyle/>
+          <a:p>
+            <a:r>
+              <a:rPr lang="en-US" dirty="0" smtClean="0">
+                <a:solidFill>
+                  <a:schemeClr val="bg1">
+                    <a:lumMod val="75000"/>
+                  </a:schemeClr>
+                </a:solidFill>
+              </a:rPr>
+              <a:t>Rather than “a general reusable solution to a commonly occurring problem”, I currently think of design patterns as a shared vocabulary for discussing the observable commonalities between two or more solutions, </a:t>
+            </a:r>
+            <a:r>
+              <a:rPr lang="en-US" dirty="0" smtClean="0"/>
+              <a:t>after they’ve emerged</a:t>
+            </a:r>
+            <a:r>
+              <a:rPr lang="en-US" dirty="0" smtClean="0">
+                <a:solidFill>
+                  <a:schemeClr val="bg1">
+                    <a:lumMod val="75000"/>
+                  </a:schemeClr>
+                </a:solidFill>
+              </a:rPr>
+              <a:t>.</a:t>
+            </a:r>
+            <a:endParaRPr lang="en-US" dirty="0">
+              <a:solidFill>
+                <a:schemeClr val="bg1">
+                  <a:lumMod val="75000"/>
+                </a:schemeClr>
+              </a:solidFill>
+            </a:endParaRPr>
+          </a:p>
+        </p:txBody>
+      </p:sp>
+    </p:spTree>
+  </p:cSld>
+  <p:clrMapOvr>
+    <a:masterClrMapping/>
+  </p:clrMapOvr>
+  <p:timing>
+    <p:tnLst>
+      <p:par>
+        <p:cTn id="1" dur="indefinite" restart="never" nodeType="tmRoot"/>
+      </p:par>
+    </p:tnLst>
+  </p:timing>
+</p:sld>
+</file>
+
+<file path=ppt/slides/slide105.xml><?xml version="1.0" encoding="utf-8"?>
 <p:sld xmlns:a="http://schemas.openxmlformats.org/drawingml/2006/main" xmlns:r="http://schemas.openxmlformats.org/officeDocument/2006/relationships" xmlns:p="http://schemas.openxmlformats.org/presentationml/2006/main">
   <p:cSld>
     <p:spTree>
@@ -4084,1043 +4566,6 @@
 </p:sld>
 </file>
 
-<file path=ppt/slides/slide102.xml><?xml version="1.0" encoding="utf-8"?>
-<p:sld xmlns:a="http://schemas.openxmlformats.org/drawingml/2006/main" xmlns:r="http://schemas.openxmlformats.org/officeDocument/2006/relationships" xmlns:p="http://schemas.openxmlformats.org/presentationml/2006/main">
-  <p:cSld>
-    <p:spTree>
-      <p:nvGrpSpPr>
-        <p:cNvPr id="1" name=""/>
-        <p:cNvGrpSpPr/>
-        <p:nvPr/>
-      </p:nvGrpSpPr>
-      <p:grpSpPr>
-        <a:xfrm>
-          <a:off x="0" y="0"/>
-          <a:ext cx="0" cy="0"/>
-          <a:chOff x="0" y="0"/>
-          <a:chExt cx="0" cy="0"/>
-        </a:xfrm>
-      </p:grpSpPr>
-      <p:sp>
-        <p:nvSpPr>
-          <p:cNvPr id="3" name="Rechteck 2"/>
-          <p:cNvSpPr/>
-          <p:nvPr/>
-        </p:nvSpPr>
-        <p:spPr>
-          <a:xfrm>
-            <a:off x="467544" y="332656"/>
-            <a:ext cx="1800200" cy="1800200"/>
-          </a:xfrm>
-          <a:prstGeom prst="rect">
-            <a:avLst/>
-          </a:prstGeom>
-          <a:solidFill>
-            <a:schemeClr val="bg1">
-              <a:lumMod val="75000"/>
-            </a:schemeClr>
-          </a:solidFill>
-          <a:ln>
-            <a:noFill/>
-          </a:ln>
-          <a:effectLst/>
-        </p:spPr>
-        <p:style>
-          <a:lnRef idx="1">
-            <a:schemeClr val="accent2"/>
-          </a:lnRef>
-          <a:fillRef idx="3">
-            <a:schemeClr val="accent2"/>
-          </a:fillRef>
-          <a:effectRef idx="2">
-            <a:schemeClr val="accent2"/>
-          </a:effectRef>
-          <a:fontRef idx="minor">
-            <a:schemeClr val="lt1"/>
-          </a:fontRef>
-        </p:style>
-        <p:txBody>
-          <a:bodyPr rtlCol="0" anchor="ctr"/>
-          <a:lstStyle/>
-          <a:p>
-            <a:pPr algn="ctr"/>
-            <a:r>
-              <a:rPr lang="en-US" sz="2000" dirty="0" smtClean="0">
-                <a:latin typeface="Roboto" pitchFamily="2" charset="0"/>
-                <a:ea typeface="Roboto" pitchFamily="2" charset="0"/>
-              </a:rPr>
-              <a:t>Simple First</a:t>
-            </a:r>
-            <a:endParaRPr lang="de-DE" sz="2000" dirty="0">
-              <a:latin typeface="Roboto" pitchFamily="2" charset="0"/>
-              <a:ea typeface="Roboto" pitchFamily="2" charset="0"/>
-            </a:endParaRPr>
-          </a:p>
-        </p:txBody>
-      </p:sp>
-      <p:sp>
-        <p:nvSpPr>
-          <p:cNvPr id="4" name="Rechteck 3"/>
-          <p:cNvSpPr/>
-          <p:nvPr/>
-        </p:nvSpPr>
-        <p:spPr>
-          <a:xfrm>
-            <a:off x="4788024" y="2492896"/>
-            <a:ext cx="1800200" cy="1800200"/>
-          </a:xfrm>
-          <a:prstGeom prst="rect">
-            <a:avLst/>
-          </a:prstGeom>
-          <a:solidFill>
-            <a:schemeClr val="bg1">
-              <a:lumMod val="75000"/>
-            </a:schemeClr>
-          </a:solidFill>
-          <a:ln>
-            <a:noFill/>
-          </a:ln>
-          <a:effectLst/>
-        </p:spPr>
-        <p:style>
-          <a:lnRef idx="1">
-            <a:schemeClr val="accent1"/>
-          </a:lnRef>
-          <a:fillRef idx="3">
-            <a:schemeClr val="accent1"/>
-          </a:fillRef>
-          <a:effectRef idx="2">
-            <a:schemeClr val="accent1"/>
-          </a:effectRef>
-          <a:fontRef idx="minor">
-            <a:schemeClr val="lt1"/>
-          </a:fontRef>
-        </p:style>
-        <p:txBody>
-          <a:bodyPr rtlCol="0" anchor="ctr"/>
-          <a:lstStyle/>
-          <a:p>
-            <a:pPr algn="ctr"/>
-            <a:r>
-              <a:rPr lang="en-US" sz="2000" dirty="0" smtClean="0">
-                <a:latin typeface="Roboto" pitchFamily="2" charset="0"/>
-                <a:ea typeface="Roboto" pitchFamily="2" charset="0"/>
-              </a:rPr>
-              <a:t>Binary Dependency</a:t>
-            </a:r>
-            <a:endParaRPr lang="de-DE" sz="2000" dirty="0">
-              <a:latin typeface="Roboto" pitchFamily="2" charset="0"/>
-              <a:ea typeface="Roboto" pitchFamily="2" charset="0"/>
-            </a:endParaRPr>
-          </a:p>
-        </p:txBody>
-      </p:sp>
-      <p:sp>
-        <p:nvSpPr>
-          <p:cNvPr id="5" name="Rechteck 4"/>
-          <p:cNvSpPr/>
-          <p:nvPr/>
-        </p:nvSpPr>
-        <p:spPr>
-          <a:xfrm>
-            <a:off x="4788024" y="332656"/>
-            <a:ext cx="1800200" cy="1800200"/>
-          </a:xfrm>
-          <a:prstGeom prst="rect">
-            <a:avLst/>
-          </a:prstGeom>
-          <a:solidFill>
-            <a:schemeClr val="bg1">
-              <a:lumMod val="75000"/>
-            </a:schemeClr>
-          </a:solidFill>
-          <a:ln>
-            <a:noFill/>
-          </a:ln>
-          <a:effectLst/>
-        </p:spPr>
-        <p:style>
-          <a:lnRef idx="1">
-            <a:schemeClr val="accent3"/>
-          </a:lnRef>
-          <a:fillRef idx="3">
-            <a:schemeClr val="accent3"/>
-          </a:fillRef>
-          <a:effectRef idx="2">
-            <a:schemeClr val="accent3"/>
-          </a:effectRef>
-          <a:fontRef idx="minor">
-            <a:schemeClr val="lt1"/>
-          </a:fontRef>
-        </p:style>
-        <p:txBody>
-          <a:bodyPr rtlCol="0" anchor="ctr"/>
-          <a:lstStyle/>
-          <a:p>
-            <a:pPr algn="ctr"/>
-            <a:r>
-              <a:rPr lang="en-US" sz="2000" dirty="0" smtClean="0">
-                <a:latin typeface="Roboto" pitchFamily="2" charset="0"/>
-                <a:ea typeface="Roboto" pitchFamily="2" charset="0"/>
-              </a:rPr>
-              <a:t>Abstraction Segregation</a:t>
-            </a:r>
-            <a:endParaRPr lang="de-DE" sz="2000" dirty="0">
-              <a:latin typeface="Roboto" pitchFamily="2" charset="0"/>
-              <a:ea typeface="Roboto" pitchFamily="2" charset="0"/>
-            </a:endParaRPr>
-          </a:p>
-        </p:txBody>
-      </p:sp>
-      <p:sp>
-        <p:nvSpPr>
-          <p:cNvPr id="6" name="Rechteck 5"/>
-          <p:cNvSpPr/>
-          <p:nvPr/>
-        </p:nvSpPr>
-        <p:spPr>
-          <a:xfrm>
-            <a:off x="6948264" y="332656"/>
-            <a:ext cx="1800200" cy="1800200"/>
-          </a:xfrm>
-          <a:prstGeom prst="rect">
-            <a:avLst/>
-          </a:prstGeom>
-          <a:solidFill>
-            <a:srgbClr val="FF00FF"/>
-          </a:solidFill>
-          <a:ln>
-            <a:noFill/>
-          </a:ln>
-          <a:effectLst/>
-        </p:spPr>
-        <p:style>
-          <a:lnRef idx="1">
-            <a:schemeClr val="accent5"/>
-          </a:lnRef>
-          <a:fillRef idx="3">
-            <a:schemeClr val="accent5"/>
-          </a:fillRef>
-          <a:effectRef idx="2">
-            <a:schemeClr val="accent5"/>
-          </a:effectRef>
-          <a:fontRef idx="minor">
-            <a:schemeClr val="lt1"/>
-          </a:fontRef>
-        </p:style>
-        <p:txBody>
-          <a:bodyPr rtlCol="0" anchor="ctr"/>
-          <a:lstStyle/>
-          <a:p>
-            <a:pPr algn="ctr"/>
-            <a:r>
-              <a:rPr lang="en-US" sz="2000" dirty="0" smtClean="0">
-                <a:latin typeface="Roboto" pitchFamily="2" charset="0"/>
-                <a:ea typeface="Roboto" pitchFamily="2" charset="0"/>
-              </a:rPr>
-              <a:t>Domain Relationship</a:t>
-            </a:r>
-            <a:endParaRPr lang="de-DE" sz="2000" dirty="0">
-              <a:latin typeface="Roboto" pitchFamily="2" charset="0"/>
-              <a:ea typeface="Roboto" pitchFamily="2" charset="0"/>
-            </a:endParaRPr>
-          </a:p>
-        </p:txBody>
-      </p:sp>
-      <p:sp>
-        <p:nvSpPr>
-          <p:cNvPr id="19" name="Rechteck 18"/>
-          <p:cNvSpPr/>
-          <p:nvPr/>
-        </p:nvSpPr>
-        <p:spPr>
-          <a:xfrm>
-            <a:off x="2627784" y="332656"/>
-            <a:ext cx="1800200" cy="1800200"/>
-          </a:xfrm>
-          <a:prstGeom prst="rect">
-            <a:avLst/>
-          </a:prstGeom>
-          <a:solidFill>
-            <a:schemeClr val="bg1">
-              <a:lumMod val="75000"/>
-            </a:schemeClr>
-          </a:solidFill>
-          <a:ln>
-            <a:noFill/>
-          </a:ln>
-          <a:effectLst/>
-        </p:spPr>
-        <p:style>
-          <a:lnRef idx="1">
-            <a:schemeClr val="accent6"/>
-          </a:lnRef>
-          <a:fillRef idx="3">
-            <a:schemeClr val="accent6"/>
-          </a:fillRef>
-          <a:effectRef idx="2">
-            <a:schemeClr val="accent6"/>
-          </a:effectRef>
-          <a:fontRef idx="minor">
-            <a:schemeClr val="lt1"/>
-          </a:fontRef>
-        </p:style>
-        <p:txBody>
-          <a:bodyPr rtlCol="0" anchor="ctr"/>
-          <a:lstStyle/>
-          <a:p>
-            <a:pPr algn="ctr"/>
-            <a:r>
-              <a:rPr lang="en-US" sz="2000" dirty="0" smtClean="0">
-                <a:latin typeface="Roboto" pitchFamily="2" charset="0"/>
-                <a:ea typeface="Roboto" pitchFamily="2" charset="0"/>
-              </a:rPr>
-              <a:t>Paradigm-Commitment</a:t>
-            </a:r>
-            <a:endParaRPr lang="de-DE" sz="2000" dirty="0">
-              <a:latin typeface="Roboto" pitchFamily="2" charset="0"/>
-              <a:ea typeface="Roboto" pitchFamily="2" charset="0"/>
-            </a:endParaRPr>
-          </a:p>
-        </p:txBody>
-      </p:sp>
-      <p:sp>
-        <p:nvSpPr>
-          <p:cNvPr id="20" name="Rechteck 19"/>
-          <p:cNvSpPr/>
-          <p:nvPr/>
-        </p:nvSpPr>
-        <p:spPr>
-          <a:xfrm>
-            <a:off x="6948264" y="4653136"/>
-            <a:ext cx="1800200" cy="1800200"/>
-          </a:xfrm>
-          <a:prstGeom prst="rect">
-            <a:avLst/>
-          </a:prstGeom>
-          <a:solidFill>
-            <a:srgbClr val="FF00FF"/>
-          </a:solidFill>
-          <a:ln>
-            <a:noFill/>
-          </a:ln>
-          <a:effectLst/>
-        </p:spPr>
-        <p:style>
-          <a:lnRef idx="1">
-            <a:schemeClr val="accent6"/>
-          </a:lnRef>
-          <a:fillRef idx="3">
-            <a:schemeClr val="accent6"/>
-          </a:fillRef>
-          <a:effectRef idx="2">
-            <a:schemeClr val="accent6"/>
-          </a:effectRef>
-          <a:fontRef idx="minor">
-            <a:schemeClr val="lt1"/>
-          </a:fontRef>
-        </p:style>
-        <p:txBody>
-          <a:bodyPr rtlCol="0" anchor="ctr"/>
-          <a:lstStyle/>
-          <a:p>
-            <a:pPr algn="ctr"/>
-            <a:r>
-              <a:rPr lang="en-US" sz="2000" dirty="0" smtClean="0">
-                <a:latin typeface="Roboto" pitchFamily="2" charset="0"/>
-                <a:ea typeface="Roboto" pitchFamily="2" charset="0"/>
-              </a:rPr>
-              <a:t>Weasel Word Removal</a:t>
-            </a:r>
-            <a:endParaRPr lang="de-DE" sz="2000" dirty="0">
-              <a:latin typeface="Roboto" pitchFamily="2" charset="0"/>
-              <a:ea typeface="Roboto" pitchFamily="2" charset="0"/>
-            </a:endParaRPr>
-          </a:p>
-        </p:txBody>
-      </p:sp>
-      <p:sp>
-        <p:nvSpPr>
-          <p:cNvPr id="21" name="Rechteck 20"/>
-          <p:cNvSpPr/>
-          <p:nvPr/>
-        </p:nvSpPr>
-        <p:spPr>
-          <a:xfrm>
-            <a:off x="467544" y="2492896"/>
-            <a:ext cx="1800200" cy="1800200"/>
-          </a:xfrm>
-          <a:prstGeom prst="rect">
-            <a:avLst/>
-          </a:prstGeom>
-          <a:solidFill>
-            <a:schemeClr val="bg1">
-              <a:lumMod val="75000"/>
-            </a:schemeClr>
-          </a:solidFill>
-          <a:ln>
-            <a:noFill/>
-          </a:ln>
-          <a:effectLst/>
-        </p:spPr>
-        <p:style>
-          <a:lnRef idx="1">
-            <a:schemeClr val="accent6"/>
-          </a:lnRef>
-          <a:fillRef idx="3">
-            <a:schemeClr val="accent6"/>
-          </a:fillRef>
-          <a:effectRef idx="2">
-            <a:schemeClr val="accent6"/>
-          </a:effectRef>
-          <a:fontRef idx="minor">
-            <a:schemeClr val="lt1"/>
-          </a:fontRef>
-        </p:style>
-        <p:txBody>
-          <a:bodyPr rtlCol="0" anchor="ctr"/>
-          <a:lstStyle/>
-          <a:p>
-            <a:pPr algn="ctr"/>
-            <a:r>
-              <a:rPr lang="en-US" sz="2000" dirty="0" smtClean="0">
-                <a:latin typeface="Roboto" pitchFamily="2" charset="0"/>
-                <a:ea typeface="Roboto" pitchFamily="2" charset="0"/>
-              </a:rPr>
-              <a:t>Listening </a:t>
-            </a:r>
-            <a:br>
-              <a:rPr lang="en-US" sz="2000" dirty="0" smtClean="0">
-                <a:latin typeface="Roboto" pitchFamily="2" charset="0"/>
-                <a:ea typeface="Roboto" pitchFamily="2" charset="0"/>
-              </a:rPr>
-            </a:br>
-            <a:r>
-              <a:rPr lang="en-US" sz="2000" dirty="0" smtClean="0">
-                <a:latin typeface="Roboto" pitchFamily="2" charset="0"/>
-                <a:ea typeface="Roboto" pitchFamily="2" charset="0"/>
-              </a:rPr>
-              <a:t>and </a:t>
-            </a:r>
-            <a:br>
-              <a:rPr lang="en-US" sz="2000" dirty="0" smtClean="0">
-                <a:latin typeface="Roboto" pitchFamily="2" charset="0"/>
-                <a:ea typeface="Roboto" pitchFamily="2" charset="0"/>
-              </a:rPr>
-            </a:br>
-            <a:r>
-              <a:rPr lang="en-US" sz="2000" dirty="0" smtClean="0">
-                <a:latin typeface="Roboto" pitchFamily="2" charset="0"/>
-                <a:ea typeface="Roboto" pitchFamily="2" charset="0"/>
-              </a:rPr>
-              <a:t>Learning</a:t>
-            </a:r>
-            <a:endParaRPr lang="de-DE" sz="2000" dirty="0">
-              <a:latin typeface="Roboto" pitchFamily="2" charset="0"/>
-              <a:ea typeface="Roboto" pitchFamily="2" charset="0"/>
-            </a:endParaRPr>
-          </a:p>
-        </p:txBody>
-      </p:sp>
-      <p:sp>
-        <p:nvSpPr>
-          <p:cNvPr id="22" name="Rechteck 21"/>
-          <p:cNvSpPr/>
-          <p:nvPr/>
-        </p:nvSpPr>
-        <p:spPr>
-          <a:xfrm>
-            <a:off x="6948264" y="2492896"/>
-            <a:ext cx="1800200" cy="1800200"/>
-          </a:xfrm>
-          <a:prstGeom prst="rect">
-            <a:avLst/>
-          </a:prstGeom>
-          <a:solidFill>
-            <a:srgbClr val="FF00FF"/>
-          </a:solidFill>
-          <a:ln>
-            <a:noFill/>
-          </a:ln>
-          <a:effectLst/>
-        </p:spPr>
-        <p:style>
-          <a:lnRef idx="1">
-            <a:schemeClr val="accent6"/>
-          </a:lnRef>
-          <a:fillRef idx="3">
-            <a:schemeClr val="accent6"/>
-          </a:fillRef>
-          <a:effectRef idx="2">
-            <a:schemeClr val="accent6"/>
-          </a:effectRef>
-          <a:fontRef idx="minor">
-            <a:schemeClr val="lt1"/>
-          </a:fontRef>
-        </p:style>
-        <p:txBody>
-          <a:bodyPr rtlCol="0" anchor="ctr"/>
-          <a:lstStyle/>
-          <a:p>
-            <a:pPr algn="ctr"/>
-            <a:r>
-              <a:rPr lang="en-US" sz="2000" dirty="0" smtClean="0">
-                <a:latin typeface="Roboto" pitchFamily="2" charset="0"/>
-                <a:ea typeface="Roboto" pitchFamily="2" charset="0"/>
-              </a:rPr>
-              <a:t>Domain Language</a:t>
-            </a:r>
-            <a:endParaRPr lang="de-DE" sz="2000" dirty="0">
-              <a:latin typeface="Roboto" pitchFamily="2" charset="0"/>
-              <a:ea typeface="Roboto" pitchFamily="2" charset="0"/>
-            </a:endParaRPr>
-          </a:p>
-        </p:txBody>
-      </p:sp>
-      <p:sp>
-        <p:nvSpPr>
-          <p:cNvPr id="23" name="Rechteck 22"/>
-          <p:cNvSpPr/>
-          <p:nvPr/>
-        </p:nvSpPr>
-        <p:spPr>
-          <a:xfrm>
-            <a:off x="4788024" y="4653136"/>
-            <a:ext cx="1800200" cy="1800200"/>
-          </a:xfrm>
-          <a:prstGeom prst="rect">
-            <a:avLst/>
-          </a:prstGeom>
-          <a:solidFill>
-            <a:schemeClr val="bg1">
-              <a:lumMod val="75000"/>
-            </a:schemeClr>
-          </a:solidFill>
-          <a:ln>
-            <a:noFill/>
-          </a:ln>
-          <a:effectLst/>
-        </p:spPr>
-        <p:style>
-          <a:lnRef idx="1">
-            <a:schemeClr val="accent6"/>
-          </a:lnRef>
-          <a:fillRef idx="3">
-            <a:schemeClr val="accent6"/>
-          </a:fillRef>
-          <a:effectRef idx="2">
-            <a:schemeClr val="accent6"/>
-          </a:effectRef>
-          <a:fontRef idx="minor">
-            <a:schemeClr val="lt1"/>
-          </a:fontRef>
-        </p:style>
-        <p:txBody>
-          <a:bodyPr rtlCol="0" anchor="ctr"/>
-          <a:lstStyle/>
-          <a:p>
-            <a:pPr algn="ctr"/>
-            <a:r>
-              <a:rPr lang="en-US" sz="2000" dirty="0" smtClean="0">
-                <a:latin typeface="Roboto" pitchFamily="2" charset="0"/>
-                <a:ea typeface="Roboto" pitchFamily="2" charset="0"/>
-              </a:rPr>
-              <a:t>Patterns aren’t solutions</a:t>
-            </a:r>
-            <a:endParaRPr lang="de-DE" sz="2000" dirty="0">
-              <a:latin typeface="Roboto" pitchFamily="2" charset="0"/>
-              <a:ea typeface="Roboto" pitchFamily="2" charset="0"/>
-            </a:endParaRPr>
-          </a:p>
-        </p:txBody>
-      </p:sp>
-      <p:sp>
-        <p:nvSpPr>
-          <p:cNvPr id="24" name="Rechteck 23"/>
-          <p:cNvSpPr/>
-          <p:nvPr/>
-        </p:nvSpPr>
-        <p:spPr>
-          <a:xfrm>
-            <a:off x="2627784" y="4653136"/>
-            <a:ext cx="1800200" cy="1800200"/>
-          </a:xfrm>
-          <a:prstGeom prst="rect">
-            <a:avLst/>
-          </a:prstGeom>
-          <a:solidFill>
-            <a:schemeClr val="bg1">
-              <a:lumMod val="75000"/>
-            </a:schemeClr>
-          </a:solidFill>
-          <a:ln>
-            <a:noFill/>
-          </a:ln>
-          <a:effectLst/>
-        </p:spPr>
-        <p:style>
-          <a:lnRef idx="1">
-            <a:schemeClr val="accent6"/>
-          </a:lnRef>
-          <a:fillRef idx="3">
-            <a:schemeClr val="accent6"/>
-          </a:fillRef>
-          <a:effectRef idx="2">
-            <a:schemeClr val="accent6"/>
-          </a:effectRef>
-          <a:fontRef idx="minor">
-            <a:schemeClr val="lt1"/>
-          </a:fontRef>
-        </p:style>
-        <p:txBody>
-          <a:bodyPr rtlCol="0" anchor="ctr"/>
-          <a:lstStyle/>
-          <a:p>
-            <a:pPr algn="ctr"/>
-            <a:r>
-              <a:rPr lang="en-US" sz="2000" dirty="0" smtClean="0">
-                <a:latin typeface="Roboto" pitchFamily="2" charset="0"/>
-                <a:ea typeface="Roboto" pitchFamily="2" charset="0"/>
-              </a:rPr>
-              <a:t>Eloquence</a:t>
-            </a:r>
-            <a:endParaRPr lang="de-DE" sz="2000" dirty="0">
-              <a:latin typeface="Roboto" pitchFamily="2" charset="0"/>
-              <a:ea typeface="Roboto" pitchFamily="2" charset="0"/>
-            </a:endParaRPr>
-          </a:p>
-        </p:txBody>
-      </p:sp>
-      <p:sp>
-        <p:nvSpPr>
-          <p:cNvPr id="25" name="Rechteck 24"/>
-          <p:cNvSpPr/>
-          <p:nvPr/>
-        </p:nvSpPr>
-        <p:spPr>
-          <a:xfrm>
-            <a:off x="467544" y="4653136"/>
-            <a:ext cx="1800200" cy="1800200"/>
-          </a:xfrm>
-          <a:prstGeom prst="rect">
-            <a:avLst/>
-          </a:prstGeom>
-          <a:solidFill>
-            <a:schemeClr val="bg1">
-              <a:lumMod val="75000"/>
-            </a:schemeClr>
-          </a:solidFill>
-          <a:ln>
-            <a:noFill/>
-          </a:ln>
-          <a:effectLst/>
-        </p:spPr>
-        <p:style>
-          <a:lnRef idx="1">
-            <a:schemeClr val="accent6"/>
-          </a:lnRef>
-          <a:fillRef idx="3">
-            <a:schemeClr val="accent6"/>
-          </a:fillRef>
-          <a:effectRef idx="2">
-            <a:schemeClr val="accent6"/>
-          </a:effectRef>
-          <a:fontRef idx="minor">
-            <a:schemeClr val="lt1"/>
-          </a:fontRef>
-        </p:style>
-        <p:txBody>
-          <a:bodyPr rtlCol="0" anchor="ctr"/>
-          <a:lstStyle/>
-          <a:p>
-            <a:pPr algn="ctr"/>
-            <a:r>
-              <a:rPr lang="en-US" sz="2000" dirty="0" smtClean="0">
-                <a:latin typeface="Roboto" pitchFamily="2" charset="0"/>
-                <a:ea typeface="Roboto" pitchFamily="2" charset="0"/>
-              </a:rPr>
-              <a:t>Shared Under-standing</a:t>
-            </a:r>
-            <a:endParaRPr lang="de-DE" sz="2000" dirty="0">
-              <a:latin typeface="Roboto" pitchFamily="2" charset="0"/>
-              <a:ea typeface="Roboto" pitchFamily="2" charset="0"/>
-            </a:endParaRPr>
-          </a:p>
-        </p:txBody>
-      </p:sp>
-      <p:sp>
-        <p:nvSpPr>
-          <p:cNvPr id="26" name="Rechteck 25"/>
-          <p:cNvSpPr/>
-          <p:nvPr/>
-        </p:nvSpPr>
-        <p:spPr>
-          <a:xfrm>
-            <a:off x="2627784" y="2492896"/>
-            <a:ext cx="1800200" cy="1800200"/>
-          </a:xfrm>
-          <a:prstGeom prst="rect">
-            <a:avLst/>
-          </a:prstGeom>
-          <a:solidFill>
-            <a:schemeClr val="bg1">
-              <a:lumMod val="75000"/>
-            </a:schemeClr>
-          </a:solidFill>
-          <a:ln>
-            <a:noFill/>
-          </a:ln>
-          <a:effectLst/>
-        </p:spPr>
-        <p:style>
-          <a:lnRef idx="1">
-            <a:schemeClr val="accent6"/>
-          </a:lnRef>
-          <a:fillRef idx="3">
-            <a:schemeClr val="accent6"/>
-          </a:fillRef>
-          <a:effectRef idx="2">
-            <a:schemeClr val="accent6"/>
-          </a:effectRef>
-          <a:fontRef idx="minor">
-            <a:schemeClr val="lt1"/>
-          </a:fontRef>
-        </p:style>
-        <p:txBody>
-          <a:bodyPr rtlCol="0" anchor="ctr"/>
-          <a:lstStyle/>
-          <a:p>
-            <a:pPr algn="ctr"/>
-            <a:r>
-              <a:rPr lang="en-US" sz="2000" dirty="0" smtClean="0">
-                <a:latin typeface="Roboto" pitchFamily="2" charset="0"/>
-                <a:ea typeface="Roboto" pitchFamily="2" charset="0"/>
-              </a:rPr>
-              <a:t>Languages</a:t>
-            </a:r>
-            <a:endParaRPr lang="de-DE" sz="2000" dirty="0">
-              <a:latin typeface="Roboto" pitchFamily="2" charset="0"/>
-              <a:ea typeface="Roboto" pitchFamily="2" charset="0"/>
-            </a:endParaRPr>
-          </a:p>
-        </p:txBody>
-      </p:sp>
-    </p:spTree>
-    <p:extLst>
-      <p:ext uri="{BB962C8B-B14F-4D97-AF65-F5344CB8AC3E}">
-        <p14:creationId xmlns:p14="http://schemas.microsoft.com/office/powerpoint/2010/main" val="3639712168"/>
-      </p:ext>
-    </p:extLst>
-  </p:cSld>
-  <p:clrMapOvr>
-    <a:masterClrMapping/>
-  </p:clrMapOvr>
-  <p:timing>
-    <p:tnLst>
-      <p:par>
-        <p:cTn id="1" dur="indefinite" restart="never" nodeType="tmRoot"/>
-      </p:par>
-    </p:tnLst>
-  </p:timing>
-</p:sld>
-</file>
-
-<file path=ppt/slides/slide103.xml><?xml version="1.0" encoding="utf-8"?>
-<p:sld xmlns:a="http://schemas.openxmlformats.org/drawingml/2006/main" xmlns:r="http://schemas.openxmlformats.org/officeDocument/2006/relationships" xmlns:p="http://schemas.openxmlformats.org/presentationml/2006/main">
-  <p:cSld>
-    <p:spTree>
-      <p:nvGrpSpPr>
-        <p:cNvPr id="1" name=""/>
-        <p:cNvGrpSpPr/>
-        <p:nvPr/>
-      </p:nvGrpSpPr>
-      <p:grpSpPr>
-        <a:xfrm>
-          <a:off x="0" y="0"/>
-          <a:ext cx="0" cy="0"/>
-          <a:chOff x="0" y="0"/>
-          <a:chExt cx="0" cy="0"/>
-        </a:xfrm>
-      </p:grpSpPr>
-      <p:sp>
-        <p:nvSpPr>
-          <p:cNvPr id="3" name="Titel 2"/>
-          <p:cNvSpPr>
-            <a:spLocks noGrp="1"/>
-          </p:cNvSpPr>
-          <p:nvPr>
-            <p:ph type="title"/>
-          </p:nvPr>
-        </p:nvSpPr>
-        <p:spPr/>
-        <p:txBody>
-          <a:bodyPr/>
-          <a:lstStyle/>
-          <a:p>
-            <a:r>
-              <a:rPr lang="de-DE" sz="8000" dirty="0" err="1" smtClean="0">
-                <a:solidFill>
-                  <a:srgbClr val="FF00FF"/>
-                </a:solidFill>
-              </a:rPr>
-              <a:t>DomänenBEZUG</a:t>
-            </a:r>
-            <a:endParaRPr lang="en-US" sz="8000" dirty="0">
-              <a:solidFill>
-                <a:srgbClr val="FF00FF"/>
-              </a:solidFill>
-            </a:endParaRPr>
-          </a:p>
-        </p:txBody>
-      </p:sp>
-      <p:sp>
-        <p:nvSpPr>
-          <p:cNvPr id="4" name="Textplatzhalter 3"/>
-          <p:cNvSpPr>
-            <a:spLocks noGrp="1"/>
-          </p:cNvSpPr>
-          <p:nvPr>
-            <p:ph type="body" sz="quarter" idx="10"/>
-          </p:nvPr>
-        </p:nvSpPr>
-        <p:spPr/>
-        <p:txBody>
-          <a:bodyPr/>
-          <a:lstStyle/>
-          <a:p>
-            <a:r>
-              <a:rPr lang="de-DE" dirty="0" smtClean="0"/>
-              <a:t>Wenn du darüber sprichst…</a:t>
-            </a:r>
-            <a:endParaRPr lang="en-US" dirty="0"/>
-          </a:p>
-        </p:txBody>
-      </p:sp>
-      <p:sp>
-        <p:nvSpPr>
-          <p:cNvPr id="5" name="Textplatzhalter 4"/>
-          <p:cNvSpPr>
-            <a:spLocks noGrp="1"/>
-          </p:cNvSpPr>
-          <p:nvPr>
-            <p:ph type="body" sz="quarter" idx="11"/>
-          </p:nvPr>
-        </p:nvSpPr>
-        <p:spPr>
-          <a:xfrm>
-            <a:off x="683568" y="3933056"/>
-            <a:ext cx="7776864" cy="935161"/>
-          </a:xfrm>
-        </p:spPr>
-        <p:txBody>
-          <a:bodyPr/>
-          <a:lstStyle/>
-          <a:p>
-            <a:r>
-              <a:rPr lang="de-DE" dirty="0" smtClean="0"/>
-              <a:t>…ist es wahrscheinlich wichtig</a:t>
-            </a:r>
-            <a:endParaRPr lang="en-US" dirty="0"/>
-          </a:p>
-        </p:txBody>
-      </p:sp>
-    </p:spTree>
-  </p:cSld>
-  <p:clrMapOvr>
-    <a:masterClrMapping/>
-  </p:clrMapOvr>
-  <p:timing>
-    <p:tnLst>
-      <p:par>
-        <p:cTn id="1" dur="indefinite" restart="never" nodeType="tmRoot"/>
-      </p:par>
-    </p:tnLst>
-  </p:timing>
-</p:sld>
-</file>
-
-<file path=ppt/slides/slide104.xml><?xml version="1.0" encoding="utf-8"?>
-<p:sld xmlns:a="http://schemas.openxmlformats.org/drawingml/2006/main" xmlns:r="http://schemas.openxmlformats.org/officeDocument/2006/relationships" xmlns:p="http://schemas.openxmlformats.org/presentationml/2006/main">
-  <p:cSld>
-    <p:spTree>
-      <p:nvGrpSpPr>
-        <p:cNvPr id="1" name=""/>
-        <p:cNvGrpSpPr/>
-        <p:nvPr/>
-      </p:nvGrpSpPr>
-      <p:grpSpPr>
-        <a:xfrm>
-          <a:off x="0" y="0"/>
-          <a:ext cx="0" cy="0"/>
-          <a:chOff x="0" y="0"/>
-          <a:chExt cx="0" cy="0"/>
-        </a:xfrm>
-      </p:grpSpPr>
-      <p:sp>
-        <p:nvSpPr>
-          <p:cNvPr id="3" name="Titel 2"/>
-          <p:cNvSpPr>
-            <a:spLocks noGrp="1"/>
-          </p:cNvSpPr>
-          <p:nvPr>
-            <p:ph type="title"/>
-          </p:nvPr>
-        </p:nvSpPr>
-        <p:spPr/>
-        <p:txBody>
-          <a:bodyPr/>
-          <a:lstStyle/>
-          <a:p>
-            <a:r>
-              <a:rPr lang="de-DE" sz="9600" dirty="0" smtClean="0">
-                <a:solidFill>
-                  <a:srgbClr val="FF00FF"/>
-                </a:solidFill>
-              </a:rPr>
-              <a:t>Domänensprache</a:t>
-            </a:r>
-            <a:endParaRPr lang="en-US" sz="9600" dirty="0">
-              <a:solidFill>
-                <a:srgbClr val="FF00FF"/>
-              </a:solidFill>
-            </a:endParaRPr>
-          </a:p>
-        </p:txBody>
-      </p:sp>
-      <p:sp>
-        <p:nvSpPr>
-          <p:cNvPr id="4" name="Textplatzhalter 3"/>
-          <p:cNvSpPr>
-            <a:spLocks noGrp="1"/>
-          </p:cNvSpPr>
-          <p:nvPr>
-            <p:ph type="body" sz="quarter" idx="10"/>
-          </p:nvPr>
-        </p:nvSpPr>
-        <p:spPr/>
-        <p:txBody>
-          <a:bodyPr/>
-          <a:lstStyle/>
-          <a:p>
-            <a:r>
-              <a:rPr lang="de-DE" dirty="0" smtClean="0"/>
-              <a:t>Ubiquitous Language</a:t>
-            </a:r>
-            <a:endParaRPr lang="en-US" dirty="0"/>
-          </a:p>
-        </p:txBody>
-      </p:sp>
-      <p:sp>
-        <p:nvSpPr>
-          <p:cNvPr id="5" name="Textplatzhalter 4"/>
-          <p:cNvSpPr>
-            <a:spLocks noGrp="1"/>
-          </p:cNvSpPr>
-          <p:nvPr>
-            <p:ph type="body" sz="quarter" idx="11"/>
-          </p:nvPr>
-        </p:nvSpPr>
-        <p:spPr>
-          <a:xfrm>
-            <a:off x="683568" y="3933056"/>
-            <a:ext cx="7776864" cy="935161"/>
-          </a:xfrm>
-        </p:spPr>
-        <p:txBody>
-          <a:bodyPr/>
-          <a:lstStyle/>
-          <a:p>
-            <a:r>
-              <a:rPr lang="de-DE" sz="4000" dirty="0" smtClean="0"/>
-              <a:t>Gegen Babylonische Sprachverwirrung</a:t>
-            </a:r>
-            <a:endParaRPr lang="en-US" sz="4000" dirty="0"/>
-          </a:p>
-        </p:txBody>
-      </p:sp>
-    </p:spTree>
-  </p:cSld>
-  <p:clrMapOvr>
-    <a:masterClrMapping/>
-  </p:clrMapOvr>
-  <p:timing>
-    <p:tnLst>
-      <p:par>
-        <p:cTn id="1" dur="indefinite" restart="never" nodeType="tmRoot"/>
-      </p:par>
-    </p:tnLst>
-  </p:timing>
-</p:sld>
-</file>
-
-<file path=ppt/slides/slide105.xml><?xml version="1.0" encoding="utf-8"?>
-<p:sld xmlns:a="http://schemas.openxmlformats.org/drawingml/2006/main" xmlns:r="http://schemas.openxmlformats.org/officeDocument/2006/relationships" xmlns:p="http://schemas.openxmlformats.org/presentationml/2006/main">
-  <p:cSld>
-    <p:spTree>
-      <p:nvGrpSpPr>
-        <p:cNvPr id="1" name=""/>
-        <p:cNvGrpSpPr/>
-        <p:nvPr/>
-      </p:nvGrpSpPr>
-      <p:grpSpPr>
-        <a:xfrm>
-          <a:off x="0" y="0"/>
-          <a:ext cx="0" cy="0"/>
-          <a:chOff x="0" y="0"/>
-          <a:chExt cx="0" cy="0"/>
-        </a:xfrm>
-      </p:grpSpPr>
-      <p:sp>
-        <p:nvSpPr>
-          <p:cNvPr id="3" name="Titel 2"/>
-          <p:cNvSpPr>
-            <a:spLocks noGrp="1"/>
-          </p:cNvSpPr>
-          <p:nvPr>
-            <p:ph type="title"/>
-          </p:nvPr>
-        </p:nvSpPr>
-        <p:spPr>
-          <a:xfrm>
-            <a:off x="251520" y="1988840"/>
-            <a:ext cx="8640960" cy="2880320"/>
-          </a:xfrm>
-        </p:spPr>
-        <p:txBody>
-          <a:bodyPr/>
-          <a:lstStyle/>
-          <a:p>
-            <a:r>
-              <a:rPr lang="en-US" sz="16600" dirty="0" smtClean="0">
-                <a:solidFill>
-                  <a:srgbClr val="00B7FF"/>
-                </a:solidFill>
-              </a:rPr>
-              <a:t>REPOSITORY</a:t>
-            </a:r>
-            <a:endParaRPr lang="en-US" sz="16600" dirty="0">
-              <a:solidFill>
-                <a:srgbClr val="00B7FF"/>
-              </a:solidFill>
-            </a:endParaRPr>
-          </a:p>
-        </p:txBody>
-      </p:sp>
-    </p:spTree>
-  </p:cSld>
-  <p:clrMapOvr>
-    <a:masterClrMapping/>
-  </p:clrMapOvr>
-  <p:timing>
-    <p:tnLst>
-      <p:par>
-        <p:cTn id="1" dur="indefinite" restart="never" nodeType="tmRoot"/>
-      </p:par>
-    </p:tnLst>
-  </p:timing>
-</p:sld>
-</file>
-
 <file path=ppt/slides/slide106.xml><?xml version="1.0" encoding="utf-8"?>
 <p:sld xmlns:a="http://schemas.openxmlformats.org/drawingml/2006/main" xmlns:r="http://schemas.openxmlformats.org/officeDocument/2006/relationships" xmlns:p="http://schemas.openxmlformats.org/presentationml/2006/main">
   <p:cSld>
@@ -5140,7 +4585,7 @@
       </p:grpSpPr>
       <p:sp>
         <p:nvSpPr>
-          <p:cNvPr id="2" name="Titel 1"/>
+          <p:cNvPr id="3" name="Titel 2"/>
           <p:cNvSpPr>
             <a:spLocks noGrp="1"/>
           </p:cNvSpPr>
@@ -5148,364 +4593,77 @@
             <p:ph type="title"/>
           </p:nvPr>
         </p:nvSpPr>
-        <p:spPr>
-          <a:xfrm>
-            <a:off x="0" y="0"/>
-            <a:ext cx="9144000" cy="6858000"/>
-          </a:xfrm>
-          <a:solidFill>
-            <a:schemeClr val="tx1">
-              <a:lumMod val="85000"/>
-              <a:lumOff val="15000"/>
-            </a:schemeClr>
-          </a:solidFill>
-        </p:spPr>
-        <p:txBody>
-          <a:bodyPr>
-            <a:normAutofit/>
-          </a:bodyPr>
+        <p:spPr/>
+        <p:txBody>
+          <a:bodyPr/>
           <a:lstStyle/>
           <a:p>
-            <a:pPr algn="l"/>
-            <a:r>
-              <a:rPr lang="de-DE" sz="2000" b="1" dirty="0" err="1">
-                <a:latin typeface="Consolas"/>
-              </a:rPr>
-              <a:t>public</a:t>
-            </a:r>
-            <a:r>
-              <a:rPr lang="de-DE" sz="2000" b="1" dirty="0">
-                <a:latin typeface="Consolas"/>
-              </a:rPr>
-              <a:t> </a:t>
-            </a:r>
-            <a:r>
-              <a:rPr lang="de-DE" sz="2000" b="1" dirty="0" err="1">
-                <a:latin typeface="Consolas"/>
-              </a:rPr>
-              <a:t>class</a:t>
-            </a:r>
-            <a:r>
-              <a:rPr lang="de-DE" sz="2000" b="1" dirty="0">
-                <a:latin typeface="Consolas"/>
-              </a:rPr>
-              <a:t> </a:t>
-            </a:r>
-            <a:r>
-              <a:rPr lang="de-DE" sz="2000" b="1" dirty="0" err="1">
-                <a:solidFill>
-                  <a:srgbClr val="FF00FF"/>
-                </a:solidFill>
-                <a:latin typeface="Consolas"/>
-              </a:rPr>
-              <a:t>Customer</a:t>
-            </a:r>
-            <a:r>
-              <a:rPr lang="de-DE" sz="2000" b="1" dirty="0" err="1">
-                <a:latin typeface="Consolas"/>
-              </a:rPr>
-              <a:t>Repository</a:t>
-            </a:r>
-            <a:r>
-              <a:rPr lang="de-DE" sz="2000" b="1" dirty="0">
-                <a:solidFill>
-                  <a:srgbClr val="CFCFCF"/>
-                </a:solidFill>
-                <a:latin typeface="Consolas"/>
-              </a:rPr>
-              <a:t/>
-            </a:r>
-            <a:br>
-              <a:rPr lang="de-DE" sz="2000" b="1" dirty="0">
-                <a:solidFill>
-                  <a:srgbClr val="CFCFCF"/>
-                </a:solidFill>
-                <a:latin typeface="Consolas"/>
-              </a:rPr>
-            </a:br>
-            <a:r>
-              <a:rPr lang="de-DE" sz="2000" b="1" dirty="0">
-                <a:solidFill>
-                  <a:srgbClr val="CFCFCF"/>
-                </a:solidFill>
-                <a:latin typeface="Consolas"/>
-              </a:rPr>
-              <a:t>{</a:t>
-            </a:r>
-            <a:br>
-              <a:rPr lang="de-DE" sz="2000" b="1" dirty="0">
-                <a:solidFill>
-                  <a:srgbClr val="CFCFCF"/>
-                </a:solidFill>
-                <a:latin typeface="Consolas"/>
-              </a:rPr>
-            </a:br>
-            <a:r>
-              <a:rPr lang="de-DE" sz="2000" b="1" dirty="0" smtClean="0">
-                <a:solidFill>
-                  <a:srgbClr val="CFCFCF"/>
-                </a:solidFill>
-                <a:latin typeface="Consolas"/>
-              </a:rPr>
-              <a:t>   </a:t>
-            </a:r>
-            <a:r>
-              <a:rPr lang="de-DE" sz="2000" b="1" dirty="0" err="1" smtClean="0">
-                <a:latin typeface="Consolas"/>
-              </a:rPr>
-              <a:t>IEnumerable</a:t>
-            </a:r>
-            <a:r>
-              <a:rPr lang="de-DE" sz="2000" b="1" dirty="0" smtClean="0">
-                <a:solidFill>
-                  <a:srgbClr val="CFCFCF"/>
-                </a:solidFill>
-                <a:latin typeface="Consolas"/>
-              </a:rPr>
-              <a:t>&lt;</a:t>
-            </a:r>
-            <a:r>
-              <a:rPr lang="de-DE" sz="2000" b="1" dirty="0" smtClean="0">
-                <a:solidFill>
-                  <a:srgbClr val="FF00FF"/>
-                </a:solidFill>
-                <a:latin typeface="Consolas"/>
-              </a:rPr>
-              <a:t>Customer</a:t>
-            </a:r>
-            <a:r>
-              <a:rPr lang="de-DE" sz="2000" b="1" dirty="0">
-                <a:solidFill>
-                  <a:srgbClr val="CFCFCF"/>
-                </a:solidFill>
-                <a:latin typeface="Consolas"/>
-              </a:rPr>
-              <a:t>&gt; </a:t>
-            </a:r>
-            <a:r>
-              <a:rPr lang="de-DE" sz="2000" b="1" dirty="0" smtClean="0">
-                <a:solidFill>
-                  <a:srgbClr val="CFCFCF"/>
-                </a:solidFill>
-                <a:latin typeface="Consolas"/>
-              </a:rPr>
-              <a:t/>
-            </a:r>
-            <a:br>
-              <a:rPr lang="de-DE" sz="2000" b="1" dirty="0" smtClean="0">
-                <a:solidFill>
-                  <a:srgbClr val="CFCFCF"/>
-                </a:solidFill>
-                <a:latin typeface="Consolas"/>
-              </a:rPr>
-            </a:br>
-            <a:r>
-              <a:rPr lang="de-DE" sz="2000" b="1" dirty="0" smtClean="0">
-                <a:solidFill>
-                  <a:srgbClr val="CFCFCF"/>
-                </a:solidFill>
-                <a:latin typeface="Consolas"/>
-              </a:rPr>
-              <a:t>   </a:t>
-            </a:r>
-            <a:r>
-              <a:rPr lang="de-DE" sz="2000" b="1" dirty="0" err="1" smtClean="0">
-                <a:solidFill>
-                  <a:srgbClr val="CFCFCF"/>
-                </a:solidFill>
-                <a:latin typeface="Consolas"/>
-              </a:rPr>
-              <a:t>Get</a:t>
-            </a:r>
-            <a:r>
-              <a:rPr lang="de-DE" sz="2000" b="1" dirty="0" err="1" smtClean="0">
-                <a:solidFill>
-                  <a:srgbClr val="FF00FF"/>
-                </a:solidFill>
-                <a:latin typeface="Consolas"/>
-              </a:rPr>
-              <a:t>Customers</a:t>
-            </a:r>
-            <a:r>
-              <a:rPr lang="de-DE" sz="2000" b="1" dirty="0" err="1" smtClean="0">
-                <a:solidFill>
-                  <a:srgbClr val="CFCFCF"/>
-                </a:solidFill>
-                <a:latin typeface="Consolas"/>
-              </a:rPr>
-              <a:t>ByYearOfBirth</a:t>
-            </a:r>
-            <a:r>
-              <a:rPr lang="de-DE" sz="2000" b="1" dirty="0" smtClean="0">
-                <a:solidFill>
-                  <a:srgbClr val="CFCFCF"/>
-                </a:solidFill>
-                <a:latin typeface="Consolas"/>
-              </a:rPr>
-              <a:t>(</a:t>
-            </a:r>
-            <a:r>
-              <a:rPr lang="de-DE" sz="2000" b="1" dirty="0" err="1" smtClean="0">
-                <a:latin typeface="Consolas"/>
-              </a:rPr>
-              <a:t>DateTime</a:t>
-            </a:r>
-            <a:r>
-              <a:rPr lang="de-DE" sz="2000" b="1" dirty="0" smtClean="0">
-                <a:solidFill>
-                  <a:srgbClr val="CFCFCF"/>
-                </a:solidFill>
-                <a:latin typeface="Consolas"/>
-              </a:rPr>
-              <a:t> </a:t>
-            </a:r>
-            <a:r>
-              <a:rPr lang="de-DE" sz="2000" b="1" dirty="0" err="1">
-                <a:solidFill>
-                  <a:schemeClr val="bg1">
-                    <a:lumMod val="95000"/>
-                  </a:schemeClr>
-                </a:solidFill>
-                <a:latin typeface="Consolas"/>
-              </a:rPr>
-              <a:t>yearOfBirth</a:t>
-            </a:r>
-            <a:r>
-              <a:rPr lang="de-DE" sz="2000" b="1" dirty="0">
-                <a:solidFill>
-                  <a:srgbClr val="CFCFCF"/>
-                </a:solidFill>
-                <a:latin typeface="Consolas"/>
-              </a:rPr>
-              <a:t>)</a:t>
-            </a:r>
-            <a:br>
-              <a:rPr lang="de-DE" sz="2000" b="1" dirty="0">
-                <a:solidFill>
-                  <a:srgbClr val="CFCFCF"/>
-                </a:solidFill>
-                <a:latin typeface="Consolas"/>
-              </a:rPr>
-            </a:br>
-            <a:r>
-              <a:rPr lang="de-DE" sz="2000" b="1" dirty="0">
-                <a:solidFill>
-                  <a:srgbClr val="CFCFCF"/>
-                </a:solidFill>
-                <a:latin typeface="Consolas"/>
-              </a:rPr>
-              <a:t>   </a:t>
-            </a:r>
-            <a:r>
-              <a:rPr lang="de-DE" sz="2000" b="1" dirty="0" smtClean="0">
-                <a:solidFill>
-                  <a:srgbClr val="CFCFCF"/>
-                </a:solidFill>
-                <a:latin typeface="Consolas"/>
-              </a:rPr>
-              <a:t>{</a:t>
-            </a:r>
-            <a:r>
-              <a:rPr lang="de-DE" sz="2000" b="1" dirty="0">
-                <a:solidFill>
-                  <a:srgbClr val="CFCFCF"/>
-                </a:solidFill>
-                <a:latin typeface="Consolas"/>
-              </a:rPr>
-              <a:t/>
-            </a:r>
-            <a:br>
-              <a:rPr lang="de-DE" sz="2000" b="1" dirty="0">
-                <a:solidFill>
-                  <a:srgbClr val="CFCFCF"/>
-                </a:solidFill>
-                <a:latin typeface="Consolas"/>
-              </a:rPr>
-            </a:br>
-            <a:r>
-              <a:rPr lang="de-DE" sz="2000" b="1" dirty="0">
-                <a:solidFill>
-                  <a:srgbClr val="CFCFCF"/>
-                </a:solidFill>
-                <a:latin typeface="Consolas"/>
-              </a:rPr>
-              <a:t>           </a:t>
-            </a:r>
-            <a:br>
-              <a:rPr lang="de-DE" sz="2000" b="1" dirty="0">
-                <a:solidFill>
-                  <a:srgbClr val="CFCFCF"/>
-                </a:solidFill>
-                <a:latin typeface="Consolas"/>
-              </a:rPr>
-            </a:br>
-            <a:r>
-              <a:rPr lang="de-DE" sz="2000" b="1" dirty="0">
-                <a:solidFill>
-                  <a:srgbClr val="CFCFCF"/>
-                </a:solidFill>
-                <a:latin typeface="Consolas"/>
-              </a:rPr>
-              <a:t>   </a:t>
-            </a:r>
-            <a:r>
-              <a:rPr lang="de-DE" sz="2000" b="1" dirty="0" smtClean="0">
-                <a:solidFill>
-                  <a:srgbClr val="CFCFCF"/>
-                </a:solidFill>
-                <a:latin typeface="Consolas"/>
-              </a:rPr>
-              <a:t>}</a:t>
-            </a:r>
-            <a:r>
-              <a:rPr lang="de-DE" sz="2000" b="1" dirty="0">
-                <a:solidFill>
-                  <a:srgbClr val="CFCFCF"/>
-                </a:solidFill>
-                <a:latin typeface="Consolas"/>
-              </a:rPr>
-              <a:t/>
-            </a:r>
-            <a:br>
-              <a:rPr lang="de-DE" sz="2000" b="1" dirty="0">
-                <a:solidFill>
-                  <a:srgbClr val="CFCFCF"/>
-                </a:solidFill>
-                <a:latin typeface="Consolas"/>
-              </a:rPr>
-            </a:br>
-            <a:r>
-              <a:rPr lang="de-DE" sz="2000" b="1" dirty="0">
-                <a:solidFill>
-                  <a:srgbClr val="CFCFCF"/>
-                </a:solidFill>
-                <a:latin typeface="Consolas"/>
-              </a:rPr>
-              <a:t>}</a:t>
-            </a:r>
-            <a:br>
-              <a:rPr lang="de-DE" sz="2000" b="1" dirty="0">
-                <a:solidFill>
-                  <a:srgbClr val="CFCFCF"/>
-                </a:solidFill>
-                <a:latin typeface="Consolas"/>
-              </a:rPr>
-            </a:br>
-            <a:endParaRPr lang="en-US" sz="2000" b="1" dirty="0">
-              <a:solidFill>
-                <a:schemeClr val="bg1"/>
-              </a:solidFill>
-              <a:latin typeface="Consolas" pitchFamily="49" charset="0"/>
-              <a:ea typeface="Roboto" pitchFamily="2" charset="0"/>
-              <a:cs typeface="Consolas" pitchFamily="49" charset="0"/>
-            </a:endParaRPr>
+            <a:r>
+              <a:rPr lang="de-DE" sz="9600" dirty="0" err="1" smtClean="0"/>
+              <a:t>Seek</a:t>
+            </a:r>
+            <a:r>
+              <a:rPr lang="de-DE" sz="9600" dirty="0" smtClean="0"/>
+              <a:t> &amp; </a:t>
+            </a:r>
+            <a:r>
+              <a:rPr lang="de-DE" sz="9600" dirty="0" err="1" smtClean="0"/>
+              <a:t>Destroy</a:t>
+            </a:r>
+            <a:endParaRPr lang="de-DE" sz="9600" dirty="0"/>
+          </a:p>
+        </p:txBody>
+      </p:sp>
+      <p:sp>
+        <p:nvSpPr>
+          <p:cNvPr id="4" name="Textplatzhalter 3"/>
+          <p:cNvSpPr>
+            <a:spLocks noGrp="1"/>
+          </p:cNvSpPr>
+          <p:nvPr>
+            <p:ph type="body" sz="quarter" idx="10"/>
+          </p:nvPr>
+        </p:nvSpPr>
+        <p:spPr/>
+        <p:txBody>
+          <a:bodyPr/>
+          <a:lstStyle/>
+          <a:p>
+            <a:r>
+              <a:rPr lang="de-DE" dirty="0" smtClean="0"/>
+              <a:t>Weg Damit!</a:t>
+            </a:r>
+            <a:endParaRPr lang="de-DE" dirty="0"/>
+          </a:p>
+        </p:txBody>
+      </p:sp>
+      <p:sp>
+        <p:nvSpPr>
+          <p:cNvPr id="5" name="Textplatzhalter 4"/>
+          <p:cNvSpPr>
+            <a:spLocks noGrp="1"/>
+          </p:cNvSpPr>
+          <p:nvPr>
+            <p:ph type="body" sz="quarter" idx="11"/>
+          </p:nvPr>
+        </p:nvSpPr>
+        <p:spPr/>
+        <p:txBody>
+          <a:bodyPr/>
+          <a:lstStyle/>
+          <a:p>
+            <a:r>
+              <a:rPr lang="de-DE" dirty="0" smtClean="0"/>
+              <a:t>Wiesel Jagd</a:t>
+            </a:r>
+            <a:endParaRPr lang="de-DE" dirty="0"/>
           </a:p>
         </p:txBody>
       </p:sp>
     </p:spTree>
     <p:extLst>
       <p:ext uri="{BB962C8B-B14F-4D97-AF65-F5344CB8AC3E}">
-        <p14:creationId xmlns:p14="http://schemas.microsoft.com/office/powerpoint/2010/main" val="2232273031"/>
+        <p14:creationId xmlns:p14="http://schemas.microsoft.com/office/powerpoint/2010/main" val="2710754239"/>
       </p:ext>
     </p:extLst>
   </p:cSld>
@@ -5541,7 +4699,7 @@
       </p:grpSpPr>
       <p:sp>
         <p:nvSpPr>
-          <p:cNvPr id="2" name="Titel 1"/>
+          <p:cNvPr id="3" name="Titel 2"/>
           <p:cNvSpPr>
             <a:spLocks noGrp="1"/>
           </p:cNvSpPr>
@@ -5549,319 +4707,79 @@
             <p:ph type="title"/>
           </p:nvPr>
         </p:nvSpPr>
-        <p:spPr>
-          <a:xfrm>
-            <a:off x="0" y="0"/>
-            <a:ext cx="9144000" cy="6858000"/>
-          </a:xfrm>
-          <a:solidFill>
-            <a:schemeClr val="tx1">
-              <a:lumMod val="85000"/>
-              <a:lumOff val="15000"/>
-            </a:schemeClr>
-          </a:solidFill>
-        </p:spPr>
-        <p:txBody>
-          <a:bodyPr>
-            <a:normAutofit/>
-          </a:bodyPr>
+        <p:spPr/>
+        <p:txBody>
+          <a:bodyPr/>
           <a:lstStyle/>
           <a:p>
-            <a:pPr algn="l"/>
-            <a:r>
-              <a:rPr lang="en-US" sz="2000" b="1" dirty="0">
-                <a:latin typeface="Consolas"/>
-              </a:rPr>
-              <a:t>public class </a:t>
-            </a:r>
-            <a:r>
-              <a:rPr lang="en-US" sz="2000" b="1" dirty="0" err="1">
-                <a:latin typeface="Consolas"/>
-              </a:rPr>
-              <a:t>Customer</a:t>
-            </a:r>
-            <a:r>
-              <a:rPr lang="en-US" sz="2000" b="1" dirty="0" err="1">
-                <a:solidFill>
-                  <a:srgbClr val="FF00FF"/>
-                </a:solidFill>
-                <a:latin typeface="Consolas"/>
-              </a:rPr>
-              <a:t>Repository</a:t>
-            </a:r>
-            <a:r>
-              <a:rPr lang="en-US" sz="2000" b="1" dirty="0">
-                <a:latin typeface="Consolas"/>
-              </a:rPr>
-              <a:t> </a:t>
-            </a:r>
-            <a:r>
-              <a:rPr lang="en-US" sz="2000" b="1" dirty="0">
-                <a:solidFill>
-                  <a:schemeClr val="bg1"/>
-                </a:solidFill>
-                <a:latin typeface="Consolas"/>
-              </a:rPr>
-              <a:t/>
-            </a:r>
-            <a:br>
-              <a:rPr lang="en-US" sz="2000" b="1" dirty="0">
-                <a:solidFill>
-                  <a:schemeClr val="bg1"/>
-                </a:solidFill>
-                <a:latin typeface="Consolas"/>
-              </a:rPr>
-            </a:br>
-            <a:r>
-              <a:rPr lang="en-US" sz="2000" b="1" dirty="0">
-                <a:solidFill>
-                  <a:schemeClr val="bg1"/>
-                </a:solidFill>
-                <a:latin typeface="Consolas"/>
-              </a:rPr>
-              <a:t>{ </a:t>
-            </a:r>
-            <a:br>
-              <a:rPr lang="en-US" sz="2000" b="1" dirty="0">
-                <a:solidFill>
-                  <a:schemeClr val="bg1"/>
-                </a:solidFill>
-                <a:latin typeface="Consolas"/>
-              </a:rPr>
-            </a:br>
-            <a:r>
-              <a:rPr lang="en-US" sz="2000" b="1" dirty="0" smtClean="0">
-                <a:solidFill>
-                  <a:schemeClr val="bg1"/>
-                </a:solidFill>
-                <a:latin typeface="Consolas"/>
-              </a:rPr>
-              <a:t>   </a:t>
-            </a:r>
-            <a:r>
-              <a:rPr lang="en-US" sz="2000" b="1" dirty="0" err="1" smtClean="0">
-                <a:latin typeface="Consolas"/>
-              </a:rPr>
-              <a:t>IEnumerable</a:t>
-            </a:r>
-            <a:r>
-              <a:rPr lang="en-US" sz="2000" b="1" dirty="0" smtClean="0">
-                <a:solidFill>
-                  <a:schemeClr val="bg1"/>
-                </a:solidFill>
-                <a:latin typeface="Consolas"/>
-              </a:rPr>
-              <a:t>&lt;Customer</a:t>
-            </a:r>
-            <a:r>
-              <a:rPr lang="en-US" sz="2000" b="1" dirty="0">
-                <a:solidFill>
-                  <a:schemeClr val="bg1"/>
-                </a:solidFill>
-                <a:latin typeface="Consolas"/>
-              </a:rPr>
-              <a:t>&gt; </a:t>
-            </a:r>
-            <a:r>
-              <a:rPr lang="en-US" sz="2000" b="1" dirty="0" smtClean="0">
-                <a:solidFill>
-                  <a:schemeClr val="bg1"/>
-                </a:solidFill>
-                <a:latin typeface="Consolas"/>
-              </a:rPr>
-              <a:t/>
-            </a:r>
-            <a:br>
-              <a:rPr lang="en-US" sz="2000" b="1" dirty="0" smtClean="0">
-                <a:solidFill>
-                  <a:schemeClr val="bg1"/>
-                </a:solidFill>
-                <a:latin typeface="Consolas"/>
-              </a:rPr>
-            </a:br>
-            <a:r>
-              <a:rPr lang="en-US" sz="2000" b="1" dirty="0">
-                <a:solidFill>
-                  <a:schemeClr val="bg1"/>
-                </a:solidFill>
-                <a:latin typeface="Consolas"/>
-              </a:rPr>
-              <a:t> </a:t>
-            </a:r>
-            <a:r>
-              <a:rPr lang="en-US" sz="2000" b="1" dirty="0" smtClean="0">
-                <a:solidFill>
-                  <a:schemeClr val="bg1"/>
-                </a:solidFill>
-                <a:latin typeface="Consolas"/>
-              </a:rPr>
-              <a:t>  </a:t>
-            </a:r>
-            <a:r>
-              <a:rPr lang="en-US" sz="2000" b="1" dirty="0" err="1" smtClean="0">
-                <a:solidFill>
-                  <a:schemeClr val="bg1"/>
-                </a:solidFill>
-                <a:latin typeface="Consolas"/>
-              </a:rPr>
-              <a:t>GetByYearOfBirth</a:t>
-            </a:r>
-            <a:r>
-              <a:rPr lang="en-US" sz="2000" b="1" dirty="0" smtClean="0">
-                <a:solidFill>
-                  <a:schemeClr val="bg1"/>
-                </a:solidFill>
-                <a:latin typeface="Consolas"/>
-              </a:rPr>
-              <a:t>(</a:t>
-            </a:r>
-            <a:r>
-              <a:rPr lang="en-US" sz="2000" b="1" dirty="0" err="1" smtClean="0">
-                <a:latin typeface="Consolas"/>
-              </a:rPr>
-              <a:t>DateTime</a:t>
-            </a:r>
-            <a:r>
-              <a:rPr lang="en-US" sz="2000" b="1" dirty="0" smtClean="0">
-                <a:solidFill>
-                  <a:schemeClr val="bg1"/>
-                </a:solidFill>
-                <a:latin typeface="Consolas"/>
-              </a:rPr>
-              <a:t> </a:t>
-            </a:r>
-            <a:r>
-              <a:rPr lang="en-US" sz="2000" b="1" dirty="0" err="1">
-                <a:solidFill>
-                  <a:schemeClr val="bg1"/>
-                </a:solidFill>
-                <a:latin typeface="Consolas"/>
-              </a:rPr>
-              <a:t>yearOfBirth</a:t>
-            </a:r>
-            <a:r>
-              <a:rPr lang="en-US" sz="2000" b="1" dirty="0">
-                <a:solidFill>
-                  <a:schemeClr val="bg1"/>
-                </a:solidFill>
-                <a:latin typeface="Consolas"/>
-              </a:rPr>
-              <a:t>)</a:t>
-            </a:r>
-            <a:br>
-              <a:rPr lang="en-US" sz="2000" b="1" dirty="0">
-                <a:solidFill>
-                  <a:schemeClr val="bg1"/>
-                </a:solidFill>
-                <a:latin typeface="Consolas"/>
-              </a:rPr>
-            </a:br>
-            <a:r>
-              <a:rPr lang="en-US" sz="2000" b="1" dirty="0" smtClean="0">
-                <a:solidFill>
-                  <a:schemeClr val="bg1"/>
-                </a:solidFill>
-                <a:latin typeface="Consolas"/>
-              </a:rPr>
-              <a:t>   {</a:t>
-            </a:r>
-            <a:r>
-              <a:rPr lang="en-US" sz="2000" b="1" dirty="0">
-                <a:solidFill>
-                  <a:schemeClr val="bg1"/>
-                </a:solidFill>
-                <a:latin typeface="Consolas"/>
-              </a:rPr>
-              <a:t/>
-            </a:r>
-            <a:br>
-              <a:rPr lang="en-US" sz="2000" b="1" dirty="0">
-                <a:solidFill>
-                  <a:schemeClr val="bg1"/>
-                </a:solidFill>
-                <a:latin typeface="Consolas"/>
-              </a:rPr>
-            </a:br>
-            <a:r>
-              <a:rPr lang="en-US" sz="2000" b="1" dirty="0" smtClean="0">
-                <a:solidFill>
-                  <a:schemeClr val="bg1"/>
-                </a:solidFill>
-                <a:latin typeface="Consolas"/>
-              </a:rPr>
-              <a:t/>
-            </a:r>
-            <a:br>
-              <a:rPr lang="en-US" sz="2000" b="1" dirty="0" smtClean="0">
-                <a:solidFill>
-                  <a:schemeClr val="bg1"/>
-                </a:solidFill>
-                <a:latin typeface="Consolas"/>
-              </a:rPr>
-            </a:br>
-            <a:r>
-              <a:rPr lang="en-US" sz="2000" b="1" dirty="0" smtClean="0">
-                <a:solidFill>
-                  <a:schemeClr val="bg1"/>
-                </a:solidFill>
-                <a:latin typeface="Consolas"/>
-              </a:rPr>
-              <a:t>   }</a:t>
-            </a:r>
-            <a:r>
-              <a:rPr lang="en-US" sz="2000" b="1" dirty="0">
-                <a:solidFill>
-                  <a:schemeClr val="bg1"/>
-                </a:solidFill>
-                <a:latin typeface="Consolas"/>
-              </a:rPr>
-              <a:t/>
-            </a:r>
-            <a:br>
-              <a:rPr lang="en-US" sz="2000" b="1" dirty="0">
-                <a:solidFill>
-                  <a:schemeClr val="bg1"/>
-                </a:solidFill>
-                <a:latin typeface="Consolas"/>
-              </a:rPr>
-            </a:br>
-            <a:r>
-              <a:rPr lang="en-US" sz="2000" b="1" dirty="0">
-                <a:solidFill>
-                  <a:schemeClr val="bg1"/>
-                </a:solidFill>
-                <a:latin typeface="Consolas"/>
-              </a:rPr>
-              <a:t>}</a:t>
-            </a:r>
-            <a:endParaRPr lang="en-US" sz="2000" b="1" dirty="0">
-              <a:solidFill>
-                <a:schemeClr val="bg1"/>
-              </a:solidFill>
-              <a:latin typeface="Consolas" pitchFamily="49" charset="0"/>
-              <a:ea typeface="Roboto" pitchFamily="2" charset="0"/>
-              <a:cs typeface="Consolas" pitchFamily="49" charset="0"/>
-            </a:endParaRPr>
+            <a:r>
+              <a:rPr lang="de-DE" dirty="0" err="1" smtClean="0"/>
+              <a:t>Rename</a:t>
+            </a:r>
+            <a:r>
+              <a:rPr lang="de-DE" dirty="0" smtClean="0"/>
+              <a:t> Class</a:t>
+            </a:r>
+            <a:endParaRPr lang="de-DE" dirty="0"/>
+          </a:p>
+        </p:txBody>
+      </p:sp>
+      <p:sp>
+        <p:nvSpPr>
+          <p:cNvPr id="4" name="Textplatzhalter 3"/>
+          <p:cNvSpPr>
+            <a:spLocks noGrp="1"/>
+          </p:cNvSpPr>
+          <p:nvPr>
+            <p:ph type="body" sz="quarter" idx="10"/>
+          </p:nvPr>
+        </p:nvSpPr>
+        <p:spPr/>
+        <p:txBody>
+          <a:bodyPr/>
+          <a:lstStyle/>
+          <a:p>
+            <a:r>
+              <a:rPr lang="de-DE" dirty="0" smtClean="0"/>
+              <a:t>Refactoring</a:t>
+            </a:r>
+            <a:endParaRPr lang="de-DE" dirty="0"/>
+          </a:p>
+        </p:txBody>
+      </p:sp>
+      <p:sp>
+        <p:nvSpPr>
+          <p:cNvPr id="5" name="Textplatzhalter 4"/>
+          <p:cNvSpPr>
+            <a:spLocks noGrp="1"/>
+          </p:cNvSpPr>
+          <p:nvPr>
+            <p:ph type="body" sz="quarter" idx="11"/>
+          </p:nvPr>
+        </p:nvSpPr>
+        <p:spPr/>
+        <p:txBody>
+          <a:bodyPr/>
+          <a:lstStyle/>
+          <a:p>
+            <a:r>
+              <a:rPr lang="de-DE" dirty="0" smtClean="0"/>
+              <a:t>Umbenennen</a:t>
+            </a:r>
+            <a:endParaRPr lang="de-DE" dirty="0"/>
           </a:p>
         </p:txBody>
       </p:sp>
     </p:spTree>
     <p:extLst>
       <p:ext uri="{BB962C8B-B14F-4D97-AF65-F5344CB8AC3E}">
-        <p14:creationId xmlns:p14="http://schemas.microsoft.com/office/powerpoint/2010/main" val="326209813"/>
+        <p14:creationId xmlns:p14="http://schemas.microsoft.com/office/powerpoint/2010/main" val="511458075"/>
       </p:ext>
     </p:extLst>
   </p:cSld>
   <p:clrMapOvr>
     <a:masterClrMapping/>
   </p:clrMapOvr>
-  <p:timing>
-    <p:tnLst>
-      <p:par>
-        <p:cTn id="1" dur="indefinite" restart="never" nodeType="tmRoot"/>
-      </p:par>
-    </p:tnLst>
-  </p:timing>
 </p:sld>
 </file>
 
@@ -5884,7 +4802,7 @@
       </p:grpSpPr>
       <p:sp>
         <p:nvSpPr>
-          <p:cNvPr id="2" name="Titel 1"/>
+          <p:cNvPr id="8" name="Textplatzhalter 5"/>
           <p:cNvSpPr>
             <a:spLocks noGrp="1"/>
           </p:cNvSpPr>
@@ -5894,305 +4812,147 @@
         </p:nvSpPr>
         <p:spPr>
           <a:xfrm>
-            <a:off x="0" y="0"/>
-            <a:ext cx="9144000" cy="6858000"/>
+            <a:off x="971600" y="548680"/>
+            <a:ext cx="7200800" cy="5760640"/>
           </a:xfrm>
-          <a:solidFill>
-            <a:schemeClr val="tx1">
-              <a:lumMod val="85000"/>
-              <a:lumOff val="15000"/>
-            </a:schemeClr>
-          </a:solidFill>
         </p:spPr>
         <p:txBody>
           <a:bodyPr>
-            <a:normAutofit/>
+            <a:normAutofit fontScale="90000"/>
           </a:bodyPr>
           <a:lstStyle/>
           <a:p>
             <a:pPr algn="l"/>
             <a:r>
-              <a:rPr lang="en-US" sz="2000" b="1" dirty="0">
-                <a:latin typeface="Consolas"/>
-              </a:rPr>
-              <a:t>public class </a:t>
-            </a:r>
-            <a:r>
-              <a:rPr lang="en-US" sz="2000" b="1" dirty="0" smtClean="0">
-                <a:latin typeface="Consolas"/>
-              </a:rPr>
-              <a:t>Customer</a:t>
-            </a:r>
-            <a:r>
-              <a:rPr lang="en-US" sz="2000" b="1" dirty="0" smtClean="0">
+              <a:rPr lang="en-US" sz="4400" dirty="0" smtClean="0">
+                <a:solidFill>
+                  <a:schemeClr val="tx1">
+                    <a:lumMod val="50000"/>
+                    <a:lumOff val="50000"/>
+                  </a:schemeClr>
+                </a:solidFill>
+                <a:latin typeface="Roboto" pitchFamily="2" charset="0"/>
+                <a:ea typeface="Roboto" pitchFamily="2" charset="0"/>
+              </a:rPr>
+              <a:t>“There are many powerful </a:t>
+            </a:r>
+            <a:r>
+              <a:rPr lang="en-US" sz="4400" dirty="0" err="1" smtClean="0">
+                <a:solidFill>
+                  <a:schemeClr val="tx1">
+                    <a:lumMod val="50000"/>
+                    <a:lumOff val="50000"/>
+                  </a:schemeClr>
+                </a:solidFill>
+                <a:latin typeface="Roboto" pitchFamily="2" charset="0"/>
+                <a:ea typeface="Roboto" pitchFamily="2" charset="0"/>
+              </a:rPr>
+              <a:t>refactorings</a:t>
+            </a:r>
+            <a:r>
+              <a:rPr lang="en-US" sz="4400" dirty="0" smtClean="0">
+                <a:solidFill>
+                  <a:schemeClr val="tx1">
+                    <a:lumMod val="50000"/>
+                    <a:lumOff val="50000"/>
+                  </a:schemeClr>
+                </a:solidFill>
+                <a:latin typeface="Roboto" pitchFamily="2" charset="0"/>
+                <a:ea typeface="Roboto" pitchFamily="2" charset="0"/>
+              </a:rPr>
+              <a:t>, but </a:t>
+            </a:r>
+            <a:r>
+              <a:rPr lang="en-US" sz="4400" dirty="0" smtClean="0">
                 <a:solidFill>
                   <a:srgbClr val="FF00FF"/>
                 </a:solidFill>
-                <a:latin typeface="Consolas"/>
-              </a:rPr>
-              <a:t>s</a:t>
-            </a:r>
-            <a:r>
-              <a:rPr lang="en-US" sz="2000" b="1" dirty="0" smtClean="0">
-                <a:latin typeface="Consolas"/>
-              </a:rPr>
-              <a:t> </a:t>
-            </a:r>
-            <a:r>
-              <a:rPr lang="en-US" sz="2000" b="1" dirty="0">
-                <a:solidFill>
-                  <a:schemeClr val="bg1"/>
-                </a:solidFill>
-                <a:latin typeface="Consolas"/>
+                <a:latin typeface="Roboto" pitchFamily="2" charset="0"/>
+                <a:ea typeface="Roboto" pitchFamily="2" charset="0"/>
+              </a:rPr>
+              <a:t>Rename Class</a:t>
+            </a:r>
+            <a:r>
+              <a:rPr lang="en-US" sz="4400" dirty="0" smtClean="0">
+                <a:solidFill>
+                  <a:schemeClr val="tx1">
+                    <a:lumMod val="50000"/>
+                    <a:lumOff val="50000"/>
+                  </a:schemeClr>
+                </a:solidFill>
+                <a:latin typeface="Roboto" pitchFamily="2" charset="0"/>
+                <a:ea typeface="Roboto" pitchFamily="2" charset="0"/>
+              </a:rPr>
+              <a:t> is the most powerful. It changes the way people see code and lets them notice possibilities that they might not have considered before" </a:t>
+            </a:r>
+            <a:r>
+              <a:rPr lang="en-US" sz="4400" dirty="0" smtClean="0">
+                <a:solidFill>
+                  <a:schemeClr val="tx1">
+                    <a:lumMod val="50000"/>
+                    <a:lumOff val="50000"/>
+                  </a:schemeClr>
+                </a:solidFill>
+                <a:latin typeface="Roboto" pitchFamily="2" charset="0"/>
+                <a:ea typeface="Roboto" pitchFamily="2" charset="0"/>
+              </a:rPr>
+              <a:t> </a:t>
+            </a:r>
+            <a:r>
+              <a:rPr lang="en-US" sz="4400" dirty="0" smtClean="0">
+                <a:solidFill>
+                  <a:schemeClr val="tx1">
+                    <a:lumMod val="75000"/>
+                    <a:lumOff val="25000"/>
+                  </a:schemeClr>
+                </a:solidFill>
+                <a:ea typeface="Roboto" pitchFamily="2" charset="0"/>
               </a:rPr>
               <a:t/>
             </a:r>
             <a:br>
-              <a:rPr lang="en-US" sz="2000" b="1" dirty="0">
-                <a:solidFill>
-                  <a:schemeClr val="bg1"/>
-                </a:solidFill>
-                <a:latin typeface="Consolas"/>
+              <a:rPr lang="en-US" sz="4400" dirty="0" smtClean="0">
+                <a:solidFill>
+                  <a:schemeClr val="tx1">
+                    <a:lumMod val="75000"/>
+                    <a:lumOff val="25000"/>
+                  </a:schemeClr>
+                </a:solidFill>
+                <a:ea typeface="Roboto" pitchFamily="2" charset="0"/>
               </a:rPr>
             </a:br>
-            <a:r>
-              <a:rPr lang="en-US" sz="2000" b="1" dirty="0">
-                <a:solidFill>
-                  <a:schemeClr val="bg1"/>
-                </a:solidFill>
-                <a:latin typeface="Consolas"/>
-              </a:rPr>
-              <a:t>{ </a:t>
-            </a:r>
-            <a:br>
-              <a:rPr lang="en-US" sz="2000" b="1" dirty="0">
-                <a:solidFill>
-                  <a:schemeClr val="bg1"/>
-                </a:solidFill>
-                <a:latin typeface="Consolas"/>
-              </a:rPr>
-            </a:br>
-            <a:r>
-              <a:rPr lang="en-US" sz="2000" b="1" dirty="0" smtClean="0">
-                <a:solidFill>
-                  <a:schemeClr val="bg1"/>
-                </a:solidFill>
-                <a:latin typeface="Consolas"/>
-              </a:rPr>
-              <a:t>   </a:t>
-            </a:r>
-            <a:r>
-              <a:rPr lang="en-US" sz="2000" b="1" dirty="0" err="1" smtClean="0">
-                <a:latin typeface="Consolas"/>
-              </a:rPr>
-              <a:t>IEnumerable</a:t>
-            </a:r>
-            <a:r>
-              <a:rPr lang="en-US" sz="2000" b="1" dirty="0" smtClean="0">
-                <a:solidFill>
-                  <a:schemeClr val="bg1"/>
-                </a:solidFill>
-                <a:latin typeface="Consolas"/>
-              </a:rPr>
-              <a:t>&lt;Customer</a:t>
-            </a:r>
-            <a:r>
-              <a:rPr lang="en-US" sz="2000" b="1" dirty="0">
-                <a:solidFill>
-                  <a:schemeClr val="bg1"/>
-                </a:solidFill>
-                <a:latin typeface="Consolas"/>
-              </a:rPr>
-              <a:t>&gt; </a:t>
-            </a:r>
-            <a:r>
-              <a:rPr lang="en-US" sz="2000" b="1" dirty="0" smtClean="0">
-                <a:solidFill>
-                  <a:schemeClr val="bg1"/>
-                </a:solidFill>
-                <a:latin typeface="Consolas"/>
-              </a:rPr>
-              <a:t/>
-            </a:r>
-            <a:br>
-              <a:rPr lang="en-US" sz="2000" b="1" dirty="0" smtClean="0">
-                <a:solidFill>
-                  <a:schemeClr val="bg1"/>
-                </a:solidFill>
-                <a:latin typeface="Consolas"/>
-              </a:rPr>
-            </a:br>
-            <a:r>
-              <a:rPr lang="en-US" sz="2000" b="1" dirty="0">
-                <a:solidFill>
-                  <a:schemeClr val="bg1"/>
-                </a:solidFill>
-                <a:latin typeface="Consolas"/>
-              </a:rPr>
-              <a:t> </a:t>
-            </a:r>
-            <a:r>
-              <a:rPr lang="en-US" sz="2000" b="1" dirty="0" smtClean="0">
-                <a:solidFill>
-                  <a:schemeClr val="bg1"/>
-                </a:solidFill>
-                <a:latin typeface="Consolas"/>
-              </a:rPr>
-              <a:t>  </a:t>
-            </a:r>
-            <a:r>
-              <a:rPr lang="en-US" sz="2000" b="1" dirty="0" err="1" smtClean="0">
-                <a:solidFill>
-                  <a:srgbClr val="FF00FF"/>
-                </a:solidFill>
-                <a:latin typeface="Consolas"/>
-              </a:rPr>
-              <a:t>GetBy</a:t>
-            </a:r>
-            <a:r>
-              <a:rPr lang="en-US" sz="2000" b="1" dirty="0" err="1" smtClean="0">
-                <a:solidFill>
-                  <a:schemeClr val="bg1"/>
-                </a:solidFill>
-                <a:latin typeface="Consolas"/>
-              </a:rPr>
-              <a:t>YearOfBirth</a:t>
-            </a:r>
-            <a:r>
-              <a:rPr lang="en-US" sz="2000" b="1" dirty="0" smtClean="0">
-                <a:solidFill>
-                  <a:schemeClr val="bg1"/>
-                </a:solidFill>
-                <a:latin typeface="Consolas"/>
-              </a:rPr>
-              <a:t>(</a:t>
-            </a:r>
-            <a:r>
-              <a:rPr lang="en-US" sz="2000" b="1" dirty="0" err="1" smtClean="0">
-                <a:latin typeface="Consolas"/>
-              </a:rPr>
-              <a:t>DateTime</a:t>
-            </a:r>
-            <a:r>
-              <a:rPr lang="en-US" sz="2000" b="1" dirty="0" smtClean="0">
-                <a:solidFill>
-                  <a:schemeClr val="bg1"/>
-                </a:solidFill>
-                <a:latin typeface="Consolas"/>
-              </a:rPr>
-              <a:t> </a:t>
-            </a:r>
-            <a:r>
-              <a:rPr lang="en-US" sz="2000" b="1" dirty="0" err="1">
-                <a:solidFill>
-                  <a:schemeClr val="bg1"/>
-                </a:solidFill>
-                <a:latin typeface="Consolas"/>
-              </a:rPr>
-              <a:t>yearOfBirth</a:t>
-            </a:r>
-            <a:r>
-              <a:rPr lang="en-US" sz="2000" b="1" dirty="0">
-                <a:solidFill>
-                  <a:schemeClr val="bg1"/>
-                </a:solidFill>
-                <a:latin typeface="Consolas"/>
-              </a:rPr>
-              <a:t>)</a:t>
-            </a:r>
-            <a:br>
-              <a:rPr lang="en-US" sz="2000" b="1" dirty="0">
-                <a:solidFill>
-                  <a:schemeClr val="bg1"/>
-                </a:solidFill>
-                <a:latin typeface="Consolas"/>
-              </a:rPr>
-            </a:br>
-            <a:r>
-              <a:rPr lang="en-US" sz="2000" b="1" dirty="0" smtClean="0">
-                <a:solidFill>
-                  <a:schemeClr val="bg1"/>
-                </a:solidFill>
-                <a:latin typeface="Consolas"/>
-              </a:rPr>
-              <a:t>   {</a:t>
-            </a:r>
-            <a:r>
-              <a:rPr lang="en-US" sz="2000" b="1" dirty="0">
-                <a:solidFill>
-                  <a:schemeClr val="bg1"/>
-                </a:solidFill>
-                <a:latin typeface="Consolas"/>
-              </a:rPr>
-              <a:t/>
-            </a:r>
-            <a:br>
-              <a:rPr lang="en-US" sz="2000" b="1" dirty="0">
-                <a:solidFill>
-                  <a:schemeClr val="bg1"/>
-                </a:solidFill>
-                <a:latin typeface="Consolas"/>
-              </a:rPr>
-            </a:br>
-            <a:r>
-              <a:rPr lang="en-US" sz="2000" b="1" dirty="0" smtClean="0">
-                <a:solidFill>
-                  <a:schemeClr val="bg1"/>
-                </a:solidFill>
-                <a:latin typeface="Consolas"/>
-              </a:rPr>
-              <a:t/>
-            </a:r>
-            <a:br>
-              <a:rPr lang="en-US" sz="2000" b="1" dirty="0" smtClean="0">
-                <a:solidFill>
-                  <a:schemeClr val="bg1"/>
-                </a:solidFill>
-                <a:latin typeface="Consolas"/>
-              </a:rPr>
-            </a:br>
-            <a:r>
-              <a:rPr lang="en-US" sz="2000" b="1" dirty="0" smtClean="0">
-                <a:solidFill>
-                  <a:schemeClr val="bg1"/>
-                </a:solidFill>
-                <a:latin typeface="Consolas"/>
-              </a:rPr>
-              <a:t>   }</a:t>
-            </a:r>
-            <a:r>
-              <a:rPr lang="en-US" sz="2000" b="1" dirty="0">
-                <a:solidFill>
-                  <a:schemeClr val="bg1"/>
-                </a:solidFill>
-                <a:latin typeface="Consolas"/>
-              </a:rPr>
-              <a:t/>
-            </a:r>
-            <a:br>
-              <a:rPr lang="en-US" sz="2000" b="1" dirty="0">
-                <a:solidFill>
-                  <a:schemeClr val="bg1"/>
-                </a:solidFill>
-                <a:latin typeface="Consolas"/>
-              </a:rPr>
-            </a:br>
-            <a:r>
-              <a:rPr lang="en-US" sz="2000" b="1" dirty="0">
-                <a:solidFill>
-                  <a:schemeClr val="bg1"/>
-                </a:solidFill>
-                <a:latin typeface="Consolas"/>
-              </a:rPr>
-              <a:t>}</a:t>
-            </a:r>
-            <a:endParaRPr lang="en-US" sz="2000" b="1" dirty="0">
+            <a:endParaRPr lang="en-US" sz="4400" dirty="0" smtClean="0">
               <a:solidFill>
-                <a:schemeClr val="bg1"/>
+                <a:schemeClr val="tx1">
+                  <a:lumMod val="75000"/>
+                  <a:lumOff val="25000"/>
+                </a:schemeClr>
               </a:solidFill>
-              <a:latin typeface="Consolas" pitchFamily="49" charset="0"/>
               <a:ea typeface="Roboto" pitchFamily="2" charset="0"/>
-              <a:cs typeface="Consolas" pitchFamily="49" charset="0"/>
+            </a:endParaRPr>
+          </a:p>
+          <a:p>
+            <a:pPr algn="r"/>
+            <a:r>
+              <a:rPr lang="en-US" sz="4400" dirty="0" smtClean="0">
+                <a:solidFill>
+                  <a:schemeClr val="tx1">
+                    <a:lumMod val="75000"/>
+                    <a:lumOff val="25000"/>
+                  </a:schemeClr>
+                </a:solidFill>
+                <a:ea typeface="Roboto" pitchFamily="2" charset="0"/>
+              </a:rPr>
+              <a:t>Michael Feathers.</a:t>
+            </a:r>
+            <a:endParaRPr lang="en-US" sz="2800" dirty="0">
+              <a:solidFill>
+                <a:schemeClr val="tx1">
+                  <a:lumMod val="75000"/>
+                  <a:lumOff val="25000"/>
+                </a:schemeClr>
+              </a:solidFill>
+              <a:ea typeface="Roboto" pitchFamily="2" charset="0"/>
             </a:endParaRPr>
           </a:p>
         </p:txBody>
@@ -6200,7 +4960,7 @@
     </p:spTree>
     <p:extLst>
       <p:ext uri="{BB962C8B-B14F-4D97-AF65-F5344CB8AC3E}">
-        <p14:creationId xmlns:p14="http://schemas.microsoft.com/office/powerpoint/2010/main" val="1985172737"/>
+        <p14:creationId xmlns:p14="http://schemas.microsoft.com/office/powerpoint/2010/main" val="556193400"/>
       </p:ext>
     </p:extLst>
   </p:cSld>
@@ -6236,7 +4996,7 @@
       </p:grpSpPr>
       <p:sp>
         <p:nvSpPr>
-          <p:cNvPr id="2" name="Titel 1"/>
+          <p:cNvPr id="3" name="Titel 2"/>
           <p:cNvSpPr>
             <a:spLocks noGrp="1"/>
           </p:cNvSpPr>
@@ -6246,240 +5006,31 @@
         </p:nvSpPr>
         <p:spPr>
           <a:xfrm>
-            <a:off x="0" y="0"/>
-            <a:ext cx="9144000" cy="6858000"/>
+            <a:off x="251520" y="1988840"/>
+            <a:ext cx="8640960" cy="2880320"/>
           </a:xfrm>
-          <a:solidFill>
-            <a:schemeClr val="tx1">
-              <a:lumMod val="85000"/>
-              <a:lumOff val="15000"/>
-            </a:schemeClr>
-          </a:solidFill>
         </p:spPr>
         <p:txBody>
-          <a:bodyPr>
-            <a:normAutofit/>
-          </a:bodyPr>
+          <a:bodyPr/>
           <a:lstStyle/>
           <a:p>
-            <a:pPr algn="l"/>
-            <a:r>
-              <a:rPr lang="en-US" sz="2000" b="1" dirty="0" smtClean="0">
-                <a:latin typeface="Consolas"/>
-              </a:rPr>
-              <a:t>public class Customers</a:t>
-            </a:r>
-            <a:r>
-              <a:rPr lang="en-US" sz="2000" b="1" dirty="0" smtClean="0">
-                <a:solidFill>
-                  <a:schemeClr val="bg1"/>
-                </a:solidFill>
-                <a:latin typeface="Consolas"/>
-              </a:rPr>
-              <a:t/>
-            </a:r>
-            <a:br>
-              <a:rPr lang="en-US" sz="2000" b="1" dirty="0" smtClean="0">
-                <a:solidFill>
-                  <a:schemeClr val="bg1"/>
-                </a:solidFill>
-                <a:latin typeface="Consolas"/>
-              </a:rPr>
-            </a:br>
-            <a:r>
-              <a:rPr lang="en-US" sz="2000" b="1" dirty="0" smtClean="0">
-                <a:solidFill>
-                  <a:schemeClr val="bg1"/>
-                </a:solidFill>
-                <a:latin typeface="Consolas"/>
-              </a:rPr>
-              <a:t>{ </a:t>
-            </a:r>
-            <a:br>
-              <a:rPr lang="en-US" sz="2000" b="1" dirty="0" smtClean="0">
-                <a:solidFill>
-                  <a:schemeClr val="bg1"/>
-                </a:solidFill>
-                <a:latin typeface="Consolas"/>
-              </a:rPr>
-            </a:br>
-            <a:r>
-              <a:rPr lang="en-US" sz="2000" b="1" dirty="0" smtClean="0">
-                <a:solidFill>
-                  <a:schemeClr val="bg1"/>
-                </a:solidFill>
-                <a:latin typeface="Consolas"/>
-              </a:rPr>
-              <a:t>   </a:t>
-            </a:r>
-            <a:r>
-              <a:rPr lang="en-US" sz="2000" b="1" dirty="0" err="1" smtClean="0">
-                <a:latin typeface="Consolas"/>
-              </a:rPr>
-              <a:t>IEnumerable</a:t>
-            </a:r>
-            <a:r>
-              <a:rPr lang="en-US" sz="2000" b="1" dirty="0" smtClean="0">
-                <a:solidFill>
-                  <a:schemeClr val="bg1"/>
-                </a:solidFill>
-                <a:latin typeface="Consolas"/>
-              </a:rPr>
-              <a:t>&lt;Customer&gt; </a:t>
-            </a:r>
-            <a:br>
-              <a:rPr lang="en-US" sz="2000" b="1" dirty="0" smtClean="0">
-                <a:solidFill>
-                  <a:schemeClr val="bg1"/>
-                </a:solidFill>
-                <a:latin typeface="Consolas"/>
-              </a:rPr>
-            </a:br>
-            <a:r>
-              <a:rPr lang="en-US" sz="2000" b="1" dirty="0" smtClean="0">
-                <a:solidFill>
-                  <a:schemeClr val="bg1"/>
-                </a:solidFill>
-                <a:latin typeface="Consolas"/>
-              </a:rPr>
-              <a:t>   </a:t>
-            </a:r>
-            <a:r>
-              <a:rPr lang="en-US" sz="2000" b="1" dirty="0" err="1" smtClean="0">
-                <a:solidFill>
-                  <a:srgbClr val="FF00FF"/>
-                </a:solidFill>
-                <a:latin typeface="Consolas"/>
-              </a:rPr>
-              <a:t>BornIn</a:t>
-            </a:r>
-            <a:r>
-              <a:rPr lang="en-US" sz="2000" b="1" dirty="0" smtClean="0">
-                <a:solidFill>
-                  <a:schemeClr val="bg1"/>
-                </a:solidFill>
-                <a:latin typeface="Consolas"/>
-              </a:rPr>
-              <a:t>(</a:t>
-            </a:r>
-            <a:r>
-              <a:rPr lang="en-US" sz="2000" b="1" dirty="0" err="1" smtClean="0">
-                <a:latin typeface="Consolas"/>
-              </a:rPr>
-              <a:t>DateTime</a:t>
-            </a:r>
-            <a:r>
-              <a:rPr lang="en-US" sz="2000" b="1" dirty="0" smtClean="0">
-                <a:solidFill>
-                  <a:schemeClr val="bg1"/>
-                </a:solidFill>
-                <a:latin typeface="Consolas"/>
-              </a:rPr>
-              <a:t> </a:t>
-            </a:r>
-            <a:r>
-              <a:rPr lang="en-US" sz="2000" b="1" dirty="0" err="1" smtClean="0">
-                <a:solidFill>
-                  <a:schemeClr val="bg1"/>
-                </a:solidFill>
-                <a:latin typeface="Consolas"/>
-              </a:rPr>
-              <a:t>yearOfBirth</a:t>
-            </a:r>
-            <a:r>
-              <a:rPr lang="en-US" sz="2000" b="1" dirty="0" smtClean="0">
-                <a:solidFill>
-                  <a:schemeClr val="bg1"/>
-                </a:solidFill>
-                <a:latin typeface="Consolas"/>
-              </a:rPr>
-              <a:t>)</a:t>
-            </a:r>
-            <a:br>
-              <a:rPr lang="en-US" sz="2000" b="1" dirty="0" smtClean="0">
-                <a:solidFill>
-                  <a:schemeClr val="bg1"/>
-                </a:solidFill>
-                <a:latin typeface="Consolas"/>
-              </a:rPr>
-            </a:br>
-            <a:r>
-              <a:rPr lang="en-US" sz="2000" b="1" dirty="0" smtClean="0">
-                <a:solidFill>
-                  <a:schemeClr val="bg1"/>
-                </a:solidFill>
-                <a:latin typeface="Consolas"/>
-              </a:rPr>
-              <a:t>   {</a:t>
-            </a:r>
-            <a:br>
-              <a:rPr lang="en-US" sz="2000" b="1" dirty="0" smtClean="0">
-                <a:solidFill>
-                  <a:schemeClr val="bg1"/>
-                </a:solidFill>
-                <a:latin typeface="Consolas"/>
-              </a:rPr>
-            </a:br>
-            <a:r>
-              <a:rPr lang="en-US" sz="2000" b="1" dirty="0" smtClean="0">
-                <a:solidFill>
-                  <a:schemeClr val="bg1"/>
-                </a:solidFill>
-                <a:latin typeface="Consolas"/>
-              </a:rPr>
-              <a:t/>
-            </a:r>
-            <a:br>
-              <a:rPr lang="en-US" sz="2000" b="1" dirty="0" smtClean="0">
-                <a:solidFill>
-                  <a:schemeClr val="bg1"/>
-                </a:solidFill>
-                <a:latin typeface="Consolas"/>
-              </a:rPr>
-            </a:br>
-            <a:r>
-              <a:rPr lang="en-US" sz="2000" b="1" dirty="0" smtClean="0">
-                <a:solidFill>
-                  <a:schemeClr val="bg1"/>
-                </a:solidFill>
-                <a:latin typeface="Consolas"/>
-              </a:rPr>
-              <a:t>   }</a:t>
-            </a:r>
-            <a:br>
-              <a:rPr lang="en-US" sz="2000" b="1" dirty="0" smtClean="0">
-                <a:solidFill>
-                  <a:schemeClr val="bg1"/>
-                </a:solidFill>
-                <a:latin typeface="Consolas"/>
-              </a:rPr>
-            </a:br>
-            <a:r>
-              <a:rPr lang="en-US" sz="2000" b="1" dirty="0" smtClean="0">
-                <a:solidFill>
-                  <a:schemeClr val="bg1"/>
-                </a:solidFill>
-                <a:latin typeface="Consolas"/>
-              </a:rPr>
-              <a:t>}</a:t>
-            </a:r>
-            <a:endParaRPr lang="en-US" sz="2000" b="1" dirty="0">
+            <a:r>
+              <a:rPr lang="en-US" sz="16600" dirty="0" smtClean="0">
+                <a:solidFill>
+                  <a:srgbClr val="00B7FF"/>
+                </a:solidFill>
+              </a:rPr>
+              <a:t>REPOSITORY</a:t>
+            </a:r>
+            <a:endParaRPr lang="en-US" sz="16600" dirty="0">
               <a:solidFill>
-                <a:schemeClr val="bg1"/>
+                <a:srgbClr val="00B7FF"/>
               </a:solidFill>
-              <a:latin typeface="Consolas" pitchFamily="49" charset="0"/>
-              <a:ea typeface="Roboto" pitchFamily="2" charset="0"/>
-              <a:cs typeface="Consolas" pitchFamily="49" charset="0"/>
             </a:endParaRPr>
           </a:p>
         </p:txBody>
       </p:sp>
     </p:spTree>
-    <p:extLst>
-      <p:ext uri="{BB962C8B-B14F-4D97-AF65-F5344CB8AC3E}">
-        <p14:creationId xmlns:p14="http://schemas.microsoft.com/office/powerpoint/2010/main" val="3422045647"/>
-      </p:ext>
-    </p:extLst>
   </p:cSld>
   <p:clrMapOvr>
     <a:masterClrMapping/>
@@ -6593,6 +5144,13 @@
   <p:clrMapOvr>
     <a:masterClrMapping/>
   </p:clrMapOvr>
+  <p:timing>
+    <p:tnLst>
+      <p:par>
+        <p:cTn id="1" dur="indefinite" restart="never" nodeType="tmRoot"/>
+      </p:par>
+    </p:tnLst>
+  </p:timing>
 </p:sld>
 </file>
 
@@ -6623,42 +5181,366 @@
             <p:ph type="title"/>
           </p:nvPr>
         </p:nvSpPr>
-        <p:spPr/>
-        <p:txBody>
-          <a:bodyPr/>
+        <p:spPr>
+          <a:xfrm>
+            <a:off x="0" y="0"/>
+            <a:ext cx="9144000" cy="6858000"/>
+          </a:xfrm>
+          <a:solidFill>
+            <a:schemeClr val="tx1">
+              <a:lumMod val="85000"/>
+              <a:lumOff val="15000"/>
+            </a:schemeClr>
+          </a:solidFill>
+        </p:spPr>
+        <p:txBody>
+          <a:bodyPr>
+            <a:normAutofit/>
+          </a:bodyPr>
           <a:lstStyle/>
           <a:p>
-            <a:r>
-              <a:rPr lang="de-DE" dirty="0" smtClean="0"/>
-              <a:t>Systemische Metapher</a:t>
+            <a:pPr algn="l"/>
+            <a:r>
+              <a:rPr lang="de-DE" sz="2000" b="1" dirty="0" err="1">
+                <a:latin typeface="Consolas"/>
+              </a:rPr>
+              <a:t>public</a:t>
+            </a:r>
+            <a:r>
+              <a:rPr lang="de-DE" sz="2000" b="1" dirty="0">
+                <a:latin typeface="Consolas"/>
+              </a:rPr>
+              <a:t> </a:t>
+            </a:r>
+            <a:r>
+              <a:rPr lang="de-DE" sz="2000" b="1" dirty="0" err="1">
+                <a:latin typeface="Consolas"/>
+              </a:rPr>
+              <a:t>class</a:t>
+            </a:r>
+            <a:r>
+              <a:rPr lang="de-DE" sz="2000" b="1" dirty="0">
+                <a:latin typeface="Consolas"/>
+              </a:rPr>
+              <a:t> </a:t>
+            </a:r>
+            <a:r>
+              <a:rPr lang="de-DE" sz="2000" b="1" dirty="0" err="1">
+                <a:solidFill>
+                  <a:srgbClr val="FF00FF"/>
+                </a:solidFill>
+                <a:latin typeface="Consolas"/>
+              </a:rPr>
+              <a:t>Customer</a:t>
+            </a:r>
+            <a:r>
+              <a:rPr lang="de-DE" sz="2000" b="1" dirty="0" err="1">
+                <a:latin typeface="Consolas"/>
+              </a:rPr>
+              <a:t>Repository</a:t>
+            </a:r>
+            <a:r>
+              <a:rPr lang="de-DE" sz="2000" b="1" dirty="0">
+                <a:solidFill>
+                  <a:srgbClr val="CFCFCF"/>
+                </a:solidFill>
+                <a:latin typeface="Consolas"/>
+              </a:rPr>
+              <a:t/>
             </a:r>
             <a:br>
-              <a:rPr lang="de-DE" dirty="0" smtClean="0"/>
+              <a:rPr lang="de-DE" sz="2000" b="1" dirty="0">
+                <a:solidFill>
+                  <a:srgbClr val="CFCFCF"/>
+                </a:solidFill>
+                <a:latin typeface="Consolas"/>
+              </a:rPr>
             </a:br>
             <a:r>
-              <a:rPr lang="de-DE" dirty="0" smtClean="0"/>
+              <a:rPr lang="de-DE" sz="2000" b="1" dirty="0">
+                <a:solidFill>
+                  <a:srgbClr val="CFCFCF"/>
+                </a:solidFill>
+                <a:latin typeface="Consolas"/>
+              </a:rPr>
+              <a:t>{</a:t>
+            </a:r>
+            <a:br>
+              <a:rPr lang="de-DE" sz="2000" b="1" dirty="0">
+                <a:solidFill>
+                  <a:srgbClr val="CFCFCF"/>
+                </a:solidFill>
+                <a:latin typeface="Consolas"/>
+              </a:rPr>
+            </a:br>
+            <a:r>
+              <a:rPr lang="de-DE" sz="2000" b="1" dirty="0" smtClean="0">
+                <a:solidFill>
+                  <a:srgbClr val="CFCFCF"/>
+                </a:solidFill>
+                <a:latin typeface="Consolas"/>
+              </a:rPr>
+              <a:t>   </a:t>
+            </a:r>
+            <a:r>
+              <a:rPr lang="de-DE" sz="2000" b="1" dirty="0" err="1" smtClean="0">
+                <a:latin typeface="Consolas"/>
+              </a:rPr>
+              <a:t>IEnumerable</a:t>
+            </a:r>
+            <a:r>
+              <a:rPr lang="de-DE" sz="2000" b="1" dirty="0" smtClean="0">
+                <a:solidFill>
+                  <a:srgbClr val="CFCFCF"/>
+                </a:solidFill>
+                <a:latin typeface="Consolas"/>
+              </a:rPr>
+              <a:t>&lt;</a:t>
+            </a:r>
+            <a:r>
+              <a:rPr lang="de-DE" sz="2000" b="1" dirty="0" smtClean="0">
+                <a:solidFill>
+                  <a:srgbClr val="FF00FF"/>
+                </a:solidFill>
+                <a:latin typeface="Consolas"/>
+              </a:rPr>
+              <a:t>Customer</a:t>
+            </a:r>
+            <a:r>
+              <a:rPr lang="de-DE" sz="2000" b="1" dirty="0">
+                <a:solidFill>
+                  <a:srgbClr val="CFCFCF"/>
+                </a:solidFill>
+                <a:latin typeface="Consolas"/>
+              </a:rPr>
+              <a:t>&gt; </a:t>
+            </a:r>
+            <a:r>
+              <a:rPr lang="de-DE" sz="2000" b="1" dirty="0" smtClean="0">
+                <a:solidFill>
+                  <a:srgbClr val="CFCFCF"/>
+                </a:solidFill>
+                <a:latin typeface="Consolas"/>
+              </a:rPr>
               <a:t/>
             </a:r>
             <a:br>
-              <a:rPr lang="de-DE" dirty="0" smtClean="0"/>
+              <a:rPr lang="de-DE" sz="2000" b="1" dirty="0" smtClean="0">
+                <a:solidFill>
+                  <a:srgbClr val="CFCFCF"/>
+                </a:solidFill>
+                <a:latin typeface="Consolas"/>
+              </a:rPr>
             </a:br>
             <a:r>
-              <a:rPr lang="de-DE" dirty="0" smtClean="0">
+              <a:rPr lang="de-DE" sz="2000" b="1" dirty="0" smtClean="0">
+                <a:solidFill>
+                  <a:srgbClr val="CFCFCF"/>
+                </a:solidFill>
+                <a:latin typeface="Consolas"/>
+              </a:rPr>
+              <a:t>   </a:t>
+            </a:r>
+            <a:r>
+              <a:rPr lang="de-DE" sz="2000" b="1" dirty="0" err="1" smtClean="0">
+                <a:solidFill>
+                  <a:srgbClr val="CFCFCF"/>
+                </a:solidFill>
+                <a:latin typeface="Consolas"/>
+              </a:rPr>
+              <a:t>Get</a:t>
+            </a:r>
+            <a:r>
+              <a:rPr lang="de-DE" sz="2000" b="1" dirty="0" err="1" smtClean="0">
                 <a:solidFill>
                   <a:srgbClr val="FF00FF"/>
                 </a:solidFill>
-              </a:rPr>
-              <a:t>Klare Namen</a:t>
-            </a:r>
-            <a:endParaRPr lang="en-US" dirty="0">
+                <a:latin typeface="Consolas"/>
+              </a:rPr>
+              <a:t>Customers</a:t>
+            </a:r>
+            <a:r>
+              <a:rPr lang="de-DE" sz="2000" b="1" dirty="0" err="1" smtClean="0">
+                <a:solidFill>
+                  <a:srgbClr val="CFCFCF"/>
+                </a:solidFill>
+                <a:latin typeface="Consolas"/>
+              </a:rPr>
+              <a:t>ByYearOfBirth</a:t>
+            </a:r>
+            <a:r>
+              <a:rPr lang="de-DE" sz="2000" b="1" dirty="0" smtClean="0">
+                <a:solidFill>
+                  <a:srgbClr val="CFCFCF"/>
+                </a:solidFill>
+                <a:latin typeface="Consolas"/>
+              </a:rPr>
+              <a:t>(</a:t>
+            </a:r>
+            <a:r>
+              <a:rPr lang="de-DE" sz="2000" b="1" dirty="0" err="1" smtClean="0">
+                <a:latin typeface="Consolas"/>
+              </a:rPr>
+              <a:t>DateTime</a:t>
+            </a:r>
+            <a:r>
+              <a:rPr lang="de-DE" sz="2000" b="1" dirty="0" smtClean="0">
+                <a:solidFill>
+                  <a:srgbClr val="CFCFCF"/>
+                </a:solidFill>
+                <a:latin typeface="Consolas"/>
+              </a:rPr>
+              <a:t> </a:t>
+            </a:r>
+            <a:r>
+              <a:rPr lang="de-DE" sz="2000" b="1" dirty="0" err="1">
+                <a:solidFill>
+                  <a:schemeClr val="bg1">
+                    <a:lumMod val="95000"/>
+                  </a:schemeClr>
+                </a:solidFill>
+                <a:latin typeface="Consolas"/>
+              </a:rPr>
+              <a:t>yearOfBirth</a:t>
+            </a:r>
+            <a:r>
+              <a:rPr lang="de-DE" sz="2000" b="1" dirty="0">
+                <a:solidFill>
+                  <a:srgbClr val="CFCFCF"/>
+                </a:solidFill>
+                <a:latin typeface="Consolas"/>
+              </a:rPr>
+              <a:t>)</a:t>
+            </a:r>
+            <a:br>
+              <a:rPr lang="de-DE" sz="2000" b="1" dirty="0">
+                <a:solidFill>
+                  <a:srgbClr val="CFCFCF"/>
+                </a:solidFill>
+                <a:latin typeface="Consolas"/>
+              </a:rPr>
+            </a:br>
+            <a:r>
+              <a:rPr lang="de-DE" sz="2000" b="1" dirty="0">
+                <a:solidFill>
+                  <a:srgbClr val="CFCFCF"/>
+                </a:solidFill>
+                <a:latin typeface="Consolas"/>
+              </a:rPr>
+              <a:t>   </a:t>
+            </a:r>
+            <a:r>
+              <a:rPr lang="de-DE" sz="2000" b="1" dirty="0" smtClean="0">
+                <a:solidFill>
+                  <a:srgbClr val="CFCFCF"/>
+                </a:solidFill>
+                <a:latin typeface="Consolas"/>
+              </a:rPr>
+              <a:t>{</a:t>
+            </a:r>
+            <a:r>
+              <a:rPr lang="de-DE" sz="2000" b="1" dirty="0">
+                <a:solidFill>
+                  <a:srgbClr val="CFCFCF"/>
+                </a:solidFill>
+                <a:latin typeface="Consolas"/>
+              </a:rPr>
+              <a:t/>
+            </a:r>
+            <a:br>
+              <a:rPr lang="de-DE" sz="2000" b="1" dirty="0">
+                <a:solidFill>
+                  <a:srgbClr val="CFCFCF"/>
+                </a:solidFill>
+                <a:latin typeface="Consolas"/>
+              </a:rPr>
+            </a:br>
+            <a:r>
+              <a:rPr lang="de-DE" sz="2000" b="1" dirty="0">
+                <a:solidFill>
+                  <a:srgbClr val="CFCFCF"/>
+                </a:solidFill>
+                <a:latin typeface="Consolas"/>
+              </a:rPr>
+              <a:t>           </a:t>
+            </a:r>
+            <a:br>
+              <a:rPr lang="de-DE" sz="2000" b="1" dirty="0">
+                <a:solidFill>
+                  <a:srgbClr val="CFCFCF"/>
+                </a:solidFill>
+                <a:latin typeface="Consolas"/>
+              </a:rPr>
+            </a:br>
+            <a:r>
+              <a:rPr lang="de-DE" sz="2000" b="1" dirty="0">
+                <a:solidFill>
+                  <a:srgbClr val="CFCFCF"/>
+                </a:solidFill>
+                <a:latin typeface="Consolas"/>
+              </a:rPr>
+              <a:t>   </a:t>
+            </a:r>
+            <a:r>
+              <a:rPr lang="de-DE" sz="2000" b="1" dirty="0" smtClean="0">
+                <a:solidFill>
+                  <a:srgbClr val="CFCFCF"/>
+                </a:solidFill>
+                <a:latin typeface="Consolas"/>
+              </a:rPr>
+              <a:t>}</a:t>
+            </a:r>
+            <a:r>
+              <a:rPr lang="de-DE" sz="2000" b="1" dirty="0">
+                <a:solidFill>
+                  <a:srgbClr val="CFCFCF"/>
+                </a:solidFill>
+                <a:latin typeface="Consolas"/>
+              </a:rPr>
+              <a:t/>
+            </a:r>
+            <a:br>
+              <a:rPr lang="de-DE" sz="2000" b="1" dirty="0">
+                <a:solidFill>
+                  <a:srgbClr val="CFCFCF"/>
+                </a:solidFill>
+                <a:latin typeface="Consolas"/>
+              </a:rPr>
+            </a:br>
+            <a:r>
+              <a:rPr lang="de-DE" sz="2000" b="1" dirty="0">
+                <a:solidFill>
+                  <a:srgbClr val="CFCFCF"/>
+                </a:solidFill>
+                <a:latin typeface="Consolas"/>
+              </a:rPr>
+              <a:t>}</a:t>
+            </a:r>
+            <a:br>
+              <a:rPr lang="de-DE" sz="2000" b="1" dirty="0">
+                <a:solidFill>
+                  <a:srgbClr val="CFCFCF"/>
+                </a:solidFill>
+                <a:latin typeface="Consolas"/>
+              </a:rPr>
+            </a:br>
+            <a:endParaRPr lang="en-US" sz="2000" b="1" dirty="0">
               <a:solidFill>
-                <a:srgbClr val="FF00FF"/>
+                <a:schemeClr val="bg1"/>
               </a:solidFill>
+              <a:latin typeface="Consolas" pitchFamily="49" charset="0"/>
+              <a:ea typeface="Roboto" pitchFamily="2" charset="0"/>
+              <a:cs typeface="Consolas" pitchFamily="49" charset="0"/>
             </a:endParaRPr>
           </a:p>
         </p:txBody>
       </p:sp>
     </p:spTree>
+    <p:extLst>
+      <p:ext uri="{BB962C8B-B14F-4D97-AF65-F5344CB8AC3E}">
+        <p14:creationId xmlns:p14="http://schemas.microsoft.com/office/powerpoint/2010/main" val="2232273031"/>
+      </p:ext>
+    </p:extLst>
   </p:cSld>
   <p:clrMapOvr>
     <a:masterClrMapping/>
@@ -6700,7 +5582,18 @@
             <p:ph type="title"/>
           </p:nvPr>
         </p:nvSpPr>
-        <p:spPr/>
+        <p:spPr>
+          <a:xfrm>
+            <a:off x="0" y="0"/>
+            <a:ext cx="9144000" cy="6858000"/>
+          </a:xfrm>
+          <a:solidFill>
+            <a:schemeClr val="tx1">
+              <a:lumMod val="85000"/>
+              <a:lumOff val="15000"/>
+            </a:schemeClr>
+          </a:solidFill>
+        </p:spPr>
         <p:txBody>
           <a:bodyPr>
             <a:normAutofit/>
@@ -6709,230 +5602,2207 @@
           <a:p>
             <a:pPr algn="l"/>
             <a:r>
-              <a:rPr lang="de-AT" sz="1200" dirty="0" err="1" smtClean="0">
-                <a:latin typeface="Roboto" pitchFamily="2" charset="0"/>
-                <a:ea typeface="Roboto" pitchFamily="2" charset="0"/>
-              </a:rPr>
-              <a:t>Inspired</a:t>
-            </a:r>
-            <a:r>
-              <a:rPr lang="de-AT" sz="1200" dirty="0" smtClean="0">
-                <a:latin typeface="Roboto" pitchFamily="2" charset="0"/>
-                <a:ea typeface="Roboto" pitchFamily="2" charset="0"/>
+              <a:rPr lang="en-US" sz="2000" b="1" dirty="0">
+                <a:latin typeface="Consolas"/>
+              </a:rPr>
+              <a:t>public class </a:t>
+            </a:r>
+            <a:r>
+              <a:rPr lang="en-US" sz="2000" b="1" dirty="0" err="1">
+                <a:latin typeface="Consolas"/>
+              </a:rPr>
+              <a:t>Customer</a:t>
+            </a:r>
+            <a:r>
+              <a:rPr lang="en-US" sz="2000" b="1" dirty="0" err="1">
+                <a:solidFill>
+                  <a:srgbClr val="FF00FF"/>
+                </a:solidFill>
+                <a:latin typeface="Consolas"/>
+              </a:rPr>
+              <a:t>Repository</a:t>
+            </a:r>
+            <a:r>
+              <a:rPr lang="en-US" sz="2000" b="1" dirty="0">
+                <a:latin typeface="Consolas"/>
               </a:rPr>
               <a:t> </a:t>
             </a:r>
             <a:r>
-              <a:rPr lang="de-AT" sz="1200" dirty="0" err="1" smtClean="0">
-                <a:latin typeface="Roboto" pitchFamily="2" charset="0"/>
-                <a:ea typeface="Roboto" pitchFamily="2" charset="0"/>
-              </a:rPr>
-              <a:t>by</a:t>
-            </a:r>
-            <a:r>
-              <a:rPr lang="de-AT" sz="1200" dirty="0" smtClean="0">
-                <a:latin typeface="Roboto" pitchFamily="2" charset="0"/>
-                <a:ea typeface="Roboto" pitchFamily="2" charset="0"/>
-              </a:rPr>
-              <a:t> and using the </a:t>
-            </a:r>
-            <a:r>
-              <a:rPr lang="de-AT" sz="1200" dirty="0" err="1" smtClean="0">
-                <a:latin typeface="Roboto" pitchFamily="2" charset="0"/>
-                <a:ea typeface="Roboto" pitchFamily="2" charset="0"/>
-              </a:rPr>
-              <a:t>fonts</a:t>
-            </a:r>
-            <a:r>
-              <a:rPr lang="de-AT" sz="1200" dirty="0" smtClean="0">
-                <a:latin typeface="Roboto" pitchFamily="2" charset="0"/>
-                <a:ea typeface="Roboto" pitchFamily="2" charset="0"/>
+              <a:rPr lang="en-US" sz="2000" b="1" dirty="0">
+                <a:solidFill>
+                  <a:schemeClr val="bg1"/>
+                </a:solidFill>
+                <a:latin typeface="Consolas"/>
+              </a:rPr>
+              <a:t/>
+            </a:r>
+            <a:br>
+              <a:rPr lang="en-US" sz="2000" b="1" dirty="0">
+                <a:solidFill>
+                  <a:schemeClr val="bg1"/>
+                </a:solidFill>
+                <a:latin typeface="Consolas"/>
+              </a:rPr>
+            </a:br>
+            <a:r>
+              <a:rPr lang="en-US" sz="2000" b="1" dirty="0">
+                <a:solidFill>
+                  <a:schemeClr val="bg1"/>
+                </a:solidFill>
+                <a:latin typeface="Consolas"/>
+              </a:rPr>
+              <a:t>{ </a:t>
+            </a:r>
+            <a:br>
+              <a:rPr lang="en-US" sz="2000" b="1" dirty="0">
+                <a:solidFill>
+                  <a:schemeClr val="bg1"/>
+                </a:solidFill>
+                <a:latin typeface="Consolas"/>
+              </a:rPr>
+            </a:br>
+            <a:r>
+              <a:rPr lang="en-US" sz="2000" b="1" dirty="0" smtClean="0">
+                <a:solidFill>
+                  <a:schemeClr val="bg1"/>
+                </a:solidFill>
+                <a:latin typeface="Consolas"/>
+              </a:rPr>
+              <a:t>   </a:t>
+            </a:r>
+            <a:r>
+              <a:rPr lang="en-US" sz="2000" b="1" dirty="0" err="1" smtClean="0">
+                <a:latin typeface="Consolas"/>
+              </a:rPr>
+              <a:t>IEnumerable</a:t>
+            </a:r>
+            <a:r>
+              <a:rPr lang="en-US" sz="2000" b="1" dirty="0" smtClean="0">
+                <a:solidFill>
+                  <a:schemeClr val="bg1"/>
+                </a:solidFill>
+                <a:latin typeface="Consolas"/>
+              </a:rPr>
+              <a:t>&lt;Customer</a:t>
+            </a:r>
+            <a:r>
+              <a:rPr lang="en-US" sz="2000" b="1" dirty="0">
+                <a:solidFill>
+                  <a:schemeClr val="bg1"/>
+                </a:solidFill>
+                <a:latin typeface="Consolas"/>
+              </a:rPr>
+              <a:t>&gt; </a:t>
+            </a:r>
+            <a:r>
+              <a:rPr lang="en-US" sz="2000" b="1" dirty="0" smtClean="0">
+                <a:solidFill>
+                  <a:schemeClr val="bg1"/>
+                </a:solidFill>
+                <a:latin typeface="Consolas"/>
+              </a:rPr>
+              <a:t/>
+            </a:r>
+            <a:br>
+              <a:rPr lang="en-US" sz="2000" b="1" dirty="0" smtClean="0">
+                <a:solidFill>
+                  <a:schemeClr val="bg1"/>
+                </a:solidFill>
+                <a:latin typeface="Consolas"/>
+              </a:rPr>
+            </a:br>
+            <a:r>
+              <a:rPr lang="en-US" sz="2000" b="1" dirty="0">
+                <a:solidFill>
+                  <a:schemeClr val="bg1"/>
+                </a:solidFill>
+                <a:latin typeface="Consolas"/>
               </a:rPr>
               <a:t> </a:t>
             </a:r>
             <a:r>
-              <a:rPr lang="de-AT" sz="1200" dirty="0" err="1" smtClean="0">
-                <a:latin typeface="Roboto" pitchFamily="2" charset="0"/>
-                <a:ea typeface="Roboto" pitchFamily="2" charset="0"/>
-              </a:rPr>
-              <a:t>suggested</a:t>
-            </a:r>
-            <a:r>
-              <a:rPr lang="de-AT" sz="1200" dirty="0" smtClean="0">
-                <a:latin typeface="Roboto" pitchFamily="2" charset="0"/>
-                <a:ea typeface="Roboto" pitchFamily="2" charset="0"/>
-              </a:rPr>
-              <a:t> at</a:t>
+              <a:rPr lang="en-US" sz="2000" b="1" dirty="0" smtClean="0">
+                <a:solidFill>
+                  <a:schemeClr val="bg1"/>
+                </a:solidFill>
+                <a:latin typeface="Consolas"/>
+              </a:rPr>
+              <a:t>  </a:t>
+            </a:r>
+            <a:r>
+              <a:rPr lang="en-US" sz="2000" b="1" dirty="0" err="1" smtClean="0">
+                <a:solidFill>
+                  <a:schemeClr val="bg1"/>
+                </a:solidFill>
+                <a:latin typeface="Consolas"/>
+              </a:rPr>
+              <a:t>GetByYearOfBirth</a:t>
+            </a:r>
+            <a:r>
+              <a:rPr lang="en-US" sz="2000" b="1" dirty="0" smtClean="0">
+                <a:solidFill>
+                  <a:schemeClr val="bg1"/>
+                </a:solidFill>
+                <a:latin typeface="Consolas"/>
+              </a:rPr>
+              <a:t>(</a:t>
+            </a:r>
+            <a:r>
+              <a:rPr lang="en-US" sz="2000" b="1" dirty="0" err="1" smtClean="0">
+                <a:latin typeface="Consolas"/>
+              </a:rPr>
+              <a:t>DateTime</a:t>
+            </a:r>
+            <a:r>
+              <a:rPr lang="en-US" sz="2000" b="1" dirty="0" smtClean="0">
+                <a:solidFill>
+                  <a:schemeClr val="bg1"/>
+                </a:solidFill>
+                <a:latin typeface="Consolas"/>
+              </a:rPr>
+              <a:t> </a:t>
+            </a:r>
+            <a:r>
+              <a:rPr lang="en-US" sz="2000" b="1" dirty="0" err="1">
+                <a:solidFill>
+                  <a:schemeClr val="bg1"/>
+                </a:solidFill>
+                <a:latin typeface="Consolas"/>
+              </a:rPr>
+              <a:t>yearOfBirth</a:t>
+            </a:r>
+            <a:r>
+              <a:rPr lang="en-US" sz="2000" b="1" dirty="0">
+                <a:solidFill>
+                  <a:schemeClr val="bg1"/>
+                </a:solidFill>
+                <a:latin typeface="Consolas"/>
+              </a:rPr>
+              <a:t>)</a:t>
             </a:r>
             <a:br>
-              <a:rPr lang="de-AT" sz="1200" dirty="0" smtClean="0">
-                <a:latin typeface="Roboto" pitchFamily="2" charset="0"/>
-                <a:ea typeface="Roboto" pitchFamily="2" charset="0"/>
+              <a:rPr lang="en-US" sz="2000" b="1" dirty="0">
+                <a:solidFill>
+                  <a:schemeClr val="bg1"/>
+                </a:solidFill>
+                <a:latin typeface="Consolas"/>
               </a:rPr>
             </a:br>
             <a:r>
-              <a:rPr lang="de-AT" sz="1200" dirty="0" smtClean="0">
-                <a:latin typeface="Roboto" pitchFamily="2" charset="0"/>
-                <a:ea typeface="Roboto" pitchFamily="2" charset="0"/>
-                <a:hlinkClick r:id="rId2"/>
-              </a:rPr>
-              <a:t>http://www.labnol.org/software/tutorials/advice-select-best-fonts-for-powerpoint-presentation-slides/3355</a:t>
-            </a:r>
-            <a:r>
-              <a:rPr lang="de-AT" sz="1200" dirty="0" smtClean="0">
-                <a:latin typeface="Roboto" pitchFamily="2" charset="0"/>
-                <a:ea typeface="Roboto" pitchFamily="2" charset="0"/>
-                <a:hlinkClick r:id="rId2"/>
-              </a:rPr>
-              <a:t>/</a:t>
-            </a:r>
-            <a:r>
-              <a:rPr lang="de-AT" sz="1200" dirty="0" smtClean="0">
-                <a:latin typeface="Roboto" pitchFamily="2" charset="0"/>
-                <a:ea typeface="Roboto" pitchFamily="2" charset="0"/>
+              <a:rPr lang="en-US" sz="2000" b="1" dirty="0" smtClean="0">
+                <a:solidFill>
+                  <a:schemeClr val="bg1"/>
+                </a:solidFill>
+                <a:latin typeface="Consolas"/>
+              </a:rPr>
+              <a:t>   {</a:t>
+            </a:r>
+            <a:r>
+              <a:rPr lang="en-US" sz="2000" b="1" dirty="0">
+                <a:solidFill>
+                  <a:schemeClr val="bg1"/>
+                </a:solidFill>
+                <a:latin typeface="Consolas"/>
               </a:rPr>
               <a:t/>
             </a:r>
             <a:br>
-              <a:rPr lang="de-AT" sz="1200" dirty="0" smtClean="0">
-                <a:latin typeface="Roboto" pitchFamily="2" charset="0"/>
-                <a:ea typeface="Roboto" pitchFamily="2" charset="0"/>
+              <a:rPr lang="en-US" sz="2000" b="1" dirty="0">
+                <a:solidFill>
+                  <a:schemeClr val="bg1"/>
+                </a:solidFill>
+                <a:latin typeface="Consolas"/>
               </a:rPr>
             </a:br>
             <a:r>
-              <a:rPr lang="de-AT" sz="1200" dirty="0" smtClean="0">
-                <a:latin typeface="Roboto" pitchFamily="2" charset="0"/>
-                <a:ea typeface="Roboto" pitchFamily="2" charset="0"/>
+              <a:rPr lang="en-US" sz="2000" b="1" dirty="0" smtClean="0">
+                <a:solidFill>
+                  <a:schemeClr val="bg1"/>
+                </a:solidFill>
+                <a:latin typeface="Consolas"/>
               </a:rPr>
               <a:t/>
             </a:r>
             <a:br>
-              <a:rPr lang="de-AT" sz="1200" dirty="0" smtClean="0">
-                <a:latin typeface="Roboto" pitchFamily="2" charset="0"/>
-                <a:ea typeface="Roboto" pitchFamily="2" charset="0"/>
+              <a:rPr lang="en-US" sz="2000" b="1" dirty="0" smtClean="0">
+                <a:solidFill>
+                  <a:schemeClr val="bg1"/>
+                </a:solidFill>
+                <a:latin typeface="Consolas"/>
               </a:rPr>
             </a:br>
             <a:r>
-              <a:rPr lang="de-AT" sz="1200" dirty="0" err="1" smtClean="0">
-                <a:latin typeface="Roboto" pitchFamily="2" charset="0"/>
-                <a:ea typeface="Roboto" pitchFamily="2" charset="0"/>
-              </a:rPr>
-              <a:t>Health</a:t>
-            </a:r>
-            <a:r>
-              <a:rPr lang="de-AT" sz="1200" dirty="0">
-                <a:latin typeface="Roboto" pitchFamily="2" charset="0"/>
-                <a:ea typeface="Roboto" pitchFamily="2" charset="0"/>
+              <a:rPr lang="en-US" sz="2000" b="1" dirty="0" smtClean="0">
+                <a:solidFill>
+                  <a:schemeClr val="bg1"/>
+                </a:solidFill>
+                <a:latin typeface="Consolas"/>
+              </a:rPr>
+              <a:t>   }</a:t>
+            </a:r>
+            <a:r>
+              <a:rPr lang="en-US" sz="2000" b="1" dirty="0">
+                <a:solidFill>
+                  <a:schemeClr val="bg1"/>
+                </a:solidFill>
+                <a:latin typeface="Consolas"/>
               </a:rPr>
               <a:t/>
             </a:r>
             <a:br>
-              <a:rPr lang="de-AT" sz="1200" dirty="0">
-                <a:latin typeface="Roboto" pitchFamily="2" charset="0"/>
-                <a:ea typeface="Roboto" pitchFamily="2" charset="0"/>
+              <a:rPr lang="en-US" sz="2000" b="1" dirty="0">
+                <a:solidFill>
+                  <a:schemeClr val="bg1"/>
+                </a:solidFill>
+                <a:latin typeface="Consolas"/>
               </a:rPr>
             </a:br>
             <a:r>
-              <a:rPr lang="de-DE" sz="1200" dirty="0">
-                <a:latin typeface="Roboto" pitchFamily="2" charset="0"/>
-                <a:ea typeface="Roboto" pitchFamily="2" charset="0"/>
-                <a:hlinkClick r:id="rId3"/>
-              </a:rPr>
-              <a:t>http://thenounproject.com/noun/first-aid/#</a:t>
-            </a:r>
-            <a:r>
-              <a:rPr lang="de-DE" sz="1200" dirty="0" smtClean="0">
-                <a:latin typeface="Roboto" pitchFamily="2" charset="0"/>
-                <a:ea typeface="Roboto" pitchFamily="2" charset="0"/>
-                <a:hlinkClick r:id="rId3"/>
-              </a:rPr>
-              <a:t>icon-No2208</a:t>
-            </a:r>
-            <a:r>
-              <a:rPr lang="de-DE" sz="1200" dirty="0" smtClean="0">
-                <a:latin typeface="Roboto" pitchFamily="2" charset="0"/>
-                <a:ea typeface="Roboto" pitchFamily="2" charset="0"/>
+              <a:rPr lang="en-US" sz="2000" b="1" dirty="0">
+                <a:solidFill>
+                  <a:schemeClr val="bg1"/>
+                </a:solidFill>
+                <a:latin typeface="Consolas"/>
+              </a:rPr>
+              <a:t>}</a:t>
+            </a:r>
+            <a:endParaRPr lang="en-US" sz="2000" b="1" dirty="0">
+              <a:solidFill>
+                <a:schemeClr val="bg1"/>
+              </a:solidFill>
+              <a:latin typeface="Consolas" pitchFamily="49" charset="0"/>
+              <a:ea typeface="Roboto" pitchFamily="2" charset="0"/>
+              <a:cs typeface="Consolas" pitchFamily="49" charset="0"/>
+            </a:endParaRPr>
+          </a:p>
+        </p:txBody>
+      </p:sp>
+    </p:spTree>
+    <p:extLst>
+      <p:ext uri="{BB962C8B-B14F-4D97-AF65-F5344CB8AC3E}">
+        <p14:creationId xmlns:p14="http://schemas.microsoft.com/office/powerpoint/2010/main" val="326209813"/>
+      </p:ext>
+    </p:extLst>
+  </p:cSld>
+  <p:clrMapOvr>
+    <a:masterClrMapping/>
+  </p:clrMapOvr>
+  <p:timing>
+    <p:tnLst>
+      <p:par>
+        <p:cTn id="1" dur="indefinite" restart="never" nodeType="tmRoot"/>
+      </p:par>
+    </p:tnLst>
+  </p:timing>
+</p:sld>
+</file>
+
+<file path=ppt/slides/slide112.xml><?xml version="1.0" encoding="utf-8"?>
+<p:sld xmlns:a="http://schemas.openxmlformats.org/drawingml/2006/main" xmlns:r="http://schemas.openxmlformats.org/officeDocument/2006/relationships" xmlns:p="http://schemas.openxmlformats.org/presentationml/2006/main">
+  <p:cSld>
+    <p:spTree>
+      <p:nvGrpSpPr>
+        <p:cNvPr id="1" name=""/>
+        <p:cNvGrpSpPr/>
+        <p:nvPr/>
+      </p:nvGrpSpPr>
+      <p:grpSpPr>
+        <a:xfrm>
+          <a:off x="0" y="0"/>
+          <a:ext cx="0" cy="0"/>
+          <a:chOff x="0" y="0"/>
+          <a:chExt cx="0" cy="0"/>
+        </a:xfrm>
+      </p:grpSpPr>
+      <p:sp>
+        <p:nvSpPr>
+          <p:cNvPr id="2" name="Titel 1"/>
+          <p:cNvSpPr>
+            <a:spLocks noGrp="1"/>
+          </p:cNvSpPr>
+          <p:nvPr>
+            <p:ph type="title"/>
+          </p:nvPr>
+        </p:nvSpPr>
+        <p:spPr>
+          <a:xfrm>
+            <a:off x="0" y="0"/>
+            <a:ext cx="9144000" cy="6858000"/>
+          </a:xfrm>
+          <a:solidFill>
+            <a:schemeClr val="tx1">
+              <a:lumMod val="85000"/>
+              <a:lumOff val="15000"/>
+            </a:schemeClr>
+          </a:solidFill>
+        </p:spPr>
+        <p:txBody>
+          <a:bodyPr>
+            <a:normAutofit/>
+          </a:bodyPr>
+          <a:lstStyle/>
+          <a:p>
+            <a:pPr algn="l"/>
+            <a:r>
+              <a:rPr lang="en-US" sz="2000" b="1" dirty="0">
+                <a:latin typeface="Consolas"/>
+              </a:rPr>
+              <a:t>public class </a:t>
+            </a:r>
+            <a:r>
+              <a:rPr lang="en-US" sz="2000" b="1" dirty="0" smtClean="0">
+                <a:latin typeface="Consolas"/>
+              </a:rPr>
+              <a:t>Customer</a:t>
+            </a:r>
+            <a:r>
+              <a:rPr lang="en-US" sz="2000" b="1" dirty="0" smtClean="0">
+                <a:solidFill>
+                  <a:srgbClr val="FF00FF"/>
+                </a:solidFill>
+                <a:latin typeface="Consolas"/>
+              </a:rPr>
+              <a:t>s</a:t>
+            </a:r>
+            <a:r>
+              <a:rPr lang="en-US" sz="2000" b="1" dirty="0" smtClean="0">
+                <a:latin typeface="Consolas"/>
+              </a:rPr>
+              <a:t> </a:t>
+            </a:r>
+            <a:r>
+              <a:rPr lang="en-US" sz="2000" b="1" dirty="0">
+                <a:solidFill>
+                  <a:schemeClr val="bg1"/>
+                </a:solidFill>
+                <a:latin typeface="Consolas"/>
               </a:rPr>
               <a:t/>
             </a:r>
             <a:br>
-              <a:rPr lang="de-DE" sz="1200" dirty="0" smtClean="0">
-                <a:latin typeface="Roboto" pitchFamily="2" charset="0"/>
-                <a:ea typeface="Roboto" pitchFamily="2" charset="0"/>
+              <a:rPr lang="en-US" sz="2000" b="1" dirty="0">
+                <a:solidFill>
+                  <a:schemeClr val="bg1"/>
+                </a:solidFill>
+                <a:latin typeface="Consolas"/>
               </a:rPr>
             </a:br>
             <a:r>
-              <a:rPr lang="de-DE" sz="1200" dirty="0" smtClean="0">
-                <a:latin typeface="Roboto" pitchFamily="2" charset="0"/>
-                <a:ea typeface="Roboto" pitchFamily="2" charset="0"/>
+              <a:rPr lang="en-US" sz="2000" b="1" dirty="0">
+                <a:solidFill>
+                  <a:schemeClr val="bg1"/>
+                </a:solidFill>
+                <a:latin typeface="Consolas"/>
+              </a:rPr>
+              <a:t>{ </a:t>
+            </a:r>
+            <a:br>
+              <a:rPr lang="en-US" sz="2000" b="1" dirty="0">
+                <a:solidFill>
+                  <a:schemeClr val="bg1"/>
+                </a:solidFill>
+                <a:latin typeface="Consolas"/>
+              </a:rPr>
+            </a:br>
+            <a:r>
+              <a:rPr lang="en-US" sz="2000" b="1" dirty="0" smtClean="0">
+                <a:solidFill>
+                  <a:schemeClr val="bg1"/>
+                </a:solidFill>
+                <a:latin typeface="Consolas"/>
+              </a:rPr>
+              <a:t>   </a:t>
+            </a:r>
+            <a:r>
+              <a:rPr lang="en-US" sz="2000" b="1" dirty="0" err="1" smtClean="0">
+                <a:latin typeface="Consolas"/>
+              </a:rPr>
+              <a:t>IEnumerable</a:t>
+            </a:r>
+            <a:r>
+              <a:rPr lang="en-US" sz="2000" b="1" dirty="0" smtClean="0">
+                <a:solidFill>
+                  <a:schemeClr val="bg1"/>
+                </a:solidFill>
+                <a:latin typeface="Consolas"/>
+              </a:rPr>
+              <a:t>&lt;Customer</a:t>
+            </a:r>
+            <a:r>
+              <a:rPr lang="en-US" sz="2000" b="1" dirty="0">
+                <a:solidFill>
+                  <a:schemeClr val="bg1"/>
+                </a:solidFill>
+                <a:latin typeface="Consolas"/>
+              </a:rPr>
+              <a:t>&gt; </a:t>
+            </a:r>
+            <a:r>
+              <a:rPr lang="en-US" sz="2000" b="1" dirty="0" smtClean="0">
+                <a:solidFill>
+                  <a:schemeClr val="bg1"/>
+                </a:solidFill>
+                <a:latin typeface="Consolas"/>
               </a:rPr>
               <a:t/>
             </a:r>
             <a:br>
-              <a:rPr lang="de-DE" sz="1200" dirty="0" smtClean="0">
-                <a:latin typeface="Roboto" pitchFamily="2" charset="0"/>
-                <a:ea typeface="Roboto" pitchFamily="2" charset="0"/>
+              <a:rPr lang="en-US" sz="2000" b="1" dirty="0" smtClean="0">
+                <a:solidFill>
+                  <a:schemeClr val="bg1"/>
+                </a:solidFill>
+                <a:latin typeface="Consolas"/>
               </a:rPr>
             </a:br>
             <a:r>
-              <a:rPr lang="de-DE" sz="1200" dirty="0">
-                <a:latin typeface="Roboto" pitchFamily="2" charset="0"/>
-                <a:ea typeface="Roboto" pitchFamily="2" charset="0"/>
+              <a:rPr lang="en-US" sz="2000" b="1" dirty="0">
+                <a:solidFill>
+                  <a:schemeClr val="bg1"/>
+                </a:solidFill>
+                <a:latin typeface="Consolas"/>
+              </a:rPr>
+              <a:t> </a:t>
+            </a:r>
+            <a:r>
+              <a:rPr lang="en-US" sz="2000" b="1" dirty="0" smtClean="0">
+                <a:solidFill>
+                  <a:schemeClr val="bg1"/>
+                </a:solidFill>
+                <a:latin typeface="Consolas"/>
+              </a:rPr>
+              <a:t>  </a:t>
+            </a:r>
+            <a:r>
+              <a:rPr lang="en-US" sz="2000" b="1" dirty="0" err="1" smtClean="0">
+                <a:solidFill>
+                  <a:srgbClr val="FF00FF"/>
+                </a:solidFill>
+                <a:latin typeface="Consolas"/>
+              </a:rPr>
+              <a:t>GetBy</a:t>
+            </a:r>
+            <a:r>
+              <a:rPr lang="en-US" sz="2000" b="1" dirty="0" err="1" smtClean="0">
+                <a:solidFill>
+                  <a:schemeClr val="bg1"/>
+                </a:solidFill>
+                <a:latin typeface="Consolas"/>
+              </a:rPr>
+              <a:t>YearOfBirth</a:t>
+            </a:r>
+            <a:r>
+              <a:rPr lang="en-US" sz="2000" b="1" dirty="0" smtClean="0">
+                <a:solidFill>
+                  <a:schemeClr val="bg1"/>
+                </a:solidFill>
+                <a:latin typeface="Consolas"/>
+              </a:rPr>
+              <a:t>(</a:t>
+            </a:r>
+            <a:r>
+              <a:rPr lang="en-US" sz="2000" b="1" dirty="0" err="1" smtClean="0">
+                <a:latin typeface="Consolas"/>
+              </a:rPr>
+              <a:t>DateTime</a:t>
+            </a:r>
+            <a:r>
+              <a:rPr lang="en-US" sz="2000" b="1" dirty="0" smtClean="0">
+                <a:solidFill>
+                  <a:schemeClr val="bg1"/>
+                </a:solidFill>
+                <a:latin typeface="Consolas"/>
+              </a:rPr>
+              <a:t> </a:t>
+            </a:r>
+            <a:r>
+              <a:rPr lang="en-US" sz="2000" b="1" dirty="0" err="1">
+                <a:solidFill>
+                  <a:schemeClr val="bg1"/>
+                </a:solidFill>
+                <a:latin typeface="Consolas"/>
+              </a:rPr>
+              <a:t>yearOfBirth</a:t>
+            </a:r>
+            <a:r>
+              <a:rPr lang="en-US" sz="2000" b="1" dirty="0">
+                <a:solidFill>
+                  <a:schemeClr val="bg1"/>
+                </a:solidFill>
+                <a:latin typeface="Consolas"/>
+              </a:rPr>
+              <a:t>)</a:t>
+            </a:r>
+            <a:br>
+              <a:rPr lang="en-US" sz="2000" b="1" dirty="0">
+                <a:solidFill>
+                  <a:schemeClr val="bg1"/>
+                </a:solidFill>
+                <a:latin typeface="Consolas"/>
+              </a:rPr>
+            </a:br>
+            <a:r>
+              <a:rPr lang="en-US" sz="2000" b="1" dirty="0" smtClean="0">
+                <a:solidFill>
+                  <a:schemeClr val="bg1"/>
+                </a:solidFill>
+                <a:latin typeface="Consolas"/>
+              </a:rPr>
+              <a:t>   {</a:t>
+            </a:r>
+            <a:r>
+              <a:rPr lang="en-US" sz="2000" b="1" dirty="0">
+                <a:solidFill>
+                  <a:schemeClr val="bg1"/>
+                </a:solidFill>
+                <a:latin typeface="Consolas"/>
               </a:rPr>
               <a:t/>
             </a:r>
             <a:br>
-              <a:rPr lang="de-DE" sz="1200" dirty="0">
-                <a:latin typeface="Roboto" pitchFamily="2" charset="0"/>
-                <a:ea typeface="Roboto" pitchFamily="2" charset="0"/>
+              <a:rPr lang="en-US" sz="2000" b="1" dirty="0">
+                <a:solidFill>
+                  <a:schemeClr val="bg1"/>
+                </a:solidFill>
+                <a:latin typeface="Consolas"/>
               </a:rPr>
             </a:br>
             <a:r>
-              <a:rPr lang="de-DE" sz="1200" dirty="0">
-                <a:latin typeface="Roboto" pitchFamily="2" charset="0"/>
-                <a:ea typeface="Roboto" pitchFamily="2" charset="0"/>
+              <a:rPr lang="en-US" sz="2000" b="1" dirty="0" smtClean="0">
+                <a:solidFill>
+                  <a:schemeClr val="bg1"/>
+                </a:solidFill>
+                <a:latin typeface="Consolas"/>
               </a:rPr>
               <a:t/>
             </a:r>
             <a:br>
-              <a:rPr lang="de-DE" sz="1200" dirty="0">
-                <a:latin typeface="Roboto" pitchFamily="2" charset="0"/>
-                <a:ea typeface="Roboto" pitchFamily="2" charset="0"/>
+              <a:rPr lang="en-US" sz="2000" b="1" dirty="0" smtClean="0">
+                <a:solidFill>
+                  <a:schemeClr val="bg1"/>
+                </a:solidFill>
+                <a:latin typeface="Consolas"/>
               </a:rPr>
             </a:br>
             <a:r>
-              <a:rPr lang="de-DE" sz="1200" dirty="0" smtClean="0">
-                <a:latin typeface="Roboto" pitchFamily="2" charset="0"/>
-                <a:ea typeface="Roboto" pitchFamily="2" charset="0"/>
-              </a:rPr>
-              <a:t>Andy Palmer on Singletons</a:t>
+              <a:rPr lang="en-US" sz="2000" b="1" dirty="0" smtClean="0">
+                <a:solidFill>
+                  <a:schemeClr val="bg1"/>
+                </a:solidFill>
+                <a:latin typeface="Consolas"/>
+              </a:rPr>
+              <a:t>   }</a:t>
+            </a:r>
+            <a:r>
+              <a:rPr lang="en-US" sz="2000" b="1" dirty="0">
+                <a:solidFill>
+                  <a:schemeClr val="bg1"/>
+                </a:solidFill>
+                <a:latin typeface="Consolas"/>
+              </a:rPr>
+              <a:t/>
             </a:r>
             <a:br>
-              <a:rPr lang="de-DE" sz="1200" dirty="0" smtClean="0">
-                <a:latin typeface="Roboto" pitchFamily="2" charset="0"/>
-                <a:ea typeface="Roboto" pitchFamily="2" charset="0"/>
+              <a:rPr lang="en-US" sz="2000" b="1" dirty="0">
+                <a:solidFill>
+                  <a:schemeClr val="bg1"/>
+                </a:solidFill>
+                <a:latin typeface="Consolas"/>
               </a:rPr>
             </a:br>
             <a:r>
-              <a:rPr lang="de-DE" sz="1200" dirty="0" smtClean="0">
-                <a:latin typeface="Roboto" pitchFamily="2" charset="0"/>
-                <a:ea typeface="Roboto" pitchFamily="2" charset="0"/>
-                <a:hlinkClick r:id="rId4"/>
-              </a:rPr>
-              <a:t>http</a:t>
-            </a:r>
-            <a:r>
-              <a:rPr lang="de-DE" sz="1200" dirty="0">
-                <a:latin typeface="Roboto" pitchFamily="2" charset="0"/>
-                <a:ea typeface="Roboto" pitchFamily="2" charset="0"/>
-                <a:hlinkClick r:id="rId4"/>
-              </a:rPr>
-              <a:t>://andypalmer.com/2008/05/singletons/</a:t>
-            </a:r>
-            <a:endParaRPr lang="en-US" sz="1200" dirty="0">
-              <a:latin typeface="Roboto" pitchFamily="2" charset="0"/>
+              <a:rPr lang="en-US" sz="2000" b="1" dirty="0">
+                <a:solidFill>
+                  <a:schemeClr val="bg1"/>
+                </a:solidFill>
+                <a:latin typeface="Consolas"/>
+              </a:rPr>
+              <a:t>}</a:t>
+            </a:r>
+            <a:endParaRPr lang="en-US" sz="2000" b="1" dirty="0">
+              <a:solidFill>
+                <a:schemeClr val="bg1"/>
+              </a:solidFill>
+              <a:latin typeface="Consolas" pitchFamily="49" charset="0"/>
               <a:ea typeface="Roboto" pitchFamily="2" charset="0"/>
+              <a:cs typeface="Consolas" pitchFamily="49" charset="0"/>
             </a:endParaRPr>
+          </a:p>
+        </p:txBody>
+      </p:sp>
+    </p:spTree>
+    <p:extLst>
+      <p:ext uri="{BB962C8B-B14F-4D97-AF65-F5344CB8AC3E}">
+        <p14:creationId xmlns:p14="http://schemas.microsoft.com/office/powerpoint/2010/main" val="1985172737"/>
+      </p:ext>
+    </p:extLst>
+  </p:cSld>
+  <p:clrMapOvr>
+    <a:masterClrMapping/>
+  </p:clrMapOvr>
+  <p:timing>
+    <p:tnLst>
+      <p:par>
+        <p:cTn id="1" dur="indefinite" restart="never" nodeType="tmRoot"/>
+      </p:par>
+    </p:tnLst>
+  </p:timing>
+</p:sld>
+</file>
+
+<file path=ppt/slides/slide113.xml><?xml version="1.0" encoding="utf-8"?>
+<p:sld xmlns:a="http://schemas.openxmlformats.org/drawingml/2006/main" xmlns:r="http://schemas.openxmlformats.org/officeDocument/2006/relationships" xmlns:p="http://schemas.openxmlformats.org/presentationml/2006/main">
+  <p:cSld>
+    <p:spTree>
+      <p:nvGrpSpPr>
+        <p:cNvPr id="1" name=""/>
+        <p:cNvGrpSpPr/>
+        <p:nvPr/>
+      </p:nvGrpSpPr>
+      <p:grpSpPr>
+        <a:xfrm>
+          <a:off x="0" y="0"/>
+          <a:ext cx="0" cy="0"/>
+          <a:chOff x="0" y="0"/>
+          <a:chExt cx="0" cy="0"/>
+        </a:xfrm>
+      </p:grpSpPr>
+      <p:sp>
+        <p:nvSpPr>
+          <p:cNvPr id="2" name="Titel 1"/>
+          <p:cNvSpPr>
+            <a:spLocks noGrp="1"/>
+          </p:cNvSpPr>
+          <p:nvPr>
+            <p:ph type="title"/>
+          </p:nvPr>
+        </p:nvSpPr>
+        <p:spPr>
+          <a:xfrm>
+            <a:off x="0" y="0"/>
+            <a:ext cx="9144000" cy="6858000"/>
+          </a:xfrm>
+          <a:solidFill>
+            <a:schemeClr val="tx1">
+              <a:lumMod val="85000"/>
+              <a:lumOff val="15000"/>
+            </a:schemeClr>
+          </a:solidFill>
+        </p:spPr>
+        <p:txBody>
+          <a:bodyPr>
+            <a:normAutofit/>
+          </a:bodyPr>
+          <a:lstStyle/>
+          <a:p>
+            <a:pPr algn="l"/>
+            <a:r>
+              <a:rPr lang="en-US" sz="2000" b="1" dirty="0" smtClean="0">
+                <a:latin typeface="Consolas"/>
+              </a:rPr>
+              <a:t>public class Customers</a:t>
+            </a:r>
+            <a:r>
+              <a:rPr lang="en-US" sz="2000" b="1" dirty="0" smtClean="0">
+                <a:solidFill>
+                  <a:schemeClr val="bg1"/>
+                </a:solidFill>
+                <a:latin typeface="Consolas"/>
+              </a:rPr>
+              <a:t/>
+            </a:r>
+            <a:br>
+              <a:rPr lang="en-US" sz="2000" b="1" dirty="0" smtClean="0">
+                <a:solidFill>
+                  <a:schemeClr val="bg1"/>
+                </a:solidFill>
+                <a:latin typeface="Consolas"/>
+              </a:rPr>
+            </a:br>
+            <a:r>
+              <a:rPr lang="en-US" sz="2000" b="1" dirty="0" smtClean="0">
+                <a:solidFill>
+                  <a:schemeClr val="bg1"/>
+                </a:solidFill>
+                <a:latin typeface="Consolas"/>
+              </a:rPr>
+              <a:t>{ </a:t>
+            </a:r>
+            <a:br>
+              <a:rPr lang="en-US" sz="2000" b="1" dirty="0" smtClean="0">
+                <a:solidFill>
+                  <a:schemeClr val="bg1"/>
+                </a:solidFill>
+                <a:latin typeface="Consolas"/>
+              </a:rPr>
+            </a:br>
+            <a:r>
+              <a:rPr lang="en-US" sz="2000" b="1" dirty="0" smtClean="0">
+                <a:solidFill>
+                  <a:schemeClr val="bg1"/>
+                </a:solidFill>
+                <a:latin typeface="Consolas"/>
+              </a:rPr>
+              <a:t>   </a:t>
+            </a:r>
+            <a:r>
+              <a:rPr lang="en-US" sz="2000" b="1" dirty="0" err="1" smtClean="0">
+                <a:latin typeface="Consolas"/>
+              </a:rPr>
+              <a:t>IEnumerable</a:t>
+            </a:r>
+            <a:r>
+              <a:rPr lang="en-US" sz="2000" b="1" dirty="0" smtClean="0">
+                <a:solidFill>
+                  <a:schemeClr val="bg1"/>
+                </a:solidFill>
+                <a:latin typeface="Consolas"/>
+              </a:rPr>
+              <a:t>&lt;Customer&gt; </a:t>
+            </a:r>
+            <a:br>
+              <a:rPr lang="en-US" sz="2000" b="1" dirty="0" smtClean="0">
+                <a:solidFill>
+                  <a:schemeClr val="bg1"/>
+                </a:solidFill>
+                <a:latin typeface="Consolas"/>
+              </a:rPr>
+            </a:br>
+            <a:r>
+              <a:rPr lang="en-US" sz="2000" b="1" dirty="0" smtClean="0">
+                <a:solidFill>
+                  <a:schemeClr val="bg1"/>
+                </a:solidFill>
+                <a:latin typeface="Consolas"/>
+              </a:rPr>
+              <a:t>   </a:t>
+            </a:r>
+            <a:r>
+              <a:rPr lang="en-US" sz="2000" b="1" dirty="0" err="1" smtClean="0">
+                <a:solidFill>
+                  <a:srgbClr val="FF00FF"/>
+                </a:solidFill>
+                <a:latin typeface="Consolas"/>
+              </a:rPr>
+              <a:t>BornIn</a:t>
+            </a:r>
+            <a:r>
+              <a:rPr lang="en-US" sz="2000" b="1" dirty="0" smtClean="0">
+                <a:solidFill>
+                  <a:schemeClr val="bg1"/>
+                </a:solidFill>
+                <a:latin typeface="Consolas"/>
+              </a:rPr>
+              <a:t>(</a:t>
+            </a:r>
+            <a:r>
+              <a:rPr lang="en-US" sz="2000" b="1" dirty="0" err="1" smtClean="0">
+                <a:latin typeface="Consolas"/>
+              </a:rPr>
+              <a:t>DateTime</a:t>
+            </a:r>
+            <a:r>
+              <a:rPr lang="en-US" sz="2000" b="1" dirty="0" smtClean="0">
+                <a:solidFill>
+                  <a:schemeClr val="bg1"/>
+                </a:solidFill>
+                <a:latin typeface="Consolas"/>
+              </a:rPr>
+              <a:t> </a:t>
+            </a:r>
+            <a:r>
+              <a:rPr lang="en-US" sz="2000" b="1" dirty="0" err="1" smtClean="0">
+                <a:solidFill>
+                  <a:schemeClr val="bg1"/>
+                </a:solidFill>
+                <a:latin typeface="Consolas"/>
+              </a:rPr>
+              <a:t>yearOfBirth</a:t>
+            </a:r>
+            <a:r>
+              <a:rPr lang="en-US" sz="2000" b="1" dirty="0" smtClean="0">
+                <a:solidFill>
+                  <a:schemeClr val="bg1"/>
+                </a:solidFill>
+                <a:latin typeface="Consolas"/>
+              </a:rPr>
+              <a:t>)</a:t>
+            </a:r>
+            <a:br>
+              <a:rPr lang="en-US" sz="2000" b="1" dirty="0" smtClean="0">
+                <a:solidFill>
+                  <a:schemeClr val="bg1"/>
+                </a:solidFill>
+                <a:latin typeface="Consolas"/>
+              </a:rPr>
+            </a:br>
+            <a:r>
+              <a:rPr lang="en-US" sz="2000" b="1" dirty="0" smtClean="0">
+                <a:solidFill>
+                  <a:schemeClr val="bg1"/>
+                </a:solidFill>
+                <a:latin typeface="Consolas"/>
+              </a:rPr>
+              <a:t>   {</a:t>
+            </a:r>
+            <a:br>
+              <a:rPr lang="en-US" sz="2000" b="1" dirty="0" smtClean="0">
+                <a:solidFill>
+                  <a:schemeClr val="bg1"/>
+                </a:solidFill>
+                <a:latin typeface="Consolas"/>
+              </a:rPr>
+            </a:br>
+            <a:r>
+              <a:rPr lang="en-US" sz="2000" b="1" dirty="0" smtClean="0">
+                <a:solidFill>
+                  <a:schemeClr val="bg1"/>
+                </a:solidFill>
+                <a:latin typeface="Consolas"/>
+              </a:rPr>
+              <a:t/>
+            </a:r>
+            <a:br>
+              <a:rPr lang="en-US" sz="2000" b="1" dirty="0" smtClean="0">
+                <a:solidFill>
+                  <a:schemeClr val="bg1"/>
+                </a:solidFill>
+                <a:latin typeface="Consolas"/>
+              </a:rPr>
+            </a:br>
+            <a:r>
+              <a:rPr lang="en-US" sz="2000" b="1" dirty="0" smtClean="0">
+                <a:solidFill>
+                  <a:schemeClr val="bg1"/>
+                </a:solidFill>
+                <a:latin typeface="Consolas"/>
+              </a:rPr>
+              <a:t>   }</a:t>
+            </a:r>
+            <a:br>
+              <a:rPr lang="en-US" sz="2000" b="1" dirty="0" smtClean="0">
+                <a:solidFill>
+                  <a:schemeClr val="bg1"/>
+                </a:solidFill>
+                <a:latin typeface="Consolas"/>
+              </a:rPr>
+            </a:br>
+            <a:r>
+              <a:rPr lang="en-US" sz="2000" b="1" dirty="0" smtClean="0">
+                <a:solidFill>
+                  <a:schemeClr val="bg1"/>
+                </a:solidFill>
+                <a:latin typeface="Consolas"/>
+              </a:rPr>
+              <a:t>}</a:t>
+            </a:r>
+            <a:endParaRPr lang="en-US" sz="2000" b="1" dirty="0">
+              <a:solidFill>
+                <a:schemeClr val="bg1"/>
+              </a:solidFill>
+              <a:latin typeface="Consolas" pitchFamily="49" charset="0"/>
+              <a:ea typeface="Roboto" pitchFamily="2" charset="0"/>
+              <a:cs typeface="Consolas" pitchFamily="49" charset="0"/>
+            </a:endParaRPr>
+          </a:p>
+        </p:txBody>
+      </p:sp>
+    </p:spTree>
+    <p:extLst>
+      <p:ext uri="{BB962C8B-B14F-4D97-AF65-F5344CB8AC3E}">
+        <p14:creationId xmlns:p14="http://schemas.microsoft.com/office/powerpoint/2010/main" val="3422045647"/>
+      </p:ext>
+    </p:extLst>
+  </p:cSld>
+  <p:clrMapOvr>
+    <a:masterClrMapping/>
+  </p:clrMapOvr>
+  <p:timing>
+    <p:tnLst>
+      <p:par>
+        <p:cTn id="1" dur="indefinite" restart="never" nodeType="tmRoot"/>
+      </p:par>
+    </p:tnLst>
+  </p:timing>
+</p:sld>
+</file>
+
+<file path=ppt/slides/slide114.xml><?xml version="1.0" encoding="utf-8"?>
+<p:sld xmlns:a="http://schemas.openxmlformats.org/drawingml/2006/main" xmlns:r="http://schemas.openxmlformats.org/officeDocument/2006/relationships" xmlns:p="http://schemas.openxmlformats.org/presentationml/2006/main">
+  <p:cSld>
+    <p:spTree>
+      <p:nvGrpSpPr>
+        <p:cNvPr id="1" name=""/>
+        <p:cNvGrpSpPr/>
+        <p:nvPr/>
+      </p:nvGrpSpPr>
+      <p:grpSpPr>
+        <a:xfrm>
+          <a:off x="0" y="0"/>
+          <a:ext cx="0" cy="0"/>
+          <a:chOff x="0" y="0"/>
+          <a:chExt cx="0" cy="0"/>
+        </a:xfrm>
+      </p:grpSpPr>
+      <p:sp>
+        <p:nvSpPr>
+          <p:cNvPr id="2" name="Titel 1"/>
+          <p:cNvSpPr>
+            <a:spLocks noGrp="1"/>
+          </p:cNvSpPr>
+          <p:nvPr>
+            <p:ph type="title"/>
+          </p:nvPr>
+        </p:nvSpPr>
+        <p:spPr>
+          <a:xfrm>
+            <a:off x="0" y="0"/>
+            <a:ext cx="9144000" cy="6858000"/>
+          </a:xfrm>
+          <a:solidFill>
+            <a:schemeClr val="tx1">
+              <a:lumMod val="85000"/>
+              <a:lumOff val="15000"/>
+            </a:schemeClr>
+          </a:solidFill>
+        </p:spPr>
+        <p:txBody>
+          <a:bodyPr>
+            <a:normAutofit/>
+          </a:bodyPr>
+          <a:lstStyle/>
+          <a:p>
+            <a:pPr algn="l"/>
+            <a:r>
+              <a:rPr lang="en-US" sz="2000" b="1" dirty="0">
+                <a:latin typeface="Consolas"/>
+              </a:rPr>
+              <a:t>public interface</a:t>
+            </a:r>
+            <a:r>
+              <a:rPr lang="en-US" sz="2000" b="1" dirty="0">
+                <a:solidFill>
+                  <a:schemeClr val="bg1"/>
+                </a:solidFill>
+                <a:latin typeface="Consolas"/>
+              </a:rPr>
+              <a:t> </a:t>
+            </a:r>
+            <a:r>
+              <a:rPr lang="en-US" sz="2000" b="1" dirty="0" err="1">
+                <a:solidFill>
+                  <a:srgbClr val="FF00FF"/>
+                </a:solidFill>
+                <a:latin typeface="Consolas"/>
+              </a:rPr>
+              <a:t>I</a:t>
+            </a:r>
+            <a:r>
+              <a:rPr lang="en-US" sz="2000" b="1" dirty="0" err="1">
+                <a:solidFill>
+                  <a:schemeClr val="bg1"/>
+                </a:solidFill>
+                <a:latin typeface="Consolas"/>
+              </a:rPr>
+              <a:t>CustomerRepository</a:t>
+            </a:r>
+            <a:r>
+              <a:rPr lang="en-US" sz="2000" b="1" dirty="0">
+                <a:solidFill>
+                  <a:schemeClr val="bg1"/>
+                </a:solidFill>
+                <a:latin typeface="Consolas"/>
+              </a:rPr>
+              <a:t> </a:t>
+            </a:r>
+            <a:br>
+              <a:rPr lang="en-US" sz="2000" b="1" dirty="0">
+                <a:solidFill>
+                  <a:schemeClr val="bg1"/>
+                </a:solidFill>
+                <a:latin typeface="Consolas"/>
+              </a:rPr>
+            </a:br>
+            <a:r>
+              <a:rPr lang="en-US" sz="2000" b="1" dirty="0">
+                <a:solidFill>
+                  <a:schemeClr val="bg1"/>
+                </a:solidFill>
+                <a:latin typeface="Consolas"/>
+              </a:rPr>
+              <a:t>{ </a:t>
+            </a:r>
+            <a:br>
+              <a:rPr lang="en-US" sz="2000" b="1" dirty="0">
+                <a:solidFill>
+                  <a:schemeClr val="bg1"/>
+                </a:solidFill>
+                <a:latin typeface="Consolas"/>
+              </a:rPr>
+            </a:br>
+            <a:r>
+              <a:rPr lang="en-US" sz="2000" b="1" dirty="0">
+                <a:solidFill>
+                  <a:schemeClr val="bg1"/>
+                </a:solidFill>
+                <a:latin typeface="Consolas"/>
+              </a:rPr>
+              <a:t>	</a:t>
+            </a:r>
+            <a:r>
+              <a:rPr lang="en-US" sz="2000" b="1" dirty="0" err="1">
+                <a:solidFill>
+                  <a:schemeClr val="bg1"/>
+                </a:solidFill>
+                <a:latin typeface="Consolas"/>
+              </a:rPr>
+              <a:t>IEnumerable</a:t>
+            </a:r>
+            <a:r>
+              <a:rPr lang="en-US" sz="2000" b="1" dirty="0">
+                <a:solidFill>
+                  <a:schemeClr val="bg1"/>
+                </a:solidFill>
+                <a:latin typeface="Consolas"/>
+              </a:rPr>
+              <a:t> &lt;Customer&gt; </a:t>
+            </a:r>
+            <a:r>
+              <a:rPr lang="en-US" sz="2000" b="1" dirty="0" err="1">
+                <a:solidFill>
+                  <a:schemeClr val="bg1"/>
+                </a:solidFill>
+                <a:latin typeface="Consolas"/>
+              </a:rPr>
+              <a:t>BornIn</a:t>
+            </a:r>
+            <a:r>
+              <a:rPr lang="en-US" sz="2000" b="1" dirty="0">
+                <a:solidFill>
+                  <a:schemeClr val="bg1"/>
+                </a:solidFill>
+                <a:latin typeface="Consolas"/>
+              </a:rPr>
+              <a:t>(</a:t>
+            </a:r>
+            <a:r>
+              <a:rPr lang="en-US" sz="2000" b="1" dirty="0" err="1">
+                <a:latin typeface="Consolas"/>
+              </a:rPr>
+              <a:t>DateTime</a:t>
+            </a:r>
+            <a:r>
+              <a:rPr lang="en-US" sz="2000" b="1" dirty="0">
+                <a:solidFill>
+                  <a:schemeClr val="bg1"/>
+                </a:solidFill>
+                <a:latin typeface="Consolas"/>
+              </a:rPr>
+              <a:t> </a:t>
+            </a:r>
+            <a:r>
+              <a:rPr lang="en-US" sz="2000" b="1" dirty="0" err="1">
+                <a:solidFill>
+                  <a:schemeClr val="bg1"/>
+                </a:solidFill>
+                <a:latin typeface="Consolas"/>
+              </a:rPr>
+              <a:t>yearOfBirth</a:t>
+            </a:r>
+            <a:r>
+              <a:rPr lang="en-US" sz="2000" b="1" dirty="0">
+                <a:solidFill>
+                  <a:schemeClr val="bg1"/>
+                </a:solidFill>
+                <a:latin typeface="Consolas"/>
+              </a:rPr>
+              <a:t>);</a:t>
+            </a:r>
+            <a:br>
+              <a:rPr lang="en-US" sz="2000" b="1" dirty="0">
+                <a:solidFill>
+                  <a:schemeClr val="bg1"/>
+                </a:solidFill>
+                <a:latin typeface="Consolas"/>
+              </a:rPr>
+            </a:br>
+            <a:r>
+              <a:rPr lang="en-US" sz="2000" b="1" dirty="0">
+                <a:solidFill>
+                  <a:schemeClr val="bg1"/>
+                </a:solidFill>
+                <a:latin typeface="Consolas"/>
+              </a:rPr>
+              <a:t>}</a:t>
+            </a:r>
+            <a:br>
+              <a:rPr lang="en-US" sz="2000" b="1" dirty="0">
+                <a:solidFill>
+                  <a:schemeClr val="bg1"/>
+                </a:solidFill>
+                <a:latin typeface="Consolas"/>
+              </a:rPr>
+            </a:br>
+            <a:r>
+              <a:rPr lang="en-US" sz="2000" b="1" dirty="0">
+                <a:solidFill>
+                  <a:schemeClr val="bg1"/>
+                </a:solidFill>
+                <a:latin typeface="Consolas"/>
+              </a:rPr>
+              <a:t/>
+            </a:r>
+            <a:br>
+              <a:rPr lang="en-US" sz="2000" b="1" dirty="0">
+                <a:solidFill>
+                  <a:schemeClr val="bg1"/>
+                </a:solidFill>
+                <a:latin typeface="Consolas"/>
+              </a:rPr>
+            </a:br>
+            <a:r>
+              <a:rPr lang="en-US" sz="2000" b="1" dirty="0">
+                <a:latin typeface="Consolas"/>
+              </a:rPr>
+              <a:t>public class </a:t>
+            </a:r>
+            <a:r>
+              <a:rPr lang="en-US" sz="2000" b="1" dirty="0">
+                <a:solidFill>
+                  <a:schemeClr val="bg1"/>
+                </a:solidFill>
+                <a:latin typeface="Consolas"/>
+              </a:rPr>
+              <a:t>Customers : </a:t>
+            </a:r>
+            <a:r>
+              <a:rPr lang="en-US" sz="2000" b="1" dirty="0" err="1">
+                <a:solidFill>
+                  <a:schemeClr val="bg1"/>
+                </a:solidFill>
+                <a:latin typeface="Consolas"/>
+              </a:rPr>
+              <a:t>ICustomerRepository</a:t>
+            </a:r>
+            <a:r>
+              <a:rPr lang="en-US" sz="2000" b="1" dirty="0">
+                <a:solidFill>
+                  <a:schemeClr val="bg1"/>
+                </a:solidFill>
+                <a:latin typeface="Consolas"/>
+              </a:rPr>
+              <a:t> </a:t>
+            </a:r>
+            <a:br>
+              <a:rPr lang="en-US" sz="2000" b="1" dirty="0">
+                <a:solidFill>
+                  <a:schemeClr val="bg1"/>
+                </a:solidFill>
+                <a:latin typeface="Consolas"/>
+              </a:rPr>
+            </a:br>
+            <a:r>
+              <a:rPr lang="en-US" sz="2000" b="1" dirty="0">
+                <a:solidFill>
+                  <a:schemeClr val="bg1"/>
+                </a:solidFill>
+                <a:latin typeface="Consolas"/>
+              </a:rPr>
+              <a:t>{</a:t>
+            </a:r>
+            <a:br>
+              <a:rPr lang="en-US" sz="2000" b="1" dirty="0">
+                <a:solidFill>
+                  <a:schemeClr val="bg1"/>
+                </a:solidFill>
+                <a:latin typeface="Consolas"/>
+              </a:rPr>
+            </a:br>
+            <a:r>
+              <a:rPr lang="en-US" sz="2000" b="1" dirty="0">
+                <a:solidFill>
+                  <a:schemeClr val="bg1"/>
+                </a:solidFill>
+                <a:latin typeface="Consolas"/>
+              </a:rPr>
+              <a:t>	/*…*/</a:t>
+            </a:r>
+            <a:br>
+              <a:rPr lang="en-US" sz="2000" b="1" dirty="0">
+                <a:solidFill>
+                  <a:schemeClr val="bg1"/>
+                </a:solidFill>
+                <a:latin typeface="Consolas"/>
+              </a:rPr>
+            </a:br>
+            <a:r>
+              <a:rPr lang="en-US" sz="2000" b="1" dirty="0">
+                <a:solidFill>
+                  <a:schemeClr val="bg1"/>
+                </a:solidFill>
+                <a:latin typeface="Consolas"/>
+              </a:rPr>
+              <a:t>}</a:t>
+            </a:r>
+            <a:endParaRPr lang="en-US" sz="2000" b="1" dirty="0">
+              <a:solidFill>
+                <a:schemeClr val="bg1"/>
+              </a:solidFill>
+              <a:latin typeface="Consolas" pitchFamily="49" charset="0"/>
+              <a:ea typeface="Roboto" pitchFamily="2" charset="0"/>
+              <a:cs typeface="Consolas" pitchFamily="49" charset="0"/>
+            </a:endParaRPr>
+          </a:p>
+        </p:txBody>
+      </p:sp>
+    </p:spTree>
+    <p:extLst>
+      <p:ext uri="{BB962C8B-B14F-4D97-AF65-F5344CB8AC3E}">
+        <p14:creationId xmlns:p14="http://schemas.microsoft.com/office/powerpoint/2010/main" val="4240310967"/>
+      </p:ext>
+    </p:extLst>
+  </p:cSld>
+  <p:clrMapOvr>
+    <a:masterClrMapping/>
+  </p:clrMapOvr>
+  <p:timing>
+    <p:tnLst>
+      <p:par>
+        <p:cTn id="1" dur="indefinite" restart="never" nodeType="tmRoot"/>
+      </p:par>
+    </p:tnLst>
+  </p:timing>
+</p:sld>
+</file>
+
+<file path=ppt/slides/slide115.xml><?xml version="1.0" encoding="utf-8"?>
+<p:sld xmlns:a="http://schemas.openxmlformats.org/drawingml/2006/main" xmlns:r="http://schemas.openxmlformats.org/officeDocument/2006/relationships" xmlns:p="http://schemas.openxmlformats.org/presentationml/2006/main">
+  <p:cSld>
+    <p:spTree>
+      <p:nvGrpSpPr>
+        <p:cNvPr id="1" name=""/>
+        <p:cNvGrpSpPr/>
+        <p:nvPr/>
+      </p:nvGrpSpPr>
+      <p:grpSpPr>
+        <a:xfrm>
+          <a:off x="0" y="0"/>
+          <a:ext cx="0" cy="0"/>
+          <a:chOff x="0" y="0"/>
+          <a:chExt cx="0" cy="0"/>
+        </a:xfrm>
+      </p:grpSpPr>
+      <p:sp>
+        <p:nvSpPr>
+          <p:cNvPr id="2" name="Titel 1"/>
+          <p:cNvSpPr>
+            <a:spLocks noGrp="1"/>
+          </p:cNvSpPr>
+          <p:nvPr>
+            <p:ph type="title"/>
+          </p:nvPr>
+        </p:nvSpPr>
+        <p:spPr>
+          <a:xfrm>
+            <a:off x="0" y="0"/>
+            <a:ext cx="9144000" cy="6858000"/>
+          </a:xfrm>
+          <a:solidFill>
+            <a:schemeClr val="tx1">
+              <a:lumMod val="85000"/>
+              <a:lumOff val="15000"/>
+            </a:schemeClr>
+          </a:solidFill>
+        </p:spPr>
+        <p:txBody>
+          <a:bodyPr>
+            <a:normAutofit/>
+          </a:bodyPr>
+          <a:lstStyle/>
+          <a:p>
+            <a:pPr algn="l"/>
+            <a:r>
+              <a:rPr lang="en-US" sz="2000" b="1" dirty="0" smtClean="0">
+                <a:latin typeface="Consolas"/>
+              </a:rPr>
+              <a:t>	public </a:t>
+            </a:r>
+            <a:r>
+              <a:rPr lang="en-US" sz="2000" b="1" dirty="0">
+                <a:latin typeface="Consolas"/>
+              </a:rPr>
+              <a:t>class </a:t>
+            </a:r>
+            <a:r>
+              <a:rPr lang="en-US" sz="2000" b="1" dirty="0">
+                <a:solidFill>
+                  <a:schemeClr val="bg1"/>
+                </a:solidFill>
+                <a:latin typeface="Consolas"/>
+              </a:rPr>
+              <a:t>Customers : </a:t>
+            </a:r>
+            <a:r>
+              <a:rPr lang="en-US" sz="2000" b="1" dirty="0" err="1">
+                <a:solidFill>
+                  <a:srgbClr val="FF00FF"/>
+                </a:solidFill>
+                <a:latin typeface="Consolas"/>
+              </a:rPr>
+              <a:t>I</a:t>
+            </a:r>
+            <a:r>
+              <a:rPr lang="en-US" sz="2000" b="1" dirty="0" err="1">
+                <a:solidFill>
+                  <a:schemeClr val="bg1"/>
+                </a:solidFill>
+                <a:latin typeface="Consolas"/>
+              </a:rPr>
+              <a:t>CustomerRepository</a:t>
+            </a:r>
+            <a:r>
+              <a:rPr lang="en-US" sz="2000" b="1" dirty="0">
+                <a:solidFill>
+                  <a:schemeClr val="bg1"/>
+                </a:solidFill>
+                <a:latin typeface="Consolas"/>
+              </a:rPr>
+              <a:t> </a:t>
+            </a:r>
+            <a:br>
+              <a:rPr lang="en-US" sz="2000" b="1" dirty="0">
+                <a:solidFill>
+                  <a:schemeClr val="bg1"/>
+                </a:solidFill>
+                <a:latin typeface="Consolas"/>
+              </a:rPr>
+            </a:br>
+            <a:r>
+              <a:rPr lang="en-US" sz="2000" b="1" dirty="0" smtClean="0">
+                <a:solidFill>
+                  <a:schemeClr val="bg1"/>
+                </a:solidFill>
+                <a:latin typeface="Consolas"/>
+              </a:rPr>
+              <a:t>	{</a:t>
+            </a:r>
+            <a:r>
+              <a:rPr lang="en-US" sz="2000" b="1" dirty="0">
+                <a:solidFill>
+                  <a:schemeClr val="bg1"/>
+                </a:solidFill>
+                <a:latin typeface="Consolas"/>
+              </a:rPr>
+              <a:t/>
+            </a:r>
+            <a:br>
+              <a:rPr lang="en-US" sz="2000" b="1" dirty="0">
+                <a:solidFill>
+                  <a:schemeClr val="bg1"/>
+                </a:solidFill>
+                <a:latin typeface="Consolas"/>
+              </a:rPr>
+            </a:br>
+            <a:r>
+              <a:rPr lang="en-US" sz="2000" b="1" dirty="0">
+                <a:solidFill>
+                  <a:schemeClr val="bg1"/>
+                </a:solidFill>
+                <a:latin typeface="Consolas"/>
+              </a:rPr>
+              <a:t>	</a:t>
+            </a:r>
+            <a:r>
+              <a:rPr lang="en-US" sz="2000" b="1" dirty="0" smtClean="0">
+                <a:solidFill>
+                  <a:schemeClr val="bg1"/>
+                </a:solidFill>
+                <a:latin typeface="Consolas"/>
+              </a:rPr>
+              <a:t>	/*…*/</a:t>
+            </a:r>
+            <a:r>
+              <a:rPr lang="en-US" sz="2000" b="1" dirty="0">
+                <a:solidFill>
+                  <a:schemeClr val="bg1"/>
+                </a:solidFill>
+                <a:latin typeface="Consolas"/>
+              </a:rPr>
+              <a:t/>
+            </a:r>
+            <a:br>
+              <a:rPr lang="en-US" sz="2000" b="1" dirty="0">
+                <a:solidFill>
+                  <a:schemeClr val="bg1"/>
+                </a:solidFill>
+                <a:latin typeface="Consolas"/>
+              </a:rPr>
+            </a:br>
+            <a:r>
+              <a:rPr lang="en-US" sz="2000" b="1" dirty="0" smtClean="0">
+                <a:solidFill>
+                  <a:schemeClr val="bg1"/>
+                </a:solidFill>
+                <a:latin typeface="Consolas"/>
+              </a:rPr>
+              <a:t>	}</a:t>
+            </a:r>
+            <a:endParaRPr lang="en-US" sz="2000" b="1" dirty="0">
+              <a:solidFill>
+                <a:schemeClr val="bg1"/>
+              </a:solidFill>
+              <a:latin typeface="Consolas" pitchFamily="49" charset="0"/>
+              <a:ea typeface="Roboto" pitchFamily="2" charset="0"/>
+              <a:cs typeface="Consolas" pitchFamily="49" charset="0"/>
+            </a:endParaRPr>
+          </a:p>
+        </p:txBody>
+      </p:sp>
+    </p:spTree>
+    <p:extLst>
+      <p:ext uri="{BB962C8B-B14F-4D97-AF65-F5344CB8AC3E}">
+        <p14:creationId xmlns:p14="http://schemas.microsoft.com/office/powerpoint/2010/main" val="1511441888"/>
+      </p:ext>
+    </p:extLst>
+  </p:cSld>
+  <p:clrMapOvr>
+    <a:masterClrMapping/>
+  </p:clrMapOvr>
+  <p:timing>
+    <p:tnLst>
+      <p:par>
+        <p:cTn id="1" dur="indefinite" restart="never" nodeType="tmRoot"/>
+      </p:par>
+    </p:tnLst>
+  </p:timing>
+</p:sld>
+</file>
+
+<file path=ppt/slides/slide116.xml><?xml version="1.0" encoding="utf-8"?>
+<p:sld xmlns:a="http://schemas.openxmlformats.org/drawingml/2006/main" xmlns:r="http://schemas.openxmlformats.org/officeDocument/2006/relationships" xmlns:p="http://schemas.openxmlformats.org/presentationml/2006/main">
+  <p:cSld>
+    <p:spTree>
+      <p:nvGrpSpPr>
+        <p:cNvPr id="1" name=""/>
+        <p:cNvGrpSpPr/>
+        <p:nvPr/>
+      </p:nvGrpSpPr>
+      <p:grpSpPr>
+        <a:xfrm>
+          <a:off x="0" y="0"/>
+          <a:ext cx="0" cy="0"/>
+          <a:chOff x="0" y="0"/>
+          <a:chExt cx="0" cy="0"/>
+        </a:xfrm>
+      </p:grpSpPr>
+      <p:sp>
+        <p:nvSpPr>
+          <p:cNvPr id="2" name="Titel 1"/>
+          <p:cNvSpPr>
+            <a:spLocks noGrp="1"/>
+          </p:cNvSpPr>
+          <p:nvPr>
+            <p:ph type="title"/>
+          </p:nvPr>
+        </p:nvSpPr>
+        <p:spPr>
+          <a:xfrm>
+            <a:off x="0" y="0"/>
+            <a:ext cx="9144000" cy="6858000"/>
+          </a:xfrm>
+          <a:solidFill>
+            <a:schemeClr val="tx1">
+              <a:lumMod val="85000"/>
+              <a:lumOff val="15000"/>
+            </a:schemeClr>
+          </a:solidFill>
+        </p:spPr>
+        <p:txBody>
+          <a:bodyPr>
+            <a:normAutofit/>
+          </a:bodyPr>
+          <a:lstStyle/>
+          <a:p>
+            <a:pPr algn="l"/>
+            <a:r>
+              <a:rPr lang="en-US" sz="2000" b="1" dirty="0">
+                <a:solidFill>
+                  <a:schemeClr val="bg1"/>
+                </a:solidFill>
+                <a:latin typeface="Consolas"/>
+              </a:rPr>
+              <a:t> </a:t>
+            </a:r>
+            <a:r>
+              <a:rPr lang="en-US" sz="2000" b="1" dirty="0" smtClean="0">
+                <a:solidFill>
+                  <a:schemeClr val="bg1"/>
+                </a:solidFill>
+                <a:latin typeface="Consolas"/>
+              </a:rPr>
+              <a:t> public </a:t>
+            </a:r>
+            <a:r>
+              <a:rPr lang="en-US" sz="2000" b="1" dirty="0">
+                <a:solidFill>
+                  <a:schemeClr val="bg1"/>
+                </a:solidFill>
+                <a:latin typeface="Consolas"/>
+              </a:rPr>
+              <a:t>interface </a:t>
+            </a:r>
+            <a:r>
+              <a:rPr lang="en-US" sz="2000" b="1" dirty="0" err="1">
+                <a:solidFill>
+                  <a:srgbClr val="FF00FF"/>
+                </a:solidFill>
+                <a:latin typeface="Consolas"/>
+              </a:rPr>
+              <a:t>I</a:t>
+            </a:r>
+            <a:r>
+              <a:rPr lang="en-US" sz="2000" b="1" dirty="0" err="1">
+                <a:solidFill>
+                  <a:schemeClr val="bg1"/>
+                </a:solidFill>
+                <a:latin typeface="Consolas"/>
+              </a:rPr>
+              <a:t>FindCustomers</a:t>
+            </a:r>
+            <a:r>
+              <a:rPr lang="en-US" sz="2000" b="1" dirty="0">
+                <a:solidFill>
+                  <a:schemeClr val="bg1"/>
+                </a:solidFill>
+                <a:latin typeface="Consolas"/>
+              </a:rPr>
+              <a:t> </a:t>
+            </a:r>
+            <a:br>
+              <a:rPr lang="en-US" sz="2000" b="1" dirty="0">
+                <a:solidFill>
+                  <a:schemeClr val="bg1"/>
+                </a:solidFill>
+                <a:latin typeface="Consolas"/>
+              </a:rPr>
+            </a:br>
+            <a:r>
+              <a:rPr lang="en-US" sz="2000" b="1" dirty="0" smtClean="0">
+                <a:solidFill>
+                  <a:schemeClr val="bg1"/>
+                </a:solidFill>
+                <a:latin typeface="Consolas"/>
+              </a:rPr>
+              <a:t>  { </a:t>
+            </a:r>
+            <a:r>
+              <a:rPr lang="en-US" sz="2000" b="1" dirty="0">
+                <a:solidFill>
+                  <a:schemeClr val="bg1"/>
+                </a:solidFill>
+                <a:latin typeface="Consolas"/>
+              </a:rPr>
+              <a:t/>
+            </a:r>
+            <a:br>
+              <a:rPr lang="en-US" sz="2000" b="1" dirty="0">
+                <a:solidFill>
+                  <a:schemeClr val="bg1"/>
+                </a:solidFill>
+                <a:latin typeface="Consolas"/>
+              </a:rPr>
+            </a:br>
+            <a:r>
+              <a:rPr lang="en-US" sz="2000" b="1" dirty="0">
+                <a:solidFill>
+                  <a:schemeClr val="bg1"/>
+                </a:solidFill>
+                <a:latin typeface="Consolas"/>
+              </a:rPr>
+              <a:t>	</a:t>
+            </a:r>
+            <a:r>
+              <a:rPr lang="en-US" sz="2000" b="1" dirty="0" err="1">
+                <a:solidFill>
+                  <a:schemeClr val="bg1"/>
+                </a:solidFill>
+                <a:latin typeface="Consolas"/>
+              </a:rPr>
+              <a:t>IEnumerable</a:t>
+            </a:r>
+            <a:r>
+              <a:rPr lang="en-US" sz="2000" b="1" dirty="0">
+                <a:solidFill>
+                  <a:schemeClr val="bg1"/>
+                </a:solidFill>
+                <a:latin typeface="Consolas"/>
+              </a:rPr>
+              <a:t> &lt;Customer&gt; </a:t>
+            </a:r>
+            <a:r>
+              <a:rPr lang="en-US" sz="2000" b="1" dirty="0" err="1">
+                <a:solidFill>
+                  <a:schemeClr val="bg1"/>
+                </a:solidFill>
+                <a:latin typeface="Consolas"/>
+              </a:rPr>
+              <a:t>BornIn</a:t>
+            </a:r>
+            <a:r>
+              <a:rPr lang="en-US" sz="2000" b="1" dirty="0">
+                <a:solidFill>
+                  <a:schemeClr val="bg1"/>
+                </a:solidFill>
+                <a:latin typeface="Consolas"/>
+              </a:rPr>
+              <a:t>(</a:t>
+            </a:r>
+            <a:r>
+              <a:rPr lang="en-US" sz="2000" b="1" dirty="0" err="1">
+                <a:latin typeface="Consolas"/>
+              </a:rPr>
+              <a:t>DateTime</a:t>
+            </a:r>
+            <a:r>
+              <a:rPr lang="en-US" sz="2000" b="1" dirty="0">
+                <a:latin typeface="Consolas"/>
+              </a:rPr>
+              <a:t> </a:t>
+            </a:r>
+            <a:r>
+              <a:rPr lang="en-US" sz="2000" b="1" dirty="0" err="1">
+                <a:solidFill>
+                  <a:schemeClr val="bg1"/>
+                </a:solidFill>
+                <a:latin typeface="Consolas"/>
+              </a:rPr>
+              <a:t>yearOfBirth</a:t>
+            </a:r>
+            <a:r>
+              <a:rPr lang="en-US" sz="2000" b="1" dirty="0">
+                <a:solidFill>
+                  <a:schemeClr val="bg1"/>
+                </a:solidFill>
+                <a:latin typeface="Consolas"/>
+              </a:rPr>
+              <a:t>);</a:t>
+            </a:r>
+            <a:br>
+              <a:rPr lang="en-US" sz="2000" b="1" dirty="0">
+                <a:solidFill>
+                  <a:schemeClr val="bg1"/>
+                </a:solidFill>
+                <a:latin typeface="Consolas"/>
+              </a:rPr>
+            </a:br>
+            <a:r>
+              <a:rPr lang="en-US" sz="2000" b="1" dirty="0" smtClean="0">
+                <a:solidFill>
+                  <a:schemeClr val="bg1"/>
+                </a:solidFill>
+                <a:latin typeface="Consolas"/>
+              </a:rPr>
+              <a:t>  } </a:t>
+            </a:r>
+            <a:endParaRPr lang="en-US" sz="2000" b="1" dirty="0">
+              <a:solidFill>
+                <a:schemeClr val="bg1"/>
+              </a:solidFill>
+              <a:latin typeface="Consolas" pitchFamily="49" charset="0"/>
+              <a:ea typeface="Roboto" pitchFamily="2" charset="0"/>
+              <a:cs typeface="Consolas" pitchFamily="49" charset="0"/>
+            </a:endParaRPr>
+          </a:p>
+        </p:txBody>
+      </p:sp>
+    </p:spTree>
+    <p:extLst>
+      <p:ext uri="{BB962C8B-B14F-4D97-AF65-F5344CB8AC3E}">
+        <p14:creationId xmlns:p14="http://schemas.microsoft.com/office/powerpoint/2010/main" val="1967050782"/>
+      </p:ext>
+    </p:extLst>
+  </p:cSld>
+  <p:clrMapOvr>
+    <a:masterClrMapping/>
+  </p:clrMapOvr>
+  <p:timing>
+    <p:tnLst>
+      <p:par>
+        <p:cTn id="1" dur="indefinite" restart="never" nodeType="tmRoot"/>
+      </p:par>
+    </p:tnLst>
+  </p:timing>
+</p:sld>
+</file>
+
+<file path=ppt/slides/slide117.xml><?xml version="1.0" encoding="utf-8"?>
+<p:sld xmlns:a="http://schemas.openxmlformats.org/drawingml/2006/main" xmlns:r="http://schemas.openxmlformats.org/officeDocument/2006/relationships" xmlns:p="http://schemas.openxmlformats.org/presentationml/2006/main">
+  <p:cSld>
+    <p:spTree>
+      <p:nvGrpSpPr>
+        <p:cNvPr id="1" name=""/>
+        <p:cNvGrpSpPr/>
+        <p:nvPr/>
+      </p:nvGrpSpPr>
+      <p:grpSpPr>
+        <a:xfrm>
+          <a:off x="0" y="0"/>
+          <a:ext cx="0" cy="0"/>
+          <a:chOff x="0" y="0"/>
+          <a:chExt cx="0" cy="0"/>
+        </a:xfrm>
+      </p:grpSpPr>
+      <p:sp>
+        <p:nvSpPr>
+          <p:cNvPr id="2" name="Titel 1"/>
+          <p:cNvSpPr>
+            <a:spLocks noGrp="1"/>
+          </p:cNvSpPr>
+          <p:nvPr>
+            <p:ph type="title"/>
+          </p:nvPr>
+        </p:nvSpPr>
+        <p:spPr>
+          <a:xfrm>
+            <a:off x="0" y="0"/>
+            <a:ext cx="9144000" cy="6858000"/>
+          </a:xfrm>
+          <a:solidFill>
+            <a:schemeClr val="tx1">
+              <a:lumMod val="85000"/>
+              <a:lumOff val="15000"/>
+            </a:schemeClr>
+          </a:solidFill>
+        </p:spPr>
+        <p:txBody>
+          <a:bodyPr>
+            <a:normAutofit/>
+          </a:bodyPr>
+          <a:lstStyle/>
+          <a:p>
+            <a:r>
+              <a:rPr lang="en-US" sz="2000" b="1" dirty="0" smtClean="0">
+                <a:solidFill>
+                  <a:schemeClr val="bg1"/>
+                </a:solidFill>
+                <a:latin typeface="Consolas" pitchFamily="49" charset="0"/>
+                <a:ea typeface="Roboto" pitchFamily="2" charset="0"/>
+                <a:cs typeface="Consolas" pitchFamily="49" charset="0"/>
+              </a:rPr>
+              <a:t> </a:t>
+            </a:r>
+            <a:r>
+              <a:rPr lang="en-US" sz="2000" b="1" dirty="0" err="1" smtClean="0">
+                <a:solidFill>
+                  <a:schemeClr val="bg1"/>
+                </a:solidFill>
+                <a:latin typeface="Consolas" pitchFamily="49" charset="0"/>
+                <a:ea typeface="Roboto" pitchFamily="2" charset="0"/>
+                <a:cs typeface="Consolas" pitchFamily="49" charset="0"/>
+              </a:rPr>
+              <a:t>Iformatter</a:t>
+            </a:r>
+            <a:r>
+              <a:rPr lang="en-US" sz="2000" b="1" dirty="0" smtClean="0">
+                <a:solidFill>
+                  <a:schemeClr val="bg1"/>
+                </a:solidFill>
+                <a:latin typeface="Consolas" pitchFamily="49" charset="0"/>
+                <a:ea typeface="Roboto" pitchFamily="2" charset="0"/>
+                <a:cs typeface="Consolas" pitchFamily="49" charset="0"/>
+              </a:rPr>
+              <a:t/>
+            </a:r>
+            <a:br>
+              <a:rPr lang="en-US" sz="2000" b="1" dirty="0" smtClean="0">
+                <a:solidFill>
+                  <a:schemeClr val="bg1"/>
+                </a:solidFill>
+                <a:latin typeface="Consolas" pitchFamily="49" charset="0"/>
+                <a:ea typeface="Roboto" pitchFamily="2" charset="0"/>
+                <a:cs typeface="Consolas" pitchFamily="49" charset="0"/>
+              </a:rPr>
+            </a:br>
+            <a:r>
+              <a:rPr lang="en-US" sz="2000" b="1" dirty="0">
+                <a:solidFill>
+                  <a:schemeClr val="bg1"/>
+                </a:solidFill>
+                <a:latin typeface="Consolas" pitchFamily="49" charset="0"/>
+                <a:ea typeface="Roboto" pitchFamily="2" charset="0"/>
+                <a:cs typeface="Consolas" pitchFamily="49" charset="0"/>
+              </a:rPr>
+              <a:t/>
+            </a:r>
+            <a:br>
+              <a:rPr lang="en-US" sz="2000" b="1" dirty="0">
+                <a:solidFill>
+                  <a:schemeClr val="bg1"/>
+                </a:solidFill>
+                <a:latin typeface="Consolas" pitchFamily="49" charset="0"/>
+                <a:ea typeface="Roboto" pitchFamily="2" charset="0"/>
+                <a:cs typeface="Consolas" pitchFamily="49" charset="0"/>
+              </a:rPr>
+            </a:br>
+            <a:r>
+              <a:rPr lang="en-US" sz="2000" b="1" dirty="0" err="1" smtClean="0">
+                <a:solidFill>
+                  <a:schemeClr val="bg1"/>
+                </a:solidFill>
+                <a:latin typeface="Consolas" pitchFamily="49" charset="0"/>
+                <a:ea typeface="Roboto" pitchFamily="2" charset="0"/>
+                <a:cs typeface="Consolas" pitchFamily="49" charset="0"/>
+              </a:rPr>
+              <a:t>IFormat</a:t>
+            </a:r>
+            <a:endParaRPr lang="en-US" sz="2000" b="1" dirty="0">
+              <a:solidFill>
+                <a:schemeClr val="bg1"/>
+              </a:solidFill>
+              <a:latin typeface="Consolas" pitchFamily="49" charset="0"/>
+              <a:ea typeface="Roboto" pitchFamily="2" charset="0"/>
+              <a:cs typeface="Consolas" pitchFamily="49" charset="0"/>
+            </a:endParaRPr>
+          </a:p>
+        </p:txBody>
+      </p:sp>
+    </p:spTree>
+    <p:extLst>
+      <p:ext uri="{BB962C8B-B14F-4D97-AF65-F5344CB8AC3E}">
+        <p14:creationId xmlns:p14="http://schemas.microsoft.com/office/powerpoint/2010/main" val="3705054776"/>
+      </p:ext>
+    </p:extLst>
+  </p:cSld>
+  <p:clrMapOvr>
+    <a:masterClrMapping/>
+  </p:clrMapOvr>
+  <p:timing>
+    <p:tnLst>
+      <p:par>
+        <p:cTn id="1" dur="indefinite" restart="never" nodeType="tmRoot"/>
+      </p:par>
+    </p:tnLst>
+  </p:timing>
+</p:sld>
+</file>
+
+<file path=ppt/slides/slide118.xml><?xml version="1.0" encoding="utf-8"?>
+<p:sld xmlns:a="http://schemas.openxmlformats.org/drawingml/2006/main" xmlns:r="http://schemas.openxmlformats.org/officeDocument/2006/relationships" xmlns:p="http://schemas.openxmlformats.org/presentationml/2006/main">
+  <p:cSld>
+    <p:spTree>
+      <p:nvGrpSpPr>
+        <p:cNvPr id="1" name=""/>
+        <p:cNvGrpSpPr/>
+        <p:nvPr/>
+      </p:nvGrpSpPr>
+      <p:grpSpPr>
+        <a:xfrm>
+          <a:off x="0" y="0"/>
+          <a:ext cx="0" cy="0"/>
+          <a:chOff x="0" y="0"/>
+          <a:chExt cx="0" cy="0"/>
+        </a:xfrm>
+      </p:grpSpPr>
+      <p:sp>
+        <p:nvSpPr>
+          <p:cNvPr id="2" name="Titel 1"/>
+          <p:cNvSpPr>
+            <a:spLocks noGrp="1"/>
+          </p:cNvSpPr>
+          <p:nvPr>
+            <p:ph type="title"/>
+          </p:nvPr>
+        </p:nvSpPr>
+        <p:spPr>
+          <a:xfrm>
+            <a:off x="0" y="0"/>
+            <a:ext cx="9144000" cy="6858000"/>
+          </a:xfrm>
+          <a:solidFill>
+            <a:schemeClr val="tx1">
+              <a:lumMod val="85000"/>
+              <a:lumOff val="15000"/>
+            </a:schemeClr>
+          </a:solidFill>
+        </p:spPr>
+        <p:txBody>
+          <a:bodyPr>
+            <a:normAutofit/>
+          </a:bodyPr>
+          <a:lstStyle/>
+          <a:p>
+            <a:r>
+              <a:rPr lang="en-US" sz="2000" b="1" dirty="0" err="1" smtClean="0">
+                <a:solidFill>
+                  <a:schemeClr val="bg1"/>
+                </a:solidFill>
+                <a:latin typeface="Consolas" pitchFamily="49" charset="0"/>
+                <a:ea typeface="Roboto" pitchFamily="2" charset="0"/>
+                <a:cs typeface="Consolas" pitchFamily="49" charset="0"/>
+              </a:rPr>
+              <a:t>IObserver</a:t>
+            </a:r>
+            <a:r>
+              <a:rPr lang="en-US" sz="2000" b="1" dirty="0" smtClean="0">
+                <a:solidFill>
+                  <a:schemeClr val="bg1"/>
+                </a:solidFill>
+                <a:latin typeface="Consolas" pitchFamily="49" charset="0"/>
+                <a:ea typeface="Roboto" pitchFamily="2" charset="0"/>
+                <a:cs typeface="Consolas" pitchFamily="49" charset="0"/>
+              </a:rPr>
+              <a:t/>
+            </a:r>
+            <a:br>
+              <a:rPr lang="en-US" sz="2000" b="1" dirty="0" smtClean="0">
+                <a:solidFill>
+                  <a:schemeClr val="bg1"/>
+                </a:solidFill>
+                <a:latin typeface="Consolas" pitchFamily="49" charset="0"/>
+                <a:ea typeface="Roboto" pitchFamily="2" charset="0"/>
+                <a:cs typeface="Consolas" pitchFamily="49" charset="0"/>
+              </a:rPr>
+            </a:br>
+            <a:r>
+              <a:rPr lang="en-US" sz="2000" b="1" dirty="0">
+                <a:solidFill>
+                  <a:schemeClr val="bg1"/>
+                </a:solidFill>
+                <a:latin typeface="Consolas" pitchFamily="49" charset="0"/>
+                <a:ea typeface="Roboto" pitchFamily="2" charset="0"/>
+                <a:cs typeface="Consolas" pitchFamily="49" charset="0"/>
+              </a:rPr>
+              <a:t/>
+            </a:r>
+            <a:br>
+              <a:rPr lang="en-US" sz="2000" b="1" dirty="0">
+                <a:solidFill>
+                  <a:schemeClr val="bg1"/>
+                </a:solidFill>
+                <a:latin typeface="Consolas" pitchFamily="49" charset="0"/>
+                <a:ea typeface="Roboto" pitchFamily="2" charset="0"/>
+                <a:cs typeface="Consolas" pitchFamily="49" charset="0"/>
+              </a:rPr>
+            </a:br>
+            <a:r>
+              <a:rPr lang="en-US" sz="2000" b="1" dirty="0" err="1" smtClean="0">
+                <a:solidFill>
+                  <a:schemeClr val="bg1"/>
+                </a:solidFill>
+                <a:latin typeface="Consolas" pitchFamily="49" charset="0"/>
+                <a:ea typeface="Roboto" pitchFamily="2" charset="0"/>
+                <a:cs typeface="Consolas" pitchFamily="49" charset="0"/>
+              </a:rPr>
+              <a:t>IObserve</a:t>
+            </a:r>
+            <a:endParaRPr lang="en-US" sz="2000" b="1" dirty="0">
+              <a:solidFill>
+                <a:schemeClr val="bg1"/>
+              </a:solidFill>
+              <a:latin typeface="Consolas" pitchFamily="49" charset="0"/>
+              <a:ea typeface="Roboto" pitchFamily="2" charset="0"/>
+              <a:cs typeface="Consolas" pitchFamily="49" charset="0"/>
+            </a:endParaRPr>
+          </a:p>
+        </p:txBody>
+      </p:sp>
+    </p:spTree>
+    <p:extLst>
+      <p:ext uri="{BB962C8B-B14F-4D97-AF65-F5344CB8AC3E}">
+        <p14:creationId xmlns:p14="http://schemas.microsoft.com/office/powerpoint/2010/main" val="3715002187"/>
+      </p:ext>
+    </p:extLst>
+  </p:cSld>
+  <p:clrMapOvr>
+    <a:masterClrMapping/>
+  </p:clrMapOvr>
+  <p:timing>
+    <p:tnLst>
+      <p:par>
+        <p:cTn id="1" dur="indefinite" restart="never" nodeType="tmRoot"/>
+      </p:par>
+    </p:tnLst>
+  </p:timing>
+</p:sld>
+</file>
+
+<file path=ppt/slides/slide119.xml><?xml version="1.0" encoding="utf-8"?>
+<p:sld xmlns:a="http://schemas.openxmlformats.org/drawingml/2006/main" xmlns:r="http://schemas.openxmlformats.org/officeDocument/2006/relationships" xmlns:p="http://schemas.openxmlformats.org/presentationml/2006/main">
+  <p:cSld>
+    <p:spTree>
+      <p:nvGrpSpPr>
+        <p:cNvPr id="1" name=""/>
+        <p:cNvGrpSpPr/>
+        <p:nvPr/>
+      </p:nvGrpSpPr>
+      <p:grpSpPr>
+        <a:xfrm>
+          <a:off x="0" y="0"/>
+          <a:ext cx="0" cy="0"/>
+          <a:chOff x="0" y="0"/>
+          <a:chExt cx="0" cy="0"/>
+        </a:xfrm>
+      </p:grpSpPr>
+      <p:sp>
+        <p:nvSpPr>
+          <p:cNvPr id="3" name="Titel 2"/>
+          <p:cNvSpPr>
+            <a:spLocks noGrp="1"/>
+          </p:cNvSpPr>
+          <p:nvPr>
+            <p:ph type="title"/>
+          </p:nvPr>
+        </p:nvSpPr>
+        <p:spPr/>
+        <p:txBody>
+          <a:bodyPr/>
+          <a:lstStyle/>
+          <a:p>
+            <a:r>
+              <a:rPr lang="de-DE" dirty="0" smtClean="0"/>
+              <a:t>Interfaces </a:t>
+            </a:r>
+            <a:br>
+              <a:rPr lang="de-DE" dirty="0" smtClean="0"/>
+            </a:br>
+            <a:r>
+              <a:rPr lang="de-DE" dirty="0" smtClean="0"/>
+              <a:t>definieren </a:t>
+            </a:r>
+            <a:r>
+              <a:rPr lang="de-DE" dirty="0" smtClean="0">
+                <a:solidFill>
+                  <a:srgbClr val="FF00FF"/>
+                </a:solidFill>
+              </a:rPr>
+              <a:t>verhalten</a:t>
+            </a:r>
+            <a:r>
+              <a:rPr lang="de-DE" dirty="0" smtClean="0"/>
+              <a:t>. </a:t>
+            </a:r>
+            <a:br>
+              <a:rPr lang="de-DE" dirty="0" smtClean="0"/>
+            </a:br>
+            <a:r>
+              <a:rPr lang="de-DE" dirty="0"/>
+              <a:t/>
+            </a:r>
+            <a:br>
+              <a:rPr lang="de-DE" dirty="0"/>
+            </a:br>
+            <a:r>
+              <a:rPr lang="de-DE" dirty="0" smtClean="0"/>
+              <a:t>Warum nennen wir sie nicht so?</a:t>
+            </a:r>
+            <a:endParaRPr lang="de-DE" dirty="0"/>
+          </a:p>
+        </p:txBody>
+      </p:sp>
+    </p:spTree>
+    <p:extLst>
+      <p:ext uri="{BB962C8B-B14F-4D97-AF65-F5344CB8AC3E}">
+        <p14:creationId xmlns:p14="http://schemas.microsoft.com/office/powerpoint/2010/main" val="4164306444"/>
+      </p:ext>
+    </p:extLst>
+  </p:cSld>
+  <p:clrMapOvr>
+    <a:masterClrMapping/>
+  </p:clrMapOvr>
+</p:sld>
+</file>
+
+<file path=ppt/slides/slide12.xml><?xml version="1.0" encoding="utf-8"?>
+<p:sld xmlns:a="http://schemas.openxmlformats.org/drawingml/2006/main" xmlns:r="http://schemas.openxmlformats.org/officeDocument/2006/relationships" xmlns:p="http://schemas.openxmlformats.org/presentationml/2006/main">
+  <p:cSld>
+    <p:spTree>
+      <p:nvGrpSpPr>
+        <p:cNvPr id="1" name=""/>
+        <p:cNvGrpSpPr/>
+        <p:nvPr/>
+      </p:nvGrpSpPr>
+      <p:grpSpPr>
+        <a:xfrm>
+          <a:off x="0" y="0"/>
+          <a:ext cx="0" cy="0"/>
+          <a:chOff x="0" y="0"/>
+          <a:chExt cx="0" cy="0"/>
+        </a:xfrm>
+      </p:grpSpPr>
+      <p:sp>
+        <p:nvSpPr>
+          <p:cNvPr id="2" name="Titel 1"/>
+          <p:cNvSpPr>
+            <a:spLocks noGrp="1"/>
+          </p:cNvSpPr>
+          <p:nvPr>
+            <p:ph type="title"/>
+          </p:nvPr>
+        </p:nvSpPr>
+        <p:spPr/>
+        <p:txBody>
+          <a:bodyPr/>
+          <a:lstStyle/>
+          <a:p>
+            <a:r>
+              <a:rPr lang="de-DE" sz="8800" dirty="0" smtClean="0">
+                <a:solidFill>
+                  <a:srgbClr val="FF00FF"/>
+                </a:solidFill>
+              </a:rPr>
+              <a:t>aussprechbare</a:t>
+            </a:r>
+            <a:endParaRPr lang="en-US" sz="8800" dirty="0">
+              <a:solidFill>
+                <a:srgbClr val="FF00FF"/>
+              </a:solidFill>
+            </a:endParaRPr>
+          </a:p>
+        </p:txBody>
+      </p:sp>
+      <p:sp>
+        <p:nvSpPr>
+          <p:cNvPr id="4" name="Textplatzhalter 3"/>
+          <p:cNvSpPr>
+            <a:spLocks noGrp="1"/>
+          </p:cNvSpPr>
+          <p:nvPr>
+            <p:ph type="body" sz="quarter" idx="10"/>
+          </p:nvPr>
+        </p:nvSpPr>
+        <p:spPr/>
+        <p:txBody>
+          <a:bodyPr/>
+          <a:lstStyle/>
+          <a:p>
+            <a:r>
+              <a:rPr lang="de-DE" dirty="0" smtClean="0"/>
+              <a:t>Verwende</a:t>
+            </a:r>
+            <a:endParaRPr lang="en-US" dirty="0"/>
+          </a:p>
+        </p:txBody>
+      </p:sp>
+      <p:sp>
+        <p:nvSpPr>
+          <p:cNvPr id="5" name="Textplatzhalter 4"/>
+          <p:cNvSpPr>
+            <a:spLocks noGrp="1"/>
+          </p:cNvSpPr>
+          <p:nvPr>
+            <p:ph type="body" sz="quarter" idx="11"/>
+          </p:nvPr>
+        </p:nvSpPr>
+        <p:spPr/>
+        <p:txBody>
+          <a:bodyPr/>
+          <a:lstStyle/>
+          <a:p>
+            <a:r>
+              <a:rPr lang="de-DE" dirty="0" smtClean="0"/>
+              <a:t>Namen</a:t>
+            </a:r>
+            <a:endParaRPr lang="en-US" dirty="0"/>
           </a:p>
         </p:txBody>
       </p:sp>
@@ -6951,7 +7821,407 @@
 </p:sld>
 </file>
 
-<file path=ppt/slides/slide112.xml><?xml version="1.0" encoding="utf-8"?>
+<file path=ppt/slides/slide120.xml><?xml version="1.0" encoding="utf-8"?>
+<p:sld xmlns:a="http://schemas.openxmlformats.org/drawingml/2006/main" xmlns:r="http://schemas.openxmlformats.org/officeDocument/2006/relationships" xmlns:p="http://schemas.openxmlformats.org/presentationml/2006/main">
+  <p:cSld>
+    <p:spTree>
+      <p:nvGrpSpPr>
+        <p:cNvPr id="1" name=""/>
+        <p:cNvGrpSpPr/>
+        <p:nvPr/>
+      </p:nvGrpSpPr>
+      <p:grpSpPr>
+        <a:xfrm>
+          <a:off x="0" y="0"/>
+          <a:ext cx="0" cy="0"/>
+          <a:chOff x="0" y="0"/>
+          <a:chExt cx="0" cy="0"/>
+        </a:xfrm>
+      </p:grpSpPr>
+      <p:sp>
+        <p:nvSpPr>
+          <p:cNvPr id="2" name="Titel 1"/>
+          <p:cNvSpPr>
+            <a:spLocks noGrp="1"/>
+          </p:cNvSpPr>
+          <p:nvPr>
+            <p:ph type="title"/>
+          </p:nvPr>
+        </p:nvSpPr>
+        <p:spPr/>
+        <p:txBody>
+          <a:bodyPr/>
+          <a:lstStyle/>
+          <a:p>
+            <a:r>
+              <a:rPr lang="de-DE" dirty="0" smtClean="0"/>
+              <a:t>I Do Something For You</a:t>
+            </a:r>
+            <a:endParaRPr lang="de-DE" dirty="0"/>
+          </a:p>
+        </p:txBody>
+      </p:sp>
+    </p:spTree>
+    <p:extLst>
+      <p:ext uri="{BB962C8B-B14F-4D97-AF65-F5344CB8AC3E}">
+        <p14:creationId xmlns:p14="http://schemas.microsoft.com/office/powerpoint/2010/main" val="2259103098"/>
+      </p:ext>
+    </p:extLst>
+  </p:cSld>
+  <p:clrMapOvr>
+    <a:masterClrMapping/>
+  </p:clrMapOvr>
+</p:sld>
+</file>
+
+<file path=ppt/slides/slide121.xml><?xml version="1.0" encoding="utf-8"?>
+<p:sld xmlns:a="http://schemas.openxmlformats.org/drawingml/2006/main" xmlns:r="http://schemas.openxmlformats.org/officeDocument/2006/relationships" xmlns:p="http://schemas.openxmlformats.org/presentationml/2006/main">
+  <p:cSld>
+    <p:spTree>
+      <p:nvGrpSpPr>
+        <p:cNvPr id="1" name=""/>
+        <p:cNvGrpSpPr/>
+        <p:nvPr/>
+      </p:nvGrpSpPr>
+      <p:grpSpPr>
+        <a:xfrm>
+          <a:off x="0" y="0"/>
+          <a:ext cx="0" cy="0"/>
+          <a:chOff x="0" y="0"/>
+          <a:chExt cx="0" cy="0"/>
+        </a:xfrm>
+      </p:grpSpPr>
+      <p:sp>
+        <p:nvSpPr>
+          <p:cNvPr id="2" name="Titel 1"/>
+          <p:cNvSpPr>
+            <a:spLocks noGrp="1"/>
+          </p:cNvSpPr>
+          <p:nvPr>
+            <p:ph type="title"/>
+          </p:nvPr>
+        </p:nvSpPr>
+        <p:spPr/>
+        <p:txBody>
+          <a:bodyPr/>
+          <a:lstStyle/>
+          <a:p>
+            <a:r>
+              <a:rPr lang="de-DE" dirty="0" smtClean="0"/>
+              <a:t>Systemische Metapher</a:t>
+            </a:r>
+            <a:br>
+              <a:rPr lang="de-DE" dirty="0" smtClean="0"/>
+            </a:br>
+            <a:r>
+              <a:rPr lang="de-DE" dirty="0" smtClean="0"/>
+              <a:t/>
+            </a:r>
+            <a:br>
+              <a:rPr lang="de-DE" dirty="0" smtClean="0"/>
+            </a:br>
+            <a:r>
+              <a:rPr lang="de-DE" dirty="0" smtClean="0">
+                <a:solidFill>
+                  <a:srgbClr val="FF00FF"/>
+                </a:solidFill>
+              </a:rPr>
+              <a:t>Klare Namen</a:t>
+            </a:r>
+            <a:endParaRPr lang="en-US" dirty="0">
+              <a:solidFill>
+                <a:srgbClr val="FF00FF"/>
+              </a:solidFill>
+            </a:endParaRPr>
+          </a:p>
+        </p:txBody>
+      </p:sp>
+    </p:spTree>
+  </p:cSld>
+  <p:clrMapOvr>
+    <a:masterClrMapping/>
+  </p:clrMapOvr>
+  <p:timing>
+    <p:tnLst>
+      <p:par>
+        <p:cTn id="1" dur="indefinite" restart="never" nodeType="tmRoot"/>
+      </p:par>
+    </p:tnLst>
+  </p:timing>
+</p:sld>
+</file>
+
+<file path=ppt/slides/slide122.xml><?xml version="1.0" encoding="utf-8"?>
+<p:sld xmlns:a="http://schemas.openxmlformats.org/drawingml/2006/main" xmlns:r="http://schemas.openxmlformats.org/officeDocument/2006/relationships" xmlns:p="http://schemas.openxmlformats.org/presentationml/2006/main">
+  <p:cSld>
+    <p:spTree>
+      <p:nvGrpSpPr>
+        <p:cNvPr id="1" name=""/>
+        <p:cNvGrpSpPr/>
+        <p:nvPr/>
+      </p:nvGrpSpPr>
+      <p:grpSpPr>
+        <a:xfrm>
+          <a:off x="0" y="0"/>
+          <a:ext cx="0" cy="0"/>
+          <a:chOff x="0" y="0"/>
+          <a:chExt cx="0" cy="0"/>
+        </a:xfrm>
+      </p:grpSpPr>
+      <p:sp>
+        <p:nvSpPr>
+          <p:cNvPr id="2" name="Titel 1"/>
+          <p:cNvSpPr>
+            <a:spLocks noGrp="1"/>
+          </p:cNvSpPr>
+          <p:nvPr>
+            <p:ph type="title"/>
+          </p:nvPr>
+        </p:nvSpPr>
+        <p:spPr/>
+        <p:txBody>
+          <a:bodyPr>
+            <a:normAutofit/>
+          </a:bodyPr>
+          <a:lstStyle/>
+          <a:p>
+            <a:pPr algn="l"/>
+            <a:r>
+              <a:rPr lang="de-AT" sz="1200" dirty="0" err="1" smtClean="0">
+                <a:latin typeface="Roboto" pitchFamily="2" charset="0"/>
+                <a:ea typeface="Roboto" pitchFamily="2" charset="0"/>
+              </a:rPr>
+              <a:t>Inspired</a:t>
+            </a:r>
+            <a:r>
+              <a:rPr lang="de-AT" sz="1200" dirty="0" smtClean="0">
+                <a:latin typeface="Roboto" pitchFamily="2" charset="0"/>
+                <a:ea typeface="Roboto" pitchFamily="2" charset="0"/>
+              </a:rPr>
+              <a:t> </a:t>
+            </a:r>
+            <a:r>
+              <a:rPr lang="de-AT" sz="1200" dirty="0" err="1" smtClean="0">
+                <a:latin typeface="Roboto" pitchFamily="2" charset="0"/>
+                <a:ea typeface="Roboto" pitchFamily="2" charset="0"/>
+              </a:rPr>
+              <a:t>by</a:t>
+            </a:r>
+            <a:r>
+              <a:rPr lang="de-AT" sz="1200" dirty="0" smtClean="0">
+                <a:latin typeface="Roboto" pitchFamily="2" charset="0"/>
+                <a:ea typeface="Roboto" pitchFamily="2" charset="0"/>
+              </a:rPr>
+              <a:t> and using the </a:t>
+            </a:r>
+            <a:r>
+              <a:rPr lang="de-AT" sz="1200" dirty="0" err="1" smtClean="0">
+                <a:latin typeface="Roboto" pitchFamily="2" charset="0"/>
+                <a:ea typeface="Roboto" pitchFamily="2" charset="0"/>
+              </a:rPr>
+              <a:t>fonts</a:t>
+            </a:r>
+            <a:r>
+              <a:rPr lang="de-AT" sz="1200" dirty="0" smtClean="0">
+                <a:latin typeface="Roboto" pitchFamily="2" charset="0"/>
+                <a:ea typeface="Roboto" pitchFamily="2" charset="0"/>
+              </a:rPr>
+              <a:t> </a:t>
+            </a:r>
+            <a:r>
+              <a:rPr lang="de-AT" sz="1200" dirty="0" err="1" smtClean="0">
+                <a:latin typeface="Roboto" pitchFamily="2" charset="0"/>
+                <a:ea typeface="Roboto" pitchFamily="2" charset="0"/>
+              </a:rPr>
+              <a:t>suggested</a:t>
+            </a:r>
+            <a:r>
+              <a:rPr lang="de-AT" sz="1200" dirty="0" smtClean="0">
+                <a:latin typeface="Roboto" pitchFamily="2" charset="0"/>
+                <a:ea typeface="Roboto" pitchFamily="2" charset="0"/>
+              </a:rPr>
+              <a:t> at</a:t>
+            </a:r>
+            <a:br>
+              <a:rPr lang="de-AT" sz="1200" dirty="0" smtClean="0">
+                <a:latin typeface="Roboto" pitchFamily="2" charset="0"/>
+                <a:ea typeface="Roboto" pitchFamily="2" charset="0"/>
+              </a:rPr>
+            </a:br>
+            <a:r>
+              <a:rPr lang="de-AT" sz="1200" dirty="0" smtClean="0">
+                <a:latin typeface="Roboto" pitchFamily="2" charset="0"/>
+                <a:ea typeface="Roboto" pitchFamily="2" charset="0"/>
+                <a:hlinkClick r:id="rId2"/>
+              </a:rPr>
+              <a:t>http://www.labnol.org/software/tutorials/advice-select-best-fonts-for-powerpoint-presentation-slides/3355/</a:t>
+            </a:r>
+            <a:r>
+              <a:rPr lang="de-AT" sz="1200" dirty="0" smtClean="0">
+                <a:latin typeface="Roboto" pitchFamily="2" charset="0"/>
+                <a:ea typeface="Roboto" pitchFamily="2" charset="0"/>
+              </a:rPr>
+              <a:t/>
+            </a:r>
+            <a:br>
+              <a:rPr lang="de-AT" sz="1200" dirty="0" smtClean="0">
+                <a:latin typeface="Roboto" pitchFamily="2" charset="0"/>
+                <a:ea typeface="Roboto" pitchFamily="2" charset="0"/>
+              </a:rPr>
+            </a:br>
+            <a:r>
+              <a:rPr lang="de-AT" sz="1200" dirty="0" smtClean="0">
+                <a:latin typeface="Roboto" pitchFamily="2" charset="0"/>
+                <a:ea typeface="Roboto" pitchFamily="2" charset="0"/>
+              </a:rPr>
+              <a:t/>
+            </a:r>
+            <a:br>
+              <a:rPr lang="de-AT" sz="1200" dirty="0" smtClean="0">
+                <a:latin typeface="Roboto" pitchFamily="2" charset="0"/>
+                <a:ea typeface="Roboto" pitchFamily="2" charset="0"/>
+              </a:rPr>
+            </a:br>
+            <a:r>
+              <a:rPr lang="de-AT" sz="1200" dirty="0" err="1" smtClean="0">
+                <a:latin typeface="Roboto" pitchFamily="2" charset="0"/>
+                <a:ea typeface="Roboto" pitchFamily="2" charset="0"/>
+              </a:rPr>
+              <a:t>Health</a:t>
+            </a:r>
+            <a:r>
+              <a:rPr lang="de-AT" sz="1200" dirty="0">
+                <a:latin typeface="Roboto" pitchFamily="2" charset="0"/>
+                <a:ea typeface="Roboto" pitchFamily="2" charset="0"/>
+              </a:rPr>
+              <a:t/>
+            </a:r>
+            <a:br>
+              <a:rPr lang="de-AT" sz="1200" dirty="0">
+                <a:latin typeface="Roboto" pitchFamily="2" charset="0"/>
+                <a:ea typeface="Roboto" pitchFamily="2" charset="0"/>
+              </a:rPr>
+            </a:br>
+            <a:r>
+              <a:rPr lang="de-DE" sz="1200" dirty="0">
+                <a:latin typeface="Roboto" pitchFamily="2" charset="0"/>
+                <a:ea typeface="Roboto" pitchFamily="2" charset="0"/>
+                <a:hlinkClick r:id="rId3"/>
+              </a:rPr>
+              <a:t>http://thenounproject.com/noun/first-aid/#</a:t>
+            </a:r>
+            <a:r>
+              <a:rPr lang="de-DE" sz="1200" dirty="0" smtClean="0">
+                <a:latin typeface="Roboto" pitchFamily="2" charset="0"/>
+                <a:ea typeface="Roboto" pitchFamily="2" charset="0"/>
+                <a:hlinkClick r:id="rId3"/>
+              </a:rPr>
+              <a:t>icon-No2208</a:t>
+            </a:r>
+            <a:r>
+              <a:rPr lang="de-DE" sz="1200" dirty="0" smtClean="0">
+                <a:latin typeface="Roboto" pitchFamily="2" charset="0"/>
+                <a:ea typeface="Roboto" pitchFamily="2" charset="0"/>
+              </a:rPr>
+              <a:t/>
+            </a:r>
+            <a:br>
+              <a:rPr lang="de-DE" sz="1200" dirty="0" smtClean="0">
+                <a:latin typeface="Roboto" pitchFamily="2" charset="0"/>
+                <a:ea typeface="Roboto" pitchFamily="2" charset="0"/>
+              </a:rPr>
+            </a:br>
+            <a:r>
+              <a:rPr lang="de-DE" sz="1200" dirty="0" smtClean="0">
+                <a:latin typeface="Roboto" pitchFamily="2" charset="0"/>
+                <a:ea typeface="Roboto" pitchFamily="2" charset="0"/>
+              </a:rPr>
+              <a:t/>
+            </a:r>
+            <a:br>
+              <a:rPr lang="de-DE" sz="1200" dirty="0" smtClean="0">
+                <a:latin typeface="Roboto" pitchFamily="2" charset="0"/>
+                <a:ea typeface="Roboto" pitchFamily="2" charset="0"/>
+              </a:rPr>
+            </a:br>
+            <a:r>
+              <a:rPr lang="de-DE" sz="1200" dirty="0">
+                <a:latin typeface="Roboto" pitchFamily="2" charset="0"/>
+                <a:ea typeface="Roboto" pitchFamily="2" charset="0"/>
+              </a:rPr>
+              <a:t/>
+            </a:r>
+            <a:br>
+              <a:rPr lang="de-DE" sz="1200" dirty="0">
+                <a:latin typeface="Roboto" pitchFamily="2" charset="0"/>
+                <a:ea typeface="Roboto" pitchFamily="2" charset="0"/>
+              </a:rPr>
+            </a:br>
+            <a:r>
+              <a:rPr lang="de-DE" sz="1200" dirty="0">
+                <a:latin typeface="Roboto" pitchFamily="2" charset="0"/>
+                <a:ea typeface="Roboto" pitchFamily="2" charset="0"/>
+              </a:rPr>
+              <a:t/>
+            </a:r>
+            <a:br>
+              <a:rPr lang="de-DE" sz="1200" dirty="0">
+                <a:latin typeface="Roboto" pitchFamily="2" charset="0"/>
+                <a:ea typeface="Roboto" pitchFamily="2" charset="0"/>
+              </a:rPr>
+            </a:br>
+            <a:r>
+              <a:rPr lang="de-DE" sz="1200" dirty="0" smtClean="0">
+                <a:latin typeface="Roboto" pitchFamily="2" charset="0"/>
+                <a:ea typeface="Roboto" pitchFamily="2" charset="0"/>
+              </a:rPr>
+              <a:t>Andy Palmer on Singletons</a:t>
+            </a:r>
+            <a:br>
+              <a:rPr lang="de-DE" sz="1200" dirty="0" smtClean="0">
+                <a:latin typeface="Roboto" pitchFamily="2" charset="0"/>
+                <a:ea typeface="Roboto" pitchFamily="2" charset="0"/>
+              </a:rPr>
+            </a:br>
+            <a:r>
+              <a:rPr lang="de-DE" sz="1200" dirty="0" smtClean="0">
+                <a:latin typeface="Roboto" pitchFamily="2" charset="0"/>
+                <a:ea typeface="Roboto" pitchFamily="2" charset="0"/>
+                <a:hlinkClick r:id="rId4"/>
+              </a:rPr>
+              <a:t>http</a:t>
+            </a:r>
+            <a:r>
+              <a:rPr lang="de-DE" sz="1200" dirty="0">
+                <a:latin typeface="Roboto" pitchFamily="2" charset="0"/>
+                <a:ea typeface="Roboto" pitchFamily="2" charset="0"/>
+                <a:hlinkClick r:id="rId4"/>
+              </a:rPr>
+              <a:t>://andypalmer.com/2008/05/singletons/</a:t>
+            </a:r>
+            <a:endParaRPr lang="en-US" sz="1200" dirty="0">
+              <a:latin typeface="Roboto" pitchFamily="2" charset="0"/>
+              <a:ea typeface="Roboto" pitchFamily="2" charset="0"/>
+            </a:endParaRPr>
+          </a:p>
+        </p:txBody>
+      </p:sp>
+    </p:spTree>
+  </p:cSld>
+  <p:clrMapOvr>
+    <a:masterClrMapping/>
+  </p:clrMapOvr>
+  <p:timing>
+    <p:tnLst>
+      <p:par>
+        <p:cTn id="1" dur="indefinite" restart="never" nodeType="tmRoot"/>
+      </p:par>
+    </p:tnLst>
+  </p:timing>
+</p:sld>
+</file>
+
+<file path=ppt/slides/slide123.xml><?xml version="1.0" encoding="utf-8"?>
 <p:sld xmlns:a="http://schemas.openxmlformats.org/drawingml/2006/main" xmlns:r="http://schemas.openxmlformats.org/officeDocument/2006/relationships" xmlns:p="http://schemas.openxmlformats.org/presentationml/2006/main">
   <p:cSld>
     <p:spTree>
@@ -7490,108 +8760,6 @@
 </p:sld>
 </file>
 
-<file path=ppt/slides/slide12.xml><?xml version="1.0" encoding="utf-8"?>
-<p:sld xmlns:a="http://schemas.openxmlformats.org/drawingml/2006/main" xmlns:r="http://schemas.openxmlformats.org/officeDocument/2006/relationships" xmlns:p="http://schemas.openxmlformats.org/presentationml/2006/main">
-  <p:cSld>
-    <p:spTree>
-      <p:nvGrpSpPr>
-        <p:cNvPr id="1" name=""/>
-        <p:cNvGrpSpPr/>
-        <p:nvPr/>
-      </p:nvGrpSpPr>
-      <p:grpSpPr>
-        <a:xfrm>
-          <a:off x="0" y="0"/>
-          <a:ext cx="0" cy="0"/>
-          <a:chOff x="0" y="0"/>
-          <a:chExt cx="0" cy="0"/>
-        </a:xfrm>
-      </p:grpSpPr>
-      <p:sp>
-        <p:nvSpPr>
-          <p:cNvPr id="2" name="Titel 1"/>
-          <p:cNvSpPr>
-            <a:spLocks noGrp="1"/>
-          </p:cNvSpPr>
-          <p:nvPr>
-            <p:ph type="title"/>
-          </p:nvPr>
-        </p:nvSpPr>
-        <p:spPr/>
-        <p:txBody>
-          <a:bodyPr/>
-          <a:lstStyle/>
-          <a:p>
-            <a:r>
-              <a:rPr lang="de-DE" sz="8800" dirty="0" smtClean="0">
-                <a:solidFill>
-                  <a:srgbClr val="FF00FF"/>
-                </a:solidFill>
-              </a:rPr>
-              <a:t>aussprechbare</a:t>
-            </a:r>
-            <a:endParaRPr lang="en-US" sz="8800" dirty="0">
-              <a:solidFill>
-                <a:srgbClr val="FF00FF"/>
-              </a:solidFill>
-            </a:endParaRPr>
-          </a:p>
-        </p:txBody>
-      </p:sp>
-      <p:sp>
-        <p:nvSpPr>
-          <p:cNvPr id="4" name="Textplatzhalter 3"/>
-          <p:cNvSpPr>
-            <a:spLocks noGrp="1"/>
-          </p:cNvSpPr>
-          <p:nvPr>
-            <p:ph type="body" sz="quarter" idx="10"/>
-          </p:nvPr>
-        </p:nvSpPr>
-        <p:spPr/>
-        <p:txBody>
-          <a:bodyPr/>
-          <a:lstStyle/>
-          <a:p>
-            <a:r>
-              <a:rPr lang="de-DE" dirty="0" smtClean="0"/>
-              <a:t>Verwende</a:t>
-            </a:r>
-            <a:endParaRPr lang="en-US" dirty="0"/>
-          </a:p>
-        </p:txBody>
-      </p:sp>
-      <p:sp>
-        <p:nvSpPr>
-          <p:cNvPr id="5" name="Textplatzhalter 4"/>
-          <p:cNvSpPr>
-            <a:spLocks noGrp="1"/>
-          </p:cNvSpPr>
-          <p:nvPr>
-            <p:ph type="body" sz="quarter" idx="11"/>
-          </p:nvPr>
-        </p:nvSpPr>
-        <p:spPr/>
-        <p:txBody>
-          <a:bodyPr/>
-          <a:lstStyle/>
-          <a:p>
-            <a:r>
-              <a:rPr lang="de-DE" dirty="0" smtClean="0"/>
-              <a:t>Namen</a:t>
-            </a:r>
-            <a:endParaRPr lang="en-US" dirty="0"/>
-          </a:p>
-        </p:txBody>
-      </p:sp>
-    </p:spTree>
-  </p:cSld>
-  <p:clrMapOvr>
-    <a:masterClrMapping/>
-  </p:clrMapOvr>
-</p:sld>
-</file>
-
 <file path=ppt/slides/slide13.xml><?xml version="1.0" encoding="utf-8"?>
 <p:sld xmlns:a="http://schemas.openxmlformats.org/drawingml/2006/main" xmlns:r="http://schemas.openxmlformats.org/officeDocument/2006/relationships" xmlns:p="http://schemas.openxmlformats.org/presentationml/2006/main">
   <p:cSld>
@@ -7673,6 +8841,13 @@
   <p:clrMapOvr>
     <a:masterClrMapping/>
   </p:clrMapOvr>
+  <p:timing>
+    <p:tnLst>
+      <p:par>
+        <p:cTn id="1" dur="indefinite" restart="never" nodeType="tmRoot"/>
+      </p:par>
+    </p:tnLst>
+  </p:timing>
 </p:sld>
 </file>
 
@@ -7753,6 +8928,13 @@
   <p:clrMapOvr>
     <a:masterClrMapping/>
   </p:clrMapOvr>
+  <p:timing>
+    <p:tnLst>
+      <p:par>
+        <p:cTn id="1" dur="indefinite" restart="never" nodeType="tmRoot"/>
+      </p:par>
+    </p:tnLst>
+  </p:timing>
 </p:sld>
 </file>
 
@@ -8267,6 +9449,13 @@
   <p:clrMapOvr>
     <a:masterClrMapping/>
   </p:clrMapOvr>
+  <p:timing>
+    <p:tnLst>
+      <p:par>
+        <p:cTn id="1" dur="indefinite" restart="never" nodeType="tmRoot"/>
+      </p:par>
+    </p:tnLst>
+  </p:timing>
 </p:sld>
 </file>
 
@@ -13193,6 +14382,13 @@
   <p:clrMapOvr>
     <a:masterClrMapping/>
   </p:clrMapOvr>
+  <p:timing>
+    <p:tnLst>
+      <p:par>
+        <p:cTn id="1" dur="indefinite" restart="never" nodeType="tmRoot"/>
+      </p:par>
+    </p:tnLst>
+  </p:timing>
 </p:sld>
 </file>
 
@@ -13243,6 +14439,13 @@
   <p:clrMapOvr>
     <a:masterClrMapping/>
   </p:clrMapOvr>
+  <p:timing>
+    <p:tnLst>
+      <p:par>
+        <p:cTn id="1" dur="indefinite" restart="never" nodeType="tmRoot"/>
+      </p:par>
+    </p:tnLst>
+  </p:timing>
 </p:sld>
 </file>
 
@@ -13338,6 +14541,13 @@
   <p:clrMapOvr>
     <a:masterClrMapping/>
   </p:clrMapOvr>
+  <p:timing>
+    <p:tnLst>
+      <p:par>
+        <p:cTn id="1" dur="indefinite" restart="never" nodeType="tmRoot"/>
+      </p:par>
+    </p:tnLst>
+  </p:timing>
 </p:sld>
 </file>
 
@@ -13388,6 +14598,13 @@
   <p:clrMapOvr>
     <a:masterClrMapping/>
   </p:clrMapOvr>
+  <p:timing>
+    <p:tnLst>
+      <p:par>
+        <p:cTn id="1" dur="indefinite" restart="never" nodeType="tmRoot"/>
+      </p:par>
+    </p:tnLst>
+  </p:timing>
 </p:sld>
 </file>
 
@@ -13438,6 +14655,13 @@
   <p:clrMapOvr>
     <a:masterClrMapping/>
   </p:clrMapOvr>
+  <p:timing>
+    <p:tnLst>
+      <p:par>
+        <p:cTn id="1" dur="indefinite" restart="never" nodeType="tmRoot"/>
+      </p:par>
+    </p:tnLst>
+  </p:timing>
 </p:sld>
 </file>
 
@@ -13488,6 +14712,13 @@
   <p:clrMapOvr>
     <a:masterClrMapping/>
   </p:clrMapOvr>
+  <p:timing>
+    <p:tnLst>
+      <p:par>
+        <p:cTn id="1" dur="indefinite" restart="never" nodeType="tmRoot"/>
+      </p:par>
+    </p:tnLst>
+  </p:timing>
 </p:sld>
 </file>
 
@@ -13692,6 +14923,13 @@
   <p:clrMapOvr>
     <a:masterClrMapping/>
   </p:clrMapOvr>
+  <p:timing>
+    <p:tnLst>
+      <p:par>
+        <p:cTn id="1" dur="indefinite" restart="never" nodeType="tmRoot"/>
+      </p:par>
+    </p:tnLst>
+  </p:timing>
 </p:sld>
 </file>
 
@@ -13744,11 +14982,6 @@
               </a:rPr>
               <a:t>Info</a:t>
             </a:r>
-            <a:endParaRPr lang="en-US" sz="19900" dirty="0">
-              <a:solidFill>
-                <a:srgbClr val="FF00FF"/>
-              </a:solidFill>
-            </a:endParaRPr>
           </a:p>
         </p:txBody>
       </p:sp>
@@ -13757,6 +14990,13 @@
   <p:clrMapOvr>
     <a:masterClrMapping/>
   </p:clrMapOvr>
+  <p:timing>
+    <p:tnLst>
+      <p:par>
+        <p:cTn id="1" dur="indefinite" restart="never" nodeType="tmRoot"/>
+      </p:par>
+    </p:tnLst>
+  </p:timing>
 </p:sld>
 </file>
 
@@ -13823,6 +15063,13 @@
   <p:clrMapOvr>
     <a:masterClrMapping/>
   </p:clrMapOvr>
+  <p:timing>
+    <p:tnLst>
+      <p:par>
+        <p:cTn id="1" dur="indefinite" restart="never" nodeType="tmRoot"/>
+      </p:par>
+    </p:tnLst>
+  </p:timing>
 </p:sld>
 </file>
 
@@ -13888,6 +15135,13 @@
   <p:clrMapOvr>
     <a:masterClrMapping/>
   </p:clrMapOvr>
+  <p:timing>
+    <p:tnLst>
+      <p:par>
+        <p:cTn id="1" dur="indefinite" restart="never" nodeType="tmRoot"/>
+      </p:par>
+    </p:tnLst>
+  </p:timing>
 </p:sld>
 </file>
 
@@ -14025,6 +15279,13 @@
   <p:clrMapOvr>
     <a:masterClrMapping/>
   </p:clrMapOvr>
+  <p:timing>
+    <p:tnLst>
+      <p:par>
+        <p:cTn id="1" dur="indefinite" restart="never" nodeType="tmRoot"/>
+      </p:par>
+    </p:tnLst>
+  </p:timing>
 </p:sld>
 </file>
 
@@ -14139,6 +15400,13 @@
   <p:clrMapOvr>
     <a:masterClrMapping/>
   </p:clrMapOvr>
+  <p:timing>
+    <p:tnLst>
+      <p:par>
+        <p:cTn id="1" dur="indefinite" restart="never" nodeType="tmRoot"/>
+      </p:par>
+    </p:tnLst>
+  </p:timing>
 </p:sld>
 </file>
 
@@ -14204,11 +15472,6 @@
               </a:rPr>
               <a:t>General</a:t>
             </a:r>
-            <a:endParaRPr lang="en-US" sz="19900" dirty="0">
-              <a:solidFill>
-                <a:srgbClr val="FF7400"/>
-              </a:solidFill>
-            </a:endParaRPr>
           </a:p>
         </p:txBody>
       </p:sp>
@@ -14217,6 +15480,13 @@
   <p:clrMapOvr>
     <a:masterClrMapping/>
   </p:clrMapOvr>
+  <p:timing>
+    <p:tnLst>
+      <p:par>
+        <p:cTn id="1" dur="indefinite" restart="never" nodeType="tmRoot"/>
+      </p:par>
+    </p:tnLst>
+  </p:timing>
 </p:sld>
 </file>
 
@@ -14274,6 +15544,13 @@
   <p:clrMapOvr>
     <a:masterClrMapping/>
   </p:clrMapOvr>
+  <p:timing>
+    <p:tnLst>
+      <p:par>
+        <p:cTn id="1" dur="indefinite" restart="never" nodeType="tmRoot"/>
+      </p:par>
+    </p:tnLst>
+  </p:timing>
 </p:sld>
 </file>
 
@@ -14339,11 +15616,6 @@
               </a:rPr>
               <a:t>Super</a:t>
             </a:r>
-            <a:endParaRPr lang="en-US" sz="19900" dirty="0">
-              <a:solidFill>
-                <a:srgbClr val="FF7400"/>
-              </a:solidFill>
-            </a:endParaRPr>
           </a:p>
         </p:txBody>
       </p:sp>
@@ -14352,6 +15624,13 @@
   <p:clrMapOvr>
     <a:masterClrMapping/>
   </p:clrMapOvr>
+  <p:timing>
+    <p:tnLst>
+      <p:par>
+        <p:cTn id="1" dur="indefinite" restart="never" nodeType="tmRoot"/>
+      </p:par>
+    </p:tnLst>
+  </p:timing>
 </p:sld>
 </file>
 
@@ -14415,6 +15694,13 @@
   <p:clrMapOvr>
     <a:masterClrMapping/>
   </p:clrMapOvr>
+  <p:timing>
+    <p:tnLst>
+      <p:par>
+        <p:cTn id="1" dur="indefinite" restart="never" nodeType="tmRoot"/>
+      </p:par>
+    </p:tnLst>
+  </p:timing>
 </p:sld>
 </file>
 
@@ -14880,6 +16166,13 @@
   <p:clrMapOvr>
     <a:masterClrMapping/>
   </p:clrMapOvr>
+  <p:timing>
+    <p:tnLst>
+      <p:par>
+        <p:cTn id="1" dur="indefinite" restart="never" nodeType="tmRoot"/>
+      </p:par>
+    </p:tnLst>
+  </p:timing>
 </p:sld>
 </file>
 
@@ -14953,11 +16246,6 @@
               </a:rPr>
               <a:t>Easy</a:t>
             </a:r>
-            <a:endParaRPr lang="en-US" sz="19900" dirty="0">
-              <a:solidFill>
-                <a:srgbClr val="00DB00"/>
-              </a:solidFill>
-            </a:endParaRPr>
           </a:p>
         </p:txBody>
       </p:sp>
@@ -14966,6 +16254,13 @@
   <p:clrMapOvr>
     <a:masterClrMapping/>
   </p:clrMapOvr>
+  <p:timing>
+    <p:tnLst>
+      <p:par>
+        <p:cTn id="1" dur="indefinite" restart="never" nodeType="tmRoot"/>
+      </p:par>
+    </p:tnLst>
+  </p:timing>
 </p:sld>
 </file>
 
@@ -15052,6 +16347,13 @@
   <p:clrMapOvr>
     <a:masterClrMapping/>
   </p:clrMapOvr>
+  <p:timing>
+    <p:tnLst>
+      <p:par>
+        <p:cTn id="1" dur="indefinite" restart="never" nodeType="tmRoot"/>
+      </p:par>
+    </p:tnLst>
+  </p:timing>
 </p:sld>
 </file>
 
@@ -15115,6 +16417,13 @@
   <p:clrMapOvr>
     <a:masterClrMapping/>
   </p:clrMapOvr>
+  <p:timing>
+    <p:tnLst>
+      <p:par>
+        <p:cTn id="1" dur="indefinite" restart="never" nodeType="tmRoot"/>
+      </p:par>
+    </p:tnLst>
+  </p:timing>
 </p:sld>
 </file>
 
@@ -15252,6 +16561,13 @@
   <p:clrMapOvr>
     <a:masterClrMapping/>
   </p:clrMapOvr>
+  <p:timing>
+    <p:tnLst>
+      <p:par>
+        <p:cTn id="1" dur="indefinite" restart="never" nodeType="tmRoot"/>
+      </p:par>
+    </p:tnLst>
+  </p:timing>
 </p:sld>
 </file>
 
@@ -15366,6 +16682,13 @@
   <p:clrMapOvr>
     <a:masterClrMapping/>
   </p:clrMapOvr>
+  <p:timing>
+    <p:tnLst>
+      <p:par>
+        <p:cTn id="1" dur="indefinite" restart="never" nodeType="tmRoot"/>
+      </p:par>
+    </p:tnLst>
+  </p:timing>
 </p:sld>
 </file>
 
@@ -15482,6 +16805,13 @@
   <p:clrMapOvr>
     <a:masterClrMapping/>
   </p:clrMapOvr>
+  <p:timing>
+    <p:tnLst>
+      <p:par>
+        <p:cTn id="1" dur="indefinite" restart="never" nodeType="tmRoot"/>
+      </p:par>
+    </p:tnLst>
+  </p:timing>
 </p:sld>
 </file>
 
@@ -15676,6 +17006,13 @@
   <p:clrMapOvr>
     <a:masterClrMapping/>
   </p:clrMapOvr>
+  <p:timing>
+    <p:tnLst>
+      <p:par>
+        <p:cTn id="1" dur="indefinite" restart="never" nodeType="tmRoot"/>
+      </p:par>
+    </p:tnLst>
+  </p:timing>
 </p:sld>
 </file>
 
@@ -15782,6 +17119,13 @@
   <p:clrMapOvr>
     <a:masterClrMapping/>
   </p:clrMapOvr>
+  <p:timing>
+    <p:tnLst>
+      <p:par>
+        <p:cTn id="1" dur="indefinite" restart="never" nodeType="tmRoot"/>
+      </p:par>
+    </p:tnLst>
+  </p:timing>
 </p:sld>
 </file>
 
@@ -15898,6 +17242,13 @@
   <p:clrMapOvr>
     <a:masterClrMapping/>
   </p:clrMapOvr>
+  <p:timing>
+    <p:tnLst>
+      <p:par>
+        <p:cTn id="1" dur="indefinite" restart="never" nodeType="tmRoot"/>
+      </p:par>
+    </p:tnLst>
+  </p:timing>
 </p:sld>
 </file>
 
@@ -15996,6 +17347,13 @@
   <p:clrMapOvr>
     <a:masterClrMapping/>
   </p:clrMapOvr>
+  <p:timing>
+    <p:tnLst>
+      <p:par>
+        <p:cTn id="1" dur="indefinite" restart="never" nodeType="tmRoot"/>
+      </p:par>
+    </p:tnLst>
+  </p:timing>
 </p:sld>
 </file>
 
@@ -16056,14 +17414,6 @@
               </a:rPr>
               <a:t>Stub</a:t>
             </a:r>
-            <a:r>
-              <a:rPr lang="en-US" dirty="0" smtClean="0">
-                <a:solidFill>
-                  <a:srgbClr val="FF7400"/>
-                </a:solidFill>
-              </a:rPr>
-              <a:t/>
-            </a:r>
             <a:br>
               <a:rPr lang="en-US" dirty="0" smtClean="0">
                 <a:solidFill>
@@ -16092,6 +17442,13 @@
   <p:clrMapOvr>
     <a:masterClrMapping/>
   </p:clrMapOvr>
+  <p:timing>
+    <p:tnLst>
+      <p:par>
+        <p:cTn id="1" dur="indefinite" restart="never" nodeType="tmRoot"/>
+      </p:par>
+    </p:tnLst>
+  </p:timing>
 </p:sld>
 </file>
 
@@ -16189,6 +17546,13 @@
   <p:clrMapOvr>
     <a:masterClrMapping/>
   </p:clrMapOvr>
+  <p:timing>
+    <p:tnLst>
+      <p:par>
+        <p:cTn id="1" dur="indefinite" restart="never" nodeType="tmRoot"/>
+      </p:par>
+    </p:tnLst>
+  </p:timing>
 </p:sld>
 </file>
 
@@ -16287,6 +17651,13 @@
   <p:clrMapOvr>
     <a:masterClrMapping/>
   </p:clrMapOvr>
+  <p:timing>
+    <p:tnLst>
+      <p:par>
+        <p:cTn id="1" dur="indefinite" restart="never" nodeType="tmRoot"/>
+      </p:par>
+    </p:tnLst>
+  </p:timing>
 </p:sld>
 </file>
 
@@ -17309,6 +18680,13 @@
   <p:clrMapOvr>
     <a:masterClrMapping/>
   </p:clrMapOvr>
+  <p:timing>
+    <p:tnLst>
+      <p:par>
+        <p:cTn id="1" dur="indefinite" restart="never" nodeType="tmRoot"/>
+      </p:par>
+    </p:tnLst>
+  </p:timing>
 </p:sld>
 </file>
 
@@ -17417,6 +18795,13 @@
   <p:clrMapOvr>
     <a:masterClrMapping/>
   </p:clrMapOvr>
+  <p:timing>
+    <p:tnLst>
+      <p:par>
+        <p:cTn id="1" dur="indefinite" restart="never" nodeType="tmRoot"/>
+      </p:par>
+    </p:tnLst>
+  </p:timing>
 </p:sld>
 </file>
 
@@ -17487,6 +18872,13 @@
   <p:clrMapOvr>
     <a:masterClrMapping/>
   </p:clrMapOvr>
+  <p:timing>
+    <p:tnLst>
+      <p:par>
+        <p:cTn id="1" dur="indefinite" restart="never" nodeType="tmRoot"/>
+      </p:par>
+    </p:tnLst>
+  </p:timing>
 </p:sld>
 </file>
 
@@ -17557,6 +18949,13 @@
   <p:clrMapOvr>
     <a:masterClrMapping/>
   </p:clrMapOvr>
+  <p:timing>
+    <p:tnLst>
+      <p:par>
+        <p:cTn id="1" dur="indefinite" restart="never" nodeType="tmRoot"/>
+      </p:par>
+    </p:tnLst>
+  </p:timing>
 </p:sld>
 </file>
 
@@ -17617,6 +19016,13 @@
   <p:clrMapOvr>
     <a:masterClrMapping/>
   </p:clrMapOvr>
+  <p:timing>
+    <p:tnLst>
+      <p:par>
+        <p:cTn id="1" dur="indefinite" restart="never" nodeType="tmRoot"/>
+      </p:par>
+    </p:tnLst>
+  </p:timing>
 </p:sld>
 </file>
 
@@ -17693,6 +19099,13 @@
   <p:clrMapOvr>
     <a:masterClrMapping/>
   </p:clrMapOvr>
+  <p:timing>
+    <p:tnLst>
+      <p:par>
+        <p:cTn id="1" dur="indefinite" restart="never" nodeType="tmRoot"/>
+      </p:par>
+    </p:tnLst>
+  </p:timing>
 </p:sld>
 </file>
 
@@ -17772,6 +19185,13 @@
   <p:clrMapOvr>
     <a:masterClrMapping/>
   </p:clrMapOvr>
+  <p:timing>
+    <p:tnLst>
+      <p:par>
+        <p:cTn id="1" dur="indefinite" restart="never" nodeType="tmRoot"/>
+      </p:par>
+    </p:tnLst>
+  </p:timing>
 </p:sld>
 </file>
 
@@ -17878,6 +19298,13 @@
   <p:clrMapOvr>
     <a:masterClrMapping/>
   </p:clrMapOvr>
+  <p:timing>
+    <p:tnLst>
+      <p:par>
+        <p:cTn id="1" dur="indefinite" restart="never" nodeType="tmRoot"/>
+      </p:par>
+    </p:tnLst>
+  </p:timing>
 </p:sld>
 </file>
 
@@ -18005,6 +19432,13 @@
   <p:clrMapOvr>
     <a:masterClrMapping/>
   </p:clrMapOvr>
+  <p:timing>
+    <p:tnLst>
+      <p:par>
+        <p:cTn id="1" dur="indefinite" restart="never" nodeType="tmRoot"/>
+      </p:par>
+    </p:tnLst>
+  </p:timing>
 </p:sld>
 </file>
 
@@ -18100,6 +19534,13 @@
   <p:clrMapOvr>
     <a:masterClrMapping/>
   </p:clrMapOvr>
+  <p:timing>
+    <p:tnLst>
+      <p:par>
+        <p:cTn id="1" dur="indefinite" restart="never" nodeType="tmRoot"/>
+      </p:par>
+    </p:tnLst>
+  </p:timing>
 </p:sld>
 </file>
 
@@ -18165,6 +19606,13 @@
   <p:clrMapOvr>
     <a:masterClrMapping/>
   </p:clrMapOvr>
+  <p:timing>
+    <p:tnLst>
+      <p:par>
+        <p:cTn id="1" dur="indefinite" restart="never" nodeType="tmRoot"/>
+      </p:par>
+    </p:tnLst>
+  </p:timing>
 </p:sld>
 </file>
 
@@ -18236,6 +19684,13 @@
   <p:clrMapOvr>
     <a:masterClrMapping/>
   </p:clrMapOvr>
+  <p:timing>
+    <p:tnLst>
+      <p:par>
+        <p:cTn id="1" dur="indefinite" restart="never" nodeType="tmRoot"/>
+      </p:par>
+    </p:tnLst>
+  </p:timing>
 </p:sld>
 </file>
 
@@ -18437,6 +19892,13 @@
   <p:clrMapOvr>
     <a:masterClrMapping/>
   </p:clrMapOvr>
+  <p:timing>
+    <p:tnLst>
+      <p:par>
+        <p:cTn id="1" dur="indefinite" restart="never" nodeType="tmRoot"/>
+      </p:par>
+    </p:tnLst>
+  </p:timing>
 </p:sld>
 </file>
 
@@ -18512,6 +19974,13 @@
   <p:clrMapOvr>
     <a:masterClrMapping/>
   </p:clrMapOvr>
+  <p:timing>
+    <p:tnLst>
+      <p:par>
+        <p:cTn id="1" dur="indefinite" restart="never" nodeType="tmRoot"/>
+      </p:par>
+    </p:tnLst>
+  </p:timing>
 </p:sld>
 </file>
 
@@ -18587,6 +20056,13 @@
   <p:clrMapOvr>
     <a:masterClrMapping/>
   </p:clrMapOvr>
+  <p:timing>
+    <p:tnLst>
+      <p:par>
+        <p:cTn id="1" dur="indefinite" restart="never" nodeType="tmRoot"/>
+      </p:par>
+    </p:tnLst>
+  </p:timing>
 </p:sld>
 </file>
 
@@ -18647,6 +20123,13 @@
   <p:clrMapOvr>
     <a:masterClrMapping/>
   </p:clrMapOvr>
+  <p:timing>
+    <p:tnLst>
+      <p:par>
+        <p:cTn id="1" dur="indefinite" restart="never" nodeType="tmRoot"/>
+      </p:par>
+    </p:tnLst>
+  </p:timing>
 </p:sld>
 </file>
 
@@ -18826,6 +20309,13 @@
   <p:clrMapOvr>
     <a:masterClrMapping/>
   </p:clrMapOvr>
+  <p:timing>
+    <p:tnLst>
+      <p:par>
+        <p:cTn id="1" dur="indefinite" restart="never" nodeType="tmRoot"/>
+      </p:par>
+    </p:tnLst>
+  </p:timing>
 </p:sld>
 </file>
 
@@ -19858,6 +21348,13 @@
   <p:clrMapOvr>
     <a:masterClrMapping/>
   </p:clrMapOvr>
+  <p:timing>
+    <p:tnLst>
+      <p:par>
+        <p:cTn id="1" dur="indefinite" restart="never" nodeType="tmRoot"/>
+      </p:par>
+    </p:tnLst>
+  </p:timing>
 </p:sld>
 </file>
 
@@ -19880,7 +21377,7 @@
       </p:grpSpPr>
       <p:sp>
         <p:nvSpPr>
-          <p:cNvPr id="8" name="Textplatzhalter 5"/>
+          <p:cNvPr id="2" name="Titel 1"/>
           <p:cNvSpPr>
             <a:spLocks noGrp="1"/>
           </p:cNvSpPr>
@@ -19891,353 +21388,22 @@
         <p:spPr/>
         <p:txBody>
           <a:bodyPr>
-            <a:normAutofit fontScale="90000"/>
+            <a:normAutofit/>
           </a:bodyPr>
           <a:lstStyle/>
           <a:p>
-            <a:pPr algn="l"/>
-            <a:r>
-              <a:rPr lang="en-US" sz="4400" dirty="0" smtClean="0">
-                <a:solidFill>
-                  <a:schemeClr val="tx1">
-                    <a:lumMod val="50000"/>
-                    <a:lumOff val="50000"/>
-                  </a:schemeClr>
-                </a:solidFill>
-                <a:latin typeface="Roboto" pitchFamily="2" charset="0"/>
-                <a:ea typeface="Roboto" pitchFamily="2" charset="0"/>
-              </a:rPr>
-              <a:t>“Du </a:t>
-            </a:r>
-            <a:r>
-              <a:rPr lang="en-US" sz="4400" dirty="0" err="1" smtClean="0">
-                <a:solidFill>
-                  <a:schemeClr val="tx1">
-                    <a:lumMod val="50000"/>
-                    <a:lumOff val="50000"/>
-                  </a:schemeClr>
-                </a:solidFill>
-                <a:latin typeface="Roboto" pitchFamily="2" charset="0"/>
-                <a:ea typeface="Roboto" pitchFamily="2" charset="0"/>
-              </a:rPr>
-              <a:t>willst</a:t>
-            </a:r>
-            <a:r>
-              <a:rPr lang="en-US" sz="4400" dirty="0" smtClean="0">
-                <a:solidFill>
-                  <a:schemeClr val="tx1">
-                    <a:lumMod val="50000"/>
-                    <a:lumOff val="50000"/>
-                  </a:schemeClr>
-                </a:solidFill>
-                <a:latin typeface="Roboto" pitchFamily="2" charset="0"/>
-                <a:ea typeface="Roboto" pitchFamily="2" charset="0"/>
-              </a:rPr>
-              <a:t> </a:t>
-            </a:r>
-            <a:r>
-              <a:rPr lang="en-US" sz="4400" dirty="0" err="1" smtClean="0">
-                <a:solidFill>
-                  <a:schemeClr val="tx1">
-                    <a:lumMod val="50000"/>
-                    <a:lumOff val="50000"/>
-                  </a:schemeClr>
-                </a:solidFill>
-                <a:latin typeface="Roboto" pitchFamily="2" charset="0"/>
-                <a:ea typeface="Roboto" pitchFamily="2" charset="0"/>
-              </a:rPr>
-              <a:t>doch</a:t>
-            </a:r>
-            <a:r>
-              <a:rPr lang="en-US" sz="4400" dirty="0" smtClean="0">
-                <a:solidFill>
-                  <a:schemeClr val="tx1">
-                    <a:lumMod val="50000"/>
-                    <a:lumOff val="50000"/>
-                  </a:schemeClr>
-                </a:solidFill>
-                <a:latin typeface="Roboto" pitchFamily="2" charset="0"/>
-                <a:ea typeface="Roboto" pitchFamily="2" charset="0"/>
-              </a:rPr>
-              <a:t> </a:t>
-            </a:r>
-            <a:r>
-              <a:rPr lang="en-US" sz="4400" dirty="0" err="1" smtClean="0">
-                <a:solidFill>
-                  <a:schemeClr val="tx1">
-                    <a:lumMod val="50000"/>
-                    <a:lumOff val="50000"/>
-                  </a:schemeClr>
-                </a:solidFill>
-                <a:latin typeface="Roboto" pitchFamily="2" charset="0"/>
-                <a:ea typeface="Roboto" pitchFamily="2" charset="0"/>
-              </a:rPr>
-              <a:t>nicht</a:t>
-            </a:r>
-            <a:r>
-              <a:rPr lang="en-US" sz="4400" dirty="0" smtClean="0">
-                <a:solidFill>
-                  <a:schemeClr val="tx1">
-                    <a:lumMod val="50000"/>
-                    <a:lumOff val="50000"/>
-                  </a:schemeClr>
-                </a:solidFill>
-                <a:latin typeface="Roboto" pitchFamily="2" charset="0"/>
-                <a:ea typeface="Roboto" pitchFamily="2" charset="0"/>
-              </a:rPr>
-              <a:t> in </a:t>
-            </a:r>
-            <a:r>
-              <a:rPr lang="en-US" sz="4400" dirty="0" err="1" smtClean="0">
-                <a:solidFill>
-                  <a:schemeClr val="tx1">
-                    <a:lumMod val="50000"/>
-                    <a:lumOff val="50000"/>
-                  </a:schemeClr>
-                </a:solidFill>
-                <a:latin typeface="Roboto" pitchFamily="2" charset="0"/>
-                <a:ea typeface="Roboto" pitchFamily="2" charset="0"/>
-              </a:rPr>
-              <a:t>einer</a:t>
-            </a:r>
-            <a:r>
-              <a:rPr lang="en-US" sz="4400" dirty="0" smtClean="0">
-                <a:solidFill>
-                  <a:schemeClr val="tx1">
-                    <a:lumMod val="50000"/>
-                    <a:lumOff val="50000"/>
-                  </a:schemeClr>
-                </a:solidFill>
-                <a:latin typeface="Roboto" pitchFamily="2" charset="0"/>
-                <a:ea typeface="Roboto" pitchFamily="2" charset="0"/>
-              </a:rPr>
-              <a:t> </a:t>
-            </a:r>
-            <a:r>
-              <a:rPr lang="en-US" sz="4400" dirty="0" err="1" smtClean="0">
-                <a:solidFill>
-                  <a:schemeClr val="tx1">
-                    <a:lumMod val="50000"/>
-                    <a:lumOff val="50000"/>
-                  </a:schemeClr>
-                </a:solidFill>
-                <a:latin typeface="Roboto" pitchFamily="2" charset="0"/>
-                <a:ea typeface="Roboto" pitchFamily="2" charset="0"/>
-              </a:rPr>
-              <a:t>Pizza</a:t>
-            </a:r>
-            <a:r>
-              <a:rPr lang="en-US" sz="4400" dirty="0" err="1" smtClean="0">
-                <a:solidFill>
-                  <a:srgbClr val="FF00FF"/>
-                </a:solidFill>
-                <a:latin typeface="Roboto" pitchFamily="2" charset="0"/>
-                <a:ea typeface="Roboto" pitchFamily="2" charset="0"/>
-              </a:rPr>
-              <a:t>fabrik</a:t>
-            </a:r>
-            <a:r>
-              <a:rPr lang="en-US" sz="4400" dirty="0" smtClean="0">
-                <a:solidFill>
-                  <a:schemeClr val="tx1">
-                    <a:lumMod val="50000"/>
-                    <a:lumOff val="50000"/>
-                  </a:schemeClr>
-                </a:solidFill>
-                <a:latin typeface="Roboto" pitchFamily="2" charset="0"/>
-                <a:ea typeface="Roboto" pitchFamily="2" charset="0"/>
-              </a:rPr>
-              <a:t> </a:t>
-            </a:r>
-            <a:r>
-              <a:rPr lang="en-US" sz="4400" dirty="0" err="1" smtClean="0">
-                <a:solidFill>
-                  <a:schemeClr val="tx1">
-                    <a:lumMod val="50000"/>
-                    <a:lumOff val="50000"/>
-                  </a:schemeClr>
-                </a:solidFill>
-                <a:latin typeface="Roboto" pitchFamily="2" charset="0"/>
-                <a:ea typeface="Roboto" pitchFamily="2" charset="0"/>
-              </a:rPr>
-              <a:t>essen</a:t>
-            </a:r>
-            <a:r>
-              <a:rPr lang="en-US" sz="4400" dirty="0" smtClean="0">
-                <a:solidFill>
-                  <a:schemeClr val="tx1">
-                    <a:lumMod val="50000"/>
-                    <a:lumOff val="50000"/>
-                  </a:schemeClr>
-                </a:solidFill>
-                <a:latin typeface="Roboto" pitchFamily="2" charset="0"/>
-                <a:ea typeface="Roboto" pitchFamily="2" charset="0"/>
-              </a:rPr>
-              <a:t>, </a:t>
-            </a:r>
-            <a:r>
-              <a:rPr lang="en-US" sz="4400" dirty="0" err="1" smtClean="0">
-                <a:solidFill>
-                  <a:schemeClr val="tx1">
-                    <a:lumMod val="50000"/>
-                    <a:lumOff val="50000"/>
-                  </a:schemeClr>
-                </a:solidFill>
-                <a:latin typeface="Roboto" pitchFamily="2" charset="0"/>
-                <a:ea typeface="Roboto" pitchFamily="2" charset="0"/>
-              </a:rPr>
-              <a:t>sondern</a:t>
-            </a:r>
-            <a:r>
-              <a:rPr lang="en-US" sz="4400" dirty="0" smtClean="0">
-                <a:solidFill>
-                  <a:schemeClr val="tx1">
-                    <a:lumMod val="50000"/>
-                    <a:lumOff val="50000"/>
-                  </a:schemeClr>
-                </a:solidFill>
-                <a:latin typeface="Roboto" pitchFamily="2" charset="0"/>
-                <a:ea typeface="Roboto" pitchFamily="2" charset="0"/>
-              </a:rPr>
-              <a:t> in </a:t>
-            </a:r>
-            <a:r>
-              <a:rPr lang="en-US" sz="4400" dirty="0" err="1" smtClean="0">
-                <a:solidFill>
-                  <a:schemeClr val="tx1">
-                    <a:lumMod val="50000"/>
-                    <a:lumOff val="50000"/>
-                  </a:schemeClr>
-                </a:solidFill>
-                <a:latin typeface="Roboto" pitchFamily="2" charset="0"/>
-                <a:ea typeface="Roboto" pitchFamily="2" charset="0"/>
-              </a:rPr>
-              <a:t>einem</a:t>
-            </a:r>
-            <a:r>
-              <a:rPr lang="en-US" sz="4400" dirty="0" smtClean="0">
-                <a:solidFill>
-                  <a:schemeClr val="tx1">
-                    <a:lumMod val="50000"/>
-                    <a:lumOff val="50000"/>
-                  </a:schemeClr>
-                </a:solidFill>
-                <a:latin typeface="Roboto" pitchFamily="2" charset="0"/>
-                <a:ea typeface="Roboto" pitchFamily="2" charset="0"/>
-              </a:rPr>
-              <a:t> Restaurant”</a:t>
-            </a:r>
-            <a:br>
-              <a:rPr lang="en-US" sz="4400" dirty="0" smtClean="0">
-                <a:solidFill>
-                  <a:schemeClr val="tx1">
-                    <a:lumMod val="50000"/>
-                    <a:lumOff val="50000"/>
-                  </a:schemeClr>
-                </a:solidFill>
-                <a:latin typeface="Roboto" pitchFamily="2" charset="0"/>
-                <a:ea typeface="Roboto" pitchFamily="2" charset="0"/>
-              </a:rPr>
-            </a:br>
-            <a:endParaRPr lang="en-US" sz="4400" dirty="0" smtClean="0">
-              <a:solidFill>
-                <a:schemeClr val="tx1">
-                  <a:lumMod val="75000"/>
-                  <a:lumOff val="25000"/>
-                </a:schemeClr>
-              </a:solidFill>
-              <a:ea typeface="Roboto" pitchFamily="2" charset="0"/>
-            </a:endParaRPr>
-          </a:p>
-          <a:p>
-            <a:pPr algn="r"/>
-            <a:r>
-              <a:rPr lang="en-US" sz="4400" dirty="0" smtClean="0">
-                <a:solidFill>
-                  <a:schemeClr val="tx1">
-                    <a:lumMod val="75000"/>
-                    <a:lumOff val="25000"/>
-                  </a:schemeClr>
-                </a:solidFill>
-                <a:ea typeface="Roboto" pitchFamily="2" charset="0"/>
-              </a:rPr>
-              <a:t>Roberto </a:t>
-            </a:r>
-            <a:r>
-              <a:rPr lang="en-US" sz="4400" dirty="0" err="1" smtClean="0">
-                <a:solidFill>
-                  <a:schemeClr val="tx1">
-                    <a:lumMod val="75000"/>
-                    <a:lumOff val="25000"/>
-                  </a:schemeClr>
-                </a:solidFill>
-                <a:ea typeface="Roboto" pitchFamily="2" charset="0"/>
-              </a:rPr>
-              <a:t>Bez</a:t>
-            </a:r>
-            <a:r>
-              <a:rPr lang="en-US" sz="4400" dirty="0" smtClean="0">
-                <a:solidFill>
-                  <a:schemeClr val="tx1">
-                    <a:lumMod val="75000"/>
-                    <a:lumOff val="25000"/>
-                  </a:schemeClr>
-                </a:solidFill>
-                <a:ea typeface="Roboto" pitchFamily="2" charset="0"/>
-              </a:rPr>
-              <a:t>. </a:t>
-            </a:r>
-            <a:br>
-              <a:rPr lang="en-US" sz="4400" dirty="0" smtClean="0">
-                <a:solidFill>
-                  <a:schemeClr val="tx1">
-                    <a:lumMod val="75000"/>
-                    <a:lumOff val="25000"/>
-                  </a:schemeClr>
-                </a:solidFill>
-                <a:ea typeface="Roboto" pitchFamily="2" charset="0"/>
-              </a:rPr>
-            </a:br>
-            <a:r>
-              <a:rPr lang="en-US" sz="4400" dirty="0" smtClean="0">
-                <a:solidFill>
-                  <a:schemeClr val="tx1">
-                    <a:lumMod val="75000"/>
-                    <a:lumOff val="25000"/>
-                  </a:schemeClr>
-                </a:solidFill>
-                <a:ea typeface="Roboto" pitchFamily="2" charset="0"/>
-              </a:rPr>
-              <a:t>Sonntag </a:t>
-            </a:r>
-            <a:r>
-              <a:rPr lang="en-US" sz="4400" dirty="0" err="1" smtClean="0">
-                <a:solidFill>
-                  <a:schemeClr val="tx1">
-                    <a:lumMod val="75000"/>
-                    <a:lumOff val="25000"/>
-                  </a:schemeClr>
-                </a:solidFill>
-                <a:ea typeface="Roboto" pitchFamily="2" charset="0"/>
-              </a:rPr>
-              <a:t>abend</a:t>
-            </a:r>
-            <a:endParaRPr lang="en-US" sz="2800" dirty="0">
-              <a:solidFill>
-                <a:schemeClr val="tx1">
-                  <a:lumMod val="75000"/>
-                  <a:lumOff val="25000"/>
-                </a:schemeClr>
-              </a:solidFill>
-              <a:ea typeface="Roboto" pitchFamily="2" charset="0"/>
-            </a:endParaRPr>
+            <a:r>
+              <a:rPr lang="de-DE" sz="14900" dirty="0" smtClean="0"/>
+              <a:t>Singleton</a:t>
+            </a:r>
+            <a:endParaRPr lang="de-DE" sz="14900" dirty="0"/>
           </a:p>
         </p:txBody>
       </p:sp>
     </p:spTree>
     <p:extLst>
       <p:ext uri="{BB962C8B-B14F-4D97-AF65-F5344CB8AC3E}">
-        <p14:creationId xmlns:p14="http://schemas.microsoft.com/office/powerpoint/2010/main" val="849503616"/>
+        <p14:creationId xmlns:p14="http://schemas.microsoft.com/office/powerpoint/2010/main" val="3452148279"/>
       </p:ext>
     </p:extLst>
   </p:cSld>
@@ -20281,25 +21447,167 @@
             <p:ph type="title"/>
           </p:nvPr>
         </p:nvSpPr>
-        <p:spPr/>
+        <p:spPr>
+          <a:xfrm>
+            <a:off x="0" y="0"/>
+            <a:ext cx="9144000" cy="6858000"/>
+          </a:xfrm>
+          <a:solidFill>
+            <a:schemeClr val="tx1">
+              <a:lumMod val="85000"/>
+              <a:lumOff val="15000"/>
+            </a:schemeClr>
+          </a:solidFill>
+        </p:spPr>
         <p:txBody>
           <a:bodyPr>
-            <a:normAutofit/>
+            <a:noAutofit/>
           </a:bodyPr>
           <a:lstStyle/>
           <a:p>
-            <a:r>
-              <a:rPr lang="de-DE" sz="19900" dirty="0" err="1" smtClean="0"/>
-              <a:t>factory</a:t>
-            </a:r>
-            <a:endParaRPr lang="de-DE" sz="19900" dirty="0"/>
+            <a:pPr algn="l"/>
+            <a:r>
+              <a:rPr lang="en-US" sz="2000" b="1" dirty="0">
+                <a:solidFill>
+                  <a:schemeClr val="bg1"/>
+                </a:solidFill>
+                <a:latin typeface="Consolas" pitchFamily="49" charset="0"/>
+                <a:ea typeface="Roboto" pitchFamily="2" charset="0"/>
+                <a:cs typeface="Consolas" pitchFamily="49" charset="0"/>
+              </a:rPr>
+              <a:t/>
+            </a:r>
+            <a:br>
+              <a:rPr lang="en-US" sz="2000" b="1" dirty="0">
+                <a:solidFill>
+                  <a:schemeClr val="bg1"/>
+                </a:solidFill>
+                <a:latin typeface="Consolas" pitchFamily="49" charset="0"/>
+                <a:ea typeface="Roboto" pitchFamily="2" charset="0"/>
+                <a:cs typeface="Consolas" pitchFamily="49" charset="0"/>
+              </a:rPr>
+            </a:br>
+            <a:r>
+              <a:rPr lang="en-US" sz="2000" b="1" dirty="0" smtClean="0">
+                <a:solidFill>
+                  <a:schemeClr val="bg1"/>
+                </a:solidFill>
+                <a:latin typeface="Consolas" pitchFamily="49" charset="0"/>
+                <a:ea typeface="Roboto" pitchFamily="2" charset="0"/>
+                <a:cs typeface="Consolas" pitchFamily="49" charset="0"/>
+              </a:rPr>
+              <a:t>	</a:t>
+            </a:r>
+            <a:r>
+              <a:rPr lang="en-US" sz="2000" b="1" dirty="0" err="1" smtClean="0">
+                <a:latin typeface="Consolas" pitchFamily="49" charset="0"/>
+                <a:ea typeface="Roboto" pitchFamily="2" charset="0"/>
+                <a:cs typeface="Consolas" pitchFamily="49" charset="0"/>
+              </a:rPr>
+              <a:t>var</a:t>
+            </a:r>
+            <a:r>
+              <a:rPr lang="en-US" sz="2000" b="1" dirty="0" smtClean="0">
+                <a:solidFill>
+                  <a:schemeClr val="bg1"/>
+                </a:solidFill>
+                <a:latin typeface="Consolas" pitchFamily="49" charset="0"/>
+                <a:ea typeface="Roboto" pitchFamily="2" charset="0"/>
+                <a:cs typeface="Consolas" pitchFamily="49" charset="0"/>
+              </a:rPr>
+              <a:t> </a:t>
+            </a:r>
+            <a:r>
+              <a:rPr lang="en-US" sz="2000" b="1" dirty="0" smtClean="0">
+                <a:solidFill>
+                  <a:schemeClr val="bg1"/>
+                </a:solidFill>
+                <a:latin typeface="Consolas" pitchFamily="49" charset="0"/>
+                <a:ea typeface="Roboto" pitchFamily="2" charset="0"/>
+                <a:cs typeface="Consolas" pitchFamily="49" charset="0"/>
+              </a:rPr>
+              <a:t>instance </a:t>
+            </a:r>
+            <a:r>
+              <a:rPr lang="en-US" sz="2000" b="1" dirty="0">
+                <a:solidFill>
+                  <a:schemeClr val="bg1"/>
+                </a:solidFill>
+                <a:latin typeface="Consolas" pitchFamily="49" charset="0"/>
+                <a:ea typeface="Roboto" pitchFamily="2" charset="0"/>
+                <a:cs typeface="Consolas" pitchFamily="49" charset="0"/>
+              </a:rPr>
+              <a:t>= </a:t>
+            </a:r>
+            <a:r>
+              <a:rPr lang="en-US" sz="2000" b="1" dirty="0" err="1" smtClean="0">
+                <a:solidFill>
+                  <a:schemeClr val="bg1"/>
+                </a:solidFill>
+                <a:latin typeface="Consolas" pitchFamily="49" charset="0"/>
+                <a:ea typeface="Roboto" pitchFamily="2" charset="0"/>
+                <a:cs typeface="Consolas" pitchFamily="49" charset="0"/>
+              </a:rPr>
+              <a:t>ConnectionSingleton.</a:t>
+            </a:r>
+            <a:r>
+              <a:rPr lang="en-US" sz="2000" b="1" dirty="0" err="1" smtClean="0">
+                <a:solidFill>
+                  <a:srgbClr val="FF00FF"/>
+                </a:solidFill>
+                <a:latin typeface="Consolas" pitchFamily="49" charset="0"/>
+                <a:ea typeface="Roboto" pitchFamily="2" charset="0"/>
+                <a:cs typeface="Consolas" pitchFamily="49" charset="0"/>
+              </a:rPr>
+              <a:t>Instance</a:t>
+            </a:r>
+            <a:r>
+              <a:rPr lang="en-US" sz="2000" b="1" dirty="0" smtClean="0">
+                <a:solidFill>
+                  <a:schemeClr val="bg1"/>
+                </a:solidFill>
+                <a:latin typeface="Consolas" pitchFamily="49" charset="0"/>
+                <a:ea typeface="Roboto" pitchFamily="2" charset="0"/>
+                <a:cs typeface="Consolas" pitchFamily="49" charset="0"/>
+              </a:rPr>
+              <a:t>;</a:t>
+            </a:r>
+            <a:r>
+              <a:rPr lang="en-US" sz="2000" b="1" dirty="0">
+                <a:solidFill>
+                  <a:schemeClr val="bg1"/>
+                </a:solidFill>
+                <a:latin typeface="Consolas" pitchFamily="49" charset="0"/>
+                <a:ea typeface="Roboto" pitchFamily="2" charset="0"/>
+                <a:cs typeface="Consolas" pitchFamily="49" charset="0"/>
+              </a:rPr>
+              <a:t/>
+            </a:r>
+            <a:br>
+              <a:rPr lang="en-US" sz="2000" b="1" dirty="0">
+                <a:solidFill>
+                  <a:schemeClr val="bg1"/>
+                </a:solidFill>
+                <a:latin typeface="Consolas" pitchFamily="49" charset="0"/>
+                <a:ea typeface="Roboto" pitchFamily="2" charset="0"/>
+                <a:cs typeface="Consolas" pitchFamily="49" charset="0"/>
+              </a:rPr>
+            </a:br>
+            <a:endParaRPr lang="en-US" sz="2000" b="1" dirty="0" smtClean="0">
+              <a:solidFill>
+                <a:schemeClr val="bg1"/>
+              </a:solidFill>
+              <a:latin typeface="Consolas" pitchFamily="49" charset="0"/>
+              <a:ea typeface="Roboto" pitchFamily="2" charset="0"/>
+              <a:cs typeface="Consolas" pitchFamily="49" charset="0"/>
+            </a:endParaRPr>
           </a:p>
         </p:txBody>
       </p:sp>
     </p:spTree>
     <p:extLst>
       <p:ext uri="{BB962C8B-B14F-4D97-AF65-F5344CB8AC3E}">
-        <p14:creationId xmlns:p14="http://schemas.microsoft.com/office/powerpoint/2010/main" val="2235526609"/>
+        <p14:creationId xmlns:p14="http://schemas.microsoft.com/office/powerpoint/2010/main" val="964902408"/>
       </p:ext>
     </p:extLst>
   </p:cSld>
@@ -20343,25 +21651,373 @@
             <p:ph type="title"/>
           </p:nvPr>
         </p:nvSpPr>
-        <p:spPr/>
+        <p:spPr>
+          <a:xfrm>
+            <a:off x="0" y="0"/>
+            <a:ext cx="9144000" cy="6858000"/>
+          </a:xfrm>
+          <a:solidFill>
+            <a:schemeClr val="tx1">
+              <a:lumMod val="85000"/>
+              <a:lumOff val="15000"/>
+            </a:schemeClr>
+          </a:solidFill>
+        </p:spPr>
         <p:txBody>
           <a:bodyPr>
-            <a:normAutofit/>
+            <a:noAutofit/>
           </a:bodyPr>
           <a:lstStyle/>
           <a:p>
-            <a:r>
-              <a:rPr lang="de-DE" sz="14900" dirty="0" smtClean="0"/>
+            <a:pPr algn="l"/>
+            <a:r>
+              <a:rPr lang="en-US" sz="2000" b="1" dirty="0" smtClean="0">
+                <a:solidFill>
+                  <a:schemeClr val="bg1"/>
+                </a:solidFill>
+                <a:latin typeface="Consolas" pitchFamily="49" charset="0"/>
+                <a:ea typeface="Roboto" pitchFamily="2" charset="0"/>
+                <a:cs typeface="Consolas" pitchFamily="49" charset="0"/>
+              </a:rPr>
+              <a:t/>
+            </a:r>
+            <a:br>
+              <a:rPr lang="en-US" sz="2000" b="1" dirty="0" smtClean="0">
+                <a:solidFill>
+                  <a:schemeClr val="bg1"/>
+                </a:solidFill>
+                <a:latin typeface="Consolas" pitchFamily="49" charset="0"/>
+                <a:ea typeface="Roboto" pitchFamily="2" charset="0"/>
+                <a:cs typeface="Consolas" pitchFamily="49" charset="0"/>
+              </a:rPr>
+            </a:br>
+            <a:r>
+              <a:rPr lang="en-US" sz="2000" b="1" dirty="0" smtClean="0">
+                <a:solidFill>
+                  <a:schemeClr val="bg1"/>
+                </a:solidFill>
+                <a:latin typeface="Consolas" pitchFamily="49" charset="0"/>
+                <a:ea typeface="Roboto" pitchFamily="2" charset="0"/>
+                <a:cs typeface="Consolas" pitchFamily="49" charset="0"/>
+              </a:rPr>
+              <a:t/>
+            </a:r>
+            <a:br>
+              <a:rPr lang="en-US" sz="2000" b="1" dirty="0" smtClean="0">
+                <a:solidFill>
+                  <a:schemeClr val="bg1"/>
+                </a:solidFill>
+                <a:latin typeface="Consolas" pitchFamily="49" charset="0"/>
+                <a:ea typeface="Roboto" pitchFamily="2" charset="0"/>
+                <a:cs typeface="Consolas" pitchFamily="49" charset="0"/>
+              </a:rPr>
+            </a:br>
+            <a:r>
+              <a:rPr lang="en-US" sz="2000" b="1" dirty="0" smtClean="0">
+                <a:latin typeface="Consolas" pitchFamily="49" charset="0"/>
+                <a:ea typeface="Roboto" pitchFamily="2" charset="0"/>
+                <a:cs typeface="Consolas" pitchFamily="49" charset="0"/>
+              </a:rPr>
+              <a:t>public </a:t>
+            </a:r>
+            <a:r>
+              <a:rPr lang="en-US" sz="2000" b="1" dirty="0">
+                <a:latin typeface="Consolas" pitchFamily="49" charset="0"/>
+                <a:ea typeface="Roboto" pitchFamily="2" charset="0"/>
+                <a:cs typeface="Consolas" pitchFamily="49" charset="0"/>
+              </a:rPr>
+              <a:t>static </a:t>
+            </a:r>
+            <a:r>
+              <a:rPr lang="en-US" sz="2000" b="1" dirty="0">
+                <a:solidFill>
+                  <a:schemeClr val="bg1"/>
+                </a:solidFill>
+                <a:latin typeface="Consolas" pitchFamily="49" charset="0"/>
+                <a:ea typeface="Roboto" pitchFamily="2" charset="0"/>
+                <a:cs typeface="Consolas" pitchFamily="49" charset="0"/>
+              </a:rPr>
+              <a:t>DatabaseConnection</a:t>
+            </a:r>
+            <a:r>
+              <a:rPr lang="en-US" sz="2000" b="1" dirty="0">
+                <a:solidFill>
+                  <a:srgbClr val="FF00FF"/>
+                </a:solidFill>
+                <a:latin typeface="Consolas" pitchFamily="49" charset="0"/>
+                <a:ea typeface="Roboto" pitchFamily="2" charset="0"/>
+                <a:cs typeface="Consolas" pitchFamily="49" charset="0"/>
+              </a:rPr>
               <a:t>Singleton</a:t>
             </a:r>
-            <a:endParaRPr lang="de-DE" sz="14900" dirty="0"/>
+            <a:r>
+              <a:rPr lang="en-US" sz="2000" b="1" dirty="0">
+                <a:solidFill>
+                  <a:schemeClr val="bg1"/>
+                </a:solidFill>
+                <a:latin typeface="Consolas" pitchFamily="49" charset="0"/>
+                <a:ea typeface="Roboto" pitchFamily="2" charset="0"/>
+                <a:cs typeface="Consolas" pitchFamily="49" charset="0"/>
+              </a:rPr>
+              <a:t> </a:t>
+            </a:r>
+            <a:r>
+              <a:rPr lang="en-US" sz="2000" b="1" dirty="0" err="1" smtClean="0">
+                <a:solidFill>
+                  <a:schemeClr val="bg1"/>
+                </a:solidFill>
+                <a:latin typeface="Consolas" pitchFamily="49" charset="0"/>
+                <a:ea typeface="Roboto" pitchFamily="2" charset="0"/>
+                <a:cs typeface="Consolas" pitchFamily="49" charset="0"/>
+              </a:rPr>
+              <a:t>GetInstance</a:t>
+            </a:r>
+            <a:r>
+              <a:rPr lang="en-US" sz="2000" b="1" dirty="0" smtClean="0">
+                <a:solidFill>
+                  <a:schemeClr val="bg1"/>
+                </a:solidFill>
+                <a:latin typeface="Consolas" pitchFamily="49" charset="0"/>
+                <a:ea typeface="Roboto" pitchFamily="2" charset="0"/>
+                <a:cs typeface="Consolas" pitchFamily="49" charset="0"/>
+              </a:rPr>
+              <a:t>()</a:t>
+            </a:r>
+            <a:r>
+              <a:rPr lang="en-US" sz="2000" b="1" dirty="0">
+                <a:solidFill>
+                  <a:schemeClr val="bg1"/>
+                </a:solidFill>
+                <a:latin typeface="Consolas" pitchFamily="49" charset="0"/>
+                <a:ea typeface="Roboto" pitchFamily="2" charset="0"/>
+                <a:cs typeface="Consolas" pitchFamily="49" charset="0"/>
+              </a:rPr>
+              <a:t/>
+            </a:r>
+            <a:br>
+              <a:rPr lang="en-US" sz="2000" b="1" dirty="0">
+                <a:solidFill>
+                  <a:schemeClr val="bg1"/>
+                </a:solidFill>
+                <a:latin typeface="Consolas" pitchFamily="49" charset="0"/>
+                <a:ea typeface="Roboto" pitchFamily="2" charset="0"/>
+                <a:cs typeface="Consolas" pitchFamily="49" charset="0"/>
+              </a:rPr>
+            </a:br>
+            <a:r>
+              <a:rPr lang="en-US" sz="2000" b="1" dirty="0" smtClean="0">
+                <a:solidFill>
+                  <a:schemeClr val="bg1"/>
+                </a:solidFill>
+                <a:latin typeface="Consolas" pitchFamily="49" charset="0"/>
+                <a:ea typeface="Roboto" pitchFamily="2" charset="0"/>
+                <a:cs typeface="Consolas" pitchFamily="49" charset="0"/>
+              </a:rPr>
+              <a:t>{</a:t>
+            </a:r>
+            <a:r>
+              <a:rPr lang="en-US" sz="2000" b="1" dirty="0">
+                <a:solidFill>
+                  <a:schemeClr val="bg1"/>
+                </a:solidFill>
+                <a:latin typeface="Consolas" pitchFamily="49" charset="0"/>
+                <a:ea typeface="Roboto" pitchFamily="2" charset="0"/>
+                <a:cs typeface="Consolas" pitchFamily="49" charset="0"/>
+              </a:rPr>
+              <a:t/>
+            </a:r>
+            <a:br>
+              <a:rPr lang="en-US" sz="2000" b="1" dirty="0">
+                <a:solidFill>
+                  <a:schemeClr val="bg1"/>
+                </a:solidFill>
+                <a:latin typeface="Consolas" pitchFamily="49" charset="0"/>
+                <a:ea typeface="Roboto" pitchFamily="2" charset="0"/>
+                <a:cs typeface="Consolas" pitchFamily="49" charset="0"/>
+              </a:rPr>
+            </a:br>
+            <a:r>
+              <a:rPr lang="en-US" sz="2000" b="1" dirty="0">
+                <a:solidFill>
+                  <a:schemeClr val="bg1"/>
+                </a:solidFill>
+                <a:latin typeface="Consolas" pitchFamily="49" charset="0"/>
+                <a:ea typeface="Roboto" pitchFamily="2" charset="0"/>
+                <a:cs typeface="Consolas" pitchFamily="49" charset="0"/>
+              </a:rPr>
+              <a:t> </a:t>
+            </a:r>
+            <a:r>
+              <a:rPr lang="en-US" sz="2000" b="1" dirty="0" smtClean="0">
+                <a:solidFill>
+                  <a:schemeClr val="bg1"/>
+                </a:solidFill>
+                <a:latin typeface="Consolas" pitchFamily="49" charset="0"/>
+                <a:ea typeface="Roboto" pitchFamily="2" charset="0"/>
+                <a:cs typeface="Consolas" pitchFamily="49" charset="0"/>
+              </a:rPr>
+              <a:t>  </a:t>
+            </a:r>
+            <a:r>
+              <a:rPr lang="en-US" sz="2000" b="1" dirty="0" smtClean="0">
+                <a:latin typeface="Consolas" pitchFamily="49" charset="0"/>
+                <a:ea typeface="Roboto" pitchFamily="2" charset="0"/>
+                <a:cs typeface="Consolas" pitchFamily="49" charset="0"/>
+              </a:rPr>
+              <a:t>return</a:t>
+            </a:r>
+            <a:r>
+              <a:rPr lang="en-US" sz="2000" b="1" dirty="0" smtClean="0">
+                <a:solidFill>
+                  <a:schemeClr val="bg1"/>
+                </a:solidFill>
+                <a:latin typeface="Consolas" pitchFamily="49" charset="0"/>
+                <a:ea typeface="Roboto" pitchFamily="2" charset="0"/>
+                <a:cs typeface="Consolas" pitchFamily="49" charset="0"/>
+              </a:rPr>
+              <a:t> </a:t>
+            </a:r>
+            <a:r>
+              <a:rPr lang="en-US" sz="2000" b="1" dirty="0">
+                <a:solidFill>
+                  <a:schemeClr val="bg1"/>
+                </a:solidFill>
+                <a:latin typeface="Consolas" pitchFamily="49" charset="0"/>
+                <a:ea typeface="Roboto" pitchFamily="2" charset="0"/>
+                <a:cs typeface="Consolas" pitchFamily="49" charset="0"/>
+              </a:rPr>
+              <a:t>_instance </a:t>
+            </a:r>
+            <a:br>
+              <a:rPr lang="en-US" sz="2000" b="1" dirty="0">
+                <a:solidFill>
+                  <a:schemeClr val="bg1"/>
+                </a:solidFill>
+                <a:latin typeface="Consolas" pitchFamily="49" charset="0"/>
+                <a:ea typeface="Roboto" pitchFamily="2" charset="0"/>
+                <a:cs typeface="Consolas" pitchFamily="49" charset="0"/>
+              </a:rPr>
+            </a:br>
+            <a:r>
+              <a:rPr lang="en-US" sz="2000" b="1" dirty="0" smtClean="0">
+                <a:solidFill>
+                  <a:schemeClr val="bg1"/>
+                </a:solidFill>
+                <a:latin typeface="Consolas" pitchFamily="49" charset="0"/>
+                <a:ea typeface="Roboto" pitchFamily="2" charset="0"/>
+                <a:cs typeface="Consolas" pitchFamily="49" charset="0"/>
+              </a:rPr>
+              <a:t>	?? (_</a:t>
+            </a:r>
+            <a:r>
+              <a:rPr lang="en-US" sz="2000" b="1" dirty="0">
+                <a:solidFill>
+                  <a:schemeClr val="bg1"/>
+                </a:solidFill>
+                <a:latin typeface="Consolas" pitchFamily="49" charset="0"/>
+                <a:ea typeface="Roboto" pitchFamily="2" charset="0"/>
+                <a:cs typeface="Consolas" pitchFamily="49" charset="0"/>
+              </a:rPr>
+              <a:t>instance = </a:t>
+            </a:r>
+            <a:r>
+              <a:rPr lang="en-US" sz="2000" b="1" dirty="0" smtClean="0">
+                <a:latin typeface="Consolas" pitchFamily="49" charset="0"/>
+                <a:ea typeface="Roboto" pitchFamily="2" charset="0"/>
+                <a:cs typeface="Consolas" pitchFamily="49" charset="0"/>
+              </a:rPr>
+              <a:t>new</a:t>
+            </a:r>
+            <a:r>
+              <a:rPr lang="en-US" sz="2000" b="1" dirty="0" smtClean="0">
+                <a:solidFill>
+                  <a:schemeClr val="bg1"/>
+                </a:solidFill>
+                <a:latin typeface="Consolas" pitchFamily="49" charset="0"/>
+                <a:ea typeface="Roboto" pitchFamily="2" charset="0"/>
+                <a:cs typeface="Consolas" pitchFamily="49" charset="0"/>
+              </a:rPr>
+              <a:t> DatabaseConnection</a:t>
+            </a:r>
+            <a:r>
+              <a:rPr lang="en-US" sz="2000" b="1" dirty="0" smtClean="0">
+                <a:solidFill>
+                  <a:srgbClr val="FF00FF"/>
+                </a:solidFill>
+                <a:latin typeface="Consolas" pitchFamily="49" charset="0"/>
+                <a:ea typeface="Roboto" pitchFamily="2" charset="0"/>
+                <a:cs typeface="Consolas" pitchFamily="49" charset="0"/>
+              </a:rPr>
+              <a:t>Singleton</a:t>
+            </a:r>
+            <a:r>
+              <a:rPr lang="en-US" sz="2000" b="1" dirty="0" smtClean="0">
+                <a:solidFill>
+                  <a:schemeClr val="bg1"/>
+                </a:solidFill>
+                <a:latin typeface="Consolas" pitchFamily="49" charset="0"/>
+                <a:ea typeface="Roboto" pitchFamily="2" charset="0"/>
+                <a:cs typeface="Consolas" pitchFamily="49" charset="0"/>
+              </a:rPr>
+              <a:t>());</a:t>
+            </a:r>
+            <a:r>
+              <a:rPr lang="en-US" sz="2000" b="1" dirty="0">
+                <a:solidFill>
+                  <a:schemeClr val="bg1"/>
+                </a:solidFill>
+                <a:latin typeface="Consolas" pitchFamily="49" charset="0"/>
+                <a:ea typeface="Roboto" pitchFamily="2" charset="0"/>
+                <a:cs typeface="Consolas" pitchFamily="49" charset="0"/>
+              </a:rPr>
+              <a:t/>
+            </a:r>
+            <a:br>
+              <a:rPr lang="en-US" sz="2000" b="1" dirty="0">
+                <a:solidFill>
+                  <a:schemeClr val="bg1"/>
+                </a:solidFill>
+                <a:latin typeface="Consolas" pitchFamily="49" charset="0"/>
+                <a:ea typeface="Roboto" pitchFamily="2" charset="0"/>
+                <a:cs typeface="Consolas" pitchFamily="49" charset="0"/>
+              </a:rPr>
+            </a:br>
+            <a:r>
+              <a:rPr lang="en-US" sz="2000" b="1" dirty="0" smtClean="0">
+                <a:solidFill>
+                  <a:schemeClr val="bg1"/>
+                </a:solidFill>
+                <a:latin typeface="Consolas" pitchFamily="49" charset="0"/>
+                <a:ea typeface="Roboto" pitchFamily="2" charset="0"/>
+                <a:cs typeface="Consolas" pitchFamily="49" charset="0"/>
+              </a:rPr>
+              <a:t>}</a:t>
+            </a:r>
+            <a:br>
+              <a:rPr lang="en-US" sz="2000" b="1" dirty="0" smtClean="0">
+                <a:solidFill>
+                  <a:schemeClr val="bg1"/>
+                </a:solidFill>
+                <a:latin typeface="Consolas" pitchFamily="49" charset="0"/>
+                <a:ea typeface="Roboto" pitchFamily="2" charset="0"/>
+                <a:cs typeface="Consolas" pitchFamily="49" charset="0"/>
+              </a:rPr>
+            </a:br>
+            <a:endParaRPr lang="en-US" sz="2000" b="1" dirty="0" smtClean="0">
+              <a:solidFill>
+                <a:schemeClr val="bg1"/>
+              </a:solidFill>
+              <a:latin typeface="Consolas" pitchFamily="49" charset="0"/>
+              <a:ea typeface="Roboto" pitchFamily="2" charset="0"/>
+              <a:cs typeface="Consolas" pitchFamily="49" charset="0"/>
+            </a:endParaRPr>
           </a:p>
         </p:txBody>
       </p:sp>
     </p:spTree>
     <p:extLst>
       <p:ext uri="{BB962C8B-B14F-4D97-AF65-F5344CB8AC3E}">
-        <p14:creationId xmlns:p14="http://schemas.microsoft.com/office/powerpoint/2010/main" val="3452148279"/>
+        <p14:creationId xmlns:p14="http://schemas.microsoft.com/office/powerpoint/2010/main" val="2273179978"/>
       </p:ext>
     </p:extLst>
   </p:cSld>
@@ -20405,373 +22061,57 @@
             <p:ph type="title"/>
           </p:nvPr>
         </p:nvSpPr>
-        <p:spPr>
-          <a:xfrm>
-            <a:off x="0" y="0"/>
-            <a:ext cx="9144000" cy="6858000"/>
-          </a:xfrm>
-          <a:solidFill>
-            <a:schemeClr val="tx1">
-              <a:lumMod val="85000"/>
-              <a:lumOff val="15000"/>
-            </a:schemeClr>
-          </a:solidFill>
-        </p:spPr>
-        <p:txBody>
-          <a:bodyPr>
-            <a:noAutofit/>
-          </a:bodyPr>
+        <p:spPr/>
+        <p:txBody>
+          <a:bodyPr/>
           <a:lstStyle/>
           <a:p>
-            <a:pPr algn="l"/>
-            <a:r>
-              <a:rPr lang="en-US" sz="2000" b="1" dirty="0">
-                <a:solidFill>
-                  <a:schemeClr val="bg1"/>
-                </a:solidFill>
-                <a:latin typeface="Consolas" pitchFamily="49" charset="0"/>
-                <a:ea typeface="Roboto" pitchFamily="2" charset="0"/>
-                <a:cs typeface="Consolas" pitchFamily="49" charset="0"/>
-              </a:rPr>
+            <a:r>
+              <a:rPr lang="en-US" dirty="0" smtClean="0"/>
+              <a:t>New, Delete?</a:t>
+            </a:r>
+            <a:br>
+              <a:rPr lang="en-US" dirty="0" smtClean="0"/>
+            </a:br>
+            <a:r>
+              <a:rPr lang="en-US" dirty="0"/>
               <a:t/>
             </a:r>
             <a:br>
-              <a:rPr lang="en-US" sz="2000" b="1" dirty="0">
-                <a:solidFill>
-                  <a:schemeClr val="bg1"/>
-                </a:solidFill>
-                <a:latin typeface="Consolas" pitchFamily="49" charset="0"/>
-                <a:ea typeface="Roboto" pitchFamily="2" charset="0"/>
-                <a:cs typeface="Consolas" pitchFamily="49" charset="0"/>
-              </a:rPr>
+              <a:rPr lang="en-US" dirty="0"/>
             </a:br>
             <a:r>
-              <a:rPr lang="en-US" sz="2000" b="1" dirty="0">
-                <a:solidFill>
-                  <a:schemeClr val="bg1"/>
-                </a:solidFill>
-                <a:latin typeface="Consolas" pitchFamily="49" charset="0"/>
-                <a:ea typeface="Roboto" pitchFamily="2" charset="0"/>
-                <a:cs typeface="Consolas" pitchFamily="49" charset="0"/>
-              </a:rPr>
-              <a:t/>
-            </a:r>
-            <a:br>
-              <a:rPr lang="en-US" sz="2000" b="1" dirty="0">
-                <a:solidFill>
-                  <a:schemeClr val="bg1"/>
-                </a:solidFill>
-                <a:latin typeface="Consolas" pitchFamily="49" charset="0"/>
-                <a:ea typeface="Roboto" pitchFamily="2" charset="0"/>
-                <a:cs typeface="Consolas" pitchFamily="49" charset="0"/>
-              </a:rPr>
-            </a:br>
-            <a:r>
-              <a:rPr lang="en-US" sz="2000" b="1" dirty="0" smtClean="0">
-                <a:latin typeface="Consolas" pitchFamily="49" charset="0"/>
-                <a:ea typeface="Roboto" pitchFamily="2" charset="0"/>
-                <a:cs typeface="Consolas" pitchFamily="49" charset="0"/>
-              </a:rPr>
-              <a:t>public </a:t>
-            </a:r>
-            <a:r>
-              <a:rPr lang="en-US" sz="2000" b="1" dirty="0">
-                <a:latin typeface="Consolas" pitchFamily="49" charset="0"/>
-                <a:ea typeface="Roboto" pitchFamily="2" charset="0"/>
-                <a:cs typeface="Consolas" pitchFamily="49" charset="0"/>
-              </a:rPr>
-              <a:t>static </a:t>
-            </a:r>
-            <a:r>
-              <a:rPr lang="en-US" sz="2000" b="1" dirty="0" err="1">
-                <a:solidFill>
-                  <a:schemeClr val="bg1"/>
-                </a:solidFill>
-                <a:latin typeface="Consolas" pitchFamily="49" charset="0"/>
-                <a:ea typeface="Roboto" pitchFamily="2" charset="0"/>
-                <a:cs typeface="Consolas" pitchFamily="49" charset="0"/>
-              </a:rPr>
-              <a:t>DataBaseConnection</a:t>
-            </a:r>
-            <a:r>
-              <a:rPr lang="en-US" sz="2000" b="1" dirty="0" err="1">
-                <a:solidFill>
-                  <a:srgbClr val="FF00FF"/>
-                </a:solidFill>
-                <a:latin typeface="Consolas" pitchFamily="49" charset="0"/>
-                <a:ea typeface="Roboto" pitchFamily="2" charset="0"/>
-                <a:cs typeface="Consolas" pitchFamily="49" charset="0"/>
-              </a:rPr>
-              <a:t>Singleton</a:t>
-            </a:r>
-            <a:r>
-              <a:rPr lang="en-US" sz="2000" b="1" dirty="0">
-                <a:solidFill>
-                  <a:schemeClr val="bg1"/>
-                </a:solidFill>
-                <a:latin typeface="Consolas" pitchFamily="49" charset="0"/>
-                <a:ea typeface="Roboto" pitchFamily="2" charset="0"/>
-                <a:cs typeface="Consolas" pitchFamily="49" charset="0"/>
-              </a:rPr>
-              <a:t> </a:t>
-            </a:r>
-            <a:r>
-              <a:rPr lang="en-US" sz="2000" b="1" dirty="0" err="1" smtClean="0">
-                <a:solidFill>
-                  <a:schemeClr val="bg1"/>
-                </a:solidFill>
-                <a:latin typeface="Consolas" pitchFamily="49" charset="0"/>
-                <a:ea typeface="Roboto" pitchFamily="2" charset="0"/>
-                <a:cs typeface="Consolas" pitchFamily="49" charset="0"/>
-              </a:rPr>
-              <a:t>GetInstance</a:t>
-            </a:r>
-            <a:r>
-              <a:rPr lang="en-US" sz="2000" b="1" dirty="0" smtClean="0">
-                <a:solidFill>
-                  <a:schemeClr val="bg1"/>
-                </a:solidFill>
-                <a:latin typeface="Consolas" pitchFamily="49" charset="0"/>
-                <a:ea typeface="Roboto" pitchFamily="2" charset="0"/>
-                <a:cs typeface="Consolas" pitchFamily="49" charset="0"/>
-              </a:rPr>
-              <a:t>()</a:t>
-            </a:r>
-            <a:r>
-              <a:rPr lang="en-US" sz="2000" b="1" dirty="0">
-                <a:solidFill>
-                  <a:schemeClr val="bg1"/>
-                </a:solidFill>
-                <a:latin typeface="Consolas" pitchFamily="49" charset="0"/>
-                <a:ea typeface="Roboto" pitchFamily="2" charset="0"/>
-                <a:cs typeface="Consolas" pitchFamily="49" charset="0"/>
-              </a:rPr>
-              <a:t/>
-            </a:r>
-            <a:br>
-              <a:rPr lang="en-US" sz="2000" b="1" dirty="0">
-                <a:solidFill>
-                  <a:schemeClr val="bg1"/>
-                </a:solidFill>
-                <a:latin typeface="Consolas" pitchFamily="49" charset="0"/>
-                <a:ea typeface="Roboto" pitchFamily="2" charset="0"/>
-                <a:cs typeface="Consolas" pitchFamily="49" charset="0"/>
-              </a:rPr>
-            </a:br>
-            <a:r>
-              <a:rPr lang="en-US" sz="2000" b="1" dirty="0" smtClean="0">
-                <a:solidFill>
-                  <a:schemeClr val="bg1"/>
-                </a:solidFill>
-                <a:latin typeface="Consolas" pitchFamily="49" charset="0"/>
-                <a:ea typeface="Roboto" pitchFamily="2" charset="0"/>
-                <a:cs typeface="Consolas" pitchFamily="49" charset="0"/>
-              </a:rPr>
-              <a:t>{</a:t>
-            </a:r>
-            <a:r>
-              <a:rPr lang="en-US" sz="2000" b="1" dirty="0">
-                <a:solidFill>
-                  <a:schemeClr val="bg1"/>
-                </a:solidFill>
-                <a:latin typeface="Consolas" pitchFamily="49" charset="0"/>
-                <a:ea typeface="Roboto" pitchFamily="2" charset="0"/>
-                <a:cs typeface="Consolas" pitchFamily="49" charset="0"/>
-              </a:rPr>
-              <a:t/>
-            </a:r>
-            <a:br>
-              <a:rPr lang="en-US" sz="2000" b="1" dirty="0">
-                <a:solidFill>
-                  <a:schemeClr val="bg1"/>
-                </a:solidFill>
-                <a:latin typeface="Consolas" pitchFamily="49" charset="0"/>
-                <a:ea typeface="Roboto" pitchFamily="2" charset="0"/>
-                <a:cs typeface="Consolas" pitchFamily="49" charset="0"/>
-              </a:rPr>
-            </a:br>
-            <a:r>
-              <a:rPr lang="en-US" sz="2000" b="1" dirty="0">
-                <a:solidFill>
-                  <a:schemeClr val="bg1"/>
-                </a:solidFill>
-                <a:latin typeface="Consolas" pitchFamily="49" charset="0"/>
-                <a:ea typeface="Roboto" pitchFamily="2" charset="0"/>
-                <a:cs typeface="Consolas" pitchFamily="49" charset="0"/>
-              </a:rPr>
-              <a:t>	</a:t>
-            </a:r>
-            <a:r>
-              <a:rPr lang="en-US" sz="2000" b="1" dirty="0">
-                <a:latin typeface="Consolas" pitchFamily="49" charset="0"/>
-                <a:ea typeface="Roboto" pitchFamily="2" charset="0"/>
-                <a:cs typeface="Consolas" pitchFamily="49" charset="0"/>
-              </a:rPr>
-              <a:t>return</a:t>
-            </a:r>
-            <a:r>
-              <a:rPr lang="en-US" sz="2000" b="1" dirty="0">
-                <a:solidFill>
-                  <a:schemeClr val="bg1"/>
-                </a:solidFill>
-                <a:latin typeface="Consolas" pitchFamily="49" charset="0"/>
-                <a:ea typeface="Roboto" pitchFamily="2" charset="0"/>
-                <a:cs typeface="Consolas" pitchFamily="49" charset="0"/>
-              </a:rPr>
-              <a:t> _instance ?? </a:t>
-            </a:r>
-            <a:br>
-              <a:rPr lang="en-US" sz="2000" b="1" dirty="0">
-                <a:solidFill>
-                  <a:schemeClr val="bg1"/>
-                </a:solidFill>
-                <a:latin typeface="Consolas" pitchFamily="49" charset="0"/>
-                <a:ea typeface="Roboto" pitchFamily="2" charset="0"/>
-                <a:cs typeface="Consolas" pitchFamily="49" charset="0"/>
-              </a:rPr>
-            </a:br>
-            <a:r>
-              <a:rPr lang="en-US" sz="2000" b="1" dirty="0" smtClean="0">
-                <a:solidFill>
-                  <a:schemeClr val="bg1"/>
-                </a:solidFill>
-                <a:latin typeface="Consolas" pitchFamily="49" charset="0"/>
-                <a:ea typeface="Roboto" pitchFamily="2" charset="0"/>
-                <a:cs typeface="Consolas" pitchFamily="49" charset="0"/>
-              </a:rPr>
-              <a:t>	</a:t>
-            </a:r>
-            <a:r>
-              <a:rPr lang="en-US" sz="2000" b="1" dirty="0">
-                <a:solidFill>
-                  <a:schemeClr val="bg1"/>
-                </a:solidFill>
-                <a:latin typeface="Consolas" pitchFamily="49" charset="0"/>
-                <a:ea typeface="Roboto" pitchFamily="2" charset="0"/>
-                <a:cs typeface="Consolas" pitchFamily="49" charset="0"/>
-              </a:rPr>
-              <a:t>	</a:t>
-            </a:r>
-            <a:r>
-              <a:rPr lang="en-US" sz="2000" b="1" dirty="0" smtClean="0">
-                <a:solidFill>
-                  <a:schemeClr val="bg1"/>
-                </a:solidFill>
-                <a:latin typeface="Consolas" pitchFamily="49" charset="0"/>
-                <a:ea typeface="Roboto" pitchFamily="2" charset="0"/>
-                <a:cs typeface="Consolas" pitchFamily="49" charset="0"/>
-              </a:rPr>
-              <a:t>( _instance = </a:t>
-            </a:r>
-            <a:r>
-              <a:rPr lang="en-US" sz="2000" b="1" dirty="0" smtClean="0">
-                <a:latin typeface="Consolas" pitchFamily="49" charset="0"/>
-                <a:ea typeface="Roboto" pitchFamily="2" charset="0"/>
-                <a:cs typeface="Consolas" pitchFamily="49" charset="0"/>
-              </a:rPr>
-              <a:t>new</a:t>
-            </a:r>
-            <a:r>
-              <a:rPr lang="en-US" sz="2000" b="1" dirty="0" smtClean="0">
-                <a:solidFill>
-                  <a:schemeClr val="bg1"/>
-                </a:solidFill>
-                <a:latin typeface="Consolas" pitchFamily="49" charset="0"/>
-                <a:ea typeface="Roboto" pitchFamily="2" charset="0"/>
-                <a:cs typeface="Consolas" pitchFamily="49" charset="0"/>
-              </a:rPr>
-              <a:t> </a:t>
-            </a:r>
-            <a:r>
-              <a:rPr lang="en-US" sz="2000" b="1" dirty="0">
-                <a:solidFill>
-                  <a:schemeClr val="bg1"/>
-                </a:solidFill>
-                <a:latin typeface="Consolas" pitchFamily="49" charset="0"/>
-                <a:ea typeface="Roboto" pitchFamily="2" charset="0"/>
-                <a:cs typeface="Consolas" pitchFamily="49" charset="0"/>
-              </a:rPr>
-              <a:t>DatabaseConnectionSingleton</a:t>
-            </a:r>
-            <a:r>
-              <a:rPr lang="en-US" sz="2000" b="1" dirty="0" smtClean="0">
-                <a:solidFill>
-                  <a:schemeClr val="bg1"/>
-                </a:solidFill>
-                <a:latin typeface="Consolas" pitchFamily="49" charset="0"/>
-                <a:ea typeface="Roboto" pitchFamily="2" charset="0"/>
-                <a:cs typeface="Consolas" pitchFamily="49" charset="0"/>
-              </a:rPr>
-              <a:t>() );</a:t>
-            </a:r>
-            <a:r>
-              <a:rPr lang="en-US" sz="2000" b="1" dirty="0">
-                <a:solidFill>
-                  <a:schemeClr val="bg1"/>
-                </a:solidFill>
-                <a:latin typeface="Consolas" pitchFamily="49" charset="0"/>
-                <a:ea typeface="Roboto" pitchFamily="2" charset="0"/>
-                <a:cs typeface="Consolas" pitchFamily="49" charset="0"/>
-              </a:rPr>
-              <a:t/>
-            </a:r>
-            <a:br>
-              <a:rPr lang="en-US" sz="2000" b="1" dirty="0">
-                <a:solidFill>
-                  <a:schemeClr val="bg1"/>
-                </a:solidFill>
-                <a:latin typeface="Consolas" pitchFamily="49" charset="0"/>
-                <a:ea typeface="Roboto" pitchFamily="2" charset="0"/>
-                <a:cs typeface="Consolas" pitchFamily="49" charset="0"/>
-              </a:rPr>
-            </a:br>
-            <a:r>
-              <a:rPr lang="en-US" sz="2000" b="1" dirty="0" smtClean="0">
-                <a:solidFill>
-                  <a:schemeClr val="bg1"/>
-                </a:solidFill>
-                <a:latin typeface="Consolas" pitchFamily="49" charset="0"/>
-                <a:ea typeface="Roboto" pitchFamily="2" charset="0"/>
-                <a:cs typeface="Consolas" pitchFamily="49" charset="0"/>
-              </a:rPr>
-              <a:t>}</a:t>
-            </a:r>
-            <a:r>
-              <a:rPr lang="en-US" sz="2000" b="1" dirty="0">
-                <a:solidFill>
-                  <a:schemeClr val="bg1"/>
-                </a:solidFill>
-                <a:latin typeface="Consolas" pitchFamily="49" charset="0"/>
-                <a:ea typeface="Roboto" pitchFamily="2" charset="0"/>
-                <a:cs typeface="Consolas" pitchFamily="49" charset="0"/>
-              </a:rPr>
-              <a:t/>
-            </a:r>
-            <a:br>
-              <a:rPr lang="en-US" sz="2000" b="1" dirty="0">
-                <a:solidFill>
-                  <a:schemeClr val="bg1"/>
-                </a:solidFill>
-                <a:latin typeface="Consolas" pitchFamily="49" charset="0"/>
-                <a:ea typeface="Roboto" pitchFamily="2" charset="0"/>
-                <a:cs typeface="Consolas" pitchFamily="49" charset="0"/>
-              </a:rPr>
-            </a:br>
-            <a:endParaRPr lang="en-US" sz="2000" b="1" dirty="0" smtClean="0">
-              <a:solidFill>
-                <a:schemeClr val="bg1"/>
-              </a:solidFill>
-              <a:latin typeface="Consolas" pitchFamily="49" charset="0"/>
-              <a:ea typeface="Roboto" pitchFamily="2" charset="0"/>
-              <a:cs typeface="Consolas" pitchFamily="49" charset="0"/>
-            </a:endParaRPr>
+              <a:rPr lang="en-US" dirty="0" err="1" smtClean="0"/>
+              <a:t>Kann</a:t>
+            </a:r>
+            <a:r>
+              <a:rPr lang="en-US" dirty="0" smtClean="0"/>
+              <a:t> das </a:t>
+            </a:r>
+            <a:r>
+              <a:rPr lang="en-US" dirty="0" err="1" smtClean="0"/>
+              <a:t>nicht</a:t>
+            </a:r>
+            <a:r>
+              <a:rPr lang="en-US" dirty="0" smtClean="0"/>
+              <a:t> die Runtime </a:t>
+            </a:r>
+            <a:r>
+              <a:rPr lang="en-US" dirty="0" err="1" smtClean="0"/>
+              <a:t>machen</a:t>
+            </a:r>
+            <a:r>
+              <a:rPr lang="en-US" dirty="0"/>
+              <a:t>?</a:t>
+            </a:r>
+            <a:endParaRPr lang="de-DE" dirty="0"/>
           </a:p>
         </p:txBody>
       </p:sp>
     </p:spTree>
     <p:extLst>
       <p:ext uri="{BB962C8B-B14F-4D97-AF65-F5344CB8AC3E}">
-        <p14:creationId xmlns:p14="http://schemas.microsoft.com/office/powerpoint/2010/main" val="4114253236"/>
+        <p14:creationId xmlns:p14="http://schemas.microsoft.com/office/powerpoint/2010/main" val="3074537217"/>
       </p:ext>
     </p:extLst>
   </p:cSld>
@@ -20847,14 +22187,107 @@
             </a:r>
             <a:r>
               <a:rPr lang="en-US" sz="2000" b="1" dirty="0" err="1" smtClean="0">
-                <a:solidFill>
-                  <a:schemeClr val="bg1"/>
+                <a:latin typeface="Consolas" pitchFamily="49" charset="0"/>
+                <a:ea typeface="Roboto" pitchFamily="2" charset="0"/>
+                <a:cs typeface="Consolas" pitchFamily="49" charset="0"/>
+              </a:rPr>
+              <a:t>var</a:t>
+            </a:r>
+            <a:r>
+              <a:rPr lang="en-US" sz="2000" b="1" dirty="0" smtClean="0">
+                <a:latin typeface="Consolas" pitchFamily="49" charset="0"/>
+                <a:ea typeface="Roboto" pitchFamily="2" charset="0"/>
+                <a:cs typeface="Consolas" pitchFamily="49" charset="0"/>
+              </a:rPr>
+              <a:t> </a:t>
+            </a:r>
+            <a:r>
+              <a:rPr lang="en-US" sz="2000" b="1" dirty="0" smtClean="0">
+                <a:solidFill>
+                  <a:schemeClr val="bg1"/>
+                </a:solidFill>
+                <a:latin typeface="Consolas" pitchFamily="49" charset="0"/>
+                <a:ea typeface="Roboto" pitchFamily="2" charset="0"/>
+                <a:cs typeface="Consolas" pitchFamily="49" charset="0"/>
+              </a:rPr>
+              <a:t>instance </a:t>
+            </a:r>
+            <a:r>
+              <a:rPr lang="en-US" sz="2000" b="1" dirty="0">
+                <a:solidFill>
+                  <a:schemeClr val="bg1"/>
+                </a:solidFill>
+                <a:latin typeface="Consolas" pitchFamily="49" charset="0"/>
+                <a:ea typeface="Roboto" pitchFamily="2" charset="0"/>
+                <a:cs typeface="Consolas" pitchFamily="49" charset="0"/>
+              </a:rPr>
+              <a:t>= </a:t>
+            </a:r>
+            <a:r>
+              <a:rPr lang="en-US" sz="2000" b="1" dirty="0" err="1">
+                <a:solidFill>
+                  <a:srgbClr val="FF00FF"/>
+                </a:solidFill>
+                <a:latin typeface="Consolas" pitchFamily="49" charset="0"/>
+                <a:ea typeface="Roboto" pitchFamily="2" charset="0"/>
+                <a:cs typeface="Consolas" pitchFamily="49" charset="0"/>
+              </a:rPr>
+              <a:t>Only</a:t>
+            </a:r>
+            <a:r>
+              <a:rPr lang="en-US" sz="2000" b="1" dirty="0" err="1">
+                <a:solidFill>
+                  <a:schemeClr val="bg1"/>
+                </a:solidFill>
+                <a:latin typeface="Consolas" pitchFamily="49" charset="0"/>
+                <a:ea typeface="Roboto" pitchFamily="2" charset="0"/>
+                <a:cs typeface="Consolas" pitchFamily="49" charset="0"/>
+              </a:rPr>
+              <a:t>.</a:t>
+            </a:r>
+            <a:r>
+              <a:rPr lang="en-US" sz="2000" b="1" dirty="0" err="1">
+                <a:solidFill>
+                  <a:srgbClr val="FF00FF"/>
+                </a:solidFill>
+                <a:latin typeface="Consolas" pitchFamily="49" charset="0"/>
+                <a:ea typeface="Roboto" pitchFamily="2" charset="0"/>
+                <a:cs typeface="Consolas" pitchFamily="49" charset="0"/>
+              </a:rPr>
+              <a:t>One</a:t>
+            </a:r>
+            <a:r>
+              <a:rPr lang="en-US" sz="2000" b="1" dirty="0">
+                <a:solidFill>
+                  <a:schemeClr val="bg1"/>
+                </a:solidFill>
+                <a:latin typeface="Consolas" pitchFamily="49" charset="0"/>
+                <a:ea typeface="Roboto" pitchFamily="2" charset="0"/>
+                <a:cs typeface="Consolas" pitchFamily="49" charset="0"/>
+              </a:rPr>
+              <a:t>&lt;</a:t>
+            </a:r>
+            <a:r>
+              <a:rPr lang="en-US" sz="2000" b="1" dirty="0" err="1">
+                <a:solidFill>
+                  <a:srgbClr val="FF00FF"/>
                 </a:solidFill>
                 <a:latin typeface="Consolas" pitchFamily="49" charset="0"/>
                 <a:ea typeface="Roboto" pitchFamily="2" charset="0"/>
                 <a:cs typeface="Consolas" pitchFamily="49" charset="0"/>
               </a:rPr>
               <a:t>DatabaseConnection</a:t>
+            </a:r>
+            <a:r>
+              <a:rPr lang="en-US" sz="2000" b="1" dirty="0" smtClean="0">
+                <a:solidFill>
+                  <a:schemeClr val="bg1"/>
+                </a:solidFill>
+                <a:latin typeface="Consolas" pitchFamily="49" charset="0"/>
+                <a:ea typeface="Roboto" pitchFamily="2" charset="0"/>
+                <a:cs typeface="Consolas" pitchFamily="49" charset="0"/>
+              </a:rPr>
+              <a:t>&gt;();</a:t>
             </a:r>
             <a:endParaRPr lang="en-US" sz="2000" b="1" dirty="0" smtClean="0">
               <a:solidFill>
@@ -20870,7 +22303,7 @@
     </p:spTree>
     <p:extLst>
       <p:ext uri="{BB962C8B-B14F-4D97-AF65-F5344CB8AC3E}">
-        <p14:creationId xmlns:p14="http://schemas.microsoft.com/office/powerpoint/2010/main" val="964902408"/>
+        <p14:creationId xmlns:p14="http://schemas.microsoft.com/office/powerpoint/2010/main" val="1505823429"/>
       </p:ext>
     </p:extLst>
   </p:cSld>
@@ -20914,25 +22347,155 @@
             <p:ph type="title"/>
           </p:nvPr>
         </p:nvSpPr>
-        <p:spPr/>
+        <p:spPr>
+          <a:xfrm>
+            <a:off x="0" y="0"/>
+            <a:ext cx="9144000" cy="6858000"/>
+          </a:xfrm>
+          <a:solidFill>
+            <a:schemeClr val="tx1">
+              <a:lumMod val="85000"/>
+              <a:lumOff val="15000"/>
+            </a:schemeClr>
+          </a:solidFill>
+        </p:spPr>
         <p:txBody>
           <a:bodyPr>
-            <a:normAutofit/>
+            <a:noAutofit/>
           </a:bodyPr>
           <a:lstStyle/>
           <a:p>
-            <a:r>
-              <a:rPr lang="de-DE" sz="19900" dirty="0" err="1" smtClean="0"/>
-              <a:t>factory</a:t>
-            </a:r>
-            <a:endParaRPr lang="de-DE" sz="19900" dirty="0"/>
+            <a:pPr algn="l"/>
+            <a:r>
+              <a:rPr lang="en-US" sz="2000" b="1" dirty="0" smtClean="0">
+                <a:solidFill>
+                  <a:schemeClr val="bg1"/>
+                </a:solidFill>
+                <a:latin typeface="Consolas" pitchFamily="49" charset="0"/>
+                <a:ea typeface="Roboto" pitchFamily="2" charset="0"/>
+                <a:cs typeface="Consolas" pitchFamily="49" charset="0"/>
+              </a:rPr>
+              <a:t>	</a:t>
+            </a:r>
+            <a:r>
+              <a:rPr lang="en-US" sz="2000" b="1" dirty="0" err="1" smtClean="0">
+                <a:latin typeface="Consolas" pitchFamily="49" charset="0"/>
+                <a:ea typeface="Roboto" pitchFamily="2" charset="0"/>
+                <a:cs typeface="Consolas" pitchFamily="49" charset="0"/>
+              </a:rPr>
+              <a:t>var</a:t>
+            </a:r>
+            <a:r>
+              <a:rPr lang="en-US" sz="2000" b="1" dirty="0" smtClean="0">
+                <a:latin typeface="Consolas" pitchFamily="49" charset="0"/>
+                <a:ea typeface="Roboto" pitchFamily="2" charset="0"/>
+                <a:cs typeface="Consolas" pitchFamily="49" charset="0"/>
+              </a:rPr>
+              <a:t> </a:t>
+            </a:r>
+            <a:r>
+              <a:rPr lang="en-US" sz="2000" b="1" dirty="0" smtClean="0">
+                <a:solidFill>
+                  <a:schemeClr val="bg1"/>
+                </a:solidFill>
+                <a:latin typeface="Consolas" pitchFamily="49" charset="0"/>
+                <a:ea typeface="Roboto" pitchFamily="2" charset="0"/>
+                <a:cs typeface="Consolas" pitchFamily="49" charset="0"/>
+              </a:rPr>
+              <a:t>instance </a:t>
+            </a:r>
+            <a:r>
+              <a:rPr lang="en-US" sz="2000" b="1" dirty="0">
+                <a:solidFill>
+                  <a:schemeClr val="bg1"/>
+                </a:solidFill>
+                <a:latin typeface="Consolas" pitchFamily="49" charset="0"/>
+                <a:ea typeface="Roboto" pitchFamily="2" charset="0"/>
+                <a:cs typeface="Consolas" pitchFamily="49" charset="0"/>
+              </a:rPr>
+              <a:t>= </a:t>
+            </a:r>
+            <a:r>
+              <a:rPr lang="en-US" sz="2000" b="1" dirty="0" err="1" smtClean="0">
+                <a:solidFill>
+                  <a:srgbClr val="FF00FF"/>
+                </a:solidFill>
+                <a:latin typeface="Consolas" pitchFamily="49" charset="0"/>
+                <a:ea typeface="Roboto" pitchFamily="2" charset="0"/>
+                <a:cs typeface="Consolas" pitchFamily="49" charset="0"/>
+              </a:rPr>
+              <a:t>The</a:t>
+            </a:r>
+            <a:r>
+              <a:rPr lang="en-US" sz="2000" b="1" dirty="0" err="1" smtClean="0">
+                <a:solidFill>
+                  <a:schemeClr val="bg1"/>
+                </a:solidFill>
+                <a:latin typeface="Consolas" pitchFamily="49" charset="0"/>
+                <a:ea typeface="Roboto" pitchFamily="2" charset="0"/>
+                <a:cs typeface="Consolas" pitchFamily="49" charset="0"/>
+              </a:rPr>
+              <a:t>.</a:t>
+            </a:r>
+            <a:r>
+              <a:rPr lang="en-US" sz="2000" b="1" dirty="0" err="1" smtClean="0">
+                <a:solidFill>
+                  <a:srgbClr val="FF00FF"/>
+                </a:solidFill>
+                <a:latin typeface="Consolas" pitchFamily="49" charset="0"/>
+                <a:ea typeface="Roboto" pitchFamily="2" charset="0"/>
+                <a:cs typeface="Consolas" pitchFamily="49" charset="0"/>
+              </a:rPr>
+              <a:t>Same</a:t>
+            </a:r>
+            <a:r>
+              <a:rPr lang="en-US" sz="2000" b="1" dirty="0" smtClean="0">
+                <a:solidFill>
+                  <a:schemeClr val="bg1"/>
+                </a:solidFill>
+                <a:latin typeface="Consolas" pitchFamily="49" charset="0"/>
+                <a:ea typeface="Roboto" pitchFamily="2" charset="0"/>
+                <a:cs typeface="Consolas" pitchFamily="49" charset="0"/>
+              </a:rPr>
+              <a:t>&lt;</a:t>
+            </a:r>
+            <a:r>
+              <a:rPr lang="en-US" sz="2000" b="1" dirty="0" err="1" smtClean="0">
+                <a:solidFill>
+                  <a:srgbClr val="FF00FF"/>
+                </a:solidFill>
+                <a:latin typeface="Consolas" pitchFamily="49" charset="0"/>
+                <a:ea typeface="Roboto" pitchFamily="2" charset="0"/>
+                <a:cs typeface="Consolas" pitchFamily="49" charset="0"/>
+              </a:rPr>
+              <a:t>DatabaseConnection</a:t>
+            </a:r>
+            <a:r>
+              <a:rPr lang="en-US" sz="2000" b="1" dirty="0" smtClean="0">
+                <a:solidFill>
+                  <a:schemeClr val="bg1"/>
+                </a:solidFill>
+                <a:latin typeface="Consolas" pitchFamily="49" charset="0"/>
+                <a:ea typeface="Roboto" pitchFamily="2" charset="0"/>
+                <a:cs typeface="Consolas" pitchFamily="49" charset="0"/>
+              </a:rPr>
+              <a:t>&gt;();</a:t>
+            </a:r>
+            <a:endParaRPr lang="en-US" sz="2000" b="1" dirty="0" smtClean="0">
+              <a:solidFill>
+                <a:schemeClr val="bg1"/>
+              </a:solidFill>
+              <a:latin typeface="Consolas" pitchFamily="49" charset="0"/>
+              <a:ea typeface="Roboto" pitchFamily="2" charset="0"/>
+              <a:cs typeface="Consolas" pitchFamily="49" charset="0"/>
+            </a:endParaRPr>
           </a:p>
         </p:txBody>
       </p:sp>
     </p:spTree>
     <p:extLst>
       <p:ext uri="{BB962C8B-B14F-4D97-AF65-F5344CB8AC3E}">
-        <p14:creationId xmlns:p14="http://schemas.microsoft.com/office/powerpoint/2010/main" val="155309004"/>
+        <p14:creationId xmlns:p14="http://schemas.microsoft.com/office/powerpoint/2010/main" val="2799699760"/>
       </p:ext>
     </p:extLst>
   </p:cSld>
@@ -20981,25 +22544,147 @@
             <a:off x="0" y="0"/>
             <a:ext cx="9144000" cy="6858000"/>
           </a:xfrm>
+          <a:solidFill>
+            <a:schemeClr val="tx1">
+              <a:lumMod val="85000"/>
+              <a:lumOff val="15000"/>
+            </a:schemeClr>
+          </a:solidFill>
         </p:spPr>
         <p:txBody>
           <a:bodyPr>
-            <a:normAutofit/>
+            <a:noAutofit/>
           </a:bodyPr>
           <a:lstStyle/>
           <a:p>
-            <a:r>
-              <a:rPr lang="en-US" dirty="0" smtClean="0"/>
-              <a:t>Rather than “a general reusable solution to a commonly occurring problem”, I currently think of design patterns as a shared vocabulary for discussing the observable commonalities between two or more solutions, after they’ve emerged.</a:t>
-            </a:r>
-            <a:endParaRPr lang="en-US" dirty="0"/>
+            <a:pPr algn="l"/>
+            <a:r>
+              <a:rPr lang="en-US" sz="2000" b="1" dirty="0" smtClean="0">
+                <a:latin typeface="Consolas" pitchFamily="49" charset="0"/>
+                <a:ea typeface="Roboto" pitchFamily="2" charset="0"/>
+                <a:cs typeface="Consolas" pitchFamily="49" charset="0"/>
+              </a:rPr>
+              <a:t>	</a:t>
+            </a:r>
+            <a:r>
+              <a:rPr lang="en-US" sz="2000" b="1" dirty="0" err="1" smtClean="0">
+                <a:latin typeface="Consolas" pitchFamily="49" charset="0"/>
+                <a:ea typeface="Roboto" pitchFamily="2" charset="0"/>
+                <a:cs typeface="Consolas" pitchFamily="49" charset="0"/>
+              </a:rPr>
+              <a:t>var</a:t>
+            </a:r>
+            <a:r>
+              <a:rPr lang="en-US" sz="2000" b="1" dirty="0" smtClean="0">
+                <a:latin typeface="Consolas" pitchFamily="49" charset="0"/>
+                <a:ea typeface="Roboto" pitchFamily="2" charset="0"/>
+                <a:cs typeface="Consolas" pitchFamily="49" charset="0"/>
+              </a:rPr>
+              <a:t> </a:t>
+            </a:r>
+            <a:r>
+              <a:rPr lang="en-US" sz="2000" b="1" dirty="0" smtClean="0">
+                <a:solidFill>
+                  <a:schemeClr val="bg1"/>
+                </a:solidFill>
+                <a:latin typeface="Consolas" pitchFamily="49" charset="0"/>
+                <a:ea typeface="Roboto" pitchFamily="2" charset="0"/>
+                <a:cs typeface="Consolas" pitchFamily="49" charset="0"/>
+              </a:rPr>
+              <a:t>instance </a:t>
+            </a:r>
+            <a:r>
+              <a:rPr lang="en-US" sz="2000" b="1" dirty="0">
+                <a:solidFill>
+                  <a:schemeClr val="bg1"/>
+                </a:solidFill>
+                <a:latin typeface="Consolas" pitchFamily="49" charset="0"/>
+                <a:ea typeface="Roboto" pitchFamily="2" charset="0"/>
+                <a:cs typeface="Consolas" pitchFamily="49" charset="0"/>
+              </a:rPr>
+              <a:t>= </a:t>
+            </a:r>
+            <a:r>
+              <a:rPr lang="en-US" sz="2000" b="1" dirty="0" err="1" smtClean="0">
+                <a:solidFill>
+                  <a:srgbClr val="FF00FF"/>
+                </a:solidFill>
+                <a:latin typeface="Consolas" pitchFamily="49" charset="0"/>
+                <a:ea typeface="Roboto" pitchFamily="2" charset="0"/>
+                <a:cs typeface="Consolas" pitchFamily="49" charset="0"/>
+              </a:rPr>
+              <a:t>Unity</a:t>
+            </a:r>
+            <a:r>
+              <a:rPr lang="en-US" sz="2000" b="1" dirty="0" err="1" smtClean="0">
+                <a:solidFill>
+                  <a:schemeClr val="bg1"/>
+                </a:solidFill>
+                <a:latin typeface="Consolas" pitchFamily="49" charset="0"/>
+                <a:ea typeface="Roboto" pitchFamily="2" charset="0"/>
+                <a:cs typeface="Consolas" pitchFamily="49" charset="0"/>
+              </a:rPr>
+              <a:t>.</a:t>
+            </a:r>
+            <a:r>
+              <a:rPr lang="en-US" sz="2000" b="1" dirty="0" err="1" smtClean="0">
+                <a:solidFill>
+                  <a:srgbClr val="FF00FF"/>
+                </a:solidFill>
+                <a:latin typeface="Consolas" pitchFamily="49" charset="0"/>
+                <a:ea typeface="Roboto" pitchFamily="2" charset="0"/>
+                <a:cs typeface="Consolas" pitchFamily="49" charset="0"/>
+              </a:rPr>
+              <a:t>Resolve</a:t>
+            </a:r>
+            <a:r>
+              <a:rPr lang="en-US" sz="2000" b="1" dirty="0" smtClean="0">
+                <a:solidFill>
+                  <a:schemeClr val="bg1"/>
+                </a:solidFill>
+                <a:latin typeface="Consolas" pitchFamily="49" charset="0"/>
+                <a:ea typeface="Roboto" pitchFamily="2" charset="0"/>
+                <a:cs typeface="Consolas" pitchFamily="49" charset="0"/>
+              </a:rPr>
+              <a:t>&lt;</a:t>
+            </a:r>
+            <a:r>
+              <a:rPr lang="en-US" sz="2000" b="1" dirty="0" err="1" smtClean="0">
+                <a:solidFill>
+                  <a:srgbClr val="FF00FF"/>
+                </a:solidFill>
+                <a:latin typeface="Consolas" pitchFamily="49" charset="0"/>
+                <a:ea typeface="Roboto" pitchFamily="2" charset="0"/>
+                <a:cs typeface="Consolas" pitchFamily="49" charset="0"/>
+              </a:rPr>
+              <a:t>DatabaseConnection</a:t>
+            </a:r>
+            <a:r>
+              <a:rPr lang="en-US" sz="2000" b="1" dirty="0" smtClean="0">
+                <a:solidFill>
+                  <a:schemeClr val="bg1"/>
+                </a:solidFill>
+                <a:latin typeface="Consolas" pitchFamily="49" charset="0"/>
+                <a:ea typeface="Roboto" pitchFamily="2" charset="0"/>
+                <a:cs typeface="Consolas" pitchFamily="49" charset="0"/>
+              </a:rPr>
+              <a:t>&gt;();</a:t>
+            </a:r>
+            <a:endParaRPr lang="en-US" sz="2000" b="1" dirty="0" smtClean="0">
+              <a:solidFill>
+                <a:schemeClr val="bg1"/>
+              </a:solidFill>
+              <a:latin typeface="Consolas" pitchFamily="49" charset="0"/>
+              <a:ea typeface="Roboto" pitchFamily="2" charset="0"/>
+              <a:cs typeface="Consolas" pitchFamily="49" charset="0"/>
+            </a:endParaRPr>
           </a:p>
         </p:txBody>
       </p:sp>
     </p:spTree>
     <p:extLst>
       <p:ext uri="{BB962C8B-B14F-4D97-AF65-F5344CB8AC3E}">
-        <p14:creationId xmlns:p14="http://schemas.microsoft.com/office/powerpoint/2010/main" val="3650041397"/>
+        <p14:creationId xmlns:p14="http://schemas.microsoft.com/office/powerpoint/2010/main" val="4077440827"/>
       </p:ext>
     </p:extLst>
   </p:cSld>
@@ -21048,48 +22733,133 @@
             <a:off x="0" y="0"/>
             <a:ext cx="9144000" cy="6858000"/>
           </a:xfrm>
+          <a:solidFill>
+            <a:schemeClr val="tx1">
+              <a:lumMod val="85000"/>
+              <a:lumOff val="15000"/>
+            </a:schemeClr>
+          </a:solidFill>
         </p:spPr>
         <p:txBody>
           <a:bodyPr>
-            <a:normAutofit/>
+            <a:noAutofit/>
           </a:bodyPr>
           <a:lstStyle/>
           <a:p>
-            <a:r>
-              <a:rPr lang="en-US" dirty="0" smtClean="0">
-                <a:solidFill>
-                  <a:schemeClr val="bg1">
-                    <a:lumMod val="75000"/>
-                  </a:schemeClr>
-                </a:solidFill>
-              </a:rPr>
-              <a:t>Rather than </a:t>
-            </a:r>
-            <a:r>
-              <a:rPr lang="en-US" dirty="0" smtClean="0"/>
-              <a:t>“a general reusable solution to a commonly occurring problem”</a:t>
-            </a:r>
-            <a:r>
-              <a:rPr lang="en-US" dirty="0" smtClean="0">
-                <a:solidFill>
-                  <a:schemeClr val="bg1">
-                    <a:lumMod val="75000"/>
-                  </a:schemeClr>
-                </a:solidFill>
-              </a:rPr>
-              <a:t>, I currently think of design patterns as a shared vocabulary for discussing the observable commonalities between two or more solutions, after they’ve emerged.</a:t>
-            </a:r>
-            <a:endParaRPr lang="en-US" dirty="0">
+            <a:pPr algn="l"/>
+            <a:r>
+              <a:rPr lang="en-US" sz="2000" b="1" dirty="0" err="1" smtClean="0">
+                <a:latin typeface="Consolas" pitchFamily="49" charset="0"/>
+                <a:ea typeface="Roboto" pitchFamily="2" charset="0"/>
+                <a:cs typeface="Consolas" pitchFamily="49" charset="0"/>
+              </a:rPr>
+              <a:t>var</a:t>
+            </a:r>
+            <a:r>
+              <a:rPr lang="en-US" sz="2000" b="1" dirty="0" smtClean="0">
+                <a:solidFill>
+                  <a:schemeClr val="bg1"/>
+                </a:solidFill>
+                <a:latin typeface="Consolas" pitchFamily="49" charset="0"/>
+                <a:ea typeface="Roboto" pitchFamily="2" charset="0"/>
+                <a:cs typeface="Consolas" pitchFamily="49" charset="0"/>
+              </a:rPr>
+              <a:t> instance = </a:t>
+            </a:r>
+            <a:r>
+              <a:rPr lang="en-US" sz="2000" b="1" dirty="0" err="1" smtClean="0">
+                <a:solidFill>
+                  <a:schemeClr val="bg1"/>
+                </a:solidFill>
+                <a:latin typeface="Consolas" pitchFamily="49" charset="0"/>
+                <a:ea typeface="Roboto" pitchFamily="2" charset="0"/>
+                <a:cs typeface="Consolas" pitchFamily="49" charset="0"/>
+              </a:rPr>
+              <a:t>Object</a:t>
+            </a:r>
+            <a:r>
+              <a:rPr lang="en-US" sz="2000" b="1" dirty="0" err="1" smtClean="0">
+                <a:solidFill>
+                  <a:srgbClr val="FF00FF"/>
+                </a:solidFill>
+                <a:latin typeface="Consolas" pitchFamily="49" charset="0"/>
+                <a:ea typeface="Roboto" pitchFamily="2" charset="0"/>
+                <a:cs typeface="Consolas" pitchFamily="49" charset="0"/>
+              </a:rPr>
+              <a:t>Fuck</a:t>
+            </a:r>
+            <a:r>
+              <a:rPr lang="en-US" sz="2000" b="1" dirty="0" err="1" smtClean="0">
+                <a:solidFill>
+                  <a:schemeClr val="bg1"/>
+                </a:solidFill>
+                <a:latin typeface="Consolas" pitchFamily="49" charset="0"/>
+                <a:ea typeface="Roboto" pitchFamily="2" charset="0"/>
+                <a:cs typeface="Consolas" pitchFamily="49" charset="0"/>
+              </a:rPr>
+              <a:t>tory.</a:t>
+            </a:r>
+            <a:r>
+              <a:rPr lang="en-US" sz="2000" b="1" dirty="0" err="1" smtClean="0">
+                <a:solidFill>
+                  <a:srgbClr val="FF00FF"/>
+                </a:solidFill>
+                <a:latin typeface="Consolas" pitchFamily="49" charset="0"/>
+                <a:ea typeface="Roboto" pitchFamily="2" charset="0"/>
+                <a:cs typeface="Consolas" pitchFamily="49" charset="0"/>
+              </a:rPr>
+              <a:t>GetInstance</a:t>
+            </a:r>
+            <a:r>
+              <a:rPr lang="en-US" sz="2000" b="1" dirty="0" smtClean="0">
+                <a:solidFill>
+                  <a:schemeClr val="bg1"/>
+                </a:solidFill>
+                <a:latin typeface="Consolas" pitchFamily="49" charset="0"/>
+                <a:ea typeface="Roboto" pitchFamily="2" charset="0"/>
+                <a:cs typeface="Consolas" pitchFamily="49" charset="0"/>
+              </a:rPr>
+              <a:t>&lt;</a:t>
+            </a:r>
+            <a:r>
+              <a:rPr lang="en-US" sz="2000" b="1" dirty="0" err="1" smtClean="0">
+                <a:solidFill>
+                  <a:schemeClr val="bg1"/>
+                </a:solidFill>
+                <a:latin typeface="Consolas" pitchFamily="49" charset="0"/>
+                <a:ea typeface="Roboto" pitchFamily="2" charset="0"/>
+                <a:cs typeface="Consolas" pitchFamily="49" charset="0"/>
+              </a:rPr>
+              <a:t>DatabaseConnection</a:t>
+            </a:r>
+            <a:r>
+              <a:rPr lang="en-US" sz="2000" b="1" dirty="0" smtClean="0">
+                <a:solidFill>
+                  <a:schemeClr val="bg1"/>
+                </a:solidFill>
+                <a:latin typeface="Consolas" pitchFamily="49" charset="0"/>
+                <a:ea typeface="Roboto" pitchFamily="2" charset="0"/>
+                <a:cs typeface="Consolas" pitchFamily="49" charset="0"/>
+              </a:rPr>
+              <a:t>&gt;();</a:t>
+            </a:r>
+            <a:endParaRPr lang="en-US" sz="2000" b="1" dirty="0" smtClean="0">
               <a:solidFill>
-                <a:schemeClr val="bg1">
-                  <a:lumMod val="75000"/>
-                </a:schemeClr>
+                <a:schemeClr val="bg1"/>
               </a:solidFill>
+              <a:latin typeface="Consolas" pitchFamily="49" charset="0"/>
+              <a:ea typeface="Roboto" pitchFamily="2" charset="0"/>
+              <a:cs typeface="Consolas" pitchFamily="49" charset="0"/>
             </a:endParaRPr>
           </a:p>
         </p:txBody>
       </p:sp>
     </p:spTree>
+    <p:extLst>
+      <p:ext uri="{BB962C8B-B14F-4D97-AF65-F5344CB8AC3E}">
+        <p14:creationId xmlns:p14="http://schemas.microsoft.com/office/powerpoint/2010/main" val="1364938391"/>
+      </p:ext>
+    </p:extLst>
   </p:cSld>
   <p:clrMapOvr>
     <a:masterClrMapping/>
@@ -21131,12 +22901,7 @@
             <p:ph type="title"/>
           </p:nvPr>
         </p:nvSpPr>
-        <p:spPr>
-          <a:xfrm>
-            <a:off x="0" y="0"/>
-            <a:ext cx="9144000" cy="6858000"/>
-          </a:xfrm>
-        </p:spPr>
+        <p:spPr/>
         <p:txBody>
           <a:bodyPr>
             <a:normAutofit/>
@@ -21144,44 +22909,19 @@
           <a:lstStyle/>
           <a:p>
             <a:r>
-              <a:rPr lang="en-US" dirty="0" smtClean="0">
-                <a:solidFill>
-                  <a:schemeClr val="bg1">
-                    <a:lumMod val="75000"/>
-                  </a:schemeClr>
-                </a:solidFill>
-              </a:rPr>
-              <a:t>Rather than “a general reusable solution to a commonly occurring problem”,</a:t>
-            </a:r>
-            <a:r>
-              <a:rPr lang="en-US" dirty="0" smtClean="0">
-                <a:solidFill>
-                  <a:srgbClr val="FF7400"/>
-                </a:solidFill>
-              </a:rPr>
-              <a:t> I currently think </a:t>
-            </a:r>
-            <a:r>
-              <a:rPr lang="en-US" dirty="0" smtClean="0">
-                <a:solidFill>
-                  <a:schemeClr val="bg1">
-                    <a:lumMod val="75000"/>
-                  </a:schemeClr>
-                </a:solidFill>
-              </a:rPr>
-              <a:t>of design patterns as a shared vocabulary for discussing the observable commonalities between two or more solutions, after they’ve emerged.</a:t>
-            </a:r>
-            <a:endParaRPr lang="en-US" dirty="0">
-              <a:solidFill>
-                <a:schemeClr val="bg1">
-                  <a:lumMod val="75000"/>
-                </a:schemeClr>
-              </a:solidFill>
-            </a:endParaRPr>
+              <a:rPr lang="de-DE" sz="19900" dirty="0" err="1" smtClean="0"/>
+              <a:t>factory</a:t>
+            </a:r>
+            <a:endParaRPr lang="de-DE" sz="19900" dirty="0"/>
           </a:p>
         </p:txBody>
       </p:sp>
     </p:spTree>
+    <p:extLst>
+      <p:ext uri="{BB962C8B-B14F-4D97-AF65-F5344CB8AC3E}">
+        <p14:creationId xmlns:p14="http://schemas.microsoft.com/office/powerpoint/2010/main" val="155309004"/>
+      </p:ext>
+    </p:extLst>
   </p:cSld>
   <p:clrMapOvr>
     <a:masterClrMapping/>
@@ -21215,7 +22955,7 @@
       </p:grpSpPr>
       <p:sp>
         <p:nvSpPr>
-          <p:cNvPr id="2" name="Titel 1"/>
+          <p:cNvPr id="8" name="Textplatzhalter 5"/>
           <p:cNvSpPr>
             <a:spLocks noGrp="1"/>
           </p:cNvSpPr>
@@ -21223,73 +22963,358 @@
             <p:ph type="title"/>
           </p:nvPr>
         </p:nvSpPr>
-        <p:spPr>
-          <a:xfrm>
-            <a:off x="0" y="0"/>
-            <a:ext cx="9144000" cy="6858000"/>
-          </a:xfrm>
-        </p:spPr>
+        <p:spPr/>
         <p:txBody>
           <a:bodyPr>
-            <a:normAutofit/>
+            <a:normAutofit fontScale="90000"/>
           </a:bodyPr>
           <a:lstStyle/>
           <a:p>
-            <a:r>
-              <a:rPr lang="en-US" dirty="0" smtClean="0">
-                <a:solidFill>
-                  <a:schemeClr val="bg1">
-                    <a:lumMod val="75000"/>
+            <a:pPr algn="l"/>
+            <a:r>
+              <a:rPr lang="en-US" sz="4400" dirty="0" smtClean="0">
+                <a:solidFill>
+                  <a:schemeClr val="tx1">
+                    <a:lumMod val="50000"/>
+                    <a:lumOff val="50000"/>
                   </a:schemeClr>
                 </a:solidFill>
-              </a:rPr>
-              <a:t>Rather than “a general reusable solution to a commonly occurring problem”, I currently think of design patterns as </a:t>
-            </a:r>
-            <a:r>
-              <a:rPr lang="en-US" dirty="0" smtClean="0">
-                <a:solidFill>
-                  <a:srgbClr val="00DB00"/>
-                </a:solidFill>
-              </a:rPr>
-              <a:t>a shared vocabulary for </a:t>
-            </a:r>
-            <a:r>
-              <a:rPr lang="en-US" dirty="0" smtClean="0">
+                <a:latin typeface="Roboto" pitchFamily="2" charset="0"/>
+                <a:ea typeface="Roboto" pitchFamily="2" charset="0"/>
+              </a:rPr>
+              <a:t>“Du </a:t>
+            </a:r>
+            <a:r>
+              <a:rPr lang="en-US" sz="4400" dirty="0" err="1" smtClean="0">
+                <a:solidFill>
+                  <a:schemeClr val="tx1">
+                    <a:lumMod val="50000"/>
+                    <a:lumOff val="50000"/>
+                  </a:schemeClr>
+                </a:solidFill>
+                <a:latin typeface="Roboto" pitchFamily="2" charset="0"/>
+                <a:ea typeface="Roboto" pitchFamily="2" charset="0"/>
+              </a:rPr>
+              <a:t>willst</a:t>
+            </a:r>
+            <a:r>
+              <a:rPr lang="en-US" sz="4400" dirty="0" smtClean="0">
+                <a:solidFill>
+                  <a:schemeClr val="tx1">
+                    <a:lumMod val="50000"/>
+                    <a:lumOff val="50000"/>
+                  </a:schemeClr>
+                </a:solidFill>
+                <a:latin typeface="Roboto" pitchFamily="2" charset="0"/>
+                <a:ea typeface="Roboto" pitchFamily="2" charset="0"/>
+              </a:rPr>
+              <a:t> </a:t>
+            </a:r>
+            <a:r>
+              <a:rPr lang="en-US" sz="4400" dirty="0" err="1" smtClean="0">
+                <a:solidFill>
+                  <a:schemeClr val="tx1">
+                    <a:lumMod val="50000"/>
+                    <a:lumOff val="50000"/>
+                  </a:schemeClr>
+                </a:solidFill>
+                <a:latin typeface="Roboto" pitchFamily="2" charset="0"/>
+                <a:ea typeface="Roboto" pitchFamily="2" charset="0"/>
+              </a:rPr>
+              <a:t>doch</a:t>
+            </a:r>
+            <a:r>
+              <a:rPr lang="en-US" sz="4400" dirty="0" smtClean="0">
+                <a:solidFill>
+                  <a:schemeClr val="tx1">
+                    <a:lumMod val="50000"/>
+                    <a:lumOff val="50000"/>
+                  </a:schemeClr>
+                </a:solidFill>
+                <a:latin typeface="Roboto" pitchFamily="2" charset="0"/>
+                <a:ea typeface="Roboto" pitchFamily="2" charset="0"/>
+              </a:rPr>
+              <a:t> </a:t>
+            </a:r>
+            <a:r>
+              <a:rPr lang="en-US" sz="4400" dirty="0" err="1" smtClean="0">
+                <a:solidFill>
+                  <a:schemeClr val="tx1">
+                    <a:lumMod val="50000"/>
+                    <a:lumOff val="50000"/>
+                  </a:schemeClr>
+                </a:solidFill>
+                <a:latin typeface="Roboto" pitchFamily="2" charset="0"/>
+                <a:ea typeface="Roboto" pitchFamily="2" charset="0"/>
+              </a:rPr>
+              <a:t>nicht</a:t>
+            </a:r>
+            <a:r>
+              <a:rPr lang="en-US" sz="4400" dirty="0" smtClean="0">
+                <a:solidFill>
+                  <a:schemeClr val="tx1">
+                    <a:lumMod val="50000"/>
+                    <a:lumOff val="50000"/>
+                  </a:schemeClr>
+                </a:solidFill>
+                <a:latin typeface="Roboto" pitchFamily="2" charset="0"/>
+                <a:ea typeface="Roboto" pitchFamily="2" charset="0"/>
+              </a:rPr>
+              <a:t> in </a:t>
+            </a:r>
+            <a:r>
+              <a:rPr lang="en-US" sz="4400" dirty="0" err="1" smtClean="0">
+                <a:solidFill>
+                  <a:schemeClr val="tx1">
+                    <a:lumMod val="50000"/>
+                    <a:lumOff val="50000"/>
+                  </a:schemeClr>
+                </a:solidFill>
+                <a:latin typeface="Roboto" pitchFamily="2" charset="0"/>
+                <a:ea typeface="Roboto" pitchFamily="2" charset="0"/>
+              </a:rPr>
+              <a:t>einer</a:t>
+            </a:r>
+            <a:r>
+              <a:rPr lang="en-US" sz="4400" dirty="0" smtClean="0">
+                <a:solidFill>
+                  <a:schemeClr val="tx1">
+                    <a:lumMod val="50000"/>
+                    <a:lumOff val="50000"/>
+                  </a:schemeClr>
+                </a:solidFill>
+                <a:latin typeface="Roboto" pitchFamily="2" charset="0"/>
+                <a:ea typeface="Roboto" pitchFamily="2" charset="0"/>
+              </a:rPr>
+              <a:t> </a:t>
+            </a:r>
+            <a:r>
+              <a:rPr lang="en-US" sz="4400" dirty="0" err="1" smtClean="0">
+                <a:solidFill>
+                  <a:schemeClr val="tx1">
+                    <a:lumMod val="50000"/>
+                    <a:lumOff val="50000"/>
+                  </a:schemeClr>
+                </a:solidFill>
+                <a:latin typeface="Roboto" pitchFamily="2" charset="0"/>
+                <a:ea typeface="Roboto" pitchFamily="2" charset="0"/>
+              </a:rPr>
+              <a:t>Pizza</a:t>
+            </a:r>
+            <a:r>
+              <a:rPr lang="en-US" sz="4400" dirty="0" err="1" smtClean="0">
                 <a:solidFill>
                   <a:srgbClr val="FF00FF"/>
                 </a:solidFill>
-              </a:rPr>
-              <a:t>discussing</a:t>
-            </a:r>
-            <a:r>
-              <a:rPr lang="en-US" dirty="0" smtClean="0">
-                <a:solidFill>
-                  <a:srgbClr val="00DB00"/>
-                </a:solidFill>
-              </a:rPr>
-              <a:t> the observable commonalities </a:t>
-            </a:r>
-            <a:r>
-              <a:rPr lang="en-US" dirty="0" smtClean="0">
-                <a:solidFill>
-                  <a:schemeClr val="bg1">
-                    <a:lumMod val="75000"/>
+                <a:latin typeface="Roboto" pitchFamily="2" charset="0"/>
+                <a:ea typeface="Roboto" pitchFamily="2" charset="0"/>
+              </a:rPr>
+              <a:t>fabrik</a:t>
+            </a:r>
+            <a:r>
+              <a:rPr lang="en-US" sz="4400" dirty="0" smtClean="0">
+                <a:solidFill>
+                  <a:schemeClr val="tx1">
+                    <a:lumMod val="50000"/>
+                    <a:lumOff val="50000"/>
                   </a:schemeClr>
                 </a:solidFill>
-              </a:rPr>
-              <a:t>between two or more solutions, after they’ve emerged.</a:t>
-            </a:r>
-            <a:endParaRPr lang="en-US" dirty="0">
+                <a:latin typeface="Roboto" pitchFamily="2" charset="0"/>
+                <a:ea typeface="Roboto" pitchFamily="2" charset="0"/>
+              </a:rPr>
+              <a:t> </a:t>
+            </a:r>
+            <a:r>
+              <a:rPr lang="en-US" sz="4400" dirty="0" err="1" smtClean="0">
+                <a:solidFill>
+                  <a:schemeClr val="tx1">
+                    <a:lumMod val="50000"/>
+                    <a:lumOff val="50000"/>
+                  </a:schemeClr>
+                </a:solidFill>
+                <a:latin typeface="Roboto" pitchFamily="2" charset="0"/>
+                <a:ea typeface="Roboto" pitchFamily="2" charset="0"/>
+              </a:rPr>
+              <a:t>essen</a:t>
+            </a:r>
+            <a:r>
+              <a:rPr lang="en-US" sz="4400" dirty="0" smtClean="0">
+                <a:solidFill>
+                  <a:schemeClr val="tx1">
+                    <a:lumMod val="50000"/>
+                    <a:lumOff val="50000"/>
+                  </a:schemeClr>
+                </a:solidFill>
+                <a:latin typeface="Roboto" pitchFamily="2" charset="0"/>
+                <a:ea typeface="Roboto" pitchFamily="2" charset="0"/>
+              </a:rPr>
+              <a:t>, </a:t>
+            </a:r>
+            <a:r>
+              <a:rPr lang="en-US" sz="4400" dirty="0" err="1" smtClean="0">
+                <a:solidFill>
+                  <a:schemeClr val="tx1">
+                    <a:lumMod val="50000"/>
+                    <a:lumOff val="50000"/>
+                  </a:schemeClr>
+                </a:solidFill>
+                <a:latin typeface="Roboto" pitchFamily="2" charset="0"/>
+                <a:ea typeface="Roboto" pitchFamily="2" charset="0"/>
+              </a:rPr>
+              <a:t>sondern</a:t>
+            </a:r>
+            <a:r>
+              <a:rPr lang="en-US" sz="4400" dirty="0" smtClean="0">
+                <a:solidFill>
+                  <a:schemeClr val="tx1">
+                    <a:lumMod val="50000"/>
+                    <a:lumOff val="50000"/>
+                  </a:schemeClr>
+                </a:solidFill>
+                <a:latin typeface="Roboto" pitchFamily="2" charset="0"/>
+                <a:ea typeface="Roboto" pitchFamily="2" charset="0"/>
+              </a:rPr>
+              <a:t> in </a:t>
+            </a:r>
+            <a:r>
+              <a:rPr lang="en-US" sz="4400" dirty="0" err="1" smtClean="0">
+                <a:solidFill>
+                  <a:schemeClr val="tx1">
+                    <a:lumMod val="50000"/>
+                    <a:lumOff val="50000"/>
+                  </a:schemeClr>
+                </a:solidFill>
+                <a:latin typeface="Roboto" pitchFamily="2" charset="0"/>
+                <a:ea typeface="Roboto" pitchFamily="2" charset="0"/>
+              </a:rPr>
+              <a:t>einem</a:t>
+            </a:r>
+            <a:r>
+              <a:rPr lang="en-US" sz="4400" dirty="0" smtClean="0">
+                <a:solidFill>
+                  <a:schemeClr val="tx1">
+                    <a:lumMod val="50000"/>
+                    <a:lumOff val="50000"/>
+                  </a:schemeClr>
+                </a:solidFill>
+                <a:latin typeface="Roboto" pitchFamily="2" charset="0"/>
+                <a:ea typeface="Roboto" pitchFamily="2" charset="0"/>
+              </a:rPr>
+              <a:t> Restaurant”</a:t>
+            </a:r>
+            <a:br>
+              <a:rPr lang="en-US" sz="4400" dirty="0" smtClean="0">
+                <a:solidFill>
+                  <a:schemeClr val="tx1">
+                    <a:lumMod val="50000"/>
+                    <a:lumOff val="50000"/>
+                  </a:schemeClr>
+                </a:solidFill>
+                <a:latin typeface="Roboto" pitchFamily="2" charset="0"/>
+                <a:ea typeface="Roboto" pitchFamily="2" charset="0"/>
+              </a:rPr>
+            </a:br>
+            <a:endParaRPr lang="en-US" sz="4400" dirty="0" smtClean="0">
               <a:solidFill>
-                <a:schemeClr val="bg1">
+                <a:schemeClr val="tx1">
                   <a:lumMod val="75000"/>
+                  <a:lumOff val="25000"/>
                 </a:schemeClr>
               </a:solidFill>
+              <a:ea typeface="Roboto" pitchFamily="2" charset="0"/>
             </a:endParaRPr>
           </a:p>
+          <a:p>
+            <a:pPr algn="r"/>
+            <a:r>
+              <a:rPr lang="en-US" sz="4400" dirty="0" smtClean="0">
+                <a:solidFill>
+                  <a:schemeClr val="tx1">
+                    <a:lumMod val="75000"/>
+                    <a:lumOff val="25000"/>
+                  </a:schemeClr>
+                </a:solidFill>
+                <a:ea typeface="Roboto" pitchFamily="2" charset="0"/>
+              </a:rPr>
+              <a:t>Roberto </a:t>
+            </a:r>
+            <a:r>
+              <a:rPr lang="en-US" sz="4400" dirty="0" err="1" smtClean="0">
+                <a:solidFill>
+                  <a:schemeClr val="tx1">
+                    <a:lumMod val="75000"/>
+                    <a:lumOff val="25000"/>
+                  </a:schemeClr>
+                </a:solidFill>
+                <a:ea typeface="Roboto" pitchFamily="2" charset="0"/>
+              </a:rPr>
+              <a:t>Bez</a:t>
+            </a:r>
+            <a:r>
+              <a:rPr lang="en-US" sz="4400" dirty="0" smtClean="0">
+                <a:solidFill>
+                  <a:schemeClr val="tx1">
+                    <a:lumMod val="75000"/>
+                    <a:lumOff val="25000"/>
+                  </a:schemeClr>
+                </a:solidFill>
+                <a:ea typeface="Roboto" pitchFamily="2" charset="0"/>
+              </a:rPr>
+              <a:t>. </a:t>
+            </a:r>
+            <a:br>
+              <a:rPr lang="en-US" sz="4400" dirty="0" smtClean="0">
+                <a:solidFill>
+                  <a:schemeClr val="tx1">
+                    <a:lumMod val="75000"/>
+                    <a:lumOff val="25000"/>
+                  </a:schemeClr>
+                </a:solidFill>
+                <a:ea typeface="Roboto" pitchFamily="2" charset="0"/>
+              </a:rPr>
+            </a:br>
+            <a:r>
+              <a:rPr lang="en-US" sz="4400" dirty="0" smtClean="0">
+                <a:solidFill>
+                  <a:schemeClr val="tx1">
+                    <a:lumMod val="75000"/>
+                    <a:lumOff val="25000"/>
+                  </a:schemeClr>
+                </a:solidFill>
+                <a:ea typeface="Roboto" pitchFamily="2" charset="0"/>
+              </a:rPr>
+              <a:t>Sonntag </a:t>
+            </a:r>
+            <a:r>
+              <a:rPr lang="en-US" sz="4400" dirty="0" err="1" smtClean="0">
+                <a:solidFill>
+                  <a:schemeClr val="tx1">
+                    <a:lumMod val="75000"/>
+                    <a:lumOff val="25000"/>
+                  </a:schemeClr>
+                </a:solidFill>
+                <a:ea typeface="Roboto" pitchFamily="2" charset="0"/>
+              </a:rPr>
+              <a:t>abend</a:t>
+            </a:r>
+            <a:endParaRPr lang="en-US" sz="2800" dirty="0">
+              <a:solidFill>
+                <a:schemeClr val="tx1">
+                  <a:lumMod val="75000"/>
+                  <a:lumOff val="25000"/>
+                </a:schemeClr>
+              </a:solidFill>
+              <a:ea typeface="Roboto" pitchFamily="2" charset="0"/>
+            </a:endParaRPr>
+          </a:p>
         </p:txBody>
       </p:sp>
     </p:spTree>
+    <p:extLst>
+      <p:ext uri="{BB962C8B-B14F-4D97-AF65-F5344CB8AC3E}">
+        <p14:creationId xmlns:p14="http://schemas.microsoft.com/office/powerpoint/2010/main" val="2470204541"/>
+      </p:ext>
+    </p:extLst>
   </p:cSld>
   <p:clrMapOvr>
     <a:masterClrMapping/>

--- a/WeaselWords-DotnetDevCon.pptx
+++ b/WeaselWords-DotnetDevCon.pptx
@@ -5,7 +5,7 @@
     <p:sldMasterId id="2147483648" r:id="rId1"/>
   </p:sldMasterIdLst>
   <p:notesMasterIdLst>
-    <p:notesMasterId r:id="rId125"/>
+    <p:notesMasterId r:id="rId126"/>
   </p:notesMasterIdLst>
   <p:sldIdLst>
     <p:sldId id="327" r:id="rId2"/>
@@ -124,13 +124,14 @@
     <p:sldId id="525" r:id="rId115"/>
     <p:sldId id="526" r:id="rId116"/>
     <p:sldId id="527" r:id="rId117"/>
-    <p:sldId id="528" r:id="rId118"/>
-    <p:sldId id="529" r:id="rId119"/>
-    <p:sldId id="530" r:id="rId120"/>
-    <p:sldId id="524" r:id="rId121"/>
-    <p:sldId id="474" r:id="rId122"/>
-    <p:sldId id="306" r:id="rId123"/>
-    <p:sldId id="296" r:id="rId124"/>
+    <p:sldId id="531" r:id="rId118"/>
+    <p:sldId id="528" r:id="rId119"/>
+    <p:sldId id="529" r:id="rId120"/>
+    <p:sldId id="530" r:id="rId121"/>
+    <p:sldId id="524" r:id="rId122"/>
+    <p:sldId id="474" r:id="rId123"/>
+    <p:sldId id="306" r:id="rId124"/>
+    <p:sldId id="296" r:id="rId125"/>
   </p:sldIdLst>
   <p:sldSz cx="9144000" cy="6858000" type="screen4x3"/>
   <p:notesSz cx="7099300" cy="10234613"/>
@@ -315,7 +316,7 @@
             <a:fld id="{387BDB18-914D-4BFD-8CA5-9EA31C659A99}" type="datetimeFigureOut">
               <a:rPr lang="en-US" smtClean="0"/>
               <a:pPr/>
-              <a:t>5/14/2012</a:t>
+              <a:t>5/15/2012</a:t>
             </a:fld>
             <a:endParaRPr lang="en-US"/>
           </a:p>
@@ -983,7 +984,7 @@
             <a:fld id="{1BA50D42-C9CD-4801-B293-61D1F53EC57E}" type="datetimeFigureOut">
               <a:rPr lang="de-DE" smtClean="0"/>
               <a:pPr/>
-              <a:t>14.05.2012</a:t>
+              <a:t>15.05.2012</a:t>
             </a:fld>
             <a:endParaRPr lang="de-DE"/>
           </a:p>
@@ -1187,7 +1188,7 @@
             <a:fld id="{1BA50D42-C9CD-4801-B293-61D1F53EC57E}" type="datetimeFigureOut">
               <a:rPr lang="de-DE" smtClean="0"/>
               <a:pPr/>
-              <a:t>14.05.2012</a:t>
+              <a:t>15.05.2012</a:t>
             </a:fld>
             <a:endParaRPr lang="de-DE"/>
           </a:p>
@@ -1399,7 +1400,7 @@
             <a:fld id="{49009F1C-25D2-4D02-B5E1-1CF1D044B88A}" type="datetime1">
               <a:rPr lang="de-DE" smtClean="0"/>
               <a:pPr/>
-              <a:t>14.05.2012</a:t>
+              <a:t>15.05.2012</a:t>
             </a:fld>
             <a:endParaRPr lang="de-DE"/>
           </a:p>
@@ -1735,7 +1736,7 @@
             <a:fld id="{1BA50D42-C9CD-4801-B293-61D1F53EC57E}" type="datetimeFigureOut">
               <a:rPr lang="de-DE" smtClean="0"/>
               <a:pPr/>
-              <a:t>14.05.2012</a:t>
+              <a:t>15.05.2012</a:t>
             </a:fld>
             <a:endParaRPr lang="de-DE"/>
           </a:p>
@@ -2050,7 +2051,7 @@
             <a:fld id="{1BA50D42-C9CD-4801-B293-61D1F53EC57E}" type="datetimeFigureOut">
               <a:rPr lang="de-DE" smtClean="0"/>
               <a:pPr/>
-              <a:t>14.05.2012</a:t>
+              <a:t>15.05.2012</a:t>
             </a:fld>
             <a:endParaRPr lang="de-DE"/>
           </a:p>
@@ -2505,7 +2506,7 @@
             <a:fld id="{1BA50D42-C9CD-4801-B293-61D1F53EC57E}" type="datetimeFigureOut">
               <a:rPr lang="de-DE" smtClean="0"/>
               <a:pPr/>
-              <a:t>14.05.2012</a:t>
+              <a:t>15.05.2012</a:t>
             </a:fld>
             <a:endParaRPr lang="de-DE"/>
           </a:p>
@@ -2644,7 +2645,7 @@
             <a:fld id="{1BA50D42-C9CD-4801-B293-61D1F53EC57E}" type="datetimeFigureOut">
               <a:rPr lang="de-DE" smtClean="0"/>
               <a:pPr/>
-              <a:t>14.05.2012</a:t>
+              <a:t>15.05.2012</a:t>
             </a:fld>
             <a:endParaRPr lang="de-DE"/>
           </a:p>
@@ -2760,7 +2761,7 @@
             <a:fld id="{1BA50D42-C9CD-4801-B293-61D1F53EC57E}" type="datetimeFigureOut">
               <a:rPr lang="de-DE" smtClean="0"/>
               <a:pPr/>
-              <a:t>14.05.2012</a:t>
+              <a:t>15.05.2012</a:t>
             </a:fld>
             <a:endParaRPr lang="de-DE"/>
           </a:p>
@@ -3064,7 +3065,7 @@
             <a:fld id="{1BA50D42-C9CD-4801-B293-61D1F53EC57E}" type="datetimeFigureOut">
               <a:rPr lang="de-DE" smtClean="0"/>
               <a:pPr/>
-              <a:t>14.05.2012</a:t>
+              <a:t>15.05.2012</a:t>
             </a:fld>
             <a:endParaRPr lang="de-DE"/>
           </a:p>
@@ -3344,7 +3345,7 @@
             <a:fld id="{1BA50D42-C9CD-4801-B293-61D1F53EC57E}" type="datetimeFigureOut">
               <a:rPr lang="de-DE" smtClean="0"/>
               <a:pPr/>
-              <a:t>14.05.2012</a:t>
+              <a:t>15.05.2012</a:t>
             </a:fld>
             <a:endParaRPr lang="de-DE"/>
           </a:p>
@@ -4780,6 +4781,13 @@
   <p:clrMapOvr>
     <a:masterClrMapping/>
   </p:clrMapOvr>
+  <p:timing>
+    <p:tnLst>
+      <p:par>
+        <p:cTn id="1" dur="indefinite" restart="never" nodeType="tmRoot"/>
+      </p:par>
+    </p:tnLst>
+  </p:timing>
 </p:sld>
 </file>
 
@@ -4883,20 +4891,7 @@
                 <a:latin typeface="Roboto" pitchFamily="2" charset="0"/>
                 <a:ea typeface="Roboto" pitchFamily="2" charset="0"/>
               </a:rPr>
-              <a:t> is the most powerful. It changes the way people see code and lets them notice possibilities that they might not have considered before" </a:t>
-            </a:r>
-            <a:r>
-              <a:rPr lang="en-US" sz="4400" dirty="0" smtClean="0">
-                <a:solidFill>
-                  <a:schemeClr val="tx1">
-                    <a:lumMod val="50000"/>
-                    <a:lumOff val="50000"/>
-                  </a:schemeClr>
-                </a:solidFill>
-                <a:latin typeface="Roboto" pitchFamily="2" charset="0"/>
-                <a:ea typeface="Roboto" pitchFamily="2" charset="0"/>
-              </a:rPr>
-              <a:t> </a:t>
+              <a:t> is the most powerful. It changes the way people see code and lets them notice possibilities that they might not have considered before"  </a:t>
             </a:r>
             <a:r>
               <a:rPr lang="en-US" sz="4400" dirty="0" smtClean="0">
@@ -7380,80 +7375,195 @@
           </a:bodyPr>
           <a:lstStyle/>
           <a:p>
+            <a:pPr algn="l"/>
+            <a:r>
+              <a:rPr lang="en-US" sz="2000" b="1" dirty="0">
+                <a:solidFill>
+                  <a:schemeClr val="bg1"/>
+                </a:solidFill>
+                <a:latin typeface="Consolas"/>
+              </a:rPr>
+              <a:t> </a:t>
+            </a:r>
             <a:r>
               <a:rPr lang="en-US" sz="2000" b="1" dirty="0" smtClean="0">
                 <a:solidFill>
                   <a:schemeClr val="bg1"/>
                 </a:solidFill>
-                <a:latin typeface="Consolas" pitchFamily="49" charset="0"/>
-                <a:ea typeface="Roboto" pitchFamily="2" charset="0"/>
-                <a:cs typeface="Consolas" pitchFamily="49" charset="0"/>
+                <a:latin typeface="Consolas"/>
+              </a:rPr>
+              <a:t> public </a:t>
+            </a:r>
+            <a:r>
+              <a:rPr lang="en-US" sz="2000" b="1" dirty="0">
+                <a:solidFill>
+                  <a:schemeClr val="bg1"/>
+                </a:solidFill>
+                <a:latin typeface="Consolas"/>
+              </a:rPr>
+              <a:t>interface </a:t>
+            </a:r>
+            <a:r>
+              <a:rPr lang="en-US" sz="2000" b="1" dirty="0" err="1">
+                <a:solidFill>
+                  <a:schemeClr val="bg1"/>
+                </a:solidFill>
+                <a:latin typeface="Consolas"/>
+              </a:rPr>
+              <a:t>IFindCustomers</a:t>
+            </a:r>
+            <a:r>
+              <a:rPr lang="en-US" sz="2000" b="1" dirty="0">
+                <a:solidFill>
+                  <a:schemeClr val="bg1"/>
+                </a:solidFill>
+                <a:latin typeface="Consolas"/>
               </a:rPr>
               <a:t> </a:t>
-            </a:r>
-            <a:r>
-              <a:rPr lang="en-US" sz="2000" b="1" dirty="0" err="1" smtClean="0">
-                <a:solidFill>
-                  <a:schemeClr val="bg1"/>
-                </a:solidFill>
-                <a:latin typeface="Consolas" pitchFamily="49" charset="0"/>
-                <a:ea typeface="Roboto" pitchFamily="2" charset="0"/>
-                <a:cs typeface="Consolas" pitchFamily="49" charset="0"/>
-              </a:rPr>
-              <a:t>Iformatter</a:t>
-            </a:r>
-            <a:r>
-              <a:rPr lang="en-US" sz="2000" b="1" dirty="0" smtClean="0">
-                <a:solidFill>
-                  <a:schemeClr val="bg1"/>
-                </a:solidFill>
-                <a:latin typeface="Consolas" pitchFamily="49" charset="0"/>
-                <a:ea typeface="Roboto" pitchFamily="2" charset="0"/>
-                <a:cs typeface="Consolas" pitchFamily="49" charset="0"/>
-              </a:rPr>
-              <a:t/>
-            </a:r>
-            <a:br>
-              <a:rPr lang="en-US" sz="2000" b="1" dirty="0" smtClean="0">
-                <a:solidFill>
-                  <a:schemeClr val="bg1"/>
-                </a:solidFill>
-                <a:latin typeface="Consolas" pitchFamily="49" charset="0"/>
-                <a:ea typeface="Roboto" pitchFamily="2" charset="0"/>
-                <a:cs typeface="Consolas" pitchFamily="49" charset="0"/>
-              </a:rPr>
-            </a:br>
-            <a:r>
-              <a:rPr lang="en-US" sz="2000" b="1" dirty="0">
-                <a:solidFill>
-                  <a:schemeClr val="bg1"/>
-                </a:solidFill>
-                <a:latin typeface="Consolas" pitchFamily="49" charset="0"/>
-                <a:ea typeface="Roboto" pitchFamily="2" charset="0"/>
-                <a:cs typeface="Consolas" pitchFamily="49" charset="0"/>
-              </a:rPr>
-              <a:t/>
             </a:r>
             <a:br>
               <a:rPr lang="en-US" sz="2000" b="1" dirty="0">
                 <a:solidFill>
                   <a:schemeClr val="bg1"/>
                 </a:solidFill>
-                <a:latin typeface="Consolas" pitchFamily="49" charset="0"/>
-                <a:ea typeface="Roboto" pitchFamily="2" charset="0"/>
-                <a:cs typeface="Consolas" pitchFamily="49" charset="0"/>
+                <a:latin typeface="Consolas"/>
               </a:rPr>
             </a:br>
             <a:r>
-              <a:rPr lang="en-US" sz="2000" b="1" dirty="0" err="1" smtClean="0">
-                <a:solidFill>
-                  <a:schemeClr val="bg1"/>
-                </a:solidFill>
-                <a:latin typeface="Consolas" pitchFamily="49" charset="0"/>
-                <a:ea typeface="Roboto" pitchFamily="2" charset="0"/>
-                <a:cs typeface="Consolas" pitchFamily="49" charset="0"/>
-              </a:rPr>
-              <a:t>IFormat</a:t>
+              <a:rPr lang="en-US" sz="2000" b="1" dirty="0" smtClean="0">
+                <a:solidFill>
+                  <a:schemeClr val="bg1"/>
+                </a:solidFill>
+                <a:latin typeface="Consolas"/>
+              </a:rPr>
+              <a:t>  { </a:t>
+            </a:r>
+            <a:r>
+              <a:rPr lang="en-US" sz="2000" b="1" dirty="0">
+                <a:solidFill>
+                  <a:schemeClr val="bg1"/>
+                </a:solidFill>
+                <a:latin typeface="Consolas"/>
+              </a:rPr>
+              <a:t/>
+            </a:r>
+            <a:br>
+              <a:rPr lang="en-US" sz="2000" b="1" dirty="0">
+                <a:solidFill>
+                  <a:schemeClr val="bg1"/>
+                </a:solidFill>
+                <a:latin typeface="Consolas"/>
+              </a:rPr>
+            </a:br>
+            <a:r>
+              <a:rPr lang="en-US" sz="2000" b="1" dirty="0">
+                <a:solidFill>
+                  <a:schemeClr val="bg1"/>
+                </a:solidFill>
+                <a:latin typeface="Consolas"/>
+              </a:rPr>
+              <a:t>	</a:t>
+            </a:r>
+            <a:r>
+              <a:rPr lang="en-US" sz="2000" b="1" dirty="0" err="1">
+                <a:solidFill>
+                  <a:schemeClr val="bg1"/>
+                </a:solidFill>
+                <a:latin typeface="Consolas"/>
+              </a:rPr>
+              <a:t>IEnumerable</a:t>
+            </a:r>
+            <a:r>
+              <a:rPr lang="en-US" sz="2000" b="1" dirty="0">
+                <a:solidFill>
+                  <a:schemeClr val="bg1"/>
+                </a:solidFill>
+                <a:latin typeface="Consolas"/>
+              </a:rPr>
+              <a:t> &lt;Customer&gt; </a:t>
+            </a:r>
+            <a:r>
+              <a:rPr lang="en-US" sz="2000" b="1" dirty="0" err="1">
+                <a:solidFill>
+                  <a:schemeClr val="bg1"/>
+                </a:solidFill>
+                <a:latin typeface="Consolas"/>
+              </a:rPr>
+              <a:t>BornIn</a:t>
+            </a:r>
+            <a:r>
+              <a:rPr lang="en-US" sz="2000" b="1" dirty="0">
+                <a:solidFill>
+                  <a:schemeClr val="bg1"/>
+                </a:solidFill>
+                <a:latin typeface="Consolas"/>
+              </a:rPr>
+              <a:t>(</a:t>
+            </a:r>
+            <a:r>
+              <a:rPr lang="en-US" sz="2000" b="1" dirty="0" err="1">
+                <a:latin typeface="Consolas"/>
+              </a:rPr>
+              <a:t>DateTime</a:t>
+            </a:r>
+            <a:r>
+              <a:rPr lang="en-US" sz="2000" b="1" dirty="0">
+                <a:latin typeface="Consolas"/>
+              </a:rPr>
+              <a:t> </a:t>
+            </a:r>
+            <a:r>
+              <a:rPr lang="en-US" sz="2000" b="1" dirty="0" smtClean="0">
+                <a:solidFill>
+                  <a:srgbClr val="FF00FF"/>
+                </a:solidFill>
+                <a:latin typeface="Consolas"/>
+              </a:rPr>
+              <a:t>year</a:t>
+            </a:r>
+            <a:r>
+              <a:rPr lang="en-US" sz="2000" b="1" dirty="0" smtClean="0">
+                <a:solidFill>
+                  <a:schemeClr val="bg1"/>
+                </a:solidFill>
+                <a:latin typeface="Consolas"/>
+              </a:rPr>
+              <a:t>);</a:t>
+            </a:r>
+            <a:r>
+              <a:rPr lang="en-US" sz="2000" b="1" dirty="0">
+                <a:solidFill>
+                  <a:schemeClr val="bg1"/>
+                </a:solidFill>
+                <a:latin typeface="Consolas"/>
+              </a:rPr>
+              <a:t/>
+            </a:r>
+            <a:br>
+              <a:rPr lang="en-US" sz="2000" b="1" dirty="0">
+                <a:solidFill>
+                  <a:schemeClr val="bg1"/>
+                </a:solidFill>
+                <a:latin typeface="Consolas"/>
+              </a:rPr>
+            </a:br>
+            <a:r>
+              <a:rPr lang="en-US" sz="2000" b="1" dirty="0" smtClean="0">
+                <a:solidFill>
+                  <a:schemeClr val="bg1"/>
+                </a:solidFill>
+                <a:latin typeface="Consolas"/>
+              </a:rPr>
+              <a:t>  </a:t>
+            </a:r>
+            <a:r>
+              <a:rPr lang="en-US" sz="2000" b="1" dirty="0" smtClean="0">
+                <a:solidFill>
+                  <a:schemeClr val="bg1"/>
+                </a:solidFill>
+                <a:latin typeface="Consolas"/>
+              </a:rPr>
+              <a:t>}</a:t>
             </a:r>
             <a:endParaRPr lang="en-US" sz="2000" b="1" dirty="0">
               <a:solidFill>
@@ -7469,7 +7579,7 @@
     </p:spTree>
     <p:extLst>
       <p:ext uri="{BB962C8B-B14F-4D97-AF65-F5344CB8AC3E}">
-        <p14:creationId xmlns:p14="http://schemas.microsoft.com/office/powerpoint/2010/main" val="3705054776"/>
+        <p14:creationId xmlns:p14="http://schemas.microsoft.com/office/powerpoint/2010/main" val="293374804"/>
       </p:ext>
     </p:extLst>
   </p:cSld>
@@ -7532,6 +7642,17 @@
           <a:lstStyle/>
           <a:p>
             <a:r>
+              <a:rPr lang="en-US" sz="2000" b="1" dirty="0" smtClean="0">
+                <a:solidFill>
+                  <a:schemeClr val="bg1"/>
+                </a:solidFill>
+                <a:latin typeface="Consolas" pitchFamily="49" charset="0"/>
+                <a:ea typeface="Roboto" pitchFamily="2" charset="0"/>
+                <a:cs typeface="Consolas" pitchFamily="49" charset="0"/>
+              </a:rPr>
+              <a:t> </a:t>
+            </a:r>
+            <a:r>
               <a:rPr lang="en-US" sz="2000" b="1" dirty="0" err="1" smtClean="0">
                 <a:solidFill>
                   <a:schemeClr val="bg1"/>
@@ -7540,7 +7661,7 @@
                 <a:ea typeface="Roboto" pitchFamily="2" charset="0"/>
                 <a:cs typeface="Consolas" pitchFamily="49" charset="0"/>
               </a:rPr>
-              <a:t>IObserver</a:t>
+              <a:t>Iformatter</a:t>
             </a:r>
             <a:r>
               <a:rPr lang="en-US" sz="2000" b="1" dirty="0" smtClean="0">
@@ -7593,7 +7714,7 @@
                 <a:ea typeface="Roboto" pitchFamily="2" charset="0"/>
                 <a:cs typeface="Consolas" pitchFamily="49" charset="0"/>
               </a:rPr>
-              <a:t>IObserve</a:t>
+              <a:t>IFormat</a:t>
             </a:r>
             <a:endParaRPr lang="en-US" sz="2000" b="1" dirty="0">
               <a:solidFill>
@@ -7609,7 +7730,7 @@
     </p:spTree>
     <p:extLst>
       <p:ext uri="{BB962C8B-B14F-4D97-AF65-F5344CB8AC3E}">
-        <p14:creationId xmlns:p14="http://schemas.microsoft.com/office/powerpoint/2010/main" val="3715002187"/>
+        <p14:creationId xmlns:p14="http://schemas.microsoft.com/office/powerpoint/2010/main" val="3705054776"/>
       </p:ext>
     </p:extLst>
   </p:cSld>
@@ -7645,7 +7766,7 @@
       </p:grpSpPr>
       <p:sp>
         <p:nvSpPr>
-          <p:cNvPr id="3" name="Titel 2"/>
+          <p:cNvPr id="2" name="Titel 1"/>
           <p:cNvSpPr>
             <a:spLocks noGrp="1"/>
           </p:cNvSpPr>
@@ -7653,62 +7774,116 @@
             <p:ph type="title"/>
           </p:nvPr>
         </p:nvSpPr>
-        <p:spPr/>
-        <p:txBody>
-          <a:bodyPr/>
+        <p:spPr>
+          <a:xfrm>
+            <a:off x="0" y="0"/>
+            <a:ext cx="9144000" cy="6858000"/>
+          </a:xfrm>
+          <a:solidFill>
+            <a:schemeClr val="tx1">
+              <a:lumMod val="85000"/>
+              <a:lumOff val="15000"/>
+            </a:schemeClr>
+          </a:solidFill>
+        </p:spPr>
+        <p:txBody>
+          <a:bodyPr>
+            <a:normAutofit/>
+          </a:bodyPr>
           <a:lstStyle/>
           <a:p>
             <a:r>
-              <a:rPr lang="de-DE" dirty="0" smtClean="0"/>
-              <a:t>Interfaces </a:t>
+              <a:rPr lang="en-US" sz="2000" b="1" dirty="0" err="1" smtClean="0">
+                <a:solidFill>
+                  <a:schemeClr val="bg1"/>
+                </a:solidFill>
+                <a:latin typeface="Consolas" pitchFamily="49" charset="0"/>
+                <a:ea typeface="Roboto" pitchFamily="2" charset="0"/>
+                <a:cs typeface="Consolas" pitchFamily="49" charset="0"/>
+              </a:rPr>
+              <a:t>IObserver</a:t>
+            </a:r>
+            <a:r>
+              <a:rPr lang="en-US" sz="2000" b="1" dirty="0" smtClean="0">
+                <a:solidFill>
+                  <a:schemeClr val="bg1"/>
+                </a:solidFill>
+                <a:latin typeface="Consolas" pitchFamily="49" charset="0"/>
+                <a:ea typeface="Roboto" pitchFamily="2" charset="0"/>
+                <a:cs typeface="Consolas" pitchFamily="49" charset="0"/>
+              </a:rPr>
+              <a:t/>
             </a:r>
             <a:br>
-              <a:rPr lang="de-DE" dirty="0" smtClean="0"/>
+              <a:rPr lang="en-US" sz="2000" b="1" dirty="0" smtClean="0">
+                <a:solidFill>
+                  <a:schemeClr val="bg1"/>
+                </a:solidFill>
+                <a:latin typeface="Consolas" pitchFamily="49" charset="0"/>
+                <a:ea typeface="Roboto" pitchFamily="2" charset="0"/>
+                <a:cs typeface="Consolas" pitchFamily="49" charset="0"/>
+              </a:rPr>
             </a:br>
             <a:r>
-              <a:rPr lang="de-DE" dirty="0" smtClean="0"/>
-              <a:t>definieren </a:t>
-            </a:r>
-            <a:r>
-              <a:rPr lang="de-DE" dirty="0" smtClean="0">
-                <a:solidFill>
-                  <a:srgbClr val="FF00FF"/>
-                </a:solidFill>
-              </a:rPr>
-              <a:t>verhalten</a:t>
-            </a:r>
-            <a:r>
-              <a:rPr lang="de-DE" dirty="0" smtClean="0"/>
-              <a:t>. </a:t>
+              <a:rPr lang="en-US" sz="2000" b="1" dirty="0">
+                <a:solidFill>
+                  <a:schemeClr val="bg1"/>
+                </a:solidFill>
+                <a:latin typeface="Consolas" pitchFamily="49" charset="0"/>
+                <a:ea typeface="Roboto" pitchFamily="2" charset="0"/>
+                <a:cs typeface="Consolas" pitchFamily="49" charset="0"/>
+              </a:rPr>
+              <a:t/>
             </a:r>
             <a:br>
-              <a:rPr lang="de-DE" dirty="0" smtClean="0"/>
+              <a:rPr lang="en-US" sz="2000" b="1" dirty="0">
+                <a:solidFill>
+                  <a:schemeClr val="bg1"/>
+                </a:solidFill>
+                <a:latin typeface="Consolas" pitchFamily="49" charset="0"/>
+                <a:ea typeface="Roboto" pitchFamily="2" charset="0"/>
+                <a:cs typeface="Consolas" pitchFamily="49" charset="0"/>
+              </a:rPr>
             </a:br>
             <a:r>
-              <a:rPr lang="de-DE" dirty="0"/>
-              <a:t/>
-            </a:r>
-            <a:br>
-              <a:rPr lang="de-DE" dirty="0"/>
-            </a:br>
-            <a:r>
-              <a:rPr lang="de-DE" dirty="0" smtClean="0"/>
-              <a:t>Warum nennen wir sie nicht so?</a:t>
-            </a:r>
-            <a:endParaRPr lang="de-DE" dirty="0"/>
+              <a:rPr lang="en-US" sz="2000" b="1" dirty="0" err="1" smtClean="0">
+                <a:solidFill>
+                  <a:schemeClr val="bg1"/>
+                </a:solidFill>
+                <a:latin typeface="Consolas" pitchFamily="49" charset="0"/>
+                <a:ea typeface="Roboto" pitchFamily="2" charset="0"/>
+                <a:cs typeface="Consolas" pitchFamily="49" charset="0"/>
+              </a:rPr>
+              <a:t>IObserve</a:t>
+            </a:r>
+            <a:endParaRPr lang="en-US" sz="2000" b="1" dirty="0">
+              <a:solidFill>
+                <a:schemeClr val="bg1"/>
+              </a:solidFill>
+              <a:latin typeface="Consolas" pitchFamily="49" charset="0"/>
+              <a:ea typeface="Roboto" pitchFamily="2" charset="0"/>
+              <a:cs typeface="Consolas" pitchFamily="49" charset="0"/>
+            </a:endParaRPr>
           </a:p>
         </p:txBody>
       </p:sp>
     </p:spTree>
     <p:extLst>
       <p:ext uri="{BB962C8B-B14F-4D97-AF65-F5344CB8AC3E}">
-        <p14:creationId xmlns:p14="http://schemas.microsoft.com/office/powerpoint/2010/main" val="4164306444"/>
+        <p14:creationId xmlns:p14="http://schemas.microsoft.com/office/powerpoint/2010/main" val="3715002187"/>
       </p:ext>
     </p:extLst>
   </p:cSld>
   <p:clrMapOvr>
     <a:masterClrMapping/>
   </p:clrMapOvr>
+  <p:timing>
+    <p:tnLst>
+      <p:par>
+        <p:cTn id="1" dur="indefinite" restart="never" nodeType="tmRoot"/>
+      </p:par>
+    </p:tnLst>
+  </p:timing>
 </p:sld>
 </file>
 
@@ -7840,7 +8015,7 @@
       </p:grpSpPr>
       <p:sp>
         <p:nvSpPr>
-          <p:cNvPr id="2" name="Titel 1"/>
+          <p:cNvPr id="3" name="Titel 2"/>
           <p:cNvSpPr>
             <a:spLocks noGrp="1"/>
           </p:cNvSpPr>
@@ -7855,7 +8030,40 @@
           <a:p>
             <a:r>
               <a:rPr lang="de-DE" dirty="0" smtClean="0"/>
-              <a:t>I Do Something For You</a:t>
+              <a:t>Interfaces </a:t>
+            </a:r>
+            <a:br>
+              <a:rPr lang="de-DE" dirty="0" smtClean="0"/>
+            </a:br>
+            <a:r>
+              <a:rPr lang="de-DE" dirty="0" smtClean="0"/>
+              <a:t>definieren </a:t>
+            </a:r>
+            <a:r>
+              <a:rPr lang="de-DE" dirty="0" smtClean="0">
+                <a:solidFill>
+                  <a:srgbClr val="FF00FF"/>
+                </a:solidFill>
+              </a:rPr>
+              <a:t>verhalten</a:t>
+            </a:r>
+            <a:r>
+              <a:rPr lang="de-DE" dirty="0" smtClean="0"/>
+              <a:t>. </a:t>
+            </a:r>
+            <a:br>
+              <a:rPr lang="de-DE" dirty="0" smtClean="0"/>
+            </a:br>
+            <a:r>
+              <a:rPr lang="de-DE" dirty="0"/>
+              <a:t/>
+            </a:r>
+            <a:br>
+              <a:rPr lang="de-DE" dirty="0"/>
+            </a:br>
+            <a:r>
+              <a:rPr lang="de-DE" dirty="0" smtClean="0"/>
+              <a:t>Warum nennen wir sie nicht so?</a:t>
             </a:r>
             <a:endParaRPr lang="de-DE" dirty="0"/>
           </a:p>
@@ -7864,13 +8072,20 @@
     </p:spTree>
     <p:extLst>
       <p:ext uri="{BB962C8B-B14F-4D97-AF65-F5344CB8AC3E}">
-        <p14:creationId xmlns:p14="http://schemas.microsoft.com/office/powerpoint/2010/main" val="2259103098"/>
+        <p14:creationId xmlns:p14="http://schemas.microsoft.com/office/powerpoint/2010/main" val="4164306444"/>
       </p:ext>
     </p:extLst>
   </p:cSld>
   <p:clrMapOvr>
     <a:masterClrMapping/>
   </p:clrMapOvr>
+  <p:timing>
+    <p:tnLst>
+      <p:par>
+        <p:cTn id="1" dur="indefinite" restart="never" nodeType="tmRoot"/>
+      </p:par>
+    </p:tnLst>
+  </p:timing>
 </p:sld>
 </file>
 
@@ -7908,35 +8123,18 @@
           <a:p>
             <a:r>
               <a:rPr lang="de-DE" dirty="0" smtClean="0"/>
-              <a:t>Systemische Metapher</a:t>
-            </a:r>
-            <a:br>
-              <a:rPr lang="de-DE" dirty="0" smtClean="0"/>
-            </a:br>
-            <a:r>
-              <a:rPr lang="de-DE" dirty="0" smtClean="0"/>
-              <a:t/>
-            </a:r>
-            <a:br>
-              <a:rPr lang="de-DE" dirty="0" smtClean="0"/>
-            </a:br>
-            <a:r>
-              <a:rPr lang="de-DE" dirty="0" smtClean="0">
-                <a:solidFill>
-                  <a:srgbClr val="FF00FF"/>
-                </a:solidFill>
-              </a:rPr>
-              <a:t>Klare Namen</a:t>
-            </a:r>
-            <a:endParaRPr lang="en-US" dirty="0">
-              <a:solidFill>
-                <a:srgbClr val="FF00FF"/>
-              </a:solidFill>
-            </a:endParaRPr>
+              <a:t>I Do Something For You</a:t>
+            </a:r>
+            <a:endParaRPr lang="de-DE" dirty="0"/>
           </a:p>
         </p:txBody>
       </p:sp>
     </p:spTree>
+    <p:extLst>
+      <p:ext uri="{BB962C8B-B14F-4D97-AF65-F5344CB8AC3E}">
+        <p14:creationId xmlns:p14="http://schemas.microsoft.com/office/powerpoint/2010/main" val="2259103098"/>
+      </p:ext>
+    </p:extLst>
   </p:cSld>
   <p:clrMapOvr>
     <a:masterClrMapping/>
@@ -7980,228 +8178,35 @@
         </p:nvSpPr>
         <p:spPr/>
         <p:txBody>
-          <a:bodyPr>
-            <a:normAutofit/>
-          </a:bodyPr>
+          <a:bodyPr/>
           <a:lstStyle/>
           <a:p>
-            <a:pPr algn="l"/>
-            <a:r>
-              <a:rPr lang="de-AT" sz="1200" dirty="0" err="1" smtClean="0">
-                <a:latin typeface="Roboto" pitchFamily="2" charset="0"/>
-                <a:ea typeface="Roboto" pitchFamily="2" charset="0"/>
-              </a:rPr>
-              <a:t>Inspired</a:t>
-            </a:r>
-            <a:r>
-              <a:rPr lang="de-AT" sz="1200" dirty="0" smtClean="0">
-                <a:latin typeface="Roboto" pitchFamily="2" charset="0"/>
-                <a:ea typeface="Roboto" pitchFamily="2" charset="0"/>
-              </a:rPr>
-              <a:t> </a:t>
-            </a:r>
-            <a:r>
-              <a:rPr lang="de-AT" sz="1200" dirty="0" err="1" smtClean="0">
-                <a:latin typeface="Roboto" pitchFamily="2" charset="0"/>
-                <a:ea typeface="Roboto" pitchFamily="2" charset="0"/>
-              </a:rPr>
-              <a:t>by</a:t>
-            </a:r>
-            <a:r>
-              <a:rPr lang="de-AT" sz="1200" dirty="0" smtClean="0">
-                <a:latin typeface="Roboto" pitchFamily="2" charset="0"/>
-                <a:ea typeface="Roboto" pitchFamily="2" charset="0"/>
-              </a:rPr>
-              <a:t> and using the </a:t>
-            </a:r>
-            <a:r>
-              <a:rPr lang="de-AT" sz="1200" dirty="0" err="1" smtClean="0">
-                <a:latin typeface="Roboto" pitchFamily="2" charset="0"/>
-                <a:ea typeface="Roboto" pitchFamily="2" charset="0"/>
-              </a:rPr>
-              <a:t>fonts</a:t>
-            </a:r>
-            <a:r>
-              <a:rPr lang="de-AT" sz="1200" dirty="0" smtClean="0">
-                <a:latin typeface="Roboto" pitchFamily="2" charset="0"/>
-                <a:ea typeface="Roboto" pitchFamily="2" charset="0"/>
-              </a:rPr>
-              <a:t> </a:t>
-            </a:r>
-            <a:r>
-              <a:rPr lang="de-AT" sz="1200" dirty="0" err="1" smtClean="0">
-                <a:latin typeface="Roboto" pitchFamily="2" charset="0"/>
-                <a:ea typeface="Roboto" pitchFamily="2" charset="0"/>
-              </a:rPr>
-              <a:t>suggested</a:t>
-            </a:r>
-            <a:r>
-              <a:rPr lang="de-AT" sz="1200" dirty="0" smtClean="0">
-                <a:latin typeface="Roboto" pitchFamily="2" charset="0"/>
-                <a:ea typeface="Roboto" pitchFamily="2" charset="0"/>
-              </a:rPr>
-              <a:t> at</a:t>
+            <a:r>
+              <a:rPr lang="de-DE" dirty="0" smtClean="0"/>
+              <a:t>Systemische Metapher</a:t>
             </a:r>
             <a:br>
-              <a:rPr lang="de-AT" sz="1200" dirty="0" smtClean="0">
-                <a:latin typeface="Roboto" pitchFamily="2" charset="0"/>
-                <a:ea typeface="Roboto" pitchFamily="2" charset="0"/>
-              </a:rPr>
+              <a:rPr lang="de-DE" dirty="0" smtClean="0"/>
             </a:br>
             <a:r>
-              <a:rPr lang="de-AT" sz="1200" dirty="0" smtClean="0">
-                <a:latin typeface="Roboto" pitchFamily="2" charset="0"/>
-                <a:ea typeface="Roboto" pitchFamily="2" charset="0"/>
-                <a:hlinkClick r:id="rId2"/>
-              </a:rPr>
-              <a:t>http://www.labnol.org/software/tutorials/advice-select-best-fonts-for-powerpoint-presentation-slides/3355/</a:t>
-            </a:r>
-            <a:r>
-              <a:rPr lang="de-AT" sz="1200" dirty="0" smtClean="0">
-                <a:latin typeface="Roboto" pitchFamily="2" charset="0"/>
-                <a:ea typeface="Roboto" pitchFamily="2" charset="0"/>
-              </a:rPr>
+              <a:rPr lang="de-DE" dirty="0" smtClean="0"/>
               <a:t/>
             </a:r>
             <a:br>
-              <a:rPr lang="de-AT" sz="1200" dirty="0" smtClean="0">
-                <a:latin typeface="Roboto" pitchFamily="2" charset="0"/>
-                <a:ea typeface="Roboto" pitchFamily="2" charset="0"/>
-              </a:rPr>
+              <a:rPr lang="de-DE" dirty="0" smtClean="0"/>
             </a:br>
             <a:r>
-              <a:rPr lang="de-AT" sz="1200" dirty="0" smtClean="0">
-                <a:latin typeface="Roboto" pitchFamily="2" charset="0"/>
-                <a:ea typeface="Roboto" pitchFamily="2" charset="0"/>
-              </a:rPr>
-              <a:t/>
-            </a:r>
-            <a:br>
-              <a:rPr lang="de-AT" sz="1200" dirty="0" smtClean="0">
-                <a:latin typeface="Roboto" pitchFamily="2" charset="0"/>
-                <a:ea typeface="Roboto" pitchFamily="2" charset="0"/>
-              </a:rPr>
-            </a:br>
-            <a:r>
-              <a:rPr lang="de-AT" sz="1200" dirty="0" err="1" smtClean="0">
-                <a:latin typeface="Roboto" pitchFamily="2" charset="0"/>
-                <a:ea typeface="Roboto" pitchFamily="2" charset="0"/>
-              </a:rPr>
-              <a:t>Health</a:t>
-            </a:r>
-            <a:r>
-              <a:rPr lang="de-AT" sz="1200" dirty="0">
-                <a:latin typeface="Roboto" pitchFamily="2" charset="0"/>
-                <a:ea typeface="Roboto" pitchFamily="2" charset="0"/>
-              </a:rPr>
-              <a:t/>
-            </a:r>
-            <a:br>
-              <a:rPr lang="de-AT" sz="1200" dirty="0">
-                <a:latin typeface="Roboto" pitchFamily="2" charset="0"/>
-                <a:ea typeface="Roboto" pitchFamily="2" charset="0"/>
-              </a:rPr>
-            </a:br>
-            <a:r>
-              <a:rPr lang="de-DE" sz="1200" dirty="0">
-                <a:latin typeface="Roboto" pitchFamily="2" charset="0"/>
-                <a:ea typeface="Roboto" pitchFamily="2" charset="0"/>
-                <a:hlinkClick r:id="rId3"/>
-              </a:rPr>
-              <a:t>http://thenounproject.com/noun/first-aid/#</a:t>
-            </a:r>
-            <a:r>
-              <a:rPr lang="de-DE" sz="1200" dirty="0" smtClean="0">
-                <a:latin typeface="Roboto" pitchFamily="2" charset="0"/>
-                <a:ea typeface="Roboto" pitchFamily="2" charset="0"/>
-                <a:hlinkClick r:id="rId3"/>
-              </a:rPr>
-              <a:t>icon-No2208</a:t>
-            </a:r>
-            <a:r>
-              <a:rPr lang="de-DE" sz="1200" dirty="0" smtClean="0">
-                <a:latin typeface="Roboto" pitchFamily="2" charset="0"/>
-                <a:ea typeface="Roboto" pitchFamily="2" charset="0"/>
-              </a:rPr>
-              <a:t/>
-            </a:r>
-            <a:br>
-              <a:rPr lang="de-DE" sz="1200" dirty="0" smtClean="0">
-                <a:latin typeface="Roboto" pitchFamily="2" charset="0"/>
-                <a:ea typeface="Roboto" pitchFamily="2" charset="0"/>
-              </a:rPr>
-            </a:br>
-            <a:r>
-              <a:rPr lang="de-DE" sz="1200" dirty="0" smtClean="0">
-                <a:latin typeface="Roboto" pitchFamily="2" charset="0"/>
-                <a:ea typeface="Roboto" pitchFamily="2" charset="0"/>
-              </a:rPr>
-              <a:t/>
-            </a:r>
-            <a:br>
-              <a:rPr lang="de-DE" sz="1200" dirty="0" smtClean="0">
-                <a:latin typeface="Roboto" pitchFamily="2" charset="0"/>
-                <a:ea typeface="Roboto" pitchFamily="2" charset="0"/>
-              </a:rPr>
-            </a:br>
-            <a:r>
-              <a:rPr lang="de-DE" sz="1200" dirty="0">
-                <a:latin typeface="Roboto" pitchFamily="2" charset="0"/>
-                <a:ea typeface="Roboto" pitchFamily="2" charset="0"/>
-              </a:rPr>
-              <a:t/>
-            </a:r>
-            <a:br>
-              <a:rPr lang="de-DE" sz="1200" dirty="0">
-                <a:latin typeface="Roboto" pitchFamily="2" charset="0"/>
-                <a:ea typeface="Roboto" pitchFamily="2" charset="0"/>
-              </a:rPr>
-            </a:br>
-            <a:r>
-              <a:rPr lang="de-DE" sz="1200" dirty="0">
-                <a:latin typeface="Roboto" pitchFamily="2" charset="0"/>
-                <a:ea typeface="Roboto" pitchFamily="2" charset="0"/>
-              </a:rPr>
-              <a:t/>
-            </a:r>
-            <a:br>
-              <a:rPr lang="de-DE" sz="1200" dirty="0">
-                <a:latin typeface="Roboto" pitchFamily="2" charset="0"/>
-                <a:ea typeface="Roboto" pitchFamily="2" charset="0"/>
-              </a:rPr>
-            </a:br>
-            <a:r>
-              <a:rPr lang="de-DE" sz="1200" dirty="0" smtClean="0">
-                <a:latin typeface="Roboto" pitchFamily="2" charset="0"/>
-                <a:ea typeface="Roboto" pitchFamily="2" charset="0"/>
-              </a:rPr>
-              <a:t>Andy Palmer on Singletons</a:t>
-            </a:r>
-            <a:br>
-              <a:rPr lang="de-DE" sz="1200" dirty="0" smtClean="0">
-                <a:latin typeface="Roboto" pitchFamily="2" charset="0"/>
-                <a:ea typeface="Roboto" pitchFamily="2" charset="0"/>
-              </a:rPr>
-            </a:br>
-            <a:r>
-              <a:rPr lang="de-DE" sz="1200" dirty="0" smtClean="0">
-                <a:latin typeface="Roboto" pitchFamily="2" charset="0"/>
-                <a:ea typeface="Roboto" pitchFamily="2" charset="0"/>
-                <a:hlinkClick r:id="rId4"/>
-              </a:rPr>
-              <a:t>http</a:t>
-            </a:r>
-            <a:r>
-              <a:rPr lang="de-DE" sz="1200" dirty="0">
-                <a:latin typeface="Roboto" pitchFamily="2" charset="0"/>
-                <a:ea typeface="Roboto" pitchFamily="2" charset="0"/>
-                <a:hlinkClick r:id="rId4"/>
-              </a:rPr>
-              <a:t>://andypalmer.com/2008/05/singletons/</a:t>
-            </a:r>
-            <a:endParaRPr lang="en-US" sz="1200" dirty="0">
-              <a:latin typeface="Roboto" pitchFamily="2" charset="0"/>
-              <a:ea typeface="Roboto" pitchFamily="2" charset="0"/>
+              <a:rPr lang="de-DE" dirty="0" smtClean="0">
+                <a:solidFill>
+                  <a:srgbClr val="FF00FF"/>
+                </a:solidFill>
+              </a:rPr>
+              <a:t>Klare Namen</a:t>
+            </a:r>
+            <a:endParaRPr lang="en-US" dirty="0">
+              <a:solidFill>
+                <a:srgbClr val="FF00FF"/>
+              </a:solidFill>
             </a:endParaRPr>
           </a:p>
         </p:txBody>
@@ -8222,6 +8227,276 @@
 </file>
 
 <file path=ppt/slides/slide123.xml><?xml version="1.0" encoding="utf-8"?>
+<p:sld xmlns:a="http://schemas.openxmlformats.org/drawingml/2006/main" xmlns:r="http://schemas.openxmlformats.org/officeDocument/2006/relationships" xmlns:p="http://schemas.openxmlformats.org/presentationml/2006/main">
+  <p:cSld>
+    <p:spTree>
+      <p:nvGrpSpPr>
+        <p:cNvPr id="1" name=""/>
+        <p:cNvGrpSpPr/>
+        <p:nvPr/>
+      </p:nvGrpSpPr>
+      <p:grpSpPr>
+        <a:xfrm>
+          <a:off x="0" y="0"/>
+          <a:ext cx="0" cy="0"/>
+          <a:chOff x="0" y="0"/>
+          <a:chExt cx="0" cy="0"/>
+        </a:xfrm>
+      </p:grpSpPr>
+      <p:sp>
+        <p:nvSpPr>
+          <p:cNvPr id="2" name="Titel 1"/>
+          <p:cNvSpPr>
+            <a:spLocks noGrp="1"/>
+          </p:cNvSpPr>
+          <p:nvPr>
+            <p:ph type="title"/>
+          </p:nvPr>
+        </p:nvSpPr>
+        <p:spPr/>
+        <p:txBody>
+          <a:bodyPr>
+            <a:normAutofit/>
+          </a:bodyPr>
+          <a:lstStyle/>
+          <a:p>
+            <a:pPr algn="l"/>
+            <a:r>
+              <a:rPr lang="de-AT" sz="1200" dirty="0" err="1" smtClean="0">
+                <a:latin typeface="Roboto" pitchFamily="2" charset="0"/>
+                <a:ea typeface="Roboto" pitchFamily="2" charset="0"/>
+              </a:rPr>
+              <a:t>Inspired</a:t>
+            </a:r>
+            <a:r>
+              <a:rPr lang="de-AT" sz="1200" dirty="0" smtClean="0">
+                <a:latin typeface="Roboto" pitchFamily="2" charset="0"/>
+                <a:ea typeface="Roboto" pitchFamily="2" charset="0"/>
+              </a:rPr>
+              <a:t> </a:t>
+            </a:r>
+            <a:r>
+              <a:rPr lang="de-AT" sz="1200" dirty="0" err="1" smtClean="0">
+                <a:latin typeface="Roboto" pitchFamily="2" charset="0"/>
+                <a:ea typeface="Roboto" pitchFamily="2" charset="0"/>
+              </a:rPr>
+              <a:t>by</a:t>
+            </a:r>
+            <a:r>
+              <a:rPr lang="de-AT" sz="1200" dirty="0" smtClean="0">
+                <a:latin typeface="Roboto" pitchFamily="2" charset="0"/>
+                <a:ea typeface="Roboto" pitchFamily="2" charset="0"/>
+              </a:rPr>
+              <a:t> and using the </a:t>
+            </a:r>
+            <a:r>
+              <a:rPr lang="de-AT" sz="1200" dirty="0" err="1" smtClean="0">
+                <a:latin typeface="Roboto" pitchFamily="2" charset="0"/>
+                <a:ea typeface="Roboto" pitchFamily="2" charset="0"/>
+              </a:rPr>
+              <a:t>fonts</a:t>
+            </a:r>
+            <a:r>
+              <a:rPr lang="de-AT" sz="1200" dirty="0" smtClean="0">
+                <a:latin typeface="Roboto" pitchFamily="2" charset="0"/>
+                <a:ea typeface="Roboto" pitchFamily="2" charset="0"/>
+              </a:rPr>
+              <a:t> </a:t>
+            </a:r>
+            <a:r>
+              <a:rPr lang="de-AT" sz="1200" dirty="0" err="1" smtClean="0">
+                <a:latin typeface="Roboto" pitchFamily="2" charset="0"/>
+                <a:ea typeface="Roboto" pitchFamily="2" charset="0"/>
+              </a:rPr>
+              <a:t>suggested</a:t>
+            </a:r>
+            <a:r>
+              <a:rPr lang="de-AT" sz="1200" dirty="0" smtClean="0">
+                <a:latin typeface="Roboto" pitchFamily="2" charset="0"/>
+                <a:ea typeface="Roboto" pitchFamily="2" charset="0"/>
+              </a:rPr>
+              <a:t> at</a:t>
+            </a:r>
+            <a:br>
+              <a:rPr lang="de-AT" sz="1200" dirty="0" smtClean="0">
+                <a:latin typeface="Roboto" pitchFamily="2" charset="0"/>
+                <a:ea typeface="Roboto" pitchFamily="2" charset="0"/>
+              </a:rPr>
+            </a:br>
+            <a:r>
+              <a:rPr lang="de-AT" sz="1200" dirty="0" smtClean="0">
+                <a:latin typeface="Roboto" pitchFamily="2" charset="0"/>
+                <a:ea typeface="Roboto" pitchFamily="2" charset="0"/>
+                <a:hlinkClick r:id="rId2"/>
+              </a:rPr>
+              <a:t>http://www.labnol.org/software/tutorials/advice-select-best-fonts-for-powerpoint-presentation-slides/3355/</a:t>
+            </a:r>
+            <a:r>
+              <a:rPr lang="de-AT" sz="1200" dirty="0" smtClean="0">
+                <a:latin typeface="Roboto" pitchFamily="2" charset="0"/>
+                <a:ea typeface="Roboto" pitchFamily="2" charset="0"/>
+              </a:rPr>
+              <a:t/>
+            </a:r>
+            <a:br>
+              <a:rPr lang="de-AT" sz="1200" dirty="0" smtClean="0">
+                <a:latin typeface="Roboto" pitchFamily="2" charset="0"/>
+                <a:ea typeface="Roboto" pitchFamily="2" charset="0"/>
+              </a:rPr>
+            </a:br>
+            <a:r>
+              <a:rPr lang="de-AT" sz="1200" dirty="0" smtClean="0">
+                <a:latin typeface="Roboto" pitchFamily="2" charset="0"/>
+                <a:ea typeface="Roboto" pitchFamily="2" charset="0"/>
+              </a:rPr>
+              <a:t/>
+            </a:r>
+            <a:br>
+              <a:rPr lang="de-AT" sz="1200" dirty="0" smtClean="0">
+                <a:latin typeface="Roboto" pitchFamily="2" charset="0"/>
+                <a:ea typeface="Roboto" pitchFamily="2" charset="0"/>
+              </a:rPr>
+            </a:br>
+            <a:r>
+              <a:rPr lang="de-AT" sz="1200" dirty="0" err="1" smtClean="0">
+                <a:latin typeface="Roboto" pitchFamily="2" charset="0"/>
+                <a:ea typeface="Roboto" pitchFamily="2" charset="0"/>
+              </a:rPr>
+              <a:t>Health</a:t>
+            </a:r>
+            <a:r>
+              <a:rPr lang="de-AT" sz="1200" dirty="0">
+                <a:latin typeface="Roboto" pitchFamily="2" charset="0"/>
+                <a:ea typeface="Roboto" pitchFamily="2" charset="0"/>
+              </a:rPr>
+              <a:t/>
+            </a:r>
+            <a:br>
+              <a:rPr lang="de-AT" sz="1200" dirty="0">
+                <a:latin typeface="Roboto" pitchFamily="2" charset="0"/>
+                <a:ea typeface="Roboto" pitchFamily="2" charset="0"/>
+              </a:rPr>
+            </a:br>
+            <a:r>
+              <a:rPr lang="de-DE" sz="1200" dirty="0">
+                <a:latin typeface="Roboto" pitchFamily="2" charset="0"/>
+                <a:ea typeface="Roboto" pitchFamily="2" charset="0"/>
+                <a:hlinkClick r:id="rId3"/>
+              </a:rPr>
+              <a:t>http://thenounproject.com/noun/first-aid/#</a:t>
+            </a:r>
+            <a:r>
+              <a:rPr lang="de-DE" sz="1200" dirty="0" smtClean="0">
+                <a:latin typeface="Roboto" pitchFamily="2" charset="0"/>
+                <a:ea typeface="Roboto" pitchFamily="2" charset="0"/>
+                <a:hlinkClick r:id="rId3"/>
+              </a:rPr>
+              <a:t>icon-No2208</a:t>
+            </a:r>
+            <a:r>
+              <a:rPr lang="de-DE" sz="1200" dirty="0" smtClean="0">
+                <a:latin typeface="Roboto" pitchFamily="2" charset="0"/>
+                <a:ea typeface="Roboto" pitchFamily="2" charset="0"/>
+              </a:rPr>
+              <a:t/>
+            </a:r>
+            <a:br>
+              <a:rPr lang="de-DE" sz="1200" dirty="0" smtClean="0">
+                <a:latin typeface="Roboto" pitchFamily="2" charset="0"/>
+                <a:ea typeface="Roboto" pitchFamily="2" charset="0"/>
+              </a:rPr>
+            </a:br>
+            <a:r>
+              <a:rPr lang="de-DE" sz="1200" dirty="0" smtClean="0">
+                <a:latin typeface="Roboto" pitchFamily="2" charset="0"/>
+                <a:ea typeface="Roboto" pitchFamily="2" charset="0"/>
+              </a:rPr>
+              <a:t/>
+            </a:r>
+            <a:br>
+              <a:rPr lang="de-DE" sz="1200" dirty="0" smtClean="0">
+                <a:latin typeface="Roboto" pitchFamily="2" charset="0"/>
+                <a:ea typeface="Roboto" pitchFamily="2" charset="0"/>
+              </a:rPr>
+            </a:br>
+            <a:r>
+              <a:rPr lang="de-DE" sz="1200" dirty="0">
+                <a:latin typeface="Roboto" pitchFamily="2" charset="0"/>
+                <a:ea typeface="Roboto" pitchFamily="2" charset="0"/>
+              </a:rPr>
+              <a:t/>
+            </a:r>
+            <a:br>
+              <a:rPr lang="de-DE" sz="1200" dirty="0">
+                <a:latin typeface="Roboto" pitchFamily="2" charset="0"/>
+                <a:ea typeface="Roboto" pitchFamily="2" charset="0"/>
+              </a:rPr>
+            </a:br>
+            <a:r>
+              <a:rPr lang="de-DE" sz="1200" dirty="0">
+                <a:latin typeface="Roboto" pitchFamily="2" charset="0"/>
+                <a:ea typeface="Roboto" pitchFamily="2" charset="0"/>
+              </a:rPr>
+              <a:t/>
+            </a:r>
+            <a:br>
+              <a:rPr lang="de-DE" sz="1200" dirty="0">
+                <a:latin typeface="Roboto" pitchFamily="2" charset="0"/>
+                <a:ea typeface="Roboto" pitchFamily="2" charset="0"/>
+              </a:rPr>
+            </a:br>
+            <a:r>
+              <a:rPr lang="de-DE" sz="1200" dirty="0" smtClean="0">
+                <a:latin typeface="Roboto" pitchFamily="2" charset="0"/>
+                <a:ea typeface="Roboto" pitchFamily="2" charset="0"/>
+              </a:rPr>
+              <a:t>Andy Palmer on Singletons</a:t>
+            </a:r>
+            <a:br>
+              <a:rPr lang="de-DE" sz="1200" dirty="0" smtClean="0">
+                <a:latin typeface="Roboto" pitchFamily="2" charset="0"/>
+                <a:ea typeface="Roboto" pitchFamily="2" charset="0"/>
+              </a:rPr>
+            </a:br>
+            <a:r>
+              <a:rPr lang="de-DE" sz="1200" dirty="0" smtClean="0">
+                <a:latin typeface="Roboto" pitchFamily="2" charset="0"/>
+                <a:ea typeface="Roboto" pitchFamily="2" charset="0"/>
+                <a:hlinkClick r:id="rId4"/>
+              </a:rPr>
+              <a:t>http</a:t>
+            </a:r>
+            <a:r>
+              <a:rPr lang="de-DE" sz="1200" dirty="0">
+                <a:latin typeface="Roboto" pitchFamily="2" charset="0"/>
+                <a:ea typeface="Roboto" pitchFamily="2" charset="0"/>
+                <a:hlinkClick r:id="rId4"/>
+              </a:rPr>
+              <a:t>://andypalmer.com/2008/05/singletons/</a:t>
+            </a:r>
+            <a:endParaRPr lang="en-US" sz="1200" dirty="0">
+              <a:latin typeface="Roboto" pitchFamily="2" charset="0"/>
+              <a:ea typeface="Roboto" pitchFamily="2" charset="0"/>
+            </a:endParaRPr>
+          </a:p>
+        </p:txBody>
+      </p:sp>
+    </p:spTree>
+  </p:cSld>
+  <p:clrMapOvr>
+    <a:masterClrMapping/>
+  </p:clrMapOvr>
+  <p:timing>
+    <p:tnLst>
+      <p:par>
+        <p:cTn id="1" dur="indefinite" restart="never" nodeType="tmRoot"/>
+      </p:par>
+    </p:tnLst>
+  </p:timing>
+</p:sld>
+</file>
+
+<file path=ppt/slides/slide124.xml><?xml version="1.0" encoding="utf-8"?>
 <p:sld xmlns:a="http://schemas.openxmlformats.org/drawingml/2006/main" xmlns:r="http://schemas.openxmlformats.org/officeDocument/2006/relationships" xmlns:p="http://schemas.openxmlformats.org/presentationml/2006/main">
   <p:cSld>
     <p:spTree>
@@ -21515,18 +21790,7 @@
                 <a:ea typeface="Roboto" pitchFamily="2" charset="0"/>
                 <a:cs typeface="Consolas" pitchFamily="49" charset="0"/>
               </a:rPr>
-              <a:t> </a:t>
-            </a:r>
-            <a:r>
-              <a:rPr lang="en-US" sz="2000" b="1" dirty="0" smtClean="0">
-                <a:solidFill>
-                  <a:schemeClr val="bg1"/>
-                </a:solidFill>
-                <a:latin typeface="Consolas" pitchFamily="49" charset="0"/>
-                <a:ea typeface="Roboto" pitchFamily="2" charset="0"/>
-                <a:cs typeface="Consolas" pitchFamily="49" charset="0"/>
-              </a:rPr>
-              <a:t>instance </a:t>
+              <a:t> instance </a:t>
             </a:r>
             <a:r>
               <a:rPr lang="en-US" sz="2000" b="1" dirty="0">
@@ -22289,14 +22553,6 @@
               </a:rPr>
               <a:t>&gt;();</a:t>
             </a:r>
-            <a:endParaRPr lang="en-US" sz="2000" b="1" dirty="0" smtClean="0">
-              <a:solidFill>
-                <a:schemeClr val="bg1"/>
-              </a:solidFill>
-              <a:latin typeface="Consolas" pitchFamily="49" charset="0"/>
-              <a:ea typeface="Roboto" pitchFamily="2" charset="0"/>
-              <a:cs typeface="Consolas" pitchFamily="49" charset="0"/>
-            </a:endParaRPr>
           </a:p>
         </p:txBody>
       </p:sp>
@@ -22481,14 +22737,6 @@
               </a:rPr>
               <a:t>&gt;();</a:t>
             </a:r>
-            <a:endParaRPr lang="en-US" sz="2000" b="1" dirty="0" smtClean="0">
-              <a:solidFill>
-                <a:schemeClr val="bg1"/>
-              </a:solidFill>
-              <a:latin typeface="Consolas" pitchFamily="49" charset="0"/>
-              <a:ea typeface="Roboto" pitchFamily="2" charset="0"/>
-              <a:cs typeface="Consolas" pitchFamily="49" charset="0"/>
-            </a:endParaRPr>
           </a:p>
         </p:txBody>
       </p:sp>
@@ -22670,14 +22918,6 @@
               </a:rPr>
               <a:t>&gt;();</a:t>
             </a:r>
-            <a:endParaRPr lang="en-US" sz="2000" b="1" dirty="0" smtClean="0">
-              <a:solidFill>
-                <a:schemeClr val="bg1"/>
-              </a:solidFill>
-              <a:latin typeface="Consolas" pitchFamily="49" charset="0"/>
-              <a:ea typeface="Roboto" pitchFamily="2" charset="0"/>
-              <a:cs typeface="Consolas" pitchFamily="49" charset="0"/>
-            </a:endParaRPr>
           </a:p>
         </p:txBody>
       </p:sp>
@@ -22843,14 +23083,6 @@
               </a:rPr>
               <a:t>&gt;();</a:t>
             </a:r>
-            <a:endParaRPr lang="en-US" sz="2000" b="1" dirty="0" smtClean="0">
-              <a:solidFill>
-                <a:schemeClr val="bg1"/>
-              </a:solidFill>
-              <a:latin typeface="Consolas" pitchFamily="49" charset="0"/>
-              <a:ea typeface="Roboto" pitchFamily="2" charset="0"/>
-              <a:cs typeface="Consolas" pitchFamily="49" charset="0"/>
-            </a:endParaRPr>
           </a:p>
         </p:txBody>
       </p:sp>

--- a/WeaselWords-DotnetDevCon.pptx
+++ b/WeaselWords-DotnetDevCon.pptx
@@ -316,7 +316,7 @@
             <a:fld id="{387BDB18-914D-4BFD-8CA5-9EA31C659A99}" type="datetimeFigureOut">
               <a:rPr lang="en-US" smtClean="0"/>
               <a:pPr/>
-              <a:t>5/15/2012</a:t>
+              <a:t>8/29/2012</a:t>
             </a:fld>
             <a:endParaRPr lang="en-US"/>
           </a:p>
@@ -984,7 +984,7 @@
             <a:fld id="{1BA50D42-C9CD-4801-B293-61D1F53EC57E}" type="datetimeFigureOut">
               <a:rPr lang="de-DE" smtClean="0"/>
               <a:pPr/>
-              <a:t>15.05.2012</a:t>
+              <a:t>29.08.2012</a:t>
             </a:fld>
             <a:endParaRPr lang="de-DE"/>
           </a:p>
@@ -1188,7 +1188,7 @@
             <a:fld id="{1BA50D42-C9CD-4801-B293-61D1F53EC57E}" type="datetimeFigureOut">
               <a:rPr lang="de-DE" smtClean="0"/>
               <a:pPr/>
-              <a:t>15.05.2012</a:t>
+              <a:t>29.08.2012</a:t>
             </a:fld>
             <a:endParaRPr lang="de-DE"/>
           </a:p>
@@ -1400,7 +1400,7 @@
             <a:fld id="{49009F1C-25D2-4D02-B5E1-1CF1D044B88A}" type="datetime1">
               <a:rPr lang="de-DE" smtClean="0"/>
               <a:pPr/>
-              <a:t>15.05.2012</a:t>
+              <a:t>29.08.2012</a:t>
             </a:fld>
             <a:endParaRPr lang="de-DE"/>
           </a:p>
@@ -1736,7 +1736,7 @@
             <a:fld id="{1BA50D42-C9CD-4801-B293-61D1F53EC57E}" type="datetimeFigureOut">
               <a:rPr lang="de-DE" smtClean="0"/>
               <a:pPr/>
-              <a:t>15.05.2012</a:t>
+              <a:t>29.08.2012</a:t>
             </a:fld>
             <a:endParaRPr lang="de-DE"/>
           </a:p>
@@ -2051,7 +2051,7 @@
             <a:fld id="{1BA50D42-C9CD-4801-B293-61D1F53EC57E}" type="datetimeFigureOut">
               <a:rPr lang="de-DE" smtClean="0"/>
               <a:pPr/>
-              <a:t>15.05.2012</a:t>
+              <a:t>29.08.2012</a:t>
             </a:fld>
             <a:endParaRPr lang="de-DE"/>
           </a:p>
@@ -2506,7 +2506,7 @@
             <a:fld id="{1BA50D42-C9CD-4801-B293-61D1F53EC57E}" type="datetimeFigureOut">
               <a:rPr lang="de-DE" smtClean="0"/>
               <a:pPr/>
-              <a:t>15.05.2012</a:t>
+              <a:t>29.08.2012</a:t>
             </a:fld>
             <a:endParaRPr lang="de-DE"/>
           </a:p>
@@ -2645,7 +2645,7 @@
             <a:fld id="{1BA50D42-C9CD-4801-B293-61D1F53EC57E}" type="datetimeFigureOut">
               <a:rPr lang="de-DE" smtClean="0"/>
               <a:pPr/>
-              <a:t>15.05.2012</a:t>
+              <a:t>29.08.2012</a:t>
             </a:fld>
             <a:endParaRPr lang="de-DE"/>
           </a:p>
@@ -2761,7 +2761,7 @@
             <a:fld id="{1BA50D42-C9CD-4801-B293-61D1F53EC57E}" type="datetimeFigureOut">
               <a:rPr lang="de-DE" smtClean="0"/>
               <a:pPr/>
-              <a:t>15.05.2012</a:t>
+              <a:t>29.08.2012</a:t>
             </a:fld>
             <a:endParaRPr lang="de-DE"/>
           </a:p>
@@ -3065,7 +3065,7 @@
             <a:fld id="{1BA50D42-C9CD-4801-B293-61D1F53EC57E}" type="datetimeFigureOut">
               <a:rPr lang="de-DE" smtClean="0"/>
               <a:pPr/>
-              <a:t>15.05.2012</a:t>
+              <a:t>29.08.2012</a:t>
             </a:fld>
             <a:endParaRPr lang="de-DE"/>
           </a:p>
@@ -3345,7 +3345,7 @@
             <a:fld id="{1BA50D42-C9CD-4801-B293-61D1F53EC57E}" type="datetimeFigureOut">
               <a:rPr lang="de-DE" smtClean="0"/>
               <a:pPr/>
-              <a:t>15.05.2012</a:t>
+              <a:t>29.08.2012</a:t>
             </a:fld>
             <a:endParaRPr lang="de-DE"/>
           </a:p>
@@ -3834,7 +3834,7 @@
           <a:p>
             <a:pPr algn="r"/>
             <a:r>
-              <a:rPr lang="en-US" sz="4400" dirty="0" smtClean="0">
+              <a:rPr lang="en-US" sz="4400" smtClean="0">
                 <a:solidFill>
                   <a:schemeClr val="tx1">
                     <a:lumMod val="75000"/>
@@ -3843,19 +3843,7 @@
                 </a:solidFill>
                 <a:ea typeface="Roboto" pitchFamily="2" charset="0"/>
               </a:rPr>
-              <a:t> Martin Golding</a:t>
-            </a:r>
-            <a:r>
-              <a:rPr lang="en-US" sz="2800" dirty="0" smtClean="0">
-                <a:solidFill>
-                  <a:schemeClr val="tx1">
-                    <a:lumMod val="75000"/>
-                    <a:lumOff val="25000"/>
-                  </a:schemeClr>
-                </a:solidFill>
-                <a:ea typeface="Roboto" pitchFamily="2" charset="0"/>
-              </a:rPr>
-              <a:t>.</a:t>
+              <a:t>John Woods.</a:t>
             </a:r>
             <a:endParaRPr lang="en-US" sz="2800" dirty="0">
               <a:solidFill>
@@ -7554,16 +7542,7 @@
                 </a:solidFill>
                 <a:latin typeface="Consolas"/>
               </a:rPr>
-              <a:t>  </a:t>
-            </a:r>
-            <a:r>
-              <a:rPr lang="en-US" sz="2000" b="1" dirty="0" smtClean="0">
-                <a:solidFill>
-                  <a:schemeClr val="bg1"/>
-                </a:solidFill>
-                <a:latin typeface="Consolas"/>
-              </a:rPr>
-              <a:t>}</a:t>
+              <a:t>  }</a:t>
             </a:r>
             <a:endParaRPr lang="en-US" sz="2000" b="1" dirty="0">
               <a:solidFill>

--- a/WeaselWords-DotnetDevCon.pptx
+++ b/WeaselWords-DotnetDevCon.pptx
@@ -340,7 +340,7 @@
             <a:fld id="{387BDB18-914D-4BFD-8CA5-9EA31C659A99}" type="datetimeFigureOut">
               <a:rPr lang="en-US" smtClean="0"/>
               <a:pPr/>
-              <a:t>9/27/2012</a:t>
+              <a:t>11/17/2012</a:t>
             </a:fld>
             <a:endParaRPr lang="en-US"/>
           </a:p>
@@ -511,7 +511,7 @@
     </p:spTree>
     <p:extLst>
       <p:ext uri="{BB962C8B-B14F-4D97-AF65-F5344CB8AC3E}">
-        <p14:creationId xmlns:p14="http://schemas.microsoft.com/office/powerpoint/2010/main" xmlns="" val="3673850454"/>
+        <p14:creationId xmlns="" xmlns:p14="http://schemas.microsoft.com/office/powerpoint/2010/main" val="3673850454"/>
       </p:ext>
     </p:extLst>
   </p:cSld>
@@ -902,7 +902,7 @@
     </p:spTree>
     <p:extLst>
       <p:ext uri="{BB962C8B-B14F-4D97-AF65-F5344CB8AC3E}">
-        <p14:creationId xmlns:p14="http://schemas.microsoft.com/office/powerpoint/2010/main" xmlns="" val="1932979210"/>
+        <p14:creationId xmlns="" xmlns:p14="http://schemas.microsoft.com/office/powerpoint/2010/main" val="1932979210"/>
       </p:ext>
     </p:extLst>
   </p:cSld>
@@ -1200,7 +1200,7 @@
             <a:fld id="{1BA50D42-C9CD-4801-B293-61D1F53EC57E}" type="datetimeFigureOut">
               <a:rPr lang="de-DE" smtClean="0"/>
               <a:pPr/>
-              <a:t>27.09.2012</a:t>
+              <a:t>17.11.2012</a:t>
             </a:fld>
             <a:endParaRPr lang="de-DE"/>
           </a:p>
@@ -1404,7 +1404,7 @@
             <a:fld id="{1BA50D42-C9CD-4801-B293-61D1F53EC57E}" type="datetimeFigureOut">
               <a:rPr lang="de-DE" smtClean="0"/>
               <a:pPr/>
-              <a:t>27.09.2012</a:t>
+              <a:t>17.11.2012</a:t>
             </a:fld>
             <a:endParaRPr lang="de-DE"/>
           </a:p>
@@ -1616,7 +1616,7 @@
             <a:fld id="{49009F1C-25D2-4D02-B5E1-1CF1D044B88A}" type="datetime1">
               <a:rPr lang="de-DE" smtClean="0"/>
               <a:pPr/>
-              <a:t>27.09.2012</a:t>
+              <a:t>17.11.2012</a:t>
             </a:fld>
             <a:endParaRPr lang="de-DE"/>
           </a:p>
@@ -1684,7 +1684,7 @@
     </p:spTree>
     <p:extLst>
       <p:ext uri="{BB962C8B-B14F-4D97-AF65-F5344CB8AC3E}">
-        <p14:creationId xmlns:p14="http://schemas.microsoft.com/office/powerpoint/2010/main" xmlns="" val="3524703957"/>
+        <p14:creationId xmlns="" xmlns:p14="http://schemas.microsoft.com/office/powerpoint/2010/main" val="3524703957"/>
       </p:ext>
     </p:extLst>
   </p:cSld>
@@ -1952,7 +1952,7 @@
             <a:fld id="{1BA50D42-C9CD-4801-B293-61D1F53EC57E}" type="datetimeFigureOut">
               <a:rPr lang="de-DE" smtClean="0"/>
               <a:pPr/>
-              <a:t>27.09.2012</a:t>
+              <a:t>17.11.2012</a:t>
             </a:fld>
             <a:endParaRPr lang="de-DE"/>
           </a:p>
@@ -2267,7 +2267,7 @@
             <a:fld id="{1BA50D42-C9CD-4801-B293-61D1F53EC57E}" type="datetimeFigureOut">
               <a:rPr lang="de-DE" smtClean="0"/>
               <a:pPr/>
-              <a:t>27.09.2012</a:t>
+              <a:t>17.11.2012</a:t>
             </a:fld>
             <a:endParaRPr lang="de-DE"/>
           </a:p>
@@ -2722,7 +2722,7 @@
             <a:fld id="{1BA50D42-C9CD-4801-B293-61D1F53EC57E}" type="datetimeFigureOut">
               <a:rPr lang="de-DE" smtClean="0"/>
               <a:pPr/>
-              <a:t>27.09.2012</a:t>
+              <a:t>17.11.2012</a:t>
             </a:fld>
             <a:endParaRPr lang="de-DE"/>
           </a:p>
@@ -2861,7 +2861,7 @@
             <a:fld id="{1BA50D42-C9CD-4801-B293-61D1F53EC57E}" type="datetimeFigureOut">
               <a:rPr lang="de-DE" smtClean="0"/>
               <a:pPr/>
-              <a:t>27.09.2012</a:t>
+              <a:t>17.11.2012</a:t>
             </a:fld>
             <a:endParaRPr lang="de-DE"/>
           </a:p>
@@ -2977,7 +2977,7 @@
             <a:fld id="{1BA50D42-C9CD-4801-B293-61D1F53EC57E}" type="datetimeFigureOut">
               <a:rPr lang="de-DE" smtClean="0"/>
               <a:pPr/>
-              <a:t>27.09.2012</a:t>
+              <a:t>17.11.2012</a:t>
             </a:fld>
             <a:endParaRPr lang="de-DE"/>
           </a:p>
@@ -3281,7 +3281,7 @@
             <a:fld id="{1BA50D42-C9CD-4801-B293-61D1F53EC57E}" type="datetimeFigureOut">
               <a:rPr lang="de-DE" smtClean="0"/>
               <a:pPr/>
-              <a:t>27.09.2012</a:t>
+              <a:t>17.11.2012</a:t>
             </a:fld>
             <a:endParaRPr lang="de-DE"/>
           </a:p>
@@ -3561,7 +3561,7 @@
             <a:fld id="{1BA50D42-C9CD-4801-B293-61D1F53EC57E}" type="datetimeFigureOut">
               <a:rPr lang="de-DE" smtClean="0"/>
               <a:pPr/>
-              <a:t>27.09.2012</a:t>
+              <a:t>17.11.2012</a:t>
             </a:fld>
             <a:endParaRPr lang="de-DE"/>
           </a:p>
@@ -4381,7 +4381,7 @@
     </p:spTree>
     <p:extLst>
       <p:ext uri="{BB962C8B-B14F-4D97-AF65-F5344CB8AC3E}">
-        <p14:creationId xmlns:p14="http://schemas.microsoft.com/office/powerpoint/2010/main" xmlns="" val="1103238575"/>
+        <p14:creationId xmlns="" xmlns:p14="http://schemas.microsoft.com/office/powerpoint/2010/main" val="1103238575"/>
       </p:ext>
     </p:extLst>
   </p:cSld>
@@ -4453,7 +4453,7 @@
     </p:spTree>
     <p:extLst>
       <p:ext uri="{BB962C8B-B14F-4D97-AF65-F5344CB8AC3E}">
-        <p14:creationId xmlns:p14="http://schemas.microsoft.com/office/powerpoint/2010/main" xmlns="" val="655278351"/>
+        <p14:creationId xmlns="" xmlns:p14="http://schemas.microsoft.com/office/powerpoint/2010/main" val="655278351"/>
       </p:ext>
     </p:extLst>
   </p:cSld>
@@ -4531,7 +4531,7 @@
     </p:spTree>
     <p:extLst>
       <p:ext uri="{BB962C8B-B14F-4D97-AF65-F5344CB8AC3E}">
-        <p14:creationId xmlns:p14="http://schemas.microsoft.com/office/powerpoint/2010/main" xmlns="" val="3777989840"/>
+        <p14:creationId xmlns="" xmlns:p14="http://schemas.microsoft.com/office/powerpoint/2010/main" val="3777989840"/>
       </p:ext>
     </p:extLst>
   </p:cSld>
@@ -4613,7 +4613,7 @@
     </p:spTree>
     <p:extLst>
       <p:ext uri="{BB962C8B-B14F-4D97-AF65-F5344CB8AC3E}">
-        <p14:creationId xmlns:p14="http://schemas.microsoft.com/office/powerpoint/2010/main" xmlns="" val="1212602323"/>
+        <p14:creationId xmlns="" xmlns:p14="http://schemas.microsoft.com/office/powerpoint/2010/main" val="1212602323"/>
       </p:ext>
     </p:extLst>
   </p:cSld>
@@ -4695,7 +4695,7 @@
     </p:spTree>
     <p:extLst>
       <p:ext uri="{BB962C8B-B14F-4D97-AF65-F5344CB8AC3E}">
-        <p14:creationId xmlns:p14="http://schemas.microsoft.com/office/powerpoint/2010/main" xmlns="" val="1862508108"/>
+        <p14:creationId xmlns="" xmlns:p14="http://schemas.microsoft.com/office/powerpoint/2010/main" val="1862508108"/>
       </p:ext>
     </p:extLst>
   </p:cSld>
@@ -4762,7 +4762,7 @@
     </p:spTree>
     <p:extLst>
       <p:ext uri="{BB962C8B-B14F-4D97-AF65-F5344CB8AC3E}">
-        <p14:creationId xmlns:p14="http://schemas.microsoft.com/office/powerpoint/2010/main" xmlns="" val="4046931998"/>
+        <p14:creationId xmlns="" xmlns:p14="http://schemas.microsoft.com/office/powerpoint/2010/main" val="4046931998"/>
       </p:ext>
     </p:extLst>
   </p:cSld>
@@ -4845,7 +4845,7 @@
           <a:blip r:embed="rId2" cstate="print">
             <a:extLst>
               <a:ext uri="{28A0092B-C50C-407E-A947-70E740481C1C}">
-                <a14:useLocalDpi xmlns:a14="http://schemas.microsoft.com/office/drawing/2010/main" xmlns="" val="0"/>
+                <a14:useLocalDpi xmlns="" xmlns:a14="http://schemas.microsoft.com/office/drawing/2010/main" val="0"/>
               </a:ext>
             </a:extLst>
           </a:blip>
@@ -4866,7 +4866,7 @@
     </p:spTree>
     <p:extLst>
       <p:ext uri="{BB962C8B-B14F-4D97-AF65-F5344CB8AC3E}">
-        <p14:creationId xmlns:p14="http://schemas.microsoft.com/office/powerpoint/2010/main" xmlns="" val="1667147901"/>
+        <p14:creationId xmlns="" xmlns:p14="http://schemas.microsoft.com/office/powerpoint/2010/main" val="1667147901"/>
       </p:ext>
     </p:extLst>
   </p:cSld>
@@ -4948,7 +4948,7 @@
     </p:spTree>
     <p:extLst>
       <p:ext uri="{BB962C8B-B14F-4D97-AF65-F5344CB8AC3E}">
-        <p14:creationId xmlns:p14="http://schemas.microsoft.com/office/powerpoint/2010/main" xmlns="" val="3295011282"/>
+        <p14:creationId xmlns="" xmlns:p14="http://schemas.microsoft.com/office/powerpoint/2010/main" val="3295011282"/>
       </p:ext>
     </p:extLst>
   </p:cSld>
@@ -5163,7 +5163,7 @@
     </p:spTree>
     <p:extLst>
       <p:ext uri="{BB962C8B-B14F-4D97-AF65-F5344CB8AC3E}">
-        <p14:creationId xmlns:p14="http://schemas.microsoft.com/office/powerpoint/2010/main" xmlns="" val="2734673817"/>
+        <p14:creationId xmlns="" xmlns:p14="http://schemas.microsoft.com/office/powerpoint/2010/main" val="2734673817"/>
       </p:ext>
     </p:extLst>
   </p:cSld>
@@ -5312,7 +5312,7 @@
     </p:spTree>
     <p:extLst>
       <p:ext uri="{BB962C8B-B14F-4D97-AF65-F5344CB8AC3E}">
-        <p14:creationId xmlns:p14="http://schemas.microsoft.com/office/powerpoint/2010/main" xmlns="" val="2938960995"/>
+        <p14:creationId xmlns="" xmlns:p14="http://schemas.microsoft.com/office/powerpoint/2010/main" val="2938960995"/>
       </p:ext>
     </p:extLst>
   </p:cSld>
@@ -5771,7 +5771,7 @@
     </p:spTree>
     <p:extLst>
       <p:ext uri="{BB962C8B-B14F-4D97-AF65-F5344CB8AC3E}">
-        <p14:creationId xmlns:p14="http://schemas.microsoft.com/office/powerpoint/2010/main" xmlns="" val="2926360070"/>
+        <p14:creationId xmlns="" xmlns:p14="http://schemas.microsoft.com/office/powerpoint/2010/main" val="2926360070"/>
       </p:ext>
     </p:extLst>
   </p:cSld>
@@ -5897,7 +5897,7 @@
     </p:spTree>
     <p:extLst>
       <p:ext uri="{BB962C8B-B14F-4D97-AF65-F5344CB8AC3E}">
-        <p14:creationId xmlns:p14="http://schemas.microsoft.com/office/powerpoint/2010/main" xmlns="" val="2129186102"/>
+        <p14:creationId xmlns="" xmlns:p14="http://schemas.microsoft.com/office/powerpoint/2010/main" val="2129186102"/>
       </p:ext>
     </p:extLst>
   </p:cSld>
@@ -5987,7 +5987,7 @@
     </p:spTree>
     <p:extLst>
       <p:ext uri="{BB962C8B-B14F-4D97-AF65-F5344CB8AC3E}">
-        <p14:creationId xmlns:p14="http://schemas.microsoft.com/office/powerpoint/2010/main" xmlns="" val="3566729274"/>
+        <p14:creationId xmlns="" xmlns:p14="http://schemas.microsoft.com/office/powerpoint/2010/main" val="3566729274"/>
       </p:ext>
     </p:extLst>
   </p:cSld>
@@ -6049,7 +6049,7 @@
     </p:spTree>
     <p:extLst>
       <p:ext uri="{BB962C8B-B14F-4D97-AF65-F5344CB8AC3E}">
-        <p14:creationId xmlns:p14="http://schemas.microsoft.com/office/powerpoint/2010/main" xmlns="" val="3452148279"/>
+        <p14:creationId xmlns="" xmlns:p14="http://schemas.microsoft.com/office/powerpoint/2010/main" val="3452148279"/>
       </p:ext>
     </p:extLst>
   </p:cSld>
@@ -6242,7 +6242,7 @@
     </p:spTree>
     <p:extLst>
       <p:ext uri="{BB962C8B-B14F-4D97-AF65-F5344CB8AC3E}">
-        <p14:creationId xmlns:p14="http://schemas.microsoft.com/office/powerpoint/2010/main" xmlns="" val="964902408"/>
+        <p14:creationId xmlns="" xmlns:p14="http://schemas.microsoft.com/office/powerpoint/2010/main" val="964902408"/>
       </p:ext>
     </p:extLst>
   </p:cSld>
@@ -6652,7 +6652,7 @@
     </p:spTree>
     <p:extLst>
       <p:ext uri="{BB962C8B-B14F-4D97-AF65-F5344CB8AC3E}">
-        <p14:creationId xmlns:p14="http://schemas.microsoft.com/office/powerpoint/2010/main" xmlns="" val="2273179978"/>
+        <p14:creationId xmlns="" xmlns:p14="http://schemas.microsoft.com/office/powerpoint/2010/main" val="2273179978"/>
       </p:ext>
     </p:extLst>
   </p:cSld>
@@ -6746,7 +6746,7 @@
     </p:spTree>
     <p:extLst>
       <p:ext uri="{BB962C8B-B14F-4D97-AF65-F5344CB8AC3E}">
-        <p14:creationId xmlns:p14="http://schemas.microsoft.com/office/powerpoint/2010/main" xmlns="" val="3074537217"/>
+        <p14:creationId xmlns="" xmlns:p14="http://schemas.microsoft.com/office/powerpoint/2010/main" val="3074537217"/>
       </p:ext>
     </p:extLst>
   </p:cSld>
@@ -6930,7 +6930,7 @@
     </p:spTree>
     <p:extLst>
       <p:ext uri="{BB962C8B-B14F-4D97-AF65-F5344CB8AC3E}">
-        <p14:creationId xmlns:p14="http://schemas.microsoft.com/office/powerpoint/2010/main" xmlns="" val="1505823429"/>
+        <p14:creationId xmlns="" xmlns:p14="http://schemas.microsoft.com/office/powerpoint/2010/main" val="1505823429"/>
       </p:ext>
     </p:extLst>
   </p:cSld>
@@ -7114,7 +7114,7 @@
     </p:spTree>
     <p:extLst>
       <p:ext uri="{BB962C8B-B14F-4D97-AF65-F5344CB8AC3E}">
-        <p14:creationId xmlns:p14="http://schemas.microsoft.com/office/powerpoint/2010/main" xmlns="" val="2799699760"/>
+        <p14:creationId xmlns="" xmlns:p14="http://schemas.microsoft.com/office/powerpoint/2010/main" val="2799699760"/>
       </p:ext>
     </p:extLst>
   </p:cSld>
@@ -7295,7 +7295,7 @@
     </p:spTree>
     <p:extLst>
       <p:ext uri="{BB962C8B-B14F-4D97-AF65-F5344CB8AC3E}">
-        <p14:creationId xmlns:p14="http://schemas.microsoft.com/office/powerpoint/2010/main" xmlns="" val="4077440827"/>
+        <p14:creationId xmlns="" xmlns:p14="http://schemas.microsoft.com/office/powerpoint/2010/main" val="4077440827"/>
       </p:ext>
     </p:extLst>
   </p:cSld>
@@ -7569,7 +7569,7 @@
     </p:spTree>
     <p:extLst>
       <p:ext uri="{BB962C8B-B14F-4D97-AF65-F5344CB8AC3E}">
-        <p14:creationId xmlns:p14="http://schemas.microsoft.com/office/powerpoint/2010/main" xmlns="" val="1364938391"/>
+        <p14:creationId xmlns="" xmlns:p14="http://schemas.microsoft.com/office/powerpoint/2010/main" val="1364938391"/>
       </p:ext>
     </p:extLst>
   </p:cSld>
@@ -7631,7 +7631,7 @@
     </p:spTree>
     <p:extLst>
       <p:ext uri="{BB962C8B-B14F-4D97-AF65-F5344CB8AC3E}">
-        <p14:creationId xmlns:p14="http://schemas.microsoft.com/office/powerpoint/2010/main" xmlns="" val="155309004"/>
+        <p14:creationId xmlns="" xmlns:p14="http://schemas.microsoft.com/office/powerpoint/2010/main" val="155309004"/>
       </p:ext>
     </p:extLst>
   </p:cSld>
@@ -8024,7 +8024,7 @@
     </p:spTree>
     <p:extLst>
       <p:ext uri="{BB962C8B-B14F-4D97-AF65-F5344CB8AC3E}">
-        <p14:creationId xmlns:p14="http://schemas.microsoft.com/office/powerpoint/2010/main" xmlns="" val="2470204541"/>
+        <p14:creationId xmlns="" xmlns:p14="http://schemas.microsoft.com/office/powerpoint/2010/main" val="2470204541"/>
       </p:ext>
     </p:extLst>
   </p:cSld>
@@ -8205,7 +8205,7 @@
     </p:spTree>
     <p:extLst>
       <p:ext uri="{BB962C8B-B14F-4D97-AF65-F5344CB8AC3E}">
-        <p14:creationId xmlns:p14="http://schemas.microsoft.com/office/powerpoint/2010/main" xmlns="" val="3650041397"/>
+        <p14:creationId xmlns="" xmlns:p14="http://schemas.microsoft.com/office/powerpoint/2010/main" val="3650041397"/>
       </p:ext>
     </p:extLst>
   </p:cSld>
@@ -8935,7 +8935,7 @@
     </p:spTree>
     <p:extLst>
       <p:ext uri="{BB962C8B-B14F-4D97-AF65-F5344CB8AC3E}">
-        <p14:creationId xmlns:p14="http://schemas.microsoft.com/office/powerpoint/2010/main" xmlns="" val="2710754239"/>
+        <p14:creationId xmlns="" xmlns:p14="http://schemas.microsoft.com/office/powerpoint/2010/main" val="2710754239"/>
       </p:ext>
     </p:extLst>
   </p:cSld>
@@ -9045,7 +9045,7 @@
     </p:spTree>
     <p:extLst>
       <p:ext uri="{BB962C8B-B14F-4D97-AF65-F5344CB8AC3E}">
-        <p14:creationId xmlns:p14="http://schemas.microsoft.com/office/powerpoint/2010/main" xmlns="" val="511458075"/>
+        <p14:creationId xmlns="" xmlns:p14="http://schemas.microsoft.com/office/powerpoint/2010/main" val="511458075"/>
       </p:ext>
     </p:extLst>
   </p:cSld>
@@ -9226,7 +9226,7 @@
     </p:spTree>
     <p:extLst>
       <p:ext uri="{BB962C8B-B14F-4D97-AF65-F5344CB8AC3E}">
-        <p14:creationId xmlns:p14="http://schemas.microsoft.com/office/powerpoint/2010/main" xmlns="" val="556193400"/>
+        <p14:creationId xmlns="" xmlns:p14="http://schemas.microsoft.com/office/powerpoint/2010/main" val="556193400"/>
       </p:ext>
     </p:extLst>
   </p:cSld>
@@ -9695,7 +9695,7 @@
     </p:spTree>
     <p:extLst>
       <p:ext uri="{BB962C8B-B14F-4D97-AF65-F5344CB8AC3E}">
-        <p14:creationId xmlns:p14="http://schemas.microsoft.com/office/powerpoint/2010/main" xmlns="" val="2232273031"/>
+        <p14:creationId xmlns="" xmlns:p14="http://schemas.microsoft.com/office/powerpoint/2010/main" val="2232273031"/>
       </p:ext>
     </p:extLst>
   </p:cSld>
@@ -10038,7 +10038,7 @@
     </p:spTree>
     <p:extLst>
       <p:ext uri="{BB962C8B-B14F-4D97-AF65-F5344CB8AC3E}">
-        <p14:creationId xmlns:p14="http://schemas.microsoft.com/office/powerpoint/2010/main" xmlns="" val="326209813"/>
+        <p14:creationId xmlns="" xmlns:p14="http://schemas.microsoft.com/office/powerpoint/2010/main" val="326209813"/>
       </p:ext>
     </p:extLst>
   </p:cSld>
@@ -10390,7 +10390,7 @@
     </p:spTree>
     <p:extLst>
       <p:ext uri="{BB962C8B-B14F-4D97-AF65-F5344CB8AC3E}">
-        <p14:creationId xmlns:p14="http://schemas.microsoft.com/office/powerpoint/2010/main" xmlns="" val="1985172737"/>
+        <p14:creationId xmlns="" xmlns:p14="http://schemas.microsoft.com/office/powerpoint/2010/main" val="1985172737"/>
       </p:ext>
     </p:extLst>
   </p:cSld>
@@ -10667,7 +10667,7 @@
     </p:spTree>
     <p:extLst>
       <p:ext uri="{BB962C8B-B14F-4D97-AF65-F5344CB8AC3E}">
-        <p14:creationId xmlns:p14="http://schemas.microsoft.com/office/powerpoint/2010/main" xmlns="" val="3422045647"/>
+        <p14:creationId xmlns="" xmlns:p14="http://schemas.microsoft.com/office/powerpoint/2010/main" val="3422045647"/>
       </p:ext>
     </p:extLst>
   </p:cSld>
@@ -11015,7 +11015,7 @@
     </p:spTree>
     <p:extLst>
       <p:ext uri="{BB962C8B-B14F-4D97-AF65-F5344CB8AC3E}">
-        <p14:creationId xmlns:p14="http://schemas.microsoft.com/office/powerpoint/2010/main" xmlns="" val="4240310967"/>
+        <p14:creationId xmlns="" xmlns:p14="http://schemas.microsoft.com/office/powerpoint/2010/main" val="4240310967"/>
       </p:ext>
     </p:extLst>
   </p:cSld>
@@ -11218,7 +11218,7 @@
     </p:spTree>
     <p:extLst>
       <p:ext uri="{BB962C8B-B14F-4D97-AF65-F5344CB8AC3E}">
-        <p14:creationId xmlns:p14="http://schemas.microsoft.com/office/powerpoint/2010/main" xmlns="" val="1511441888"/>
+        <p14:creationId xmlns="" xmlns:p14="http://schemas.microsoft.com/office/powerpoint/2010/main" val="1511441888"/>
       </p:ext>
     </p:extLst>
   </p:cSld>
@@ -11584,7 +11584,7 @@
     </p:spTree>
     <p:extLst>
       <p:ext uri="{BB962C8B-B14F-4D97-AF65-F5344CB8AC3E}">
-        <p14:creationId xmlns:p14="http://schemas.microsoft.com/office/powerpoint/2010/main" xmlns="" val="1967050782"/>
+        <p14:creationId xmlns="" xmlns:p14="http://schemas.microsoft.com/office/powerpoint/2010/main" val="1967050782"/>
       </p:ext>
     </p:extLst>
   </p:cSld>
@@ -11841,7 +11841,7 @@
     </p:spTree>
     <p:extLst>
       <p:ext uri="{BB962C8B-B14F-4D97-AF65-F5344CB8AC3E}">
-        <p14:creationId xmlns:p14="http://schemas.microsoft.com/office/powerpoint/2010/main" xmlns="" val="293374804"/>
+        <p14:creationId xmlns="" xmlns:p14="http://schemas.microsoft.com/office/powerpoint/2010/main" val="293374804"/>
       </p:ext>
     </p:extLst>
   </p:cSld>
@@ -11992,7 +11992,7 @@
     </p:spTree>
     <p:extLst>
       <p:ext uri="{BB962C8B-B14F-4D97-AF65-F5344CB8AC3E}">
-        <p14:creationId xmlns:p14="http://schemas.microsoft.com/office/powerpoint/2010/main" xmlns="" val="3705054776"/>
+        <p14:creationId xmlns="" xmlns:p14="http://schemas.microsoft.com/office/powerpoint/2010/main" val="3705054776"/>
       </p:ext>
     </p:extLst>
   </p:cSld>
@@ -12132,7 +12132,7 @@
     </p:spTree>
     <p:extLst>
       <p:ext uri="{BB962C8B-B14F-4D97-AF65-F5344CB8AC3E}">
-        <p14:creationId xmlns:p14="http://schemas.microsoft.com/office/powerpoint/2010/main" xmlns="" val="3715002187"/>
+        <p14:creationId xmlns="" xmlns:p14="http://schemas.microsoft.com/office/powerpoint/2010/main" val="3715002187"/>
       </p:ext>
     </p:extLst>
   </p:cSld>
@@ -12225,7 +12225,7 @@
     </p:spTree>
     <p:extLst>
       <p:ext uri="{BB962C8B-B14F-4D97-AF65-F5344CB8AC3E}">
-        <p14:creationId xmlns:p14="http://schemas.microsoft.com/office/powerpoint/2010/main" xmlns="" val="4164306444"/>
+        <p14:creationId xmlns="" xmlns:p14="http://schemas.microsoft.com/office/powerpoint/2010/main" val="4164306444"/>
       </p:ext>
     </p:extLst>
   </p:cSld>
@@ -12285,7 +12285,7 @@
     </p:spTree>
     <p:extLst>
       <p:ext uri="{BB962C8B-B14F-4D97-AF65-F5344CB8AC3E}">
-        <p14:creationId xmlns:p14="http://schemas.microsoft.com/office/powerpoint/2010/main" xmlns="" val="2259103098"/>
+        <p14:creationId xmlns="" xmlns:p14="http://schemas.microsoft.com/office/powerpoint/2010/main" val="2259103098"/>
       </p:ext>
     </p:extLst>
   </p:cSld>
@@ -14292,7 +14292,7 @@
           <a:blip r:embed="rId6" cstate="print">
             <a:extLst>
               <a:ext uri="{BEBA8EAE-BF5A-486C-A8C5-ECC9F3942E4B}">
-                <a14:imgProps xmlns:a14="http://schemas.microsoft.com/office/drawing/2010/main" xmlns="">
+                <a14:imgProps xmlns="" xmlns:a14="http://schemas.microsoft.com/office/drawing/2010/main">
                   <a14:imgLayer r:embed="rId7">
                     <a14:imgEffect>
                       <a14:backgroundRemoval t="0" b="100000" l="11914" r="86719"/>
@@ -14301,7 +14301,7 @@
                 </a14:imgProps>
               </a:ext>
               <a:ext uri="{28A0092B-C50C-407E-A947-70E740481C1C}">
-                <a14:useLocalDpi xmlns:a14="http://schemas.microsoft.com/office/drawing/2010/main" xmlns="" val="0"/>
+                <a14:useLocalDpi xmlns="" xmlns:a14="http://schemas.microsoft.com/office/drawing/2010/main" val="0"/>
               </a:ext>
             </a:extLst>
           </a:blip>
@@ -14321,7 +14321,7 @@
           <a:noFill/>
           <a:extLst>
             <a:ext uri="{909E8E84-426E-40DD-AFC4-6F175D3DCCD1}">
-              <a14:hiddenFill xmlns:a14="http://schemas.microsoft.com/office/drawing/2010/main" xmlns="">
+              <a14:hiddenFill xmlns="" xmlns:a14="http://schemas.microsoft.com/office/drawing/2010/main">
                 <a:solidFill>
                   <a:srgbClr val="FFFFFF"/>
                 </a:solidFill>
@@ -14379,7 +14379,7 @@
           <a:blip r:embed="rId8" cstate="print">
             <a:extLst>
               <a:ext uri="{28A0092B-C50C-407E-A947-70E740481C1C}">
-                <a14:useLocalDpi xmlns:a14="http://schemas.microsoft.com/office/drawing/2010/main" xmlns="" val="0"/>
+                <a14:useLocalDpi xmlns="" xmlns:a14="http://schemas.microsoft.com/office/drawing/2010/main" val="0"/>
               </a:ext>
             </a:extLst>
           </a:blip>
@@ -14399,7 +14399,7 @@
           <a:noFill/>
           <a:extLst>
             <a:ext uri="{909E8E84-426E-40DD-AFC4-6F175D3DCCD1}">
-              <a14:hiddenFill xmlns:a14="http://schemas.microsoft.com/office/drawing/2010/main" xmlns="">
+              <a14:hiddenFill xmlns="" xmlns:a14="http://schemas.microsoft.com/office/drawing/2010/main">
                 <a:solidFill>
                   <a:srgbClr val="FFFFFF"/>
                 </a:solidFill>
@@ -14411,7 +14411,7 @@
     </p:spTree>
     <p:extLst>
       <p:ext uri="{BB962C8B-B14F-4D97-AF65-F5344CB8AC3E}">
-        <p14:creationId xmlns:p14="http://schemas.microsoft.com/office/powerpoint/2010/main" xmlns="" val="3041060604"/>
+        <p14:creationId xmlns="" xmlns:p14="http://schemas.microsoft.com/office/powerpoint/2010/main" val="3041060604"/>
       </p:ext>
     </p:extLst>
   </p:cSld>
@@ -22100,16 +22100,7 @@
                 </a:solidFill>
                 <a:ea typeface="Roboto" pitchFamily="2" charset="0"/>
               </a:rPr>
-              <a:t> </a:t>
-            </a:r>
-            <a:r>
-              <a:rPr lang="en-US" sz="4400" dirty="0" smtClean="0">
-                <a:solidFill>
-                  <a:schemeClr val="bg1"/>
-                </a:solidFill>
-                <a:ea typeface="Roboto" pitchFamily="2" charset="0"/>
-              </a:rPr>
-              <a:t>Schiller, </a:t>
+              <a:t> Schiller, </a:t>
             </a:r>
             <a:r>
               <a:rPr lang="en-US" sz="4400" dirty="0" err="1" smtClean="0">
@@ -22359,7 +22350,7 @@
                 </a:solidFill>
                 <a:ea typeface="Roboto" pitchFamily="2" charset="0"/>
               </a:rPr>
-              <a:t>Schiller, </a:t>
+              <a:t>Heinrich Heine, </a:t>
             </a:r>
             <a:r>
               <a:rPr lang="en-US" sz="4400" dirty="0" err="1" smtClean="0">
@@ -22371,13 +22362,22 @@
               <a:t>Loreley</a:t>
             </a:r>
             <a:r>
-              <a:rPr lang="en-US" sz="4400" dirty="0" smtClean="0">
+              <a:rPr lang="en-US" sz="4400" smtClean="0">
                 <a:solidFill>
                   <a:srgbClr val="FF7400"/>
                 </a:solidFill>
                 <a:ea typeface="Roboto" pitchFamily="2" charset="0"/>
               </a:rPr>
-              <a:t>, 1837</a:t>
+              <a:t>, </a:t>
+            </a:r>
+            <a:r>
+              <a:rPr lang="en-US" sz="4400" smtClean="0">
+                <a:solidFill>
+                  <a:srgbClr val="FF7400"/>
+                </a:solidFill>
+                <a:ea typeface="Roboto" pitchFamily="2" charset="0"/>
+              </a:rPr>
+              <a:t>1824</a:t>
             </a:r>
             <a:endParaRPr lang="en-US" sz="2800" dirty="0">
               <a:solidFill>
@@ -22483,26 +22483,6 @@
               </a:rPr>
               <a:t>The Box</a:t>
             </a:r>
-            <a:endParaRPr kumimoji="0" lang="en-US" sz="7200" b="0" i="0" u="none" strike="noStrike" kern="1200" cap="none" spc="0" normalizeH="0" baseline="0" noProof="0" dirty="0" smtClean="0">
-              <a:ln w="19050">
-                <a:noFill/>
-              </a:ln>
-              <a:solidFill>
-                <a:srgbClr val="FF00FF"/>
-              </a:solidFill>
-              <a:effectLst>
-                <a:outerShdw blurRad="50800" dist="38100" dir="2700000" algn="tl" rotWithShape="0">
-                  <a:prstClr val="black">
-                    <a:alpha val="40000"/>
-                  </a:prstClr>
-                </a:outerShdw>
-              </a:effectLst>
-              <a:uLnTx/>
-              <a:uFillTx/>
-              <a:latin typeface="Lobster 1.4" pitchFamily="50" charset="0"/>
-              <a:ea typeface="+mn-ea"/>
-              <a:cs typeface="+mn-cs"/>
-            </a:endParaRPr>
           </a:p>
         </p:txBody>
       </p:sp>
@@ -23669,26 +23649,6 @@
               </a:rPr>
               <a:t>The Box</a:t>
             </a:r>
-            <a:endParaRPr kumimoji="0" lang="en-US" sz="7200" b="0" i="0" u="none" strike="noStrike" kern="1200" cap="none" spc="0" normalizeH="0" baseline="0" noProof="0" dirty="0" smtClean="0">
-              <a:ln w="19050">
-                <a:noFill/>
-              </a:ln>
-              <a:solidFill>
-                <a:srgbClr val="FF00FF"/>
-              </a:solidFill>
-              <a:effectLst>
-                <a:outerShdw blurRad="50800" dist="38100" dir="2700000" algn="tl" rotWithShape="0">
-                  <a:prstClr val="black">
-                    <a:alpha val="40000"/>
-                  </a:prstClr>
-                </a:outerShdw>
-              </a:effectLst>
-              <a:uLnTx/>
-              <a:uFillTx/>
-              <a:latin typeface="Lobster 1.4" pitchFamily="50" charset="0"/>
-              <a:ea typeface="+mn-ea"/>
-              <a:cs typeface="+mn-cs"/>
-            </a:endParaRPr>
           </a:p>
         </p:txBody>
       </p:sp>
@@ -29044,7 +29004,7 @@
     </p:spTree>
     <p:extLst>
       <p:ext uri="{BB962C8B-B14F-4D97-AF65-F5344CB8AC3E}">
-        <p14:creationId xmlns:p14="http://schemas.microsoft.com/office/powerpoint/2010/main" xmlns="" val="1585547321"/>
+        <p14:creationId xmlns="" xmlns:p14="http://schemas.microsoft.com/office/powerpoint/2010/main" val="1585547321"/>
       </p:ext>
     </p:extLst>
   </p:cSld>
@@ -29555,17 +29515,7 @@
                 <a:latin typeface="Arial" pitchFamily="34" charset="0"/>
                 <a:cs typeface="Arial" pitchFamily="34" charset="0"/>
               </a:rPr>
-              <a:t>Convenient </a:t>
-            </a:r>
-            <a:r>
-              <a:rPr lang="en-US" sz="2800" dirty="0" smtClean="0">
-                <a:solidFill>
-                  <a:schemeClr val="tx1"/>
-                </a:solidFill>
-                <a:latin typeface="Arial" pitchFamily="34" charset="0"/>
-                <a:cs typeface="Arial" pitchFamily="34" charset="0"/>
-              </a:rPr>
-              <a:t>proxy factory bean </a:t>
+              <a:t>Convenient proxy factory bean </a:t>
             </a:r>
             <a:r>
               <a:rPr lang="en-US" sz="2800" dirty="0" err="1" smtClean="0">
@@ -31784,7 +31734,7 @@
     </p:spTree>
     <p:extLst>
       <p:ext uri="{BB962C8B-B14F-4D97-AF65-F5344CB8AC3E}">
-        <p14:creationId xmlns:p14="http://schemas.microsoft.com/office/powerpoint/2010/main" xmlns="" val="4080653139"/>
+        <p14:creationId xmlns="" xmlns:p14="http://schemas.microsoft.com/office/powerpoint/2010/main" val="4080653139"/>
       </p:ext>
     </p:extLst>
   </p:cSld>
@@ -31861,7 +31811,7 @@
     </p:spTree>
     <p:extLst>
       <p:ext uri="{BB962C8B-B14F-4D97-AF65-F5344CB8AC3E}">
-        <p14:creationId xmlns:p14="http://schemas.microsoft.com/office/powerpoint/2010/main" xmlns="" val="3486408693"/>
+        <p14:creationId xmlns="" xmlns:p14="http://schemas.microsoft.com/office/powerpoint/2010/main" val="3486408693"/>
       </p:ext>
     </p:extLst>
   </p:cSld>
@@ -31938,7 +31888,7 @@
     </p:spTree>
     <p:extLst>
       <p:ext uri="{BB962C8B-B14F-4D97-AF65-F5344CB8AC3E}">
-        <p14:creationId xmlns:p14="http://schemas.microsoft.com/office/powerpoint/2010/main" xmlns="" val="1700360724"/>
+        <p14:creationId xmlns="" xmlns:p14="http://schemas.microsoft.com/office/powerpoint/2010/main" val="1700360724"/>
       </p:ext>
     </p:extLst>
   </p:cSld>
@@ -32005,7 +31955,7 @@
     </p:spTree>
     <p:extLst>
       <p:ext uri="{BB962C8B-B14F-4D97-AF65-F5344CB8AC3E}">
-        <p14:creationId xmlns:p14="http://schemas.microsoft.com/office/powerpoint/2010/main" xmlns="" val="2686215552"/>
+        <p14:creationId xmlns="" xmlns:p14="http://schemas.microsoft.com/office/powerpoint/2010/main" val="2686215552"/>
       </p:ext>
     </p:extLst>
   </p:cSld>
@@ -32088,7 +32038,7 @@
     </p:spTree>
     <p:extLst>
       <p:ext uri="{BB962C8B-B14F-4D97-AF65-F5344CB8AC3E}">
-        <p14:creationId xmlns:p14="http://schemas.microsoft.com/office/powerpoint/2010/main" xmlns="" val="667148433"/>
+        <p14:creationId xmlns="" xmlns:p14="http://schemas.microsoft.com/office/powerpoint/2010/main" val="667148433"/>
       </p:ext>
     </p:extLst>
   </p:cSld>
@@ -32174,7 +32124,7 @@
     </p:spTree>
     <p:extLst>
       <p:ext uri="{BB962C8B-B14F-4D97-AF65-F5344CB8AC3E}">
-        <p14:creationId xmlns:p14="http://schemas.microsoft.com/office/powerpoint/2010/main" xmlns="" val="600638369"/>
+        <p14:creationId xmlns="" xmlns:p14="http://schemas.microsoft.com/office/powerpoint/2010/main" val="600638369"/>
       </p:ext>
     </p:extLst>
   </p:cSld>
@@ -32287,7 +32237,7 @@
     </p:spTree>
     <p:extLst>
       <p:ext uri="{BB962C8B-B14F-4D97-AF65-F5344CB8AC3E}">
-        <p14:creationId xmlns:p14="http://schemas.microsoft.com/office/powerpoint/2010/main" xmlns="" val="1550625721"/>
+        <p14:creationId xmlns="" xmlns:p14="http://schemas.microsoft.com/office/powerpoint/2010/main" val="1550625721"/>
       </p:ext>
     </p:extLst>
   </p:cSld>
@@ -32421,7 +32371,7 @@
     </p:spTree>
     <p:extLst>
       <p:ext uri="{BB962C8B-B14F-4D97-AF65-F5344CB8AC3E}">
-        <p14:creationId xmlns:p14="http://schemas.microsoft.com/office/powerpoint/2010/main" xmlns="" val="480640005"/>
+        <p14:creationId xmlns="" xmlns:p14="http://schemas.microsoft.com/office/powerpoint/2010/main" val="480640005"/>
       </p:ext>
     </p:extLst>
   </p:cSld>

--- a/WeaselWords-DotnetDevCon.pptx
+++ b/WeaselWords-DotnetDevCon.pptx
@@ -340,7 +340,7 @@
             <a:fld id="{387BDB18-914D-4BFD-8CA5-9EA31C659A99}" type="datetimeFigureOut">
               <a:rPr lang="en-US" smtClean="0"/>
               <a:pPr/>
-              <a:t>11/17/2012</a:t>
+              <a:t>11/21/2012</a:t>
             </a:fld>
             <a:endParaRPr lang="en-US"/>
           </a:p>
@@ -511,7 +511,7 @@
     </p:spTree>
     <p:extLst>
       <p:ext uri="{BB962C8B-B14F-4D97-AF65-F5344CB8AC3E}">
-        <p14:creationId xmlns="" xmlns:p14="http://schemas.microsoft.com/office/powerpoint/2010/main" val="3673850454"/>
+        <p14:creationId xmlns:p14="http://schemas.microsoft.com/office/powerpoint/2010/main" val="3673850454"/>
       </p:ext>
     </p:extLst>
   </p:cSld>
@@ -902,7 +902,7 @@
     </p:spTree>
     <p:extLst>
       <p:ext uri="{BB962C8B-B14F-4D97-AF65-F5344CB8AC3E}">
-        <p14:creationId xmlns="" xmlns:p14="http://schemas.microsoft.com/office/powerpoint/2010/main" val="1932979210"/>
+        <p14:creationId xmlns:p14="http://schemas.microsoft.com/office/powerpoint/2010/main" val="1932979210"/>
       </p:ext>
     </p:extLst>
   </p:cSld>
@@ -1200,7 +1200,7 @@
             <a:fld id="{1BA50D42-C9CD-4801-B293-61D1F53EC57E}" type="datetimeFigureOut">
               <a:rPr lang="de-DE" smtClean="0"/>
               <a:pPr/>
-              <a:t>17.11.2012</a:t>
+              <a:t>21.11.2012</a:t>
             </a:fld>
             <a:endParaRPr lang="de-DE"/>
           </a:p>
@@ -1404,7 +1404,7 @@
             <a:fld id="{1BA50D42-C9CD-4801-B293-61D1F53EC57E}" type="datetimeFigureOut">
               <a:rPr lang="de-DE" smtClean="0"/>
               <a:pPr/>
-              <a:t>17.11.2012</a:t>
+              <a:t>21.11.2012</a:t>
             </a:fld>
             <a:endParaRPr lang="de-DE"/>
           </a:p>
@@ -1616,7 +1616,7 @@
             <a:fld id="{49009F1C-25D2-4D02-B5E1-1CF1D044B88A}" type="datetime1">
               <a:rPr lang="de-DE" smtClean="0"/>
               <a:pPr/>
-              <a:t>17.11.2012</a:t>
+              <a:t>21.11.2012</a:t>
             </a:fld>
             <a:endParaRPr lang="de-DE"/>
           </a:p>
@@ -1684,7 +1684,7 @@
     </p:spTree>
     <p:extLst>
       <p:ext uri="{BB962C8B-B14F-4D97-AF65-F5344CB8AC3E}">
-        <p14:creationId xmlns="" xmlns:p14="http://schemas.microsoft.com/office/powerpoint/2010/main" val="3524703957"/>
+        <p14:creationId xmlns:p14="http://schemas.microsoft.com/office/powerpoint/2010/main" val="3524703957"/>
       </p:ext>
     </p:extLst>
   </p:cSld>
@@ -1952,7 +1952,7 @@
             <a:fld id="{1BA50D42-C9CD-4801-B293-61D1F53EC57E}" type="datetimeFigureOut">
               <a:rPr lang="de-DE" smtClean="0"/>
               <a:pPr/>
-              <a:t>17.11.2012</a:t>
+              <a:t>21.11.2012</a:t>
             </a:fld>
             <a:endParaRPr lang="de-DE"/>
           </a:p>
@@ -2267,7 +2267,7 @@
             <a:fld id="{1BA50D42-C9CD-4801-B293-61D1F53EC57E}" type="datetimeFigureOut">
               <a:rPr lang="de-DE" smtClean="0"/>
               <a:pPr/>
-              <a:t>17.11.2012</a:t>
+              <a:t>21.11.2012</a:t>
             </a:fld>
             <a:endParaRPr lang="de-DE"/>
           </a:p>
@@ -2722,7 +2722,7 @@
             <a:fld id="{1BA50D42-C9CD-4801-B293-61D1F53EC57E}" type="datetimeFigureOut">
               <a:rPr lang="de-DE" smtClean="0"/>
               <a:pPr/>
-              <a:t>17.11.2012</a:t>
+              <a:t>21.11.2012</a:t>
             </a:fld>
             <a:endParaRPr lang="de-DE"/>
           </a:p>
@@ -2861,7 +2861,7 @@
             <a:fld id="{1BA50D42-C9CD-4801-B293-61D1F53EC57E}" type="datetimeFigureOut">
               <a:rPr lang="de-DE" smtClean="0"/>
               <a:pPr/>
-              <a:t>17.11.2012</a:t>
+              <a:t>21.11.2012</a:t>
             </a:fld>
             <a:endParaRPr lang="de-DE"/>
           </a:p>
@@ -2977,7 +2977,7 @@
             <a:fld id="{1BA50D42-C9CD-4801-B293-61D1F53EC57E}" type="datetimeFigureOut">
               <a:rPr lang="de-DE" smtClean="0"/>
               <a:pPr/>
-              <a:t>17.11.2012</a:t>
+              <a:t>21.11.2012</a:t>
             </a:fld>
             <a:endParaRPr lang="de-DE"/>
           </a:p>
@@ -3281,7 +3281,7 @@
             <a:fld id="{1BA50D42-C9CD-4801-B293-61D1F53EC57E}" type="datetimeFigureOut">
               <a:rPr lang="de-DE" smtClean="0"/>
               <a:pPr/>
-              <a:t>17.11.2012</a:t>
+              <a:t>21.11.2012</a:t>
             </a:fld>
             <a:endParaRPr lang="de-DE"/>
           </a:p>
@@ -3561,7 +3561,7 @@
             <a:fld id="{1BA50D42-C9CD-4801-B293-61D1F53EC57E}" type="datetimeFigureOut">
               <a:rPr lang="de-DE" smtClean="0"/>
               <a:pPr/>
-              <a:t>17.11.2012</a:t>
+              <a:t>21.11.2012</a:t>
             </a:fld>
             <a:endParaRPr lang="de-DE"/>
           </a:p>
@@ -4381,7 +4381,7 @@
     </p:spTree>
     <p:extLst>
       <p:ext uri="{BB962C8B-B14F-4D97-AF65-F5344CB8AC3E}">
-        <p14:creationId xmlns="" xmlns:p14="http://schemas.microsoft.com/office/powerpoint/2010/main" val="1103238575"/>
+        <p14:creationId xmlns:p14="http://schemas.microsoft.com/office/powerpoint/2010/main" val="1103238575"/>
       </p:ext>
     </p:extLst>
   </p:cSld>
@@ -4453,7 +4453,7 @@
     </p:spTree>
     <p:extLst>
       <p:ext uri="{BB962C8B-B14F-4D97-AF65-F5344CB8AC3E}">
-        <p14:creationId xmlns="" xmlns:p14="http://schemas.microsoft.com/office/powerpoint/2010/main" val="655278351"/>
+        <p14:creationId xmlns:p14="http://schemas.microsoft.com/office/powerpoint/2010/main" val="655278351"/>
       </p:ext>
     </p:extLst>
   </p:cSld>
@@ -4531,7 +4531,7 @@
     </p:spTree>
     <p:extLst>
       <p:ext uri="{BB962C8B-B14F-4D97-AF65-F5344CB8AC3E}">
-        <p14:creationId xmlns="" xmlns:p14="http://schemas.microsoft.com/office/powerpoint/2010/main" val="3777989840"/>
+        <p14:creationId xmlns:p14="http://schemas.microsoft.com/office/powerpoint/2010/main" val="3777989840"/>
       </p:ext>
     </p:extLst>
   </p:cSld>
@@ -4613,7 +4613,7 @@
     </p:spTree>
     <p:extLst>
       <p:ext uri="{BB962C8B-B14F-4D97-AF65-F5344CB8AC3E}">
-        <p14:creationId xmlns="" xmlns:p14="http://schemas.microsoft.com/office/powerpoint/2010/main" val="1212602323"/>
+        <p14:creationId xmlns:p14="http://schemas.microsoft.com/office/powerpoint/2010/main" val="1212602323"/>
       </p:ext>
     </p:extLst>
   </p:cSld>
@@ -4695,7 +4695,7 @@
     </p:spTree>
     <p:extLst>
       <p:ext uri="{BB962C8B-B14F-4D97-AF65-F5344CB8AC3E}">
-        <p14:creationId xmlns="" xmlns:p14="http://schemas.microsoft.com/office/powerpoint/2010/main" val="1862508108"/>
+        <p14:creationId xmlns:p14="http://schemas.microsoft.com/office/powerpoint/2010/main" val="1862508108"/>
       </p:ext>
     </p:extLst>
   </p:cSld>
@@ -4762,7 +4762,7 @@
     </p:spTree>
     <p:extLst>
       <p:ext uri="{BB962C8B-B14F-4D97-AF65-F5344CB8AC3E}">
-        <p14:creationId xmlns="" xmlns:p14="http://schemas.microsoft.com/office/powerpoint/2010/main" val="4046931998"/>
+        <p14:creationId xmlns:p14="http://schemas.microsoft.com/office/powerpoint/2010/main" val="4046931998"/>
       </p:ext>
     </p:extLst>
   </p:cSld>
@@ -4845,7 +4845,7 @@
           <a:blip r:embed="rId2" cstate="print">
             <a:extLst>
               <a:ext uri="{28A0092B-C50C-407E-A947-70E740481C1C}">
-                <a14:useLocalDpi xmlns="" xmlns:a14="http://schemas.microsoft.com/office/drawing/2010/main" val="0"/>
+                <a14:useLocalDpi xmlns:a14="http://schemas.microsoft.com/office/drawing/2010/main" val="0"/>
               </a:ext>
             </a:extLst>
           </a:blip>
@@ -4866,7 +4866,7 @@
     </p:spTree>
     <p:extLst>
       <p:ext uri="{BB962C8B-B14F-4D97-AF65-F5344CB8AC3E}">
-        <p14:creationId xmlns="" xmlns:p14="http://schemas.microsoft.com/office/powerpoint/2010/main" val="1667147901"/>
+        <p14:creationId xmlns:p14="http://schemas.microsoft.com/office/powerpoint/2010/main" val="1667147901"/>
       </p:ext>
     </p:extLst>
   </p:cSld>
@@ -4948,7 +4948,7 @@
     </p:spTree>
     <p:extLst>
       <p:ext uri="{BB962C8B-B14F-4D97-AF65-F5344CB8AC3E}">
-        <p14:creationId xmlns="" xmlns:p14="http://schemas.microsoft.com/office/powerpoint/2010/main" val="3295011282"/>
+        <p14:creationId xmlns:p14="http://schemas.microsoft.com/office/powerpoint/2010/main" val="3295011282"/>
       </p:ext>
     </p:extLst>
   </p:cSld>
@@ -5163,7 +5163,7 @@
     </p:spTree>
     <p:extLst>
       <p:ext uri="{BB962C8B-B14F-4D97-AF65-F5344CB8AC3E}">
-        <p14:creationId xmlns="" xmlns:p14="http://schemas.microsoft.com/office/powerpoint/2010/main" val="2734673817"/>
+        <p14:creationId xmlns:p14="http://schemas.microsoft.com/office/powerpoint/2010/main" val="2734673817"/>
       </p:ext>
     </p:extLst>
   </p:cSld>
@@ -5312,7 +5312,7 @@
     </p:spTree>
     <p:extLst>
       <p:ext uri="{BB962C8B-B14F-4D97-AF65-F5344CB8AC3E}">
-        <p14:creationId xmlns="" xmlns:p14="http://schemas.microsoft.com/office/powerpoint/2010/main" val="2938960995"/>
+        <p14:creationId xmlns:p14="http://schemas.microsoft.com/office/powerpoint/2010/main" val="2938960995"/>
       </p:ext>
     </p:extLst>
   </p:cSld>
@@ -5771,7 +5771,7 @@
     </p:spTree>
     <p:extLst>
       <p:ext uri="{BB962C8B-B14F-4D97-AF65-F5344CB8AC3E}">
-        <p14:creationId xmlns="" xmlns:p14="http://schemas.microsoft.com/office/powerpoint/2010/main" val="2926360070"/>
+        <p14:creationId xmlns:p14="http://schemas.microsoft.com/office/powerpoint/2010/main" val="2926360070"/>
       </p:ext>
     </p:extLst>
   </p:cSld>
@@ -5897,7 +5897,7 @@
     </p:spTree>
     <p:extLst>
       <p:ext uri="{BB962C8B-B14F-4D97-AF65-F5344CB8AC3E}">
-        <p14:creationId xmlns="" xmlns:p14="http://schemas.microsoft.com/office/powerpoint/2010/main" val="2129186102"/>
+        <p14:creationId xmlns:p14="http://schemas.microsoft.com/office/powerpoint/2010/main" val="2129186102"/>
       </p:ext>
     </p:extLst>
   </p:cSld>
@@ -5987,7 +5987,7 @@
     </p:spTree>
     <p:extLst>
       <p:ext uri="{BB962C8B-B14F-4D97-AF65-F5344CB8AC3E}">
-        <p14:creationId xmlns="" xmlns:p14="http://schemas.microsoft.com/office/powerpoint/2010/main" val="3566729274"/>
+        <p14:creationId xmlns:p14="http://schemas.microsoft.com/office/powerpoint/2010/main" val="3566729274"/>
       </p:ext>
     </p:extLst>
   </p:cSld>
@@ -6049,7 +6049,7 @@
     </p:spTree>
     <p:extLst>
       <p:ext uri="{BB962C8B-B14F-4D97-AF65-F5344CB8AC3E}">
-        <p14:creationId xmlns="" xmlns:p14="http://schemas.microsoft.com/office/powerpoint/2010/main" val="3452148279"/>
+        <p14:creationId xmlns:p14="http://schemas.microsoft.com/office/powerpoint/2010/main" val="3452148279"/>
       </p:ext>
     </p:extLst>
   </p:cSld>
@@ -6242,7 +6242,7 @@
     </p:spTree>
     <p:extLst>
       <p:ext uri="{BB962C8B-B14F-4D97-AF65-F5344CB8AC3E}">
-        <p14:creationId xmlns="" xmlns:p14="http://schemas.microsoft.com/office/powerpoint/2010/main" val="964902408"/>
+        <p14:creationId xmlns:p14="http://schemas.microsoft.com/office/powerpoint/2010/main" val="964902408"/>
       </p:ext>
     </p:extLst>
   </p:cSld>
@@ -6652,7 +6652,7 @@
     </p:spTree>
     <p:extLst>
       <p:ext uri="{BB962C8B-B14F-4D97-AF65-F5344CB8AC3E}">
-        <p14:creationId xmlns="" xmlns:p14="http://schemas.microsoft.com/office/powerpoint/2010/main" val="2273179978"/>
+        <p14:creationId xmlns:p14="http://schemas.microsoft.com/office/powerpoint/2010/main" val="2273179978"/>
       </p:ext>
     </p:extLst>
   </p:cSld>
@@ -6746,7 +6746,7 @@
     </p:spTree>
     <p:extLst>
       <p:ext uri="{BB962C8B-B14F-4D97-AF65-F5344CB8AC3E}">
-        <p14:creationId xmlns="" xmlns:p14="http://schemas.microsoft.com/office/powerpoint/2010/main" val="3074537217"/>
+        <p14:creationId xmlns:p14="http://schemas.microsoft.com/office/powerpoint/2010/main" val="3074537217"/>
       </p:ext>
     </p:extLst>
   </p:cSld>
@@ -6930,7 +6930,7 @@
     </p:spTree>
     <p:extLst>
       <p:ext uri="{BB962C8B-B14F-4D97-AF65-F5344CB8AC3E}">
-        <p14:creationId xmlns="" xmlns:p14="http://schemas.microsoft.com/office/powerpoint/2010/main" val="1505823429"/>
+        <p14:creationId xmlns:p14="http://schemas.microsoft.com/office/powerpoint/2010/main" val="1505823429"/>
       </p:ext>
     </p:extLst>
   </p:cSld>
@@ -7114,7 +7114,7 @@
     </p:spTree>
     <p:extLst>
       <p:ext uri="{BB962C8B-B14F-4D97-AF65-F5344CB8AC3E}">
-        <p14:creationId xmlns="" xmlns:p14="http://schemas.microsoft.com/office/powerpoint/2010/main" val="2799699760"/>
+        <p14:creationId xmlns:p14="http://schemas.microsoft.com/office/powerpoint/2010/main" val="2799699760"/>
       </p:ext>
     </p:extLst>
   </p:cSld>
@@ -7295,7 +7295,7 @@
     </p:spTree>
     <p:extLst>
       <p:ext uri="{BB962C8B-B14F-4D97-AF65-F5344CB8AC3E}">
-        <p14:creationId xmlns="" xmlns:p14="http://schemas.microsoft.com/office/powerpoint/2010/main" val="4077440827"/>
+        <p14:creationId xmlns:p14="http://schemas.microsoft.com/office/powerpoint/2010/main" val="4077440827"/>
       </p:ext>
     </p:extLst>
   </p:cSld>
@@ -7569,7 +7569,7 @@
     </p:spTree>
     <p:extLst>
       <p:ext uri="{BB962C8B-B14F-4D97-AF65-F5344CB8AC3E}">
-        <p14:creationId xmlns="" xmlns:p14="http://schemas.microsoft.com/office/powerpoint/2010/main" val="1364938391"/>
+        <p14:creationId xmlns:p14="http://schemas.microsoft.com/office/powerpoint/2010/main" val="1364938391"/>
       </p:ext>
     </p:extLst>
   </p:cSld>
@@ -7631,7 +7631,7 @@
     </p:spTree>
     <p:extLst>
       <p:ext uri="{BB962C8B-B14F-4D97-AF65-F5344CB8AC3E}">
-        <p14:creationId xmlns="" xmlns:p14="http://schemas.microsoft.com/office/powerpoint/2010/main" val="155309004"/>
+        <p14:creationId xmlns:p14="http://schemas.microsoft.com/office/powerpoint/2010/main" val="155309004"/>
       </p:ext>
     </p:extLst>
   </p:cSld>
@@ -8024,7 +8024,7 @@
     </p:spTree>
     <p:extLst>
       <p:ext uri="{BB962C8B-B14F-4D97-AF65-F5344CB8AC3E}">
-        <p14:creationId xmlns="" xmlns:p14="http://schemas.microsoft.com/office/powerpoint/2010/main" val="2470204541"/>
+        <p14:creationId xmlns:p14="http://schemas.microsoft.com/office/powerpoint/2010/main" val="2470204541"/>
       </p:ext>
     </p:extLst>
   </p:cSld>
@@ -8152,6 +8152,13 @@
   <p:clrMapOvr>
     <a:masterClrMapping/>
   </p:clrMapOvr>
+  <p:timing>
+    <p:tnLst>
+      <p:par>
+        <p:cTn id="1" dur="indefinite" restart="never" nodeType="tmRoot"/>
+      </p:par>
+    </p:tnLst>
+  </p:timing>
 </p:sld>
 </file>
 
@@ -8205,7 +8212,7 @@
     </p:spTree>
     <p:extLst>
       <p:ext uri="{BB962C8B-B14F-4D97-AF65-F5344CB8AC3E}">
-        <p14:creationId xmlns="" xmlns:p14="http://schemas.microsoft.com/office/powerpoint/2010/main" val="3650041397"/>
+        <p14:creationId xmlns:p14="http://schemas.microsoft.com/office/powerpoint/2010/main" val="3650041397"/>
       </p:ext>
     </p:extLst>
   </p:cSld>
@@ -8935,7 +8942,7 @@
     </p:spTree>
     <p:extLst>
       <p:ext uri="{BB962C8B-B14F-4D97-AF65-F5344CB8AC3E}">
-        <p14:creationId xmlns="" xmlns:p14="http://schemas.microsoft.com/office/powerpoint/2010/main" val="2710754239"/>
+        <p14:creationId xmlns:p14="http://schemas.microsoft.com/office/powerpoint/2010/main" val="2710754239"/>
       </p:ext>
     </p:extLst>
   </p:cSld>
@@ -9045,7 +9052,7 @@
     </p:spTree>
     <p:extLst>
       <p:ext uri="{BB962C8B-B14F-4D97-AF65-F5344CB8AC3E}">
-        <p14:creationId xmlns="" xmlns:p14="http://schemas.microsoft.com/office/powerpoint/2010/main" val="511458075"/>
+        <p14:creationId xmlns:p14="http://schemas.microsoft.com/office/powerpoint/2010/main" val="511458075"/>
       </p:ext>
     </p:extLst>
   </p:cSld>
@@ -9226,7 +9233,7 @@
     </p:spTree>
     <p:extLst>
       <p:ext uri="{BB962C8B-B14F-4D97-AF65-F5344CB8AC3E}">
-        <p14:creationId xmlns="" xmlns:p14="http://schemas.microsoft.com/office/powerpoint/2010/main" val="556193400"/>
+        <p14:creationId xmlns:p14="http://schemas.microsoft.com/office/powerpoint/2010/main" val="556193400"/>
       </p:ext>
     </p:extLst>
   </p:cSld>
@@ -9695,7 +9702,7 @@
     </p:spTree>
     <p:extLst>
       <p:ext uri="{BB962C8B-B14F-4D97-AF65-F5344CB8AC3E}">
-        <p14:creationId xmlns="" xmlns:p14="http://schemas.microsoft.com/office/powerpoint/2010/main" val="2232273031"/>
+        <p14:creationId xmlns:p14="http://schemas.microsoft.com/office/powerpoint/2010/main" val="2232273031"/>
       </p:ext>
     </p:extLst>
   </p:cSld>
@@ -10038,7 +10045,7 @@
     </p:spTree>
     <p:extLst>
       <p:ext uri="{BB962C8B-B14F-4D97-AF65-F5344CB8AC3E}">
-        <p14:creationId xmlns="" xmlns:p14="http://schemas.microsoft.com/office/powerpoint/2010/main" val="326209813"/>
+        <p14:creationId xmlns:p14="http://schemas.microsoft.com/office/powerpoint/2010/main" val="326209813"/>
       </p:ext>
     </p:extLst>
   </p:cSld>
@@ -10390,7 +10397,7 @@
     </p:spTree>
     <p:extLst>
       <p:ext uri="{BB962C8B-B14F-4D97-AF65-F5344CB8AC3E}">
-        <p14:creationId xmlns="" xmlns:p14="http://schemas.microsoft.com/office/powerpoint/2010/main" val="1985172737"/>
+        <p14:creationId xmlns:p14="http://schemas.microsoft.com/office/powerpoint/2010/main" val="1985172737"/>
       </p:ext>
     </p:extLst>
   </p:cSld>
@@ -10667,7 +10674,7 @@
     </p:spTree>
     <p:extLst>
       <p:ext uri="{BB962C8B-B14F-4D97-AF65-F5344CB8AC3E}">
-        <p14:creationId xmlns="" xmlns:p14="http://schemas.microsoft.com/office/powerpoint/2010/main" val="3422045647"/>
+        <p14:creationId xmlns:p14="http://schemas.microsoft.com/office/powerpoint/2010/main" val="3422045647"/>
       </p:ext>
     </p:extLst>
   </p:cSld>
@@ -11015,7 +11022,7 @@
     </p:spTree>
     <p:extLst>
       <p:ext uri="{BB962C8B-B14F-4D97-AF65-F5344CB8AC3E}">
-        <p14:creationId xmlns="" xmlns:p14="http://schemas.microsoft.com/office/powerpoint/2010/main" val="4240310967"/>
+        <p14:creationId xmlns:p14="http://schemas.microsoft.com/office/powerpoint/2010/main" val="4240310967"/>
       </p:ext>
     </p:extLst>
   </p:cSld>
@@ -11218,7 +11225,7 @@
     </p:spTree>
     <p:extLst>
       <p:ext uri="{BB962C8B-B14F-4D97-AF65-F5344CB8AC3E}">
-        <p14:creationId xmlns="" xmlns:p14="http://schemas.microsoft.com/office/powerpoint/2010/main" val="1511441888"/>
+        <p14:creationId xmlns:p14="http://schemas.microsoft.com/office/powerpoint/2010/main" val="1511441888"/>
       </p:ext>
     </p:extLst>
   </p:cSld>
@@ -11584,7 +11591,7 @@
     </p:spTree>
     <p:extLst>
       <p:ext uri="{BB962C8B-B14F-4D97-AF65-F5344CB8AC3E}">
-        <p14:creationId xmlns="" xmlns:p14="http://schemas.microsoft.com/office/powerpoint/2010/main" val="1967050782"/>
+        <p14:creationId xmlns:p14="http://schemas.microsoft.com/office/powerpoint/2010/main" val="1967050782"/>
       </p:ext>
     </p:extLst>
   </p:cSld>
@@ -11841,7 +11848,7 @@
     </p:spTree>
     <p:extLst>
       <p:ext uri="{BB962C8B-B14F-4D97-AF65-F5344CB8AC3E}">
-        <p14:creationId xmlns="" xmlns:p14="http://schemas.microsoft.com/office/powerpoint/2010/main" val="293374804"/>
+        <p14:creationId xmlns:p14="http://schemas.microsoft.com/office/powerpoint/2010/main" val="293374804"/>
       </p:ext>
     </p:extLst>
   </p:cSld>
@@ -11992,7 +11999,7 @@
     </p:spTree>
     <p:extLst>
       <p:ext uri="{BB962C8B-B14F-4D97-AF65-F5344CB8AC3E}">
-        <p14:creationId xmlns="" xmlns:p14="http://schemas.microsoft.com/office/powerpoint/2010/main" val="3705054776"/>
+        <p14:creationId xmlns:p14="http://schemas.microsoft.com/office/powerpoint/2010/main" val="3705054776"/>
       </p:ext>
     </p:extLst>
   </p:cSld>
@@ -12132,7 +12139,7 @@
     </p:spTree>
     <p:extLst>
       <p:ext uri="{BB962C8B-B14F-4D97-AF65-F5344CB8AC3E}">
-        <p14:creationId xmlns="" xmlns:p14="http://schemas.microsoft.com/office/powerpoint/2010/main" val="3715002187"/>
+        <p14:creationId xmlns:p14="http://schemas.microsoft.com/office/powerpoint/2010/main" val="3715002187"/>
       </p:ext>
     </p:extLst>
   </p:cSld>
@@ -12225,7 +12232,7 @@
     </p:spTree>
     <p:extLst>
       <p:ext uri="{BB962C8B-B14F-4D97-AF65-F5344CB8AC3E}">
-        <p14:creationId xmlns="" xmlns:p14="http://schemas.microsoft.com/office/powerpoint/2010/main" val="4164306444"/>
+        <p14:creationId xmlns:p14="http://schemas.microsoft.com/office/powerpoint/2010/main" val="4164306444"/>
       </p:ext>
     </p:extLst>
   </p:cSld>
@@ -12285,7 +12292,7 @@
     </p:spTree>
     <p:extLst>
       <p:ext uri="{BB962C8B-B14F-4D97-AF65-F5344CB8AC3E}">
-        <p14:creationId xmlns="" xmlns:p14="http://schemas.microsoft.com/office/powerpoint/2010/main" val="2259103098"/>
+        <p14:creationId xmlns:p14="http://schemas.microsoft.com/office/powerpoint/2010/main" val="2259103098"/>
       </p:ext>
     </p:extLst>
   </p:cSld>
@@ -12536,42 +12543,24 @@
                 <a:ea typeface="Roboto" pitchFamily="2" charset="0"/>
                 <a:hlinkClick r:id="rId3"/>
               </a:rPr>
-              <a:t>http://thenounproject.com/noun/first-aid/#</a:t>
-            </a:r>
-            <a:r>
-              <a:rPr lang="de-DE" sz="1200" dirty="0" smtClean="0">
+              <a:t>http://thenounproject.com/noun/first-aid</a:t>
+            </a:r>
+            <a:r>
+              <a:rPr lang="de-DE" sz="1200">
                 <a:latin typeface="Roboto" pitchFamily="2" charset="0"/>
                 <a:ea typeface="Roboto" pitchFamily="2" charset="0"/>
                 <a:hlinkClick r:id="rId3"/>
               </a:rPr>
+              <a:t>/#</a:t>
+            </a:r>
+            <a:r>
+              <a:rPr lang="de-DE" sz="1200" smtClean="0">
+                <a:latin typeface="Roboto" pitchFamily="2" charset="0"/>
+                <a:ea typeface="Roboto" pitchFamily="2" charset="0"/>
+                <a:hlinkClick r:id="rId3"/>
+              </a:rPr>
               <a:t>icon-No2208</a:t>
             </a:r>
-            <a:r>
-              <a:rPr lang="de-DE" sz="1200" dirty="0" smtClean="0">
-                <a:latin typeface="Roboto" pitchFamily="2" charset="0"/>
-                <a:ea typeface="Roboto" pitchFamily="2" charset="0"/>
-              </a:rPr>
-              <a:t/>
-            </a:r>
-            <a:br>
-              <a:rPr lang="de-DE" sz="1200" dirty="0" smtClean="0">
-                <a:latin typeface="Roboto" pitchFamily="2" charset="0"/>
-                <a:ea typeface="Roboto" pitchFamily="2" charset="0"/>
-              </a:rPr>
-            </a:br>
-            <a:r>
-              <a:rPr lang="de-DE" sz="1200" dirty="0" smtClean="0">
-                <a:latin typeface="Roboto" pitchFamily="2" charset="0"/>
-                <a:ea typeface="Roboto" pitchFamily="2" charset="0"/>
-              </a:rPr>
-              <a:t/>
-            </a:r>
-            <a:br>
-              <a:rPr lang="de-DE" sz="1200" dirty="0" smtClean="0">
-                <a:latin typeface="Roboto" pitchFamily="2" charset="0"/>
-                <a:ea typeface="Roboto" pitchFamily="2" charset="0"/>
-              </a:rPr>
-            </a:br>
             <a:r>
               <a:rPr lang="de-DE" sz="1200" dirty="0">
                 <a:latin typeface="Roboto" pitchFamily="2" charset="0"/>
@@ -14292,7 +14281,7 @@
           <a:blip r:embed="rId6" cstate="print">
             <a:extLst>
               <a:ext uri="{BEBA8EAE-BF5A-486C-A8C5-ECC9F3942E4B}">
-                <a14:imgProps xmlns="" xmlns:a14="http://schemas.microsoft.com/office/drawing/2010/main">
+                <a14:imgProps xmlns:a14="http://schemas.microsoft.com/office/drawing/2010/main">
                   <a14:imgLayer r:embed="rId7">
                     <a14:imgEffect>
                       <a14:backgroundRemoval t="0" b="100000" l="11914" r="86719"/>
@@ -14301,7 +14290,7 @@
                 </a14:imgProps>
               </a:ext>
               <a:ext uri="{28A0092B-C50C-407E-A947-70E740481C1C}">
-                <a14:useLocalDpi xmlns="" xmlns:a14="http://schemas.microsoft.com/office/drawing/2010/main" val="0"/>
+                <a14:useLocalDpi xmlns:a14="http://schemas.microsoft.com/office/drawing/2010/main" val="0"/>
               </a:ext>
             </a:extLst>
           </a:blip>
@@ -14321,7 +14310,7 @@
           <a:noFill/>
           <a:extLst>
             <a:ext uri="{909E8E84-426E-40DD-AFC4-6F175D3DCCD1}">
-              <a14:hiddenFill xmlns="" xmlns:a14="http://schemas.microsoft.com/office/drawing/2010/main">
+              <a14:hiddenFill xmlns:a14="http://schemas.microsoft.com/office/drawing/2010/main">
                 <a:solidFill>
                   <a:srgbClr val="FFFFFF"/>
                 </a:solidFill>
@@ -14379,7 +14368,7 @@
           <a:blip r:embed="rId8" cstate="print">
             <a:extLst>
               <a:ext uri="{28A0092B-C50C-407E-A947-70E740481C1C}">
-                <a14:useLocalDpi xmlns="" xmlns:a14="http://schemas.microsoft.com/office/drawing/2010/main" val="0"/>
+                <a14:useLocalDpi xmlns:a14="http://schemas.microsoft.com/office/drawing/2010/main" val="0"/>
               </a:ext>
             </a:extLst>
           </a:blip>
@@ -14399,7 +14388,7 @@
           <a:noFill/>
           <a:extLst>
             <a:ext uri="{909E8E84-426E-40DD-AFC4-6F175D3DCCD1}">
-              <a14:hiddenFill xmlns="" xmlns:a14="http://schemas.microsoft.com/office/drawing/2010/main">
+              <a14:hiddenFill xmlns:a14="http://schemas.microsoft.com/office/drawing/2010/main">
                 <a:solidFill>
                   <a:srgbClr val="FFFFFF"/>
                 </a:solidFill>
@@ -14411,7 +14400,7 @@
     </p:spTree>
     <p:extLst>
       <p:ext uri="{BB962C8B-B14F-4D97-AF65-F5344CB8AC3E}">
-        <p14:creationId xmlns="" xmlns:p14="http://schemas.microsoft.com/office/powerpoint/2010/main" val="3041060604"/>
+        <p14:creationId xmlns:p14="http://schemas.microsoft.com/office/powerpoint/2010/main" val="3041060604"/>
       </p:ext>
     </p:extLst>
   </p:cSld>
@@ -22341,43 +22330,25 @@
                 </a:solidFill>
                 <a:ea typeface="Roboto" pitchFamily="2" charset="0"/>
               </a:rPr>
-              <a:t> </a:t>
-            </a:r>
-            <a:r>
-              <a:rPr lang="en-US" sz="4400" dirty="0" smtClean="0">
+              <a:t> Heinrich Heine, </a:t>
+            </a:r>
+            <a:r>
+              <a:rPr lang="en-US" sz="4400" dirty="0" err="1" smtClean="0">
                 <a:solidFill>
                   <a:srgbClr val="FF7400"/>
                 </a:solidFill>
                 <a:ea typeface="Roboto" pitchFamily="2" charset="0"/>
               </a:rPr>
-              <a:t>Heinrich Heine, </a:t>
-            </a:r>
-            <a:r>
-              <a:rPr lang="en-US" sz="4400" dirty="0" err="1" smtClean="0">
+              <a:t>Loreley</a:t>
+            </a:r>
+            <a:r>
+              <a:rPr lang="en-US" sz="4400" smtClean="0">
                 <a:solidFill>
                   <a:srgbClr val="FF7400"/>
                 </a:solidFill>
                 <a:ea typeface="Roboto" pitchFamily="2" charset="0"/>
               </a:rPr>
-              <a:t>Loreley</a:t>
-            </a:r>
-            <a:r>
-              <a:rPr lang="en-US" sz="4400" smtClean="0">
-                <a:solidFill>
-                  <a:srgbClr val="FF7400"/>
-                </a:solidFill>
-                <a:ea typeface="Roboto" pitchFamily="2" charset="0"/>
-              </a:rPr>
-              <a:t>, </a:t>
-            </a:r>
-            <a:r>
-              <a:rPr lang="en-US" sz="4400" smtClean="0">
-                <a:solidFill>
-                  <a:srgbClr val="FF7400"/>
-                </a:solidFill>
-                <a:ea typeface="Roboto" pitchFamily="2" charset="0"/>
-              </a:rPr>
-              <a:t>1824</a:t>
+              <a:t>, 1824</a:t>
             </a:r>
             <a:endParaRPr lang="en-US" sz="2800" dirty="0">
               <a:solidFill>
@@ -29004,7 +28975,7 @@
     </p:spTree>
     <p:extLst>
       <p:ext uri="{BB962C8B-B14F-4D97-AF65-F5344CB8AC3E}">
-        <p14:creationId xmlns="" xmlns:p14="http://schemas.microsoft.com/office/powerpoint/2010/main" val="1585547321"/>
+        <p14:creationId xmlns:p14="http://schemas.microsoft.com/office/powerpoint/2010/main" val="1585547321"/>
       </p:ext>
     </p:extLst>
   </p:cSld>
@@ -29571,6 +29542,13 @@
   <p:clrMapOvr>
     <a:masterClrMapping/>
   </p:clrMapOvr>
+  <p:timing>
+    <p:tnLst>
+      <p:par>
+        <p:cTn id="1" dur="indefinite" restart="never" nodeType="tmRoot"/>
+      </p:par>
+    </p:tnLst>
+  </p:timing>
 </p:sld>
 </file>
 
@@ -31734,7 +31712,7 @@
     </p:spTree>
     <p:extLst>
       <p:ext uri="{BB962C8B-B14F-4D97-AF65-F5344CB8AC3E}">
-        <p14:creationId xmlns="" xmlns:p14="http://schemas.microsoft.com/office/powerpoint/2010/main" val="4080653139"/>
+        <p14:creationId xmlns:p14="http://schemas.microsoft.com/office/powerpoint/2010/main" val="4080653139"/>
       </p:ext>
     </p:extLst>
   </p:cSld>
@@ -31811,7 +31789,7 @@
     </p:spTree>
     <p:extLst>
       <p:ext uri="{BB962C8B-B14F-4D97-AF65-F5344CB8AC3E}">
-        <p14:creationId xmlns="" xmlns:p14="http://schemas.microsoft.com/office/powerpoint/2010/main" val="3486408693"/>
+        <p14:creationId xmlns:p14="http://schemas.microsoft.com/office/powerpoint/2010/main" val="3486408693"/>
       </p:ext>
     </p:extLst>
   </p:cSld>
@@ -31888,7 +31866,7 @@
     </p:spTree>
     <p:extLst>
       <p:ext uri="{BB962C8B-B14F-4D97-AF65-F5344CB8AC3E}">
-        <p14:creationId xmlns="" xmlns:p14="http://schemas.microsoft.com/office/powerpoint/2010/main" val="1700360724"/>
+        <p14:creationId xmlns:p14="http://schemas.microsoft.com/office/powerpoint/2010/main" val="1700360724"/>
       </p:ext>
     </p:extLst>
   </p:cSld>
@@ -31955,7 +31933,7 @@
     </p:spTree>
     <p:extLst>
       <p:ext uri="{BB962C8B-B14F-4D97-AF65-F5344CB8AC3E}">
-        <p14:creationId xmlns="" xmlns:p14="http://schemas.microsoft.com/office/powerpoint/2010/main" val="2686215552"/>
+        <p14:creationId xmlns:p14="http://schemas.microsoft.com/office/powerpoint/2010/main" val="2686215552"/>
       </p:ext>
     </p:extLst>
   </p:cSld>
@@ -32038,7 +32016,7 @@
     </p:spTree>
     <p:extLst>
       <p:ext uri="{BB962C8B-B14F-4D97-AF65-F5344CB8AC3E}">
-        <p14:creationId xmlns="" xmlns:p14="http://schemas.microsoft.com/office/powerpoint/2010/main" val="667148433"/>
+        <p14:creationId xmlns:p14="http://schemas.microsoft.com/office/powerpoint/2010/main" val="667148433"/>
       </p:ext>
     </p:extLst>
   </p:cSld>
@@ -32124,7 +32102,7 @@
     </p:spTree>
     <p:extLst>
       <p:ext uri="{BB962C8B-B14F-4D97-AF65-F5344CB8AC3E}">
-        <p14:creationId xmlns="" xmlns:p14="http://schemas.microsoft.com/office/powerpoint/2010/main" val="600638369"/>
+        <p14:creationId xmlns:p14="http://schemas.microsoft.com/office/powerpoint/2010/main" val="600638369"/>
       </p:ext>
     </p:extLst>
   </p:cSld>
@@ -32237,7 +32215,7 @@
     </p:spTree>
     <p:extLst>
       <p:ext uri="{BB962C8B-B14F-4D97-AF65-F5344CB8AC3E}">
-        <p14:creationId xmlns="" xmlns:p14="http://schemas.microsoft.com/office/powerpoint/2010/main" val="1550625721"/>
+        <p14:creationId xmlns:p14="http://schemas.microsoft.com/office/powerpoint/2010/main" val="1550625721"/>
       </p:ext>
     </p:extLst>
   </p:cSld>
@@ -32371,7 +32349,7 @@
     </p:spTree>
     <p:extLst>
       <p:ext uri="{BB962C8B-B14F-4D97-AF65-F5344CB8AC3E}">
-        <p14:creationId xmlns="" xmlns:p14="http://schemas.microsoft.com/office/powerpoint/2010/main" val="480640005"/>
+        <p14:creationId xmlns:p14="http://schemas.microsoft.com/office/powerpoint/2010/main" val="480640005"/>
       </p:ext>
     </p:extLst>
   </p:cSld>
